--- a/tektonchains.pptx
+++ b/tektonchains.pptx
@@ -5,42 +5,43 @@
     <p:sldMasterId id="2147483672" r:id="rId1"/>
   </p:sldMasterIdLst>
   <p:notesMasterIdLst>
-    <p:notesMasterId r:id="rId18"/>
+    <p:notesMasterId r:id="rId19"/>
   </p:notesMasterIdLst>
   <p:sldIdLst>
     <p:sldId id="256" r:id="rId2"/>
-    <p:sldId id="263" r:id="rId3"/>
-    <p:sldId id="275" r:id="rId4"/>
-    <p:sldId id="276" r:id="rId5"/>
-    <p:sldId id="277" r:id="rId6"/>
-    <p:sldId id="283" r:id="rId7"/>
-    <p:sldId id="284" r:id="rId8"/>
-    <p:sldId id="279" r:id="rId9"/>
-    <p:sldId id="278" r:id="rId10"/>
-    <p:sldId id="281" r:id="rId11"/>
-    <p:sldId id="280" r:id="rId12"/>
-    <p:sldId id="287" r:id="rId13"/>
-    <p:sldId id="282" r:id="rId14"/>
-    <p:sldId id="285" r:id="rId15"/>
-    <p:sldId id="286" r:id="rId16"/>
-    <p:sldId id="288" r:id="rId17"/>
+    <p:sldId id="289" r:id="rId3"/>
+    <p:sldId id="263" r:id="rId4"/>
+    <p:sldId id="275" r:id="rId5"/>
+    <p:sldId id="276" r:id="rId6"/>
+    <p:sldId id="277" r:id="rId7"/>
+    <p:sldId id="283" r:id="rId8"/>
+    <p:sldId id="284" r:id="rId9"/>
+    <p:sldId id="279" r:id="rId10"/>
+    <p:sldId id="278" r:id="rId11"/>
+    <p:sldId id="281" r:id="rId12"/>
+    <p:sldId id="280" r:id="rId13"/>
+    <p:sldId id="287" r:id="rId14"/>
+    <p:sldId id="282" r:id="rId15"/>
+    <p:sldId id="285" r:id="rId16"/>
+    <p:sldId id="286" r:id="rId17"/>
+    <p:sldId id="288" r:id="rId18"/>
   </p:sldIdLst>
   <p:sldSz cx="12192000" cy="6858000"/>
   <p:notesSz cx="6858000" cy="9144000"/>
   <p:embeddedFontLst>
     <p:embeddedFont>
       <p:font typeface="Calibri" panose="020F0502020204030204" pitchFamily="34" charset="0"/>
-      <p:regular r:id="rId19"/>
-      <p:bold r:id="rId20"/>
-      <p:italic r:id="rId21"/>
-      <p:boldItalic r:id="rId22"/>
+      <p:regular r:id="rId20"/>
+      <p:bold r:id="rId21"/>
+      <p:italic r:id="rId22"/>
+      <p:boldItalic r:id="rId23"/>
     </p:embeddedFont>
     <p:embeddedFont>
       <p:font typeface="Open Sans" panose="020B0606030504020204" pitchFamily="34" charset="0"/>
-      <p:regular r:id="rId23"/>
-      <p:bold r:id="rId24"/>
-      <p:italic r:id="rId25"/>
-      <p:boldItalic r:id="rId26"/>
+      <p:regular r:id="rId24"/>
+      <p:bold r:id="rId25"/>
+      <p:italic r:id="rId26"/>
+      <p:boldItalic r:id="rId27"/>
     </p:embeddedFont>
   </p:embeddedFontLst>
   <p:defaultTextStyle>
@@ -763,20 +764,51 @@
           </a:bodyPr>
           <a:lstStyle/>
           <a:p>
-            <a:pPr marL="0" lvl="0" indent="0" algn="l" rtl="0">
-              <a:spcBef>
-                <a:spcPts val="0"/>
-              </a:spcBef>
-              <a:spcAft>
-                <a:spcPts val="0"/>
-              </a:spcAft>
-              <a:buNone/>
+            <a:pPr marL="171450" lvl="0" indent="-171450" algn="l" rtl="0">
+              <a:spcBef>
+                <a:spcPts val="0"/>
+              </a:spcBef>
+              <a:spcAft>
+                <a:spcPts val="0"/>
+              </a:spcAft>
             </a:pPr>
             <a:r>
-              <a:rPr lang="en-US"/>
-              <a:t> </a:t>
-            </a:r>
-            <a:endParaRPr/>
+              <a:rPr lang="en-US" dirty="0" err="1"/>
+              <a:t>Boxboat</a:t>
+            </a:r>
+            <a:r>
+              <a:rPr lang="en-US" dirty="0"/>
+              <a:t> recently got acquired by IBM</a:t>
+            </a:r>
+          </a:p>
+          <a:p>
+            <a:pPr marL="171450" lvl="0" indent="-171450" algn="l" rtl="0">
+              <a:spcBef>
+                <a:spcPts val="0"/>
+              </a:spcBef>
+              <a:spcAft>
+                <a:spcPts val="0"/>
+              </a:spcAft>
+            </a:pPr>
+            <a:r>
+              <a:rPr lang="en-US" dirty="0"/>
+              <a:t>We deal with containerization, managing cloud infrastructure, various Kubernetes platforms and general automation </a:t>
+            </a:r>
+          </a:p>
+          <a:p>
+            <a:pPr marL="171450" lvl="0" indent="-171450" algn="l" rtl="0">
+              <a:spcBef>
+                <a:spcPts val="0"/>
+              </a:spcBef>
+              <a:spcAft>
+                <a:spcPts val="0"/>
+              </a:spcAft>
+            </a:pPr>
+            <a:r>
+              <a:rPr lang="en-US" dirty="0"/>
+              <a:t>We are always focusing on security – recently with secure supply chain for software</a:t>
+            </a:r>
+            <a:endParaRPr dirty="0"/>
           </a:p>
         </p:txBody>
       </p:sp>
@@ -885,7 +917,7 @@
     </p:spTree>
     <p:extLst>
       <p:ext uri="{BB962C8B-B14F-4D97-AF65-F5344CB8AC3E}">
-        <p14:creationId xmlns:p14="http://schemas.microsoft.com/office/powerpoint/2010/main" val="3428999907"/>
+        <p14:creationId xmlns:p14="http://schemas.microsoft.com/office/powerpoint/2010/main" val="3075204846"/>
       </p:ext>
     </p:extLst>
   </p:cSld>
@@ -951,7 +983,7 @@
     </p:spTree>
     <p:extLst>
       <p:ext uri="{BB962C8B-B14F-4D97-AF65-F5344CB8AC3E}">
-        <p14:creationId xmlns:p14="http://schemas.microsoft.com/office/powerpoint/2010/main" val="3576798559"/>
+        <p14:creationId xmlns:p14="http://schemas.microsoft.com/office/powerpoint/2010/main" val="3428999907"/>
       </p:ext>
     </p:extLst>
   </p:cSld>
@@ -1017,7 +1049,7 @@
     </p:spTree>
     <p:extLst>
       <p:ext uri="{BB962C8B-B14F-4D97-AF65-F5344CB8AC3E}">
-        <p14:creationId xmlns:p14="http://schemas.microsoft.com/office/powerpoint/2010/main" val="1696799535"/>
+        <p14:creationId xmlns:p14="http://schemas.microsoft.com/office/powerpoint/2010/main" val="3576798559"/>
       </p:ext>
     </p:extLst>
   </p:cSld>
@@ -1083,7 +1115,7 @@
     </p:spTree>
     <p:extLst>
       <p:ext uri="{BB962C8B-B14F-4D97-AF65-F5344CB8AC3E}">
-        <p14:creationId xmlns:p14="http://schemas.microsoft.com/office/powerpoint/2010/main" val="698373376"/>
+        <p14:creationId xmlns:p14="http://schemas.microsoft.com/office/powerpoint/2010/main" val="1696799535"/>
       </p:ext>
     </p:extLst>
   </p:cSld>
@@ -1149,6 +1181,72 @@
     </p:spTree>
     <p:extLst>
       <p:ext uri="{BB962C8B-B14F-4D97-AF65-F5344CB8AC3E}">
+        <p14:creationId xmlns:p14="http://schemas.microsoft.com/office/powerpoint/2010/main" val="698373376"/>
+      </p:ext>
+    </p:extLst>
+  </p:cSld>
+  <p:clrMapOvr>
+    <a:masterClrMapping/>
+  </p:clrMapOvr>
+</p:notes>
+</file>
+
+<file path=ppt/notesSlides/notesSlide15.xml><?xml version="1.0" encoding="utf-8"?>
+<p:notes xmlns:a="http://schemas.openxmlformats.org/drawingml/2006/main" xmlns:r="http://schemas.openxmlformats.org/officeDocument/2006/relationships" xmlns:p="http://schemas.openxmlformats.org/presentationml/2006/main">
+  <p:cSld>
+    <p:spTree>
+      <p:nvGrpSpPr>
+        <p:cNvPr id="1" name=""/>
+        <p:cNvGrpSpPr/>
+        <p:nvPr/>
+      </p:nvGrpSpPr>
+      <p:grpSpPr>
+        <a:xfrm>
+          <a:off x="0" y="0"/>
+          <a:ext cx="0" cy="0"/>
+          <a:chOff x="0" y="0"/>
+          <a:chExt cx="0" cy="0"/>
+        </a:xfrm>
+      </p:grpSpPr>
+      <p:sp>
+        <p:nvSpPr>
+          <p:cNvPr id="2" name="Slide Image Placeholder 1"/>
+          <p:cNvSpPr>
+            <a:spLocks noGrp="1" noRot="1" noChangeAspect="1"/>
+          </p:cNvSpPr>
+          <p:nvPr>
+            <p:ph type="sldImg"/>
+          </p:nvPr>
+        </p:nvSpPr>
+        <p:spPr>
+          <a:xfrm>
+            <a:off x="381000" y="685800"/>
+            <a:ext cx="6096000" cy="3429000"/>
+          </a:xfrm>
+        </p:spPr>
+      </p:sp>
+      <p:sp>
+        <p:nvSpPr>
+          <p:cNvPr id="3" name="Notes Placeholder 2"/>
+          <p:cNvSpPr>
+            <a:spLocks noGrp="1"/>
+          </p:cNvSpPr>
+          <p:nvPr>
+            <p:ph type="body" idx="1"/>
+          </p:nvPr>
+        </p:nvSpPr>
+        <p:spPr/>
+        <p:txBody>
+          <a:bodyPr/>
+          <a:lstStyle/>
+          <a:p>
+            <a:endParaRPr lang="en-US" dirty="0"/>
+          </a:p>
+        </p:txBody>
+      </p:sp>
+    </p:spTree>
+    <p:extLst>
+      <p:ext uri="{BB962C8B-B14F-4D97-AF65-F5344CB8AC3E}">
         <p14:creationId xmlns:p14="http://schemas.microsoft.com/office/powerpoint/2010/main" val="2998750350"/>
       </p:ext>
     </p:extLst>
@@ -1159,7 +1257,7 @@
 </p:notes>
 </file>
 
-<file path=ppt/notesSlides/notesSlide15.xml><?xml version="1.0" encoding="utf-8"?>
+<file path=ppt/notesSlides/notesSlide16.xml><?xml version="1.0" encoding="utf-8"?>
 <p:notes xmlns:a="http://schemas.openxmlformats.org/drawingml/2006/main" xmlns:r="http://schemas.openxmlformats.org/officeDocument/2006/relationships" xmlns:p="http://schemas.openxmlformats.org/presentationml/2006/main">
   <p:cSld>
     <p:spTree>
@@ -1336,6 +1434,11 @@
         </p:txBody>
       </p:sp>
     </p:spTree>
+    <p:extLst>
+      <p:ext uri="{BB962C8B-B14F-4D97-AF65-F5344CB8AC3E}">
+        <p14:creationId xmlns:p14="http://schemas.microsoft.com/office/powerpoint/2010/main" val="1260622104"/>
+      </p:ext>
+    </p:extLst>
   </p:cSld>
   <p:clrMapOvr>
     <a:masterClrMapping/>
@@ -1440,169 +1543,20 @@
             </a:r>
             <a:r>
               <a:rPr lang="en-US" dirty="0"/>
-              <a:t> </a:t>
+              <a:t> – open </a:t>
             </a:r>
             <a:r>
               <a:rPr lang="en-US" dirty="0" err="1"/>
-              <a:t>mutlti</a:t>
+              <a:t>souce</a:t>
             </a:r>
             <a:r>
               <a:rPr lang="en-US" dirty="0"/>
-              <a:t> project:</a:t>
-            </a:r>
-          </a:p>
-          <a:p>
-            <a:pPr marL="628650" lvl="1" indent="-171450" algn="l" rtl="0">
-              <a:spcBef>
-                <a:spcPts val="0"/>
-              </a:spcBef>
-              <a:spcAft>
-                <a:spcPts val="0"/>
-              </a:spcAft>
-            </a:pPr>
-            <a:r>
-              <a:rPr lang="en-US" dirty="0"/>
-              <a:t>Pipelines – is used to create the CI/CD pipelines. It is a combination of tasks and pipelines. We will discuss these in the coming slides</a:t>
-            </a:r>
-          </a:p>
-          <a:p>
-            <a:pPr marL="628650" lvl="1" indent="-171450" algn="l" rtl="0">
-              <a:spcBef>
-                <a:spcPts val="0"/>
-              </a:spcBef>
-              <a:spcAft>
-                <a:spcPts val="0"/>
-              </a:spcAft>
-            </a:pPr>
-            <a:r>
-              <a:rPr lang="en-US" dirty="0"/>
-              <a:t>CLI – is a command line interface (</a:t>
-            </a:r>
-            <a:r>
-              <a:rPr lang="en-US" dirty="0" err="1"/>
-              <a:t>tkn</a:t>
-            </a:r>
-            <a:r>
-              <a:rPr lang="en-US" dirty="0"/>
-              <a:t>) that you can interact using the terminal. Can be used to run pipelines or view current status</a:t>
-            </a:r>
-          </a:p>
-          <a:p>
-            <a:pPr marL="628650" lvl="1" indent="-171450" algn="l" rtl="0">
-              <a:spcBef>
-                <a:spcPts val="0"/>
-              </a:spcBef>
-              <a:spcAft>
-                <a:spcPts val="0"/>
-              </a:spcAft>
-            </a:pPr>
-            <a:r>
-              <a:rPr lang="en-US" dirty="0" err="1"/>
-              <a:t>DashBoard</a:t>
-            </a:r>
-            <a:r>
-              <a:rPr lang="en-US" dirty="0"/>
-              <a:t> – is a GUI for </a:t>
-            </a:r>
-            <a:r>
-              <a:rPr lang="en-US" dirty="0" err="1"/>
-              <a:t>tekton</a:t>
-            </a:r>
-            <a:r>
-              <a:rPr lang="en-US" dirty="0"/>
-              <a:t>. If you prefer to view and modify the </a:t>
-            </a:r>
-            <a:r>
-              <a:rPr lang="en-US" dirty="0" err="1"/>
-              <a:t>tekton</a:t>
-            </a:r>
-            <a:r>
-              <a:rPr lang="en-US" dirty="0"/>
-              <a:t> from a web browser, this can be very helpful – I will show this in the coming demo</a:t>
-            </a:r>
-          </a:p>
-          <a:p>
-            <a:pPr marL="628650" lvl="1" indent="-171450" algn="l" rtl="0">
-              <a:spcBef>
-                <a:spcPts val="0"/>
-              </a:spcBef>
-              <a:spcAft>
-                <a:spcPts val="0"/>
-              </a:spcAft>
-            </a:pPr>
-            <a:r>
-              <a:rPr lang="en-US" dirty="0"/>
-              <a:t>Catalog/hub – is a collection of pre-made pipelines and tasks that user can utilize or modify for their needs. A great starting point. We will be using the </a:t>
-            </a:r>
-            <a:r>
-              <a:rPr lang="en-US" dirty="0" err="1"/>
-              <a:t>buildpacks</a:t>
-            </a:r>
-            <a:r>
-              <a:rPr lang="en-US" dirty="0"/>
-              <a:t> pipeline from today’s demo</a:t>
-            </a:r>
-          </a:p>
-          <a:p>
-            <a:pPr marL="628650" lvl="1" indent="-171450" algn="l" rtl="0">
-              <a:spcBef>
-                <a:spcPts val="0"/>
-              </a:spcBef>
-              <a:spcAft>
-                <a:spcPts val="0"/>
-              </a:spcAft>
-            </a:pPr>
-            <a:r>
-              <a:rPr lang="en-US" dirty="0"/>
-              <a:t>Chains – This is the piece we will focus most of our discussion on. It monitors the </a:t>
-            </a:r>
-            <a:r>
-              <a:rPr lang="en-US" dirty="0" err="1"/>
-              <a:t>taskruns</a:t>
-            </a:r>
-            <a:r>
-              <a:rPr lang="en-US" dirty="0"/>
-              <a:t> in </a:t>
-            </a:r>
-            <a:r>
-              <a:rPr lang="en-US" dirty="0" err="1"/>
-              <a:t>tekton</a:t>
-            </a:r>
-            <a:r>
-              <a:rPr lang="en-US" dirty="0"/>
-              <a:t> pipeline, converts them to a standard format and signs it.</a:t>
-            </a:r>
-          </a:p>
-          <a:p>
-            <a:pPr marL="628650" lvl="1" indent="-171450" algn="l" rtl="0">
-              <a:spcBef>
-                <a:spcPts val="0"/>
-              </a:spcBef>
-              <a:spcAft>
-                <a:spcPts val="0"/>
-              </a:spcAft>
-            </a:pPr>
-            <a:endParaRPr lang="en-US" dirty="0"/>
-          </a:p>
-          <a:p>
-            <a:pPr marL="628650" lvl="1" indent="-171450" algn="l" rtl="0">
-              <a:spcBef>
-                <a:spcPts val="0"/>
-              </a:spcBef>
-              <a:spcAft>
-                <a:spcPts val="0"/>
-              </a:spcAft>
-            </a:pPr>
-            <a:endParaRPr dirty="0"/>
+              <a:t> cloud native CD/CD system. Can be used on any cloud provider and on-premise system</a:t>
+            </a:r>
           </a:p>
         </p:txBody>
       </p:sp>
     </p:spTree>
-    <p:extLst>
-      <p:ext uri="{BB962C8B-B14F-4D97-AF65-F5344CB8AC3E}">
-        <p14:creationId xmlns:p14="http://schemas.microsoft.com/office/powerpoint/2010/main" val="2377357369"/>
-      </p:ext>
-    </p:extLst>
   </p:cSld>
   <p:clrMapOvr>
     <a:masterClrMapping/>
@@ -1693,80 +1647,173 @@
           </a:bodyPr>
           <a:lstStyle/>
           <a:p>
-            <a:pPr marL="0" lvl="0" indent="0" algn="l" rtl="0">
-              <a:spcBef>
-                <a:spcPts val="0"/>
-              </a:spcBef>
-              <a:spcAft>
-                <a:spcPts val="0"/>
-              </a:spcAft>
-              <a:buNone/>
+            <a:pPr marL="171450" lvl="0" indent="-171450" algn="l" rtl="0">
+              <a:spcBef>
+                <a:spcPts val="0"/>
+              </a:spcBef>
+              <a:spcAft>
+                <a:spcPts val="0"/>
+              </a:spcAft>
             </a:pPr>
             <a:r>
+              <a:rPr lang="en-US" dirty="0" err="1"/>
+              <a:t>Tekton</a:t>
+            </a:r>
+            <a:r>
               <a:rPr lang="en-US" dirty="0"/>
-              <a:t>Example of a simple Task and </a:t>
+              <a:t> </a:t>
             </a:r>
             <a:r>
               <a:rPr lang="en-US" dirty="0" err="1"/>
-              <a:t>Taskrun</a:t>
-            </a:r>
-            <a:endParaRPr lang="en-US" dirty="0"/>
-          </a:p>
-          <a:p>
-            <a:pPr marL="0" lvl="0" indent="0" algn="l" rtl="0">
-              <a:spcBef>
-                <a:spcPts val="0"/>
-              </a:spcBef>
-              <a:spcAft>
-                <a:spcPts val="0"/>
-              </a:spcAft>
-              <a:buNone/>
+              <a:t>mutlti</a:t>
+            </a:r>
+            <a:r>
+              <a:rPr lang="en-US" dirty="0"/>
+              <a:t> project:</a:t>
+            </a:r>
+          </a:p>
+          <a:p>
+            <a:pPr marL="628650" lvl="1" indent="-171450" algn="l" rtl="0">
+              <a:spcBef>
+                <a:spcPts val="0"/>
+              </a:spcBef>
+              <a:spcAft>
+                <a:spcPts val="0"/>
+              </a:spcAft>
+            </a:pPr>
+            <a:r>
+              <a:rPr lang="en-US" dirty="0"/>
+              <a:t>Pipelines – is used to create the CI/CD pipelines. It is a combination of tasks and pipelines. We will discuss these in the coming slides</a:t>
+            </a:r>
+          </a:p>
+          <a:p>
+            <a:pPr marL="628650" lvl="1" indent="-171450" algn="l" rtl="0">
+              <a:spcBef>
+                <a:spcPts val="0"/>
+              </a:spcBef>
+              <a:spcAft>
+                <a:spcPts val="0"/>
+              </a:spcAft>
+            </a:pPr>
+            <a:r>
+              <a:rPr lang="en-US" dirty="0"/>
+              <a:t>CLI – is a command line interface (</a:t>
+            </a:r>
+            <a:r>
+              <a:rPr lang="en-US" dirty="0" err="1"/>
+              <a:t>tkn</a:t>
+            </a:r>
+            <a:r>
+              <a:rPr lang="en-US" dirty="0"/>
+              <a:t>) that you can interact using the terminal. Can be used to run pipelines or view current status</a:t>
+            </a:r>
+          </a:p>
+          <a:p>
+            <a:pPr marL="628650" lvl="1" indent="-171450" algn="l" rtl="0">
+              <a:spcBef>
+                <a:spcPts val="0"/>
+              </a:spcBef>
+              <a:spcAft>
+                <a:spcPts val="0"/>
+              </a:spcAft>
+            </a:pPr>
+            <a:r>
+              <a:rPr lang="en-US" dirty="0" err="1"/>
+              <a:t>DashBoard</a:t>
+            </a:r>
+            <a:r>
+              <a:rPr lang="en-US" dirty="0"/>
+              <a:t> – is a GUI for </a:t>
+            </a:r>
+            <a:r>
+              <a:rPr lang="en-US" dirty="0" err="1"/>
+              <a:t>tekton</a:t>
+            </a:r>
+            <a:r>
+              <a:rPr lang="en-US" dirty="0"/>
+              <a:t>. If you prefer to view and modify the </a:t>
+            </a:r>
+            <a:r>
+              <a:rPr lang="en-US" dirty="0" err="1"/>
+              <a:t>tekton</a:t>
+            </a:r>
+            <a:r>
+              <a:rPr lang="en-US" dirty="0"/>
+              <a:t> from a web browser, this can be very helpful – I will show this in the coming demo</a:t>
+            </a:r>
+          </a:p>
+          <a:p>
+            <a:pPr marL="628650" lvl="1" indent="-171450" algn="l" rtl="0">
+              <a:spcBef>
+                <a:spcPts val="0"/>
+              </a:spcBef>
+              <a:spcAft>
+                <a:spcPts val="0"/>
+              </a:spcAft>
+            </a:pPr>
+            <a:r>
+              <a:rPr lang="en-US" dirty="0"/>
+              <a:t>Catalog/hub – is a collection of pre-made pipelines and tasks that user can utilize or modify for their needs. A great starting point. We will be using the </a:t>
+            </a:r>
+            <a:r>
+              <a:rPr lang="en-US" dirty="0" err="1"/>
+              <a:t>buildpacks</a:t>
+            </a:r>
+            <a:r>
+              <a:rPr lang="en-US" dirty="0"/>
+              <a:t> pipeline from today’s demo</a:t>
+            </a:r>
+          </a:p>
+          <a:p>
+            <a:pPr marL="628650" lvl="1" indent="-171450" algn="l" rtl="0">
+              <a:spcBef>
+                <a:spcPts val="0"/>
+              </a:spcBef>
+              <a:spcAft>
+                <a:spcPts val="0"/>
+              </a:spcAft>
+            </a:pPr>
+            <a:r>
+              <a:rPr lang="en-US" dirty="0"/>
+              <a:t>Chains – This is the piece we will focus most of our discussion on. It monitors the </a:t>
+            </a:r>
+            <a:r>
+              <a:rPr lang="en-US" dirty="0" err="1"/>
+              <a:t>taskruns</a:t>
+            </a:r>
+            <a:r>
+              <a:rPr lang="en-US" dirty="0"/>
+              <a:t> in </a:t>
+            </a:r>
+            <a:r>
+              <a:rPr lang="en-US" dirty="0" err="1"/>
+              <a:t>tekton</a:t>
+            </a:r>
+            <a:r>
+              <a:rPr lang="en-US" dirty="0"/>
+              <a:t> pipeline, converts them to a standard format and signs it.</a:t>
+            </a:r>
+          </a:p>
+          <a:p>
+            <a:pPr marL="628650" lvl="1" indent="-171450" algn="l" rtl="0">
+              <a:spcBef>
+                <a:spcPts val="0"/>
+              </a:spcBef>
+              <a:spcAft>
+                <a:spcPts val="0"/>
+              </a:spcAft>
             </a:pPr>
             <a:endParaRPr lang="en-US" dirty="0"/>
           </a:p>
           <a:p>
-            <a:pPr marL="171450" lvl="0" indent="-171450" algn="l" rtl="0">
-              <a:spcBef>
-                <a:spcPts val="0"/>
-              </a:spcBef>
-              <a:spcAft>
-                <a:spcPts val="0"/>
-              </a:spcAft>
-              <a:buFontTx/>
-              <a:buChar char="-"/>
+            <a:pPr marL="628650" lvl="1" indent="-171450" algn="l" rtl="0">
+              <a:spcBef>
+                <a:spcPts val="0"/>
+              </a:spcBef>
+              <a:spcAft>
+                <a:spcPts val="0"/>
+              </a:spcAft>
             </a:pPr>
-            <a:r>
-              <a:rPr lang="en-US" dirty="0"/>
-              <a:t>Task defines the steps that will occur within that task and parameters that are passed to it.</a:t>
-            </a:r>
-          </a:p>
-          <a:p>
-            <a:pPr marL="171450" lvl="0" indent="-171450" algn="l" rtl="0">
-              <a:spcBef>
-                <a:spcPts val="0"/>
-              </a:spcBef>
-              <a:spcAft>
-                <a:spcPts val="0"/>
-              </a:spcAft>
-              <a:buFontTx/>
-              <a:buChar char="-"/>
-            </a:pPr>
-            <a:r>
-              <a:rPr lang="en-US" dirty="0" err="1"/>
-              <a:t>Taskrun</a:t>
-            </a:r>
-            <a:r>
-              <a:rPr lang="en-US" dirty="0"/>
-              <a:t> is used to initialize and run the task. It specifies the task that is called and the </a:t>
-            </a:r>
-            <a:r>
-              <a:rPr lang="en-US" dirty="0" err="1"/>
-              <a:t>paramters</a:t>
-            </a:r>
-            <a:r>
-              <a:rPr lang="en-US" dirty="0"/>
-              <a:t> that the task needs to run.</a:t>
-            </a:r>
             <a:endParaRPr dirty="0"/>
           </a:p>
         </p:txBody>
@@ -1774,7 +1821,7 @@
     </p:spTree>
     <p:extLst>
       <p:ext uri="{BB962C8B-B14F-4D97-AF65-F5344CB8AC3E}">
-        <p14:creationId xmlns:p14="http://schemas.microsoft.com/office/powerpoint/2010/main" val="21871277"/>
+        <p14:creationId xmlns:p14="http://schemas.microsoft.com/office/powerpoint/2010/main" val="2377357369"/>
       </p:ext>
     </p:extLst>
   </p:cSld>
@@ -1878,11 +1925,11 @@
             </a:pPr>
             <a:r>
               <a:rPr lang="en-US" dirty="0"/>
-              <a:t>This is an example of a simple pipeline and </a:t>
+              <a:t>Example of a simple Task and </a:t>
             </a:r>
             <a:r>
               <a:rPr lang="en-US" dirty="0" err="1"/>
-              <a:t>pipelinerun</a:t>
+              <a:t>Taskrun</a:t>
             </a:r>
             <a:endParaRPr lang="en-US" dirty="0"/>
           </a:p>
@@ -1899,49 +1946,47 @@
             <a:endParaRPr lang="en-US" dirty="0"/>
           </a:p>
           <a:p>
-            <a:pPr marL="0" lvl="0" indent="0" algn="l" rtl="0">
-              <a:spcBef>
-                <a:spcPts val="0"/>
-              </a:spcBef>
-              <a:spcAft>
-                <a:spcPts val="0"/>
-              </a:spcAft>
-              <a:buNone/>
+            <a:pPr marL="171450" lvl="0" indent="-171450" algn="l" rtl="0">
+              <a:spcBef>
+                <a:spcPts val="0"/>
+              </a:spcBef>
+              <a:spcAft>
+                <a:spcPts val="0"/>
+              </a:spcAft>
+              <a:buFontTx/>
+              <a:buChar char="-"/>
             </a:pPr>
             <a:r>
               <a:rPr lang="en-US" dirty="0"/>
-              <a:t>- The pipeline is a collection of tasks that need to be run. You can specify the order and ensure that one task runs before another. Similar </a:t>
-            </a:r>
+              <a:t>Task defines the steps that will occur within that task and parameters that are passed to it.</a:t>
+            </a:r>
+          </a:p>
+          <a:p>
+            <a:pPr marL="171450" lvl="0" indent="-171450" algn="l" rtl="0">
+              <a:spcBef>
+                <a:spcPts val="0"/>
+              </a:spcBef>
+              <a:spcAft>
+                <a:spcPts val="0"/>
+              </a:spcAft>
+              <a:buFontTx/>
+              <a:buChar char="-"/>
+            </a:pPr>
             <a:r>
               <a:rPr lang="en-US" dirty="0" err="1"/>
-              <a:t>taskrun</a:t>
+              <a:t>Taskrun</a:t>
             </a:r>
             <a:r>
               <a:rPr lang="en-US" dirty="0"/>
-              <a:t> before, it defines the task and the parameters associated with it. You can share a workspace between the tasks to share values.</a:t>
-            </a:r>
-          </a:p>
-          <a:p>
-            <a:pPr marL="0" lvl="0" indent="0" algn="l" rtl="0">
-              <a:spcBef>
-                <a:spcPts val="0"/>
-              </a:spcBef>
-              <a:spcAft>
-                <a:spcPts val="0"/>
-              </a:spcAft>
-              <a:buNone/>
-            </a:pPr>
+              <a:t> is used to initialize and run the task. It specifies the task that is called and the </a:t>
+            </a:r>
+            <a:r>
+              <a:rPr lang="en-US" dirty="0" err="1"/>
+              <a:t>paramters</a:t>
+            </a:r>
             <a:r>
               <a:rPr lang="en-US" dirty="0"/>
-              <a:t>– </a:t>
-            </a:r>
-            <a:r>
-              <a:rPr lang="en-US" dirty="0" err="1"/>
-              <a:t>Pipelinerun</a:t>
-            </a:r>
-            <a:r>
-              <a:rPr lang="en-US" dirty="0"/>
-              <a:t> initializes the pipeline and passes in the parameters associated for it to run. If there are shared workspace (persistent volume claims) they would be defined here.</a:t>
+              <a:t> that the task needs to run.</a:t>
             </a:r>
             <a:endParaRPr dirty="0"/>
           </a:p>
@@ -1950,7 +1995,7 @@
     </p:spTree>
     <p:extLst>
       <p:ext uri="{BB962C8B-B14F-4D97-AF65-F5344CB8AC3E}">
-        <p14:creationId xmlns:p14="http://schemas.microsoft.com/office/powerpoint/2010/main" val="3009693342"/>
+        <p14:creationId xmlns:p14="http://schemas.microsoft.com/office/powerpoint/2010/main" val="21871277"/>
       </p:ext>
     </p:extLst>
   </p:cSld>
@@ -1961,11 +2006,11 @@
 </file>
 
 <file path=ppt/notesSlides/notesSlide6.xml><?xml version="1.0" encoding="utf-8"?>
-<p:notes xmlns:a="http://schemas.openxmlformats.org/drawingml/2006/main" xmlns:r="http://schemas.openxmlformats.org/officeDocument/2006/relationships" xmlns:p="http://schemas.openxmlformats.org/presentationml/2006/main">
+<p:notes xmlns:a="http://schemas.openxmlformats.org/drawingml/2006/main" xmlns:r="http://schemas.openxmlformats.org/officeDocument/2006/relationships" xmlns:p="http://schemas.openxmlformats.org/presentationml/2006/main" showMasterSp="0" showMasterPhAnim="0">
   <p:cSld>
     <p:spTree>
       <p:nvGrpSpPr>
-        <p:cNvPr id="1" name=""/>
+        <p:cNvPr id="1" name="Shape 220"/>
         <p:cNvGrpSpPr/>
         <p:nvPr/>
       </p:nvGrpSpPr>
@@ -1979,12 +2024,12 @@
       </p:grpSpPr>
       <p:sp>
         <p:nvSpPr>
-          <p:cNvPr id="2" name="Slide Image Placeholder 1"/>
+          <p:cNvPr id="221" name="Google Shape;221;gc235197768_0_41:notes"/>
           <p:cNvSpPr>
             <a:spLocks noGrp="1" noRot="1" noChangeAspect="1"/>
           </p:cNvSpPr>
           <p:nvPr>
-            <p:ph type="sldImg"/>
+            <p:ph type="sldImg" idx="2"/>
           </p:nvPr>
         </p:nvSpPr>
         <p:spPr>
@@ -1992,31 +2037,141 @@
             <a:off x="381000" y="685800"/>
             <a:ext cx="6096000" cy="3429000"/>
           </a:xfrm>
+          <a:custGeom>
+            <a:avLst/>
+            <a:gdLst/>
+            <a:ahLst/>
+            <a:cxnLst/>
+            <a:rect l="l" t="t" r="r" b="b"/>
+            <a:pathLst>
+              <a:path w="120000" h="120000" extrusionOk="0">
+                <a:moveTo>
+                  <a:pt x="0" y="0"/>
+                </a:moveTo>
+                <a:lnTo>
+                  <a:pt x="120000" y="0"/>
+                </a:lnTo>
+                <a:lnTo>
+                  <a:pt x="120000" y="120000"/>
+                </a:lnTo>
+                <a:lnTo>
+                  <a:pt x="0" y="120000"/>
+                </a:lnTo>
+                <a:close/>
+              </a:path>
+            </a:pathLst>
+          </a:custGeom>
         </p:spPr>
       </p:sp>
       <p:sp>
         <p:nvSpPr>
-          <p:cNvPr id="3" name="Notes Placeholder 2"/>
-          <p:cNvSpPr>
+          <p:cNvPr id="222" name="Google Shape;222;gc235197768_0_41:notes"/>
+          <p:cNvSpPr txBox="1">
             <a:spLocks noGrp="1"/>
           </p:cNvSpPr>
           <p:nvPr>
             <p:ph type="body" idx="1"/>
           </p:nvPr>
         </p:nvSpPr>
-        <p:spPr/>
+        <p:spPr>
+          <a:xfrm>
+            <a:off x="685800" y="4343400"/>
+            <a:ext cx="5486400" cy="4114800"/>
+          </a:xfrm>
+          <a:prstGeom prst="rect">
+            <a:avLst/>
+          </a:prstGeom>
+        </p:spPr>
         <p:txBody>
-          <a:bodyPr/>
+          <a:bodyPr spcFirstLastPara="1" wrap="square" lIns="91425" tIns="91425" rIns="91425" bIns="91425" anchor="t" anchorCtr="0">
+            <a:noAutofit/>
+          </a:bodyPr>
           <a:lstStyle/>
           <a:p>
+            <a:pPr marL="0" lvl="0" indent="0" algn="l" rtl="0">
+              <a:spcBef>
+                <a:spcPts val="0"/>
+              </a:spcBef>
+              <a:spcAft>
+                <a:spcPts val="0"/>
+              </a:spcAft>
+              <a:buNone/>
+            </a:pPr>
+            <a:r>
+              <a:rPr lang="en-US" dirty="0"/>
+              <a:t>This is an example of a simple pipeline and </a:t>
+            </a:r>
+            <a:r>
+              <a:rPr lang="en-US" dirty="0" err="1"/>
+              <a:t>pipelinerun</a:t>
+            </a:r>
             <a:endParaRPr lang="en-US" dirty="0"/>
+          </a:p>
+          <a:p>
+            <a:pPr marL="0" lvl="0" indent="0" algn="l" rtl="0">
+              <a:spcBef>
+                <a:spcPts val="0"/>
+              </a:spcBef>
+              <a:spcAft>
+                <a:spcPts val="0"/>
+              </a:spcAft>
+              <a:buNone/>
+            </a:pPr>
+            <a:endParaRPr lang="en-US" dirty="0"/>
+          </a:p>
+          <a:p>
+            <a:pPr marL="0" lvl="0" indent="0" algn="l" rtl="0">
+              <a:spcBef>
+                <a:spcPts val="0"/>
+              </a:spcBef>
+              <a:spcAft>
+                <a:spcPts val="0"/>
+              </a:spcAft>
+              <a:buNone/>
+            </a:pPr>
+            <a:r>
+              <a:rPr lang="en-US" dirty="0"/>
+              <a:t>- The pipeline is a collection of tasks that need to be run. You can specify the order and ensure that one task runs before another. Similar </a:t>
+            </a:r>
+            <a:r>
+              <a:rPr lang="en-US" dirty="0" err="1"/>
+              <a:t>taskrun</a:t>
+            </a:r>
+            <a:r>
+              <a:rPr lang="en-US" dirty="0"/>
+              <a:t> before, it defines the task and the parameters associated with it. You can share a workspace between the tasks to share values.</a:t>
+            </a:r>
+          </a:p>
+          <a:p>
+            <a:pPr marL="0" lvl="0" indent="0" algn="l" rtl="0">
+              <a:spcBef>
+                <a:spcPts val="0"/>
+              </a:spcBef>
+              <a:spcAft>
+                <a:spcPts val="0"/>
+              </a:spcAft>
+              <a:buNone/>
+            </a:pPr>
+            <a:r>
+              <a:rPr lang="en-US" dirty="0"/>
+              <a:t>– </a:t>
+            </a:r>
+            <a:r>
+              <a:rPr lang="en-US" dirty="0" err="1"/>
+              <a:t>Pipelinerun</a:t>
+            </a:r>
+            <a:r>
+              <a:rPr lang="en-US" dirty="0"/>
+              <a:t> initializes the pipeline and passes in the parameters associated for it to run. If there are shared workspace (persistent volume claims) they would be defined here.</a:t>
+            </a:r>
+            <a:endParaRPr dirty="0"/>
           </a:p>
         </p:txBody>
       </p:sp>
     </p:spTree>
     <p:extLst>
       <p:ext uri="{BB962C8B-B14F-4D97-AF65-F5344CB8AC3E}">
-        <p14:creationId xmlns:p14="http://schemas.microsoft.com/office/powerpoint/2010/main" val="3186721765"/>
+        <p14:creationId xmlns:p14="http://schemas.microsoft.com/office/powerpoint/2010/main" val="3009693342"/>
       </p:ext>
     </p:extLst>
   </p:cSld>
@@ -2082,7 +2237,7 @@
     </p:spTree>
     <p:extLst>
       <p:ext uri="{BB962C8B-B14F-4D97-AF65-F5344CB8AC3E}">
-        <p14:creationId xmlns:p14="http://schemas.microsoft.com/office/powerpoint/2010/main" val="3224763996"/>
+        <p14:creationId xmlns:p14="http://schemas.microsoft.com/office/powerpoint/2010/main" val="3186721765"/>
       </p:ext>
     </p:extLst>
   </p:cSld>
@@ -2141,27 +2296,14 @@
           <a:bodyPr/>
           <a:lstStyle/>
           <a:p>
-            <a:r>
-              <a:rPr lang="en-US" dirty="0" err="1"/>
-              <a:t>Tekton</a:t>
-            </a:r>
-            <a:r>
-              <a:rPr lang="en-US" dirty="0"/>
-              <a:t> Chains allows us to meet Level 1 and Level 2 of SLSA with the current release.</a:t>
-            </a:r>
-          </a:p>
-          <a:p>
-            <a:r>
-              <a:rPr lang="en-US" dirty="0"/>
-              <a:t>Once SPIFFE Spire is added (which adds short lived, verified certs) – that will bring Chains closer to Level 3 with non-falsifiable provenance. This is still work in progress.</a:t>
-            </a:r>
+            <a:endParaRPr lang="en-US" dirty="0"/>
           </a:p>
         </p:txBody>
       </p:sp>
     </p:spTree>
     <p:extLst>
       <p:ext uri="{BB962C8B-B14F-4D97-AF65-F5344CB8AC3E}">
-        <p14:creationId xmlns:p14="http://schemas.microsoft.com/office/powerpoint/2010/main" val="1206610638"/>
+        <p14:creationId xmlns:p14="http://schemas.microsoft.com/office/powerpoint/2010/main" val="3224763996"/>
       </p:ext>
     </p:extLst>
   </p:cSld>
@@ -2220,14 +2362,27 @@
           <a:bodyPr/>
           <a:lstStyle/>
           <a:p>
-            <a:endParaRPr lang="en-US" dirty="0"/>
+            <a:r>
+              <a:rPr lang="en-US" dirty="0" err="1"/>
+              <a:t>Tekton</a:t>
+            </a:r>
+            <a:r>
+              <a:rPr lang="en-US" dirty="0"/>
+              <a:t> Chains allows us to meet Level 1 and Level 2 of SLSA with the current release.</a:t>
+            </a:r>
+          </a:p>
+          <a:p>
+            <a:r>
+              <a:rPr lang="en-US" dirty="0"/>
+              <a:t>Once SPIFFE Spire is added (which adds short lived, verified certs) – that will bring Chains closer to Level 3 with non-falsifiable provenance. This is still work in progress.</a:t>
+            </a:r>
           </a:p>
         </p:txBody>
       </p:sp>
     </p:spTree>
     <p:extLst>
       <p:ext uri="{BB962C8B-B14F-4D97-AF65-F5344CB8AC3E}">
-        <p14:creationId xmlns:p14="http://schemas.microsoft.com/office/powerpoint/2010/main" val="3075204846"/>
+        <p14:creationId xmlns:p14="http://schemas.microsoft.com/office/powerpoint/2010/main" val="1206610638"/>
       </p:ext>
     </p:extLst>
   </p:cSld>
@@ -9516,7 +9671,7 @@
         <p:fade/>
       </p:transition>
     </mc:Choice>
-    <mc:Fallback xmlns="" xmlns:mv="urn:schemas-microsoft-com:mac:vml" xmlns:c="http://schemas.openxmlformats.org/drawingml/2006/chart" xmlns:dgm="http://schemas.openxmlformats.org/drawingml/2006/diagram" xmlns:o="urn:schemas-microsoft-com:office:office" xmlns:v="urn:schemas-microsoft-com:vml" xmlns:pvml="urn:schemas-microsoft-com:office:powerpoint" xmlns:com="http://schemas.openxmlformats.org/drawingml/2006/compatibility" xmlns:p15="http://schemas.microsoft.com/office/powerpoint/2012/main" xmlns:ahyp="http://schemas.microsoft.com/office/drawing/2018/hyperlinkcolor">
+    <mc:Fallback xmlns:ahyp="http://schemas.microsoft.com/office/drawing/2018/hyperlinkcolor" xmlns:p15="http://schemas.microsoft.com/office/powerpoint/2012/main" xmlns:com="http://schemas.openxmlformats.org/drawingml/2006/compatibility" xmlns:pvml="urn:schemas-microsoft-com:office:powerpoint" xmlns:v="urn:schemas-microsoft-com:vml" xmlns:o="urn:schemas-microsoft-com:office:office" xmlns:dgm="http://schemas.openxmlformats.org/drawingml/2006/diagram" xmlns:c="http://schemas.openxmlformats.org/drawingml/2006/chart" xmlns:mv="urn:schemas-microsoft-com:mac:vml" xmlns="">
       <p:transition>
         <p:fade/>
       </p:transition>
@@ -14906,2924 +15061,6 @@
 </file>
 
 <file path=ppt/slides/slide10.xml><?xml version="1.0" encoding="utf-8"?>
-<p:sld xmlns:a="http://schemas.openxmlformats.org/drawingml/2006/main" xmlns:r="http://schemas.openxmlformats.org/officeDocument/2006/relationships" xmlns:p="http://schemas.openxmlformats.org/presentationml/2006/main">
-  <p:cSld>
-    <p:spTree>
-      <p:nvGrpSpPr>
-        <p:cNvPr id="1" name=""/>
-        <p:cNvGrpSpPr/>
-        <p:nvPr/>
-      </p:nvGrpSpPr>
-      <p:grpSpPr>
-        <a:xfrm>
-          <a:off x="0" y="0"/>
-          <a:ext cx="0" cy="0"/>
-          <a:chOff x="0" y="0"/>
-          <a:chExt cx="0" cy="0"/>
-        </a:xfrm>
-      </p:grpSpPr>
-      <p:sp>
-        <p:nvSpPr>
-          <p:cNvPr id="2" name="Title 1">
-            <a:extLst>
-              <a:ext uri="{FF2B5EF4-FFF2-40B4-BE49-F238E27FC236}">
-                <a16:creationId xmlns:a16="http://schemas.microsoft.com/office/drawing/2014/main" id="{9F525ED9-DBBB-1B44-9DA1-6F33B70B5622}"/>
-              </a:ext>
-            </a:extLst>
-          </p:cNvPr>
-          <p:cNvSpPr>
-            <a:spLocks noGrp="1"/>
-          </p:cNvSpPr>
-          <p:nvPr>
-            <p:ph type="title"/>
-          </p:nvPr>
-        </p:nvSpPr>
-        <p:spPr/>
-        <p:txBody>
-          <a:bodyPr/>
-          <a:lstStyle/>
-          <a:p>
-            <a:r>
-              <a:rPr lang="en-US" dirty="0"/>
-              <a:t>SLSA Provenance	</a:t>
-            </a:r>
-          </a:p>
-        </p:txBody>
-      </p:sp>
-      <p:sp>
-        <p:nvSpPr>
-          <p:cNvPr id="8" name="Rectangle 2">
-            <a:extLst>
-              <a:ext uri="{FF2B5EF4-FFF2-40B4-BE49-F238E27FC236}">
-                <a16:creationId xmlns:a16="http://schemas.microsoft.com/office/drawing/2014/main" id="{2FEC06A2-8D22-1B41-B655-C09C6558E098}"/>
-              </a:ext>
-            </a:extLst>
-          </p:cNvPr>
-          <p:cNvSpPr>
-            <a:spLocks noChangeArrowheads="1"/>
-          </p:cNvSpPr>
-          <p:nvPr/>
-        </p:nvSpPr>
-        <p:spPr bwMode="auto">
-          <a:xfrm>
-            <a:off x="838200" y="2400300"/>
-            <a:ext cx="12192000" cy="0"/>
-          </a:xfrm>
-          <a:prstGeom prst="rect">
-            <a:avLst/>
-          </a:prstGeom>
-          <a:noFill/>
-          <a:ln>
-            <a:noFill/>
-          </a:ln>
-          <a:effectLst/>
-          <a:extLst>
-            <a:ext uri="{909E8E84-426E-40DD-AFC4-6F175D3DCCD1}">
-              <a14:hiddenFill xmlns:a14="http://schemas.microsoft.com/office/drawing/2010/main">
-                <a:solidFill>
-                  <a:schemeClr val="accent1"/>
-                </a:solidFill>
-              </a14:hiddenFill>
-            </a:ext>
-            <a:ext uri="{91240B29-F687-4F45-9708-019B960494DF}">
-              <a14:hiddenLine xmlns:a14="http://schemas.microsoft.com/office/drawing/2010/main" w="9525">
-                <a:solidFill>
-                  <a:schemeClr val="tx1"/>
-                </a:solidFill>
-                <a:miter lim="800000"/>
-                <a:headEnd/>
-                <a:tailEnd/>
-              </a14:hiddenLine>
-            </a:ext>
-            <a:ext uri="{AF507438-7753-43E0-B8FC-AC1667EBCBE1}">
-              <a14:hiddenEffects xmlns:a14="http://schemas.microsoft.com/office/drawing/2010/main">
-                <a:effectLst>
-                  <a:outerShdw dist="35921" dir="2700000" algn="ctr" rotWithShape="0">
-                    <a:schemeClr val="bg2"/>
-                  </a:outerShdw>
-                </a:effectLst>
-              </a14:hiddenEffects>
-            </a:ext>
-          </a:extLst>
-        </p:spPr>
-        <p:txBody>
-          <a:bodyPr vert="horz" wrap="none" lIns="91440" tIns="45720" rIns="91440" bIns="45720" numCol="1" anchor="ctr" anchorCtr="0" compatLnSpc="1">
-            <a:prstTxWarp prst="textNoShape">
-              <a:avLst/>
-            </a:prstTxWarp>
-            <a:spAutoFit/>
-          </a:bodyPr>
-          <a:lstStyle/>
-          <a:p>
-            <a:pPr marL="0" marR="0" lvl="0" indent="0" algn="l" defTabSz="914400" rtl="0" eaLnBrk="0" fontAlgn="base" latinLnBrk="0" hangingPunct="0">
-              <a:lnSpc>
-                <a:spcPct val="100000"/>
-              </a:lnSpc>
-              <a:spcBef>
-                <a:spcPct val="0"/>
-              </a:spcBef>
-              <a:spcAft>
-                <a:spcPct val="0"/>
-              </a:spcAft>
-              <a:buClrTx/>
-              <a:buSzTx/>
-              <a:buFontTx/>
-              <a:buNone/>
-              <a:tabLst/>
-            </a:pPr>
-            <a:br>
-              <a:rPr kumimoji="0" lang="en-US" altLang="en-US" sz="1800" b="0" i="0" u="none" strike="noStrike" cap="none" normalizeH="0" baseline="0">
-                <a:ln>
-                  <a:noFill/>
-                </a:ln>
-                <a:solidFill>
-                  <a:schemeClr val="tx1"/>
-                </a:solidFill>
-                <a:effectLst/>
-                <a:latin typeface="Arial" panose="020B0604020202020204" pitchFamily="34" charset="0"/>
-              </a:rPr>
-            </a:br>
-            <a:endParaRPr kumimoji="0" lang="en-US" altLang="en-US" sz="1800" b="0" i="0" u="none" strike="noStrike" cap="none" normalizeH="0" baseline="0">
-              <a:ln>
-                <a:noFill/>
-              </a:ln>
-              <a:solidFill>
-                <a:schemeClr val="tx1"/>
-              </a:solidFill>
-              <a:effectLst/>
-              <a:latin typeface="Arial" panose="020B0604020202020204" pitchFamily="34" charset="0"/>
-            </a:endParaRPr>
-          </a:p>
-        </p:txBody>
-      </p:sp>
-      <p:pic>
-        <p:nvPicPr>
-          <p:cNvPr id="4" name="Picture 3">
-            <a:extLst>
-              <a:ext uri="{FF2B5EF4-FFF2-40B4-BE49-F238E27FC236}">
-                <a16:creationId xmlns:a16="http://schemas.microsoft.com/office/drawing/2014/main" id="{969E9B18-338F-734C-8E4A-5FBC2406730D}"/>
-              </a:ext>
-            </a:extLst>
-          </p:cNvPr>
-          <p:cNvPicPr>
-            <a:picLocks noChangeAspect="1"/>
-          </p:cNvPicPr>
-          <p:nvPr/>
-        </p:nvPicPr>
-        <p:blipFill>
-          <a:blip r:embed="rId3"/>
-          <a:stretch>
-            <a:fillRect/>
-          </a:stretch>
-        </p:blipFill>
-        <p:spPr>
-          <a:xfrm>
-            <a:off x="5422931" y="1251303"/>
-            <a:ext cx="5930869" cy="4820483"/>
-          </a:xfrm>
-          <a:prstGeom prst="rect">
-            <a:avLst/>
-          </a:prstGeom>
-        </p:spPr>
-      </p:pic>
-      <p:sp>
-        <p:nvSpPr>
-          <p:cNvPr id="14" name="Google Shape;227;p33">
-            <a:extLst>
-              <a:ext uri="{FF2B5EF4-FFF2-40B4-BE49-F238E27FC236}">
-                <a16:creationId xmlns:a16="http://schemas.microsoft.com/office/drawing/2014/main" id="{A42EDCA2-5FF1-8642-AB77-AB4122BD1DB1}"/>
-              </a:ext>
-            </a:extLst>
-          </p:cNvPr>
-          <p:cNvSpPr txBox="1"/>
-          <p:nvPr/>
-        </p:nvSpPr>
-        <p:spPr>
-          <a:xfrm>
-            <a:off x="568631" y="1251303"/>
-            <a:ext cx="4854300" cy="3570178"/>
-          </a:xfrm>
-          <a:prstGeom prst="rect">
-            <a:avLst/>
-          </a:prstGeom>
-          <a:noFill/>
-          <a:ln>
-            <a:noFill/>
-          </a:ln>
-        </p:spPr>
-        <p:txBody>
-          <a:bodyPr spcFirstLastPara="1" wrap="square" lIns="91425" tIns="91425" rIns="91425" bIns="91425" anchor="t" anchorCtr="0">
-            <a:spAutoFit/>
-          </a:bodyPr>
-          <a:lstStyle/>
-          <a:p>
-            <a:pPr marL="88900" lvl="0">
-              <a:buSzPts val="2200"/>
-            </a:pPr>
-            <a:r>
-              <a:rPr lang="en-US" sz="2200" dirty="0">
-                <a:latin typeface="Open Sans"/>
-                <a:ea typeface="Open Sans"/>
-                <a:cs typeface="Open Sans"/>
-                <a:sym typeface="Open Sans"/>
-              </a:rPr>
-              <a:t>Provenance is an attestation that some entity (builder) produced one or more software artifacts (the subject of an in-toto attestation Statement) by executing some invocation, using some other artifacts as input (materials). The invocation in turn runs the </a:t>
-            </a:r>
-            <a:r>
-              <a:rPr lang="en-US" sz="2200" dirty="0" err="1">
-                <a:latin typeface="Open Sans"/>
-                <a:ea typeface="Open Sans"/>
-                <a:cs typeface="Open Sans"/>
-                <a:sym typeface="Open Sans"/>
-              </a:rPr>
-              <a:t>buildConfig</a:t>
-            </a:r>
-            <a:r>
-              <a:rPr lang="en-US" sz="2200" dirty="0">
-                <a:latin typeface="Open Sans"/>
-                <a:ea typeface="Open Sans"/>
-                <a:cs typeface="Open Sans"/>
-                <a:sym typeface="Open Sans"/>
-              </a:rPr>
-              <a:t>, which is a record of what was executed.</a:t>
-            </a:r>
-            <a:endParaRPr sz="2200" dirty="0">
-              <a:latin typeface="Open Sans"/>
-              <a:ea typeface="Open Sans"/>
-              <a:cs typeface="Open Sans"/>
-              <a:sym typeface="Open Sans"/>
-            </a:endParaRPr>
-          </a:p>
-        </p:txBody>
-      </p:sp>
-    </p:spTree>
-    <p:extLst>
-      <p:ext uri="{BB962C8B-B14F-4D97-AF65-F5344CB8AC3E}">
-        <p14:creationId xmlns:p14="http://schemas.microsoft.com/office/powerpoint/2010/main" val="3649359775"/>
-      </p:ext>
-    </p:extLst>
-  </p:cSld>
-  <p:clrMapOvr>
-    <a:masterClrMapping/>
-  </p:clrMapOvr>
-</p:sld>
-</file>
-
-<file path=ppt/slides/slide11.xml><?xml version="1.0" encoding="utf-8"?>
-<p:sld xmlns:a="http://schemas.openxmlformats.org/drawingml/2006/main" xmlns:r="http://schemas.openxmlformats.org/officeDocument/2006/relationships" xmlns:p="http://schemas.openxmlformats.org/presentationml/2006/main">
-  <p:cSld>
-    <p:spTree>
-      <p:nvGrpSpPr>
-        <p:cNvPr id="1" name=""/>
-        <p:cNvGrpSpPr/>
-        <p:nvPr/>
-      </p:nvGrpSpPr>
-      <p:grpSpPr>
-        <a:xfrm>
-          <a:off x="0" y="0"/>
-          <a:ext cx="0" cy="0"/>
-          <a:chOff x="0" y="0"/>
-          <a:chExt cx="0" cy="0"/>
-        </a:xfrm>
-      </p:grpSpPr>
-      <p:sp>
-        <p:nvSpPr>
-          <p:cNvPr id="2" name="Title 1">
-            <a:extLst>
-              <a:ext uri="{FF2B5EF4-FFF2-40B4-BE49-F238E27FC236}">
-                <a16:creationId xmlns:a16="http://schemas.microsoft.com/office/drawing/2014/main" id="{F4D605B8-B9FD-D04F-83D0-23EE0D71DE10}"/>
-              </a:ext>
-            </a:extLst>
-          </p:cNvPr>
-          <p:cNvSpPr>
-            <a:spLocks noGrp="1"/>
-          </p:cNvSpPr>
-          <p:nvPr>
-            <p:ph type="title"/>
-          </p:nvPr>
-        </p:nvSpPr>
-        <p:spPr/>
-        <p:txBody>
-          <a:bodyPr/>
-          <a:lstStyle/>
-          <a:p>
-            <a:r>
-              <a:rPr lang="en-US" dirty="0" err="1"/>
-              <a:t>Tekton</a:t>
-            </a:r>
-            <a:r>
-              <a:rPr lang="en-US" dirty="0"/>
-              <a:t> Chains – Configuration</a:t>
-            </a:r>
-          </a:p>
-        </p:txBody>
-      </p:sp>
-      <p:sp>
-        <p:nvSpPr>
-          <p:cNvPr id="5" name="TextBox 4">
-            <a:extLst>
-              <a:ext uri="{FF2B5EF4-FFF2-40B4-BE49-F238E27FC236}">
-                <a16:creationId xmlns:a16="http://schemas.microsoft.com/office/drawing/2014/main" id="{5659F201-8B82-AC41-9F75-AA360AE28B3C}"/>
-              </a:ext>
-            </a:extLst>
-          </p:cNvPr>
-          <p:cNvSpPr txBox="1"/>
-          <p:nvPr/>
-        </p:nvSpPr>
-        <p:spPr>
-          <a:xfrm>
-            <a:off x="1264777" y="4983857"/>
-            <a:ext cx="8675773" cy="738664"/>
-          </a:xfrm>
-          <a:prstGeom prst="rect">
-            <a:avLst/>
-          </a:prstGeom>
-          <a:noFill/>
-        </p:spPr>
-        <p:txBody>
-          <a:bodyPr wrap="none" rtlCol="0">
-            <a:spAutoFit/>
-          </a:bodyPr>
-          <a:lstStyle/>
-          <a:p>
-            <a:r>
-              <a:rPr lang="en-US" dirty="0">
-                <a:latin typeface="Open Sans" panose="020B0606030504020204" pitchFamily="34" charset="0"/>
-                <a:ea typeface="Open Sans" panose="020B0606030504020204" pitchFamily="34" charset="0"/>
-                <a:cs typeface="Open Sans" panose="020B0606030504020204" pitchFamily="34" charset="0"/>
-              </a:rPr>
-              <a:t>Example:</a:t>
-            </a:r>
-          </a:p>
-          <a:p>
-            <a:r>
-              <a:rPr lang="en-US" dirty="0" err="1"/>
-              <a:t>kubectl</a:t>
-            </a:r>
-            <a:r>
-              <a:rPr lang="en-US" dirty="0"/>
-              <a:t> patch </a:t>
-            </a:r>
-            <a:r>
-              <a:rPr lang="en-US" dirty="0" err="1"/>
-              <a:t>configmap</a:t>
-            </a:r>
-            <a:r>
-              <a:rPr lang="en-US" dirty="0"/>
-              <a:t> chains-config -n </a:t>
-            </a:r>
-            <a:r>
-              <a:rPr lang="en-US" dirty="0" err="1"/>
-              <a:t>tekton</a:t>
-            </a:r>
-            <a:r>
-              <a:rPr lang="en-US" dirty="0"/>
-              <a:t>-chains -p='{"data":{"</a:t>
-            </a:r>
-            <a:r>
-              <a:rPr lang="en-US" dirty="0" err="1"/>
-              <a:t>artifacts.taskrun.format</a:t>
-            </a:r>
-            <a:r>
-              <a:rPr lang="en-US" dirty="0"/>
-              <a:t>": "in-toto"}}'</a:t>
-            </a:r>
-          </a:p>
-          <a:p>
-            <a:r>
-              <a:rPr lang="en-US" dirty="0" err="1"/>
-              <a:t>kubectl</a:t>
-            </a:r>
-            <a:r>
-              <a:rPr lang="en-US" dirty="0"/>
-              <a:t> patch </a:t>
-            </a:r>
-            <a:r>
-              <a:rPr lang="en-US" dirty="0" err="1"/>
-              <a:t>configmap</a:t>
-            </a:r>
-            <a:r>
-              <a:rPr lang="en-US" dirty="0"/>
-              <a:t> chains-config -n </a:t>
-            </a:r>
-            <a:r>
-              <a:rPr lang="en-US" dirty="0" err="1"/>
-              <a:t>tekton</a:t>
-            </a:r>
-            <a:r>
-              <a:rPr lang="en-US" dirty="0"/>
-              <a:t>-chains -p='{"data":{"</a:t>
-            </a:r>
-            <a:r>
-              <a:rPr lang="en-US" dirty="0" err="1"/>
-              <a:t>artifacts.taskrun.storage</a:t>
-            </a:r>
-            <a:r>
-              <a:rPr lang="en-US" dirty="0"/>
-              <a:t>": "</a:t>
-            </a:r>
-            <a:r>
-              <a:rPr lang="en-US" err="1"/>
-              <a:t>oci</a:t>
-            </a:r>
-            <a:r>
-              <a:rPr lang="en-US"/>
-              <a:t>,tekton"}}'</a:t>
-            </a:r>
-            <a:endParaRPr lang="en-US" dirty="0"/>
-          </a:p>
-        </p:txBody>
-      </p:sp>
-      <p:pic>
-        <p:nvPicPr>
-          <p:cNvPr id="7" name="Picture 6">
-            <a:extLst>
-              <a:ext uri="{FF2B5EF4-FFF2-40B4-BE49-F238E27FC236}">
-                <a16:creationId xmlns:a16="http://schemas.microsoft.com/office/drawing/2014/main" id="{1D7F0E4F-E800-1A4A-9B0B-66410C47061F}"/>
-              </a:ext>
-            </a:extLst>
-          </p:cNvPr>
-          <p:cNvPicPr>
-            <a:picLocks noChangeAspect="1"/>
-          </p:cNvPicPr>
-          <p:nvPr/>
-        </p:nvPicPr>
-        <p:blipFill>
-          <a:blip r:embed="rId3"/>
-          <a:stretch>
-            <a:fillRect/>
-          </a:stretch>
-        </p:blipFill>
-        <p:spPr>
-          <a:xfrm>
-            <a:off x="183678" y="1573354"/>
-            <a:ext cx="11824643" cy="2947525"/>
-          </a:xfrm>
-          <a:prstGeom prst="rect">
-            <a:avLst/>
-          </a:prstGeom>
-        </p:spPr>
-      </p:pic>
-    </p:spTree>
-    <p:extLst>
-      <p:ext uri="{BB962C8B-B14F-4D97-AF65-F5344CB8AC3E}">
-        <p14:creationId xmlns:p14="http://schemas.microsoft.com/office/powerpoint/2010/main" val="3500129087"/>
-      </p:ext>
-    </p:extLst>
-  </p:cSld>
-  <p:clrMapOvr>
-    <a:masterClrMapping/>
-  </p:clrMapOvr>
-</p:sld>
-</file>
-
-<file path=ppt/slides/slide12.xml><?xml version="1.0" encoding="utf-8"?>
-<p:sld xmlns:a="http://schemas.openxmlformats.org/drawingml/2006/main" xmlns:r="http://schemas.openxmlformats.org/officeDocument/2006/relationships" xmlns:p="http://schemas.openxmlformats.org/presentationml/2006/main">
-  <p:cSld>
-    <p:spTree>
-      <p:nvGrpSpPr>
-        <p:cNvPr id="1" name=""/>
-        <p:cNvGrpSpPr/>
-        <p:nvPr/>
-      </p:nvGrpSpPr>
-      <p:grpSpPr>
-        <a:xfrm>
-          <a:off x="0" y="0"/>
-          <a:ext cx="0" cy="0"/>
-          <a:chOff x="0" y="0"/>
-          <a:chExt cx="0" cy="0"/>
-        </a:xfrm>
-      </p:grpSpPr>
-      <p:sp>
-        <p:nvSpPr>
-          <p:cNvPr id="2" name="Title 1">
-            <a:extLst>
-              <a:ext uri="{FF2B5EF4-FFF2-40B4-BE49-F238E27FC236}">
-                <a16:creationId xmlns:a16="http://schemas.microsoft.com/office/drawing/2014/main" id="{F4D605B8-B9FD-D04F-83D0-23EE0D71DE10}"/>
-              </a:ext>
-            </a:extLst>
-          </p:cNvPr>
-          <p:cNvSpPr>
-            <a:spLocks noGrp="1"/>
-          </p:cNvSpPr>
-          <p:nvPr>
-            <p:ph type="title"/>
-          </p:nvPr>
-        </p:nvSpPr>
-        <p:spPr/>
-        <p:txBody>
-          <a:bodyPr/>
-          <a:lstStyle/>
-          <a:p>
-            <a:r>
-              <a:rPr lang="en-US" dirty="0" err="1"/>
-              <a:t>Tekton</a:t>
-            </a:r>
-            <a:r>
-              <a:rPr lang="en-US" dirty="0"/>
-              <a:t> Chains – Capture Artifacts </a:t>
-            </a:r>
-          </a:p>
-        </p:txBody>
-      </p:sp>
-      <p:sp>
-        <p:nvSpPr>
-          <p:cNvPr id="3" name="Text Placeholder 2">
-            <a:extLst>
-              <a:ext uri="{FF2B5EF4-FFF2-40B4-BE49-F238E27FC236}">
-                <a16:creationId xmlns:a16="http://schemas.microsoft.com/office/drawing/2014/main" id="{0601C5F7-7F4A-4A4E-ACDE-D8BDCE1BC2B8}"/>
-              </a:ext>
-            </a:extLst>
-          </p:cNvPr>
-          <p:cNvSpPr>
-            <a:spLocks noGrp="1"/>
-          </p:cNvSpPr>
-          <p:nvPr>
-            <p:ph type="body" idx="1"/>
-          </p:nvPr>
-        </p:nvSpPr>
-        <p:spPr>
-          <a:xfrm>
-            <a:off x="220134" y="1134113"/>
-            <a:ext cx="6724828" cy="4848117"/>
-          </a:xfrm>
-        </p:spPr>
-        <p:txBody>
-          <a:bodyPr/>
-          <a:lstStyle/>
-          <a:p>
-            <a:r>
-              <a:rPr lang="en-US" b="1" dirty="0"/>
-              <a:t>Type Hinting</a:t>
-            </a:r>
-          </a:p>
-          <a:p>
-            <a:pPr lvl="1"/>
-            <a:r>
-              <a:rPr lang="en-US" dirty="0"/>
-              <a:t>When outputting an OCI, Chains will look for the following Results:</a:t>
-            </a:r>
-          </a:p>
-          <a:p>
-            <a:pPr lvl="2"/>
-            <a:r>
-              <a:rPr lang="en-US" dirty="0"/>
-              <a:t>*IMAGE_URL - The URL to the built OCI image</a:t>
-            </a:r>
-          </a:p>
-          <a:p>
-            <a:pPr lvl="2"/>
-            <a:r>
-              <a:rPr lang="en-US" dirty="0"/>
-              <a:t>*IMAGE_DIGEST - The Digest of the built OCI image</a:t>
-            </a:r>
-          </a:p>
-          <a:p>
-            <a:pPr lvl="1"/>
-            <a:r>
-              <a:rPr lang="en-US" dirty="0"/>
-              <a:t>where * indicates any expression. For example, if </a:t>
-            </a:r>
-            <a:r>
-              <a:rPr lang="en-US" b="1" dirty="0"/>
-              <a:t>both</a:t>
-            </a:r>
-            <a:r>
-              <a:rPr lang="en-US" dirty="0"/>
-              <a:t> MYIMAGE_IMAGE_URL AND MYIMAGE_IMAGE_DIGEST are correctly formatted to point to an OCI image, then chains will pick up on it and try to sign the image.</a:t>
-            </a:r>
-            <a:br>
-              <a:rPr lang="en-US" dirty="0"/>
-            </a:br>
-            <a:br>
-              <a:rPr lang="en-US" dirty="0"/>
-            </a:br>
-            <a:endParaRPr lang="en-US" dirty="0"/>
-          </a:p>
-        </p:txBody>
-      </p:sp>
-      <p:pic>
-        <p:nvPicPr>
-          <p:cNvPr id="4" name="Picture 3">
-            <a:extLst>
-              <a:ext uri="{FF2B5EF4-FFF2-40B4-BE49-F238E27FC236}">
-                <a16:creationId xmlns:a16="http://schemas.microsoft.com/office/drawing/2014/main" id="{2DDB470E-3549-3A46-80C3-0FC272E4B0DD}"/>
-              </a:ext>
-            </a:extLst>
-          </p:cNvPr>
-          <p:cNvPicPr>
-            <a:picLocks noChangeAspect="1"/>
-          </p:cNvPicPr>
-          <p:nvPr/>
-        </p:nvPicPr>
-        <p:blipFill>
-          <a:blip r:embed="rId3"/>
-          <a:stretch>
-            <a:fillRect/>
-          </a:stretch>
-        </p:blipFill>
-        <p:spPr>
-          <a:xfrm>
-            <a:off x="6944962" y="2508312"/>
-            <a:ext cx="5201133" cy="2099717"/>
-          </a:xfrm>
-          <a:prstGeom prst="rect">
-            <a:avLst/>
-          </a:prstGeom>
-        </p:spPr>
-      </p:pic>
-    </p:spTree>
-    <p:extLst>
-      <p:ext uri="{BB962C8B-B14F-4D97-AF65-F5344CB8AC3E}">
-        <p14:creationId xmlns:p14="http://schemas.microsoft.com/office/powerpoint/2010/main" val="2368188475"/>
-      </p:ext>
-    </p:extLst>
-  </p:cSld>
-  <p:clrMapOvr>
-    <a:masterClrMapping/>
-  </p:clrMapOvr>
-</p:sld>
-</file>
-
-<file path=ppt/slides/slide13.xml><?xml version="1.0" encoding="utf-8"?>
-<p:sld xmlns:a="http://schemas.openxmlformats.org/drawingml/2006/main" xmlns:r="http://schemas.openxmlformats.org/officeDocument/2006/relationships" xmlns:p="http://schemas.openxmlformats.org/presentationml/2006/main">
-  <p:cSld>
-    <p:spTree>
-      <p:nvGrpSpPr>
-        <p:cNvPr id="1" name=""/>
-        <p:cNvGrpSpPr/>
-        <p:nvPr/>
-      </p:nvGrpSpPr>
-      <p:grpSpPr>
-        <a:xfrm>
-          <a:off x="0" y="0"/>
-          <a:ext cx="0" cy="0"/>
-          <a:chOff x="0" y="0"/>
-          <a:chExt cx="0" cy="0"/>
-        </a:xfrm>
-      </p:grpSpPr>
-      <p:sp>
-        <p:nvSpPr>
-          <p:cNvPr id="2" name="Title 1">
-            <a:extLst>
-              <a:ext uri="{FF2B5EF4-FFF2-40B4-BE49-F238E27FC236}">
-                <a16:creationId xmlns:a16="http://schemas.microsoft.com/office/drawing/2014/main" id="{F4D605B8-B9FD-D04F-83D0-23EE0D71DE10}"/>
-              </a:ext>
-            </a:extLst>
-          </p:cNvPr>
-          <p:cNvSpPr>
-            <a:spLocks noGrp="1"/>
-          </p:cNvSpPr>
-          <p:nvPr>
-            <p:ph type="title"/>
-          </p:nvPr>
-        </p:nvSpPr>
-        <p:spPr/>
-        <p:txBody>
-          <a:bodyPr/>
-          <a:lstStyle/>
-          <a:p>
-            <a:r>
-              <a:rPr lang="en-US" dirty="0" err="1"/>
-              <a:t>Tekton</a:t>
-            </a:r>
-            <a:r>
-              <a:rPr lang="en-US" dirty="0"/>
-              <a:t> Chains – Cosign </a:t>
-            </a:r>
-          </a:p>
-        </p:txBody>
-      </p:sp>
-      <p:sp>
-        <p:nvSpPr>
-          <p:cNvPr id="3" name="Text Placeholder 2">
-            <a:extLst>
-              <a:ext uri="{FF2B5EF4-FFF2-40B4-BE49-F238E27FC236}">
-                <a16:creationId xmlns:a16="http://schemas.microsoft.com/office/drawing/2014/main" id="{0601C5F7-7F4A-4A4E-ACDE-D8BDCE1BC2B8}"/>
-              </a:ext>
-            </a:extLst>
-          </p:cNvPr>
-          <p:cNvSpPr>
-            <a:spLocks noGrp="1"/>
-          </p:cNvSpPr>
-          <p:nvPr>
-            <p:ph type="body" idx="1"/>
-          </p:nvPr>
-        </p:nvSpPr>
-        <p:spPr>
-          <a:xfrm>
-            <a:off x="220134" y="1134113"/>
-            <a:ext cx="6724828" cy="4848117"/>
-          </a:xfrm>
-        </p:spPr>
-        <p:txBody>
-          <a:bodyPr/>
-          <a:lstStyle/>
-          <a:p>
-            <a:r>
-              <a:rPr lang="en-US" dirty="0"/>
-              <a:t>Cosign is used for Container Signing, Verification and Storage in an OCI registry.</a:t>
-            </a:r>
-          </a:p>
-          <a:p>
-            <a:r>
-              <a:rPr lang="en-US" dirty="0"/>
-              <a:t>For cosign, Chains expects the encrypted private key to be stored in a secret called signing-secrets with the following structure:</a:t>
-            </a:r>
-          </a:p>
-          <a:p>
-            <a:pPr lvl="1"/>
-            <a:r>
-              <a:rPr lang="en-US" dirty="0" err="1"/>
-              <a:t>cosign.key</a:t>
-            </a:r>
-            <a:r>
-              <a:rPr lang="en-US" dirty="0"/>
-              <a:t> (the cosign-generated private key)</a:t>
-            </a:r>
-          </a:p>
-          <a:p>
-            <a:pPr lvl="1"/>
-            <a:r>
-              <a:rPr lang="en-US" dirty="0" err="1"/>
-              <a:t>cosign.password</a:t>
-            </a:r>
-            <a:r>
-              <a:rPr lang="en-US" dirty="0"/>
-              <a:t> (the password to decrypt the private key)</a:t>
-            </a:r>
-          </a:p>
-          <a:p>
-            <a:r>
-              <a:rPr lang="en-US" dirty="0"/>
-              <a:t>To create a cosign keypair, </a:t>
-            </a:r>
-            <a:r>
-              <a:rPr lang="en-US" dirty="0" err="1"/>
-              <a:t>cosign.key</a:t>
-            </a:r>
-            <a:r>
-              <a:rPr lang="en-US" dirty="0"/>
-              <a:t> and </a:t>
-            </a:r>
-            <a:r>
-              <a:rPr lang="en-US" dirty="0" err="1"/>
-              <a:t>cosign.pub</a:t>
-            </a:r>
-            <a:r>
-              <a:rPr lang="en-US" dirty="0"/>
-              <a:t>, install cosign and run the following:</a:t>
-            </a:r>
-          </a:p>
-          <a:p>
-            <a:pPr lvl="1"/>
-            <a:r>
-              <a:rPr lang="en-US" dirty="0"/>
-              <a:t>cosign generate-key-pair k8s://</a:t>
-            </a:r>
-            <a:r>
-              <a:rPr lang="en-US" dirty="0" err="1"/>
-              <a:t>tekton</a:t>
-            </a:r>
-            <a:r>
-              <a:rPr lang="en-US" dirty="0"/>
-              <a:t>-chains/signing-secrets</a:t>
-            </a:r>
-          </a:p>
-          <a:p>
-            <a:pPr lvl="1"/>
-            <a:endParaRPr lang="en-US" dirty="0"/>
-          </a:p>
-          <a:p>
-            <a:pPr marL="114300" indent="0">
-              <a:buNone/>
-            </a:pPr>
-            <a:br>
-              <a:rPr lang="en-US" dirty="0"/>
-            </a:br>
-            <a:endParaRPr lang="en-US" dirty="0"/>
-          </a:p>
-        </p:txBody>
-      </p:sp>
-      <p:pic>
-        <p:nvPicPr>
-          <p:cNvPr id="4098" name="Picture 2" descr="Sigstore Code Signing for Software Supply Chain Security – The New Stack">
-            <a:extLst>
-              <a:ext uri="{FF2B5EF4-FFF2-40B4-BE49-F238E27FC236}">
-                <a16:creationId xmlns:a16="http://schemas.microsoft.com/office/drawing/2014/main" id="{C2081BA1-B91F-CB4D-96C0-9B19BFC7C128}"/>
-              </a:ext>
-            </a:extLst>
-          </p:cNvPr>
-          <p:cNvPicPr>
-            <a:picLocks noChangeAspect="1" noChangeArrowheads="1"/>
-          </p:cNvPicPr>
-          <p:nvPr/>
-        </p:nvPicPr>
-        <p:blipFill>
-          <a:blip r:embed="rId3">
-            <a:extLst>
-              <a:ext uri="{28A0092B-C50C-407E-A947-70E740481C1C}">
-                <a14:useLocalDpi xmlns:a14="http://schemas.microsoft.com/office/drawing/2010/main" val="0"/>
-              </a:ext>
-            </a:extLst>
-          </a:blip>
-          <a:srcRect/>
-          <a:stretch>
-            <a:fillRect/>
-          </a:stretch>
-        </p:blipFill>
-        <p:spPr bwMode="auto">
-          <a:xfrm>
-            <a:off x="7783770" y="2367096"/>
-            <a:ext cx="3866877" cy="2123808"/>
-          </a:xfrm>
-          <a:prstGeom prst="rect">
-            <a:avLst/>
-          </a:prstGeom>
-          <a:noFill/>
-          <a:extLst>
-            <a:ext uri="{909E8E84-426E-40DD-AFC4-6F175D3DCCD1}">
-              <a14:hiddenFill xmlns:a14="http://schemas.microsoft.com/office/drawing/2010/main">
-                <a:solidFill>
-                  <a:srgbClr val="FFFFFF"/>
-                </a:solidFill>
-              </a14:hiddenFill>
-            </a:ext>
-          </a:extLst>
-        </p:spPr>
-      </p:pic>
-    </p:spTree>
-    <p:extLst>
-      <p:ext uri="{BB962C8B-B14F-4D97-AF65-F5344CB8AC3E}">
-        <p14:creationId xmlns:p14="http://schemas.microsoft.com/office/powerpoint/2010/main" val="1600782254"/>
-      </p:ext>
-    </p:extLst>
-  </p:cSld>
-  <p:clrMapOvr>
-    <a:masterClrMapping/>
-  </p:clrMapOvr>
-</p:sld>
-</file>
-
-<file path=ppt/slides/slide14.xml><?xml version="1.0" encoding="utf-8"?>
-<p:sld xmlns:a="http://schemas.openxmlformats.org/drawingml/2006/main" xmlns:r="http://schemas.openxmlformats.org/officeDocument/2006/relationships" xmlns:p="http://schemas.openxmlformats.org/presentationml/2006/main">
-  <p:cSld>
-    <p:spTree>
-      <p:nvGrpSpPr>
-        <p:cNvPr id="1" name=""/>
-        <p:cNvGrpSpPr/>
-        <p:nvPr/>
-      </p:nvGrpSpPr>
-      <p:grpSpPr>
-        <a:xfrm>
-          <a:off x="0" y="0"/>
-          <a:ext cx="0" cy="0"/>
-          <a:chOff x="0" y="0"/>
-          <a:chExt cx="0" cy="0"/>
-        </a:xfrm>
-      </p:grpSpPr>
-      <p:sp>
-        <p:nvSpPr>
-          <p:cNvPr id="2" name="Title 1">
-            <a:extLst>
-              <a:ext uri="{FF2B5EF4-FFF2-40B4-BE49-F238E27FC236}">
-                <a16:creationId xmlns:a16="http://schemas.microsoft.com/office/drawing/2014/main" id="{F4D605B8-B9FD-D04F-83D0-23EE0D71DE10}"/>
-              </a:ext>
-            </a:extLst>
-          </p:cNvPr>
-          <p:cNvSpPr>
-            <a:spLocks noGrp="1"/>
-          </p:cNvSpPr>
-          <p:nvPr>
-            <p:ph type="title"/>
-          </p:nvPr>
-        </p:nvSpPr>
-        <p:spPr/>
-        <p:txBody>
-          <a:bodyPr/>
-          <a:lstStyle/>
-          <a:p>
-            <a:r>
-              <a:rPr lang="en-US" dirty="0" err="1"/>
-              <a:t>Tekton</a:t>
-            </a:r>
-            <a:r>
-              <a:rPr lang="en-US" dirty="0"/>
-              <a:t> Installation	</a:t>
-            </a:r>
-          </a:p>
-        </p:txBody>
-      </p:sp>
-      <p:sp>
-        <p:nvSpPr>
-          <p:cNvPr id="3" name="Text Placeholder 2">
-            <a:extLst>
-              <a:ext uri="{FF2B5EF4-FFF2-40B4-BE49-F238E27FC236}">
-                <a16:creationId xmlns:a16="http://schemas.microsoft.com/office/drawing/2014/main" id="{0601C5F7-7F4A-4A4E-ACDE-D8BDCE1BC2B8}"/>
-              </a:ext>
-            </a:extLst>
-          </p:cNvPr>
-          <p:cNvSpPr>
-            <a:spLocks noGrp="1"/>
-          </p:cNvSpPr>
-          <p:nvPr>
-            <p:ph type="body" idx="1"/>
-          </p:nvPr>
-        </p:nvSpPr>
-        <p:spPr>
-          <a:xfrm>
-            <a:off x="838200" y="1328846"/>
-            <a:ext cx="6724828" cy="4848117"/>
-          </a:xfrm>
-        </p:spPr>
-        <p:txBody>
-          <a:bodyPr/>
-          <a:lstStyle/>
-          <a:p>
-            <a:r>
-              <a:rPr lang="en-US" dirty="0"/>
-              <a:t>To install </a:t>
-            </a:r>
-            <a:r>
-              <a:rPr lang="en-US" dirty="0" err="1"/>
-              <a:t>Tekton</a:t>
-            </a:r>
-            <a:r>
-              <a:rPr lang="en-US" dirty="0"/>
-              <a:t> and </a:t>
-            </a:r>
-            <a:r>
-              <a:rPr lang="en-US" dirty="0" err="1"/>
-              <a:t>Tekton</a:t>
-            </a:r>
-            <a:r>
-              <a:rPr lang="en-US" dirty="0"/>
-              <a:t> Pipelines run the following command:</a:t>
-            </a:r>
-          </a:p>
-          <a:p>
-            <a:pPr lvl="1"/>
-            <a:r>
-              <a:rPr lang="en-US" dirty="0" err="1"/>
-              <a:t>kubectl</a:t>
-            </a:r>
-            <a:r>
-              <a:rPr lang="en-US" dirty="0"/>
-              <a:t> apply --filename https://</a:t>
-            </a:r>
-            <a:r>
-              <a:rPr lang="en-US" dirty="0" err="1"/>
-              <a:t>storage.googleapis.com</a:t>
-            </a:r>
-            <a:r>
-              <a:rPr lang="en-US" dirty="0"/>
-              <a:t>/</a:t>
-            </a:r>
-            <a:r>
-              <a:rPr lang="en-US" dirty="0" err="1"/>
-              <a:t>tekton</a:t>
-            </a:r>
-            <a:r>
-              <a:rPr lang="en-US" dirty="0"/>
-              <a:t>-r</a:t>
-            </a:r>
-          </a:p>
-          <a:p>
-            <a:r>
-              <a:rPr lang="en-US" dirty="0"/>
-              <a:t>To install the latest version of Chains to your Kubernetes cluster, run:</a:t>
-            </a:r>
-          </a:p>
-          <a:p>
-            <a:pPr lvl="1"/>
-            <a:r>
-              <a:rPr lang="en-US" dirty="0" err="1"/>
-              <a:t>kubectl</a:t>
-            </a:r>
-            <a:r>
-              <a:rPr lang="en-US" dirty="0"/>
-              <a:t> apply --filename </a:t>
-            </a:r>
-            <a:r>
-              <a:rPr lang="en-US" dirty="0">
-                <a:hlinkClick r:id="rId3"/>
-              </a:rPr>
-              <a:t>https://storage.googleapis.com/tekton-releases/chains/latest/release.yaml</a:t>
-            </a:r>
-            <a:endParaRPr lang="en-US" dirty="0"/>
-          </a:p>
-          <a:p>
-            <a:r>
-              <a:rPr lang="en-US" dirty="0"/>
-              <a:t>Install Cosign</a:t>
-            </a:r>
-          </a:p>
-          <a:p>
-            <a:pPr lvl="1"/>
-            <a:r>
-              <a:rPr lang="en-US" dirty="0"/>
-              <a:t>$ go install </a:t>
-            </a:r>
-            <a:r>
-              <a:rPr lang="en-US" dirty="0">
-                <a:hlinkClick r:id="rId4"/>
-              </a:rPr>
-              <a:t>github.com/sigstore/cosign/cmd/cosign@latest</a:t>
-            </a:r>
-            <a:endParaRPr lang="en-US" dirty="0"/>
-          </a:p>
-          <a:p>
-            <a:pPr lvl="1"/>
-            <a:r>
-              <a:rPr lang="en-US" dirty="0"/>
-              <a:t>$ brew install cosign</a:t>
-            </a:r>
-          </a:p>
-          <a:p>
-            <a:pPr lvl="1"/>
-            <a:r>
-              <a:rPr lang="en-US" dirty="0"/>
-              <a:t>Installing the binary based on your system.</a:t>
-            </a:r>
-          </a:p>
-          <a:p>
-            <a:pPr marL="114300" indent="0">
-              <a:buNone/>
-            </a:pPr>
-            <a:br>
-              <a:rPr lang="en-US" dirty="0"/>
-            </a:br>
-            <a:endParaRPr lang="en-US" dirty="0"/>
-          </a:p>
-        </p:txBody>
-      </p:sp>
-      <p:pic>
-        <p:nvPicPr>
-          <p:cNvPr id="6146" name="Picture 2">
-            <a:extLst>
-              <a:ext uri="{FF2B5EF4-FFF2-40B4-BE49-F238E27FC236}">
-                <a16:creationId xmlns:a16="http://schemas.microsoft.com/office/drawing/2014/main" id="{973D916D-5645-944B-807B-3C27E0BCDE2D}"/>
-              </a:ext>
-            </a:extLst>
-          </p:cNvPr>
-          <p:cNvPicPr>
-            <a:picLocks noChangeAspect="1" noChangeArrowheads="1"/>
-          </p:cNvPicPr>
-          <p:nvPr/>
-        </p:nvPicPr>
-        <p:blipFill>
-          <a:blip r:embed="rId5">
-            <a:extLst>
-              <a:ext uri="{28A0092B-C50C-407E-A947-70E740481C1C}">
-                <a14:useLocalDpi xmlns:a14="http://schemas.microsoft.com/office/drawing/2010/main" val="0"/>
-              </a:ext>
-            </a:extLst>
-          </a:blip>
-          <a:srcRect/>
-          <a:stretch>
-            <a:fillRect/>
-          </a:stretch>
-        </p:blipFill>
-        <p:spPr bwMode="auto">
-          <a:xfrm>
-            <a:off x="8658875" y="1195646"/>
-            <a:ext cx="2184400" cy="2730500"/>
-          </a:xfrm>
-          <a:prstGeom prst="rect">
-            <a:avLst/>
-          </a:prstGeom>
-          <a:noFill/>
-          <a:extLst>
-            <a:ext uri="{909E8E84-426E-40DD-AFC4-6F175D3DCCD1}">
-              <a14:hiddenFill xmlns:a14="http://schemas.microsoft.com/office/drawing/2010/main">
-                <a:solidFill>
-                  <a:srgbClr val="FFFFFF"/>
-                </a:solidFill>
-              </a14:hiddenFill>
-            </a:ext>
-          </a:extLst>
-        </p:spPr>
-      </p:pic>
-      <p:pic>
-        <p:nvPicPr>
-          <p:cNvPr id="5" name="Picture 2" descr="Sigstore Code Signing for Software Supply Chain Security – The New Stack">
-            <a:extLst>
-              <a:ext uri="{FF2B5EF4-FFF2-40B4-BE49-F238E27FC236}">
-                <a16:creationId xmlns:a16="http://schemas.microsoft.com/office/drawing/2014/main" id="{D6928453-3826-5C43-B8B2-1328B529FEB5}"/>
-              </a:ext>
-            </a:extLst>
-          </p:cNvPr>
-          <p:cNvPicPr>
-            <a:picLocks noChangeAspect="1" noChangeArrowheads="1"/>
-          </p:cNvPicPr>
-          <p:nvPr/>
-        </p:nvPicPr>
-        <p:blipFill>
-          <a:blip r:embed="rId6">
-            <a:extLst>
-              <a:ext uri="{28A0092B-C50C-407E-A947-70E740481C1C}">
-                <a14:useLocalDpi xmlns:a14="http://schemas.microsoft.com/office/drawing/2010/main" val="0"/>
-              </a:ext>
-            </a:extLst>
-          </a:blip>
-          <a:srcRect/>
-          <a:stretch>
-            <a:fillRect/>
-          </a:stretch>
-        </p:blipFill>
-        <p:spPr bwMode="auto">
-          <a:xfrm>
-            <a:off x="7817637" y="4059346"/>
-            <a:ext cx="3866877" cy="2123808"/>
-          </a:xfrm>
-          <a:prstGeom prst="rect">
-            <a:avLst/>
-          </a:prstGeom>
-          <a:noFill/>
-          <a:extLst>
-            <a:ext uri="{909E8E84-426E-40DD-AFC4-6F175D3DCCD1}">
-              <a14:hiddenFill xmlns:a14="http://schemas.microsoft.com/office/drawing/2010/main">
-                <a:solidFill>
-                  <a:srgbClr val="FFFFFF"/>
-                </a:solidFill>
-              </a14:hiddenFill>
-            </a:ext>
-          </a:extLst>
-        </p:spPr>
-      </p:pic>
-    </p:spTree>
-    <p:extLst>
-      <p:ext uri="{BB962C8B-B14F-4D97-AF65-F5344CB8AC3E}">
-        <p14:creationId xmlns:p14="http://schemas.microsoft.com/office/powerpoint/2010/main" val="1325112767"/>
-      </p:ext>
-    </p:extLst>
-  </p:cSld>
-  <p:clrMapOvr>
-    <a:masterClrMapping/>
-  </p:clrMapOvr>
-</p:sld>
-</file>
-
-<file path=ppt/slides/slide15.xml><?xml version="1.0" encoding="utf-8"?>
-<p:sld xmlns:a="http://schemas.openxmlformats.org/drawingml/2006/main" xmlns:r="http://schemas.openxmlformats.org/officeDocument/2006/relationships" xmlns:p="http://schemas.openxmlformats.org/presentationml/2006/main">
-  <p:cSld>
-    <p:spTree>
-      <p:nvGrpSpPr>
-        <p:cNvPr id="1" name=""/>
-        <p:cNvGrpSpPr/>
-        <p:nvPr/>
-      </p:nvGrpSpPr>
-      <p:grpSpPr>
-        <a:xfrm>
-          <a:off x="0" y="0"/>
-          <a:ext cx="0" cy="0"/>
-          <a:chOff x="0" y="0"/>
-          <a:chExt cx="0" cy="0"/>
-        </a:xfrm>
-      </p:grpSpPr>
-      <p:sp>
-        <p:nvSpPr>
-          <p:cNvPr id="2" name="Title 1">
-            <a:extLst>
-              <a:ext uri="{FF2B5EF4-FFF2-40B4-BE49-F238E27FC236}">
-                <a16:creationId xmlns:a16="http://schemas.microsoft.com/office/drawing/2014/main" id="{F4D605B8-B9FD-D04F-83D0-23EE0D71DE10}"/>
-              </a:ext>
-            </a:extLst>
-          </p:cNvPr>
-          <p:cNvSpPr>
-            <a:spLocks noGrp="1"/>
-          </p:cNvSpPr>
-          <p:nvPr>
-            <p:ph type="title"/>
-          </p:nvPr>
-        </p:nvSpPr>
-        <p:spPr/>
-        <p:txBody>
-          <a:bodyPr/>
-          <a:lstStyle/>
-          <a:p>
-            <a:r>
-              <a:rPr lang="en-US" dirty="0"/>
-              <a:t>Demo!</a:t>
-            </a:r>
-          </a:p>
-        </p:txBody>
-      </p:sp>
-      <p:sp>
-        <p:nvSpPr>
-          <p:cNvPr id="3" name="Text Placeholder 2">
-            <a:extLst>
-              <a:ext uri="{FF2B5EF4-FFF2-40B4-BE49-F238E27FC236}">
-                <a16:creationId xmlns:a16="http://schemas.microsoft.com/office/drawing/2014/main" id="{0601C5F7-7F4A-4A4E-ACDE-D8BDCE1BC2B8}"/>
-              </a:ext>
-            </a:extLst>
-          </p:cNvPr>
-          <p:cNvSpPr>
-            <a:spLocks noGrp="1"/>
-          </p:cNvSpPr>
-          <p:nvPr>
-            <p:ph type="body" idx="1"/>
-          </p:nvPr>
-        </p:nvSpPr>
-        <p:spPr>
-          <a:xfrm>
-            <a:off x="838200" y="1328846"/>
-            <a:ext cx="6724828" cy="4848117"/>
-          </a:xfrm>
-        </p:spPr>
-        <p:txBody>
-          <a:bodyPr/>
-          <a:lstStyle/>
-          <a:p>
-            <a:r>
-              <a:rPr lang="en-US" dirty="0"/>
-              <a:t>Let’s go through an example with the </a:t>
-            </a:r>
-            <a:r>
-              <a:rPr lang="en-US" dirty="0" err="1"/>
-              <a:t>buildpacks</a:t>
-            </a:r>
-            <a:r>
-              <a:rPr lang="en-US" dirty="0"/>
-              <a:t> pipeline and show how to:</a:t>
-            </a:r>
-          </a:p>
-          <a:p>
-            <a:pPr lvl="1"/>
-            <a:r>
-              <a:rPr lang="en-US" dirty="0"/>
-              <a:t>Create the signing secret with cosign</a:t>
-            </a:r>
-          </a:p>
-          <a:p>
-            <a:pPr lvl="1"/>
-            <a:r>
-              <a:rPr lang="en-US" dirty="0"/>
-              <a:t>Explain what the </a:t>
-            </a:r>
-            <a:r>
-              <a:rPr lang="en-US" dirty="0" err="1"/>
-              <a:t>buildpacks</a:t>
-            </a:r>
-            <a:r>
-              <a:rPr lang="en-US" dirty="0"/>
-              <a:t> example is doing</a:t>
-            </a:r>
-          </a:p>
-          <a:p>
-            <a:pPr lvl="1"/>
-            <a:r>
-              <a:rPr lang="en-US" dirty="0"/>
-              <a:t>Review attestation (SLSA vO.2) from </a:t>
-            </a:r>
-            <a:r>
-              <a:rPr lang="en-US" dirty="0" err="1"/>
-              <a:t>taskrun</a:t>
-            </a:r>
-            <a:endParaRPr lang="en-US" dirty="0"/>
-          </a:p>
-          <a:p>
-            <a:pPr lvl="1"/>
-            <a:r>
-              <a:rPr lang="en-US" dirty="0"/>
-              <a:t>Verify signature of image and attestation using cosign</a:t>
-            </a:r>
-          </a:p>
-          <a:p>
-            <a:pPr lvl="1"/>
-            <a:endParaRPr lang="en-US" dirty="0"/>
-          </a:p>
-          <a:p>
-            <a:pPr marL="114300" indent="0">
-              <a:buNone/>
-            </a:pPr>
-            <a:br>
-              <a:rPr lang="en-US" dirty="0"/>
-            </a:br>
-            <a:endParaRPr lang="en-US" dirty="0"/>
-          </a:p>
-        </p:txBody>
-      </p:sp>
-      <p:pic>
-        <p:nvPicPr>
-          <p:cNvPr id="6146" name="Picture 2">
-            <a:extLst>
-              <a:ext uri="{FF2B5EF4-FFF2-40B4-BE49-F238E27FC236}">
-                <a16:creationId xmlns:a16="http://schemas.microsoft.com/office/drawing/2014/main" id="{973D916D-5645-944B-807B-3C27E0BCDE2D}"/>
-              </a:ext>
-            </a:extLst>
-          </p:cNvPr>
-          <p:cNvPicPr>
-            <a:picLocks noChangeAspect="1" noChangeArrowheads="1"/>
-          </p:cNvPicPr>
-          <p:nvPr/>
-        </p:nvPicPr>
-        <p:blipFill>
-          <a:blip r:embed="rId3">
-            <a:extLst>
-              <a:ext uri="{28A0092B-C50C-407E-A947-70E740481C1C}">
-                <a14:useLocalDpi xmlns:a14="http://schemas.microsoft.com/office/drawing/2010/main" val="0"/>
-              </a:ext>
-            </a:extLst>
-          </a:blip>
-          <a:srcRect/>
-          <a:stretch>
-            <a:fillRect/>
-          </a:stretch>
-        </p:blipFill>
-        <p:spPr bwMode="auto">
-          <a:xfrm>
-            <a:off x="8219966" y="1948136"/>
-            <a:ext cx="2184400" cy="2730500"/>
-          </a:xfrm>
-          <a:prstGeom prst="rect">
-            <a:avLst/>
-          </a:prstGeom>
-          <a:noFill/>
-          <a:extLst>
-            <a:ext uri="{909E8E84-426E-40DD-AFC4-6F175D3DCCD1}">
-              <a14:hiddenFill xmlns:a14="http://schemas.microsoft.com/office/drawing/2010/main">
-                <a:solidFill>
-                  <a:srgbClr val="FFFFFF"/>
-                </a:solidFill>
-              </a14:hiddenFill>
-            </a:ext>
-          </a:extLst>
-        </p:spPr>
-      </p:pic>
-    </p:spTree>
-    <p:extLst>
-      <p:ext uri="{BB962C8B-B14F-4D97-AF65-F5344CB8AC3E}">
-        <p14:creationId xmlns:p14="http://schemas.microsoft.com/office/powerpoint/2010/main" val="2686131557"/>
-      </p:ext>
-    </p:extLst>
-  </p:cSld>
-  <p:clrMapOvr>
-    <a:masterClrMapping/>
-  </p:clrMapOvr>
-</p:sld>
-</file>
-
-<file path=ppt/slides/slide16.xml><?xml version="1.0" encoding="utf-8"?>
-<p:sld xmlns:a="http://schemas.openxmlformats.org/drawingml/2006/main" xmlns:r="http://schemas.openxmlformats.org/officeDocument/2006/relationships" xmlns:p="http://schemas.openxmlformats.org/presentationml/2006/main">
-  <p:cSld>
-    <p:spTree>
-      <p:nvGrpSpPr>
-        <p:cNvPr id="1" name=""/>
-        <p:cNvGrpSpPr/>
-        <p:nvPr/>
-      </p:nvGrpSpPr>
-      <p:grpSpPr>
-        <a:xfrm>
-          <a:off x="0" y="0"/>
-          <a:ext cx="0" cy="0"/>
-          <a:chOff x="0" y="0"/>
-          <a:chExt cx="0" cy="0"/>
-        </a:xfrm>
-      </p:grpSpPr>
-      <p:sp>
-        <p:nvSpPr>
-          <p:cNvPr id="2" name="Title 1">
-            <a:extLst>
-              <a:ext uri="{FF2B5EF4-FFF2-40B4-BE49-F238E27FC236}">
-                <a16:creationId xmlns:a16="http://schemas.microsoft.com/office/drawing/2014/main" id="{F4D605B8-B9FD-D04F-83D0-23EE0D71DE10}"/>
-              </a:ext>
-            </a:extLst>
-          </p:cNvPr>
-          <p:cNvSpPr>
-            <a:spLocks noGrp="1"/>
-          </p:cNvSpPr>
-          <p:nvPr>
-            <p:ph type="title"/>
-          </p:nvPr>
-        </p:nvSpPr>
-        <p:spPr/>
-        <p:txBody>
-          <a:bodyPr/>
-          <a:lstStyle/>
-          <a:p>
-            <a:r>
-              <a:rPr lang="en-US" dirty="0" err="1"/>
-              <a:t>BuildPacks</a:t>
-            </a:r>
-            <a:r>
-              <a:rPr lang="en-US" dirty="0"/>
-              <a:t> </a:t>
-            </a:r>
-          </a:p>
-        </p:txBody>
-      </p:sp>
-      <p:sp>
-        <p:nvSpPr>
-          <p:cNvPr id="3" name="Text Placeholder 2">
-            <a:extLst>
-              <a:ext uri="{FF2B5EF4-FFF2-40B4-BE49-F238E27FC236}">
-                <a16:creationId xmlns:a16="http://schemas.microsoft.com/office/drawing/2014/main" id="{0601C5F7-7F4A-4A4E-ACDE-D8BDCE1BC2B8}"/>
-              </a:ext>
-            </a:extLst>
-          </p:cNvPr>
-          <p:cNvSpPr>
-            <a:spLocks noGrp="1"/>
-          </p:cNvSpPr>
-          <p:nvPr>
-            <p:ph type="body" idx="1"/>
-          </p:nvPr>
-        </p:nvSpPr>
-        <p:spPr>
-          <a:xfrm>
-            <a:off x="838200" y="1328846"/>
-            <a:ext cx="6724828" cy="4848117"/>
-          </a:xfrm>
-        </p:spPr>
-        <p:txBody>
-          <a:bodyPr/>
-          <a:lstStyle/>
-          <a:p>
-            <a:r>
-              <a:rPr lang="en-US" dirty="0"/>
-              <a:t>We will be using the </a:t>
-            </a:r>
-            <a:r>
-              <a:rPr lang="en-US" dirty="0" err="1"/>
-              <a:t>buildpacks</a:t>
-            </a:r>
-            <a:r>
-              <a:rPr lang="en-US" dirty="0"/>
-              <a:t> example from </a:t>
-            </a:r>
-            <a:r>
-              <a:rPr lang="en-US" dirty="0" err="1"/>
-              <a:t>tekton</a:t>
-            </a:r>
-            <a:r>
-              <a:rPr lang="en-US" dirty="0"/>
-              <a:t> catalog with slight modification:</a:t>
-            </a:r>
-          </a:p>
-          <a:p>
-            <a:pPr lvl="1"/>
-            <a:r>
-              <a:rPr lang="en-US" dirty="0"/>
-              <a:t>The </a:t>
-            </a:r>
-            <a:r>
-              <a:rPr lang="en-US" dirty="0" err="1"/>
-              <a:t>buildpacks</a:t>
-            </a:r>
-            <a:r>
-              <a:rPr lang="en-US" dirty="0"/>
-              <a:t> task will be replaced with the below:</a:t>
-            </a:r>
-          </a:p>
-          <a:p>
-            <a:pPr lvl="1"/>
-            <a:r>
-              <a:rPr lang="en-US" dirty="0">
-                <a:hlinkClick r:id="rId3"/>
-              </a:rPr>
-              <a:t>https://github.com/buildpacks/tekton-integration/tree/main/task/buildpacks/0.4</a:t>
-            </a:r>
-            <a:endParaRPr lang="en-US" dirty="0"/>
-          </a:p>
-          <a:p>
-            <a:pPr lvl="1"/>
-            <a:r>
-              <a:rPr lang="en-US" dirty="0"/>
-              <a:t>This has the necessary results fields needed by chains to capture the IMAGE_URL and IMAGE_DIGEST</a:t>
-            </a:r>
-          </a:p>
-          <a:p>
-            <a:pPr lvl="1"/>
-            <a:endParaRPr lang="en-US" dirty="0"/>
-          </a:p>
-          <a:p>
-            <a:pPr marL="114300" indent="0">
-              <a:buNone/>
-            </a:pPr>
-            <a:br>
-              <a:rPr lang="en-US" dirty="0"/>
-            </a:br>
-            <a:endParaRPr lang="en-US" dirty="0"/>
-          </a:p>
-        </p:txBody>
-      </p:sp>
-      <p:pic>
-        <p:nvPicPr>
-          <p:cNvPr id="6146" name="Picture 2">
-            <a:extLst>
-              <a:ext uri="{FF2B5EF4-FFF2-40B4-BE49-F238E27FC236}">
-                <a16:creationId xmlns:a16="http://schemas.microsoft.com/office/drawing/2014/main" id="{973D916D-5645-944B-807B-3C27E0BCDE2D}"/>
-              </a:ext>
-            </a:extLst>
-          </p:cNvPr>
-          <p:cNvPicPr>
-            <a:picLocks noChangeAspect="1" noChangeArrowheads="1"/>
-          </p:cNvPicPr>
-          <p:nvPr/>
-        </p:nvPicPr>
-        <p:blipFill>
-          <a:blip r:embed="rId4">
-            <a:extLst>
-              <a:ext uri="{28A0092B-C50C-407E-A947-70E740481C1C}">
-                <a14:useLocalDpi xmlns:a14="http://schemas.microsoft.com/office/drawing/2010/main" val="0"/>
-              </a:ext>
-            </a:extLst>
-          </a:blip>
-          <a:srcRect/>
-          <a:stretch>
-            <a:fillRect/>
-          </a:stretch>
-        </p:blipFill>
-        <p:spPr bwMode="auto">
-          <a:xfrm>
-            <a:off x="8219966" y="1948136"/>
-            <a:ext cx="2184400" cy="2730500"/>
-          </a:xfrm>
-          <a:prstGeom prst="rect">
-            <a:avLst/>
-          </a:prstGeom>
-          <a:noFill/>
-          <a:extLst>
-            <a:ext uri="{909E8E84-426E-40DD-AFC4-6F175D3DCCD1}">
-              <a14:hiddenFill xmlns:a14="http://schemas.microsoft.com/office/drawing/2010/main">
-                <a:solidFill>
-                  <a:srgbClr val="FFFFFF"/>
-                </a:solidFill>
-              </a14:hiddenFill>
-            </a:ext>
-          </a:extLst>
-        </p:spPr>
-      </p:pic>
-    </p:spTree>
-    <p:extLst>
-      <p:ext uri="{BB962C8B-B14F-4D97-AF65-F5344CB8AC3E}">
-        <p14:creationId xmlns:p14="http://schemas.microsoft.com/office/powerpoint/2010/main" val="1640485735"/>
-      </p:ext>
-    </p:extLst>
-  </p:cSld>
-  <p:clrMapOvr>
-    <a:masterClrMapping/>
-  </p:clrMapOvr>
-</p:sld>
-</file>
-
-<file path=ppt/slides/slide2.xml><?xml version="1.0" encoding="utf-8"?>
-<p:sld xmlns:a="http://schemas.openxmlformats.org/drawingml/2006/main" xmlns:r="http://schemas.openxmlformats.org/officeDocument/2006/relationships" xmlns:p="http://schemas.openxmlformats.org/presentationml/2006/main">
-  <p:cSld>
-    <p:spTree>
-      <p:nvGrpSpPr>
-        <p:cNvPr id="1" name="Shape 223"/>
-        <p:cNvGrpSpPr/>
-        <p:nvPr/>
-      </p:nvGrpSpPr>
-      <p:grpSpPr>
-        <a:xfrm>
-          <a:off x="0" y="0"/>
-          <a:ext cx="0" cy="0"/>
-          <a:chOff x="0" y="0"/>
-          <a:chExt cx="0" cy="0"/>
-        </a:xfrm>
-      </p:grpSpPr>
-      <p:sp>
-        <p:nvSpPr>
-          <p:cNvPr id="224" name="Google Shape;224;p33"/>
-          <p:cNvSpPr txBox="1">
-            <a:spLocks noGrp="1"/>
-          </p:cNvSpPr>
-          <p:nvPr>
-            <p:ph type="title"/>
-          </p:nvPr>
-        </p:nvSpPr>
-        <p:spPr>
-          <a:xfrm>
-            <a:off x="838200" y="0"/>
-            <a:ext cx="10515600" cy="1062300"/>
-          </a:xfrm>
-          <a:prstGeom prst="rect">
-            <a:avLst/>
-          </a:prstGeom>
-        </p:spPr>
-        <p:txBody>
-          <a:bodyPr spcFirstLastPara="1" wrap="square" lIns="91425" tIns="45700" rIns="91425" bIns="45700" anchor="ctr" anchorCtr="0">
-            <a:noAutofit/>
-          </a:bodyPr>
-          <a:lstStyle/>
-          <a:p>
-            <a:pPr marL="0" lvl="0" indent="0" algn="l" rtl="0">
-              <a:spcBef>
-                <a:spcPts val="0"/>
-              </a:spcBef>
-              <a:spcAft>
-                <a:spcPts val="0"/>
-              </a:spcAft>
-              <a:buNone/>
-            </a:pPr>
-            <a:r>
-              <a:rPr lang="en-US" dirty="0" err="1"/>
-              <a:t>Tekton</a:t>
-            </a:r>
-            <a:endParaRPr dirty="0"/>
-          </a:p>
-        </p:txBody>
-      </p:sp>
-      <p:sp>
-        <p:nvSpPr>
-          <p:cNvPr id="227" name="Google Shape;227;p33"/>
-          <p:cNvSpPr txBox="1"/>
-          <p:nvPr/>
-        </p:nvSpPr>
-        <p:spPr>
-          <a:xfrm>
-            <a:off x="440444" y="1468625"/>
-            <a:ext cx="3835800" cy="3231624"/>
-          </a:xfrm>
-          <a:prstGeom prst="rect">
-            <a:avLst/>
-          </a:prstGeom>
-          <a:noFill/>
-          <a:ln>
-            <a:noFill/>
-          </a:ln>
-        </p:spPr>
-        <p:txBody>
-          <a:bodyPr spcFirstLastPara="1" wrap="square" lIns="91425" tIns="91425" rIns="91425" bIns="91425" anchor="t" anchorCtr="0">
-            <a:spAutoFit/>
-          </a:bodyPr>
-          <a:lstStyle/>
-          <a:p>
-            <a:pPr marL="88900" lvl="0">
-              <a:buSzPts val="2200"/>
-            </a:pPr>
-            <a:r>
-              <a:rPr lang="en-US" sz="2200" dirty="0" err="1">
-                <a:latin typeface="Open Sans"/>
-                <a:ea typeface="Open Sans"/>
-                <a:cs typeface="Open Sans"/>
-                <a:sym typeface="Open Sans"/>
-              </a:rPr>
-              <a:t>Tekton</a:t>
-            </a:r>
-            <a:r>
-              <a:rPr lang="en-US" sz="2200" dirty="0">
-                <a:latin typeface="Open Sans"/>
-                <a:ea typeface="Open Sans"/>
-                <a:cs typeface="Open Sans"/>
-                <a:sym typeface="Open Sans"/>
-              </a:rPr>
-              <a:t> is a</a:t>
-            </a:r>
-          </a:p>
-          <a:p>
-            <a:pPr marL="88900" lvl="0">
-              <a:buSzPts val="2200"/>
-            </a:pPr>
-            <a:r>
-              <a:rPr lang="en-US" sz="2200" dirty="0">
-                <a:latin typeface="Open Sans"/>
-                <a:ea typeface="Open Sans"/>
-                <a:cs typeface="Open Sans"/>
-                <a:sym typeface="Open Sans"/>
-              </a:rPr>
-              <a:t>open-source framework for creating Cloud Native CI/CD systems, allowing developers to  build, test, and deploy across cloud providers and on-premise systems.</a:t>
-            </a:r>
-          </a:p>
-          <a:p>
-            <a:pPr marL="0" lvl="0" indent="0" algn="l" rtl="0">
-              <a:spcBef>
-                <a:spcPts val="0"/>
-              </a:spcBef>
-              <a:spcAft>
-                <a:spcPts val="0"/>
-              </a:spcAft>
-              <a:buNone/>
-            </a:pPr>
-            <a:endParaRPr sz="2200" dirty="0">
-              <a:latin typeface="Open Sans"/>
-              <a:ea typeface="Open Sans"/>
-              <a:cs typeface="Open Sans"/>
-              <a:sym typeface="Open Sans"/>
-            </a:endParaRPr>
-          </a:p>
-        </p:txBody>
-      </p:sp>
-      <p:pic>
-        <p:nvPicPr>
-          <p:cNvPr id="1026" name="Picture 2">
-            <a:extLst>
-              <a:ext uri="{FF2B5EF4-FFF2-40B4-BE49-F238E27FC236}">
-                <a16:creationId xmlns:a16="http://schemas.microsoft.com/office/drawing/2014/main" id="{607939E6-9B3D-4747-A74B-4F9E8CAF4C1C}"/>
-              </a:ext>
-            </a:extLst>
-          </p:cNvPr>
-          <p:cNvPicPr>
-            <a:picLocks noChangeAspect="1" noChangeArrowheads="1"/>
-          </p:cNvPicPr>
-          <p:nvPr/>
-        </p:nvPicPr>
-        <p:blipFill>
-          <a:blip r:embed="rId3">
-            <a:extLst>
-              <a:ext uri="{28A0092B-C50C-407E-A947-70E740481C1C}">
-                <a14:useLocalDpi xmlns:a14="http://schemas.microsoft.com/office/drawing/2010/main" val="0"/>
-              </a:ext>
-            </a:extLst>
-          </a:blip>
-          <a:srcRect/>
-          <a:stretch>
-            <a:fillRect/>
-          </a:stretch>
-        </p:blipFill>
-        <p:spPr bwMode="auto">
-          <a:xfrm>
-            <a:off x="4495519" y="2048355"/>
-            <a:ext cx="6858281" cy="2198579"/>
-          </a:xfrm>
-          <a:prstGeom prst="rect">
-            <a:avLst/>
-          </a:prstGeom>
-          <a:noFill/>
-          <a:extLst>
-            <a:ext uri="{909E8E84-426E-40DD-AFC4-6F175D3DCCD1}">
-              <a14:hiddenFill xmlns:a14="http://schemas.microsoft.com/office/drawing/2010/main">
-                <a:solidFill>
-                  <a:srgbClr val="FFFFFF"/>
-                </a:solidFill>
-              </a14:hiddenFill>
-            </a:ext>
-          </a:extLst>
-        </p:spPr>
-      </p:pic>
-    </p:spTree>
-  </p:cSld>
-  <p:clrMapOvr>
-    <a:masterClrMapping/>
-  </p:clrMapOvr>
-</p:sld>
-</file>
-
-<file path=ppt/slides/slide3.xml><?xml version="1.0" encoding="utf-8"?>
-<p:sld xmlns:a="http://schemas.openxmlformats.org/drawingml/2006/main" xmlns:r="http://schemas.openxmlformats.org/officeDocument/2006/relationships" xmlns:p="http://schemas.openxmlformats.org/presentationml/2006/main">
-  <p:cSld>
-    <p:spTree>
-      <p:nvGrpSpPr>
-        <p:cNvPr id="1" name="Shape 223"/>
-        <p:cNvGrpSpPr/>
-        <p:nvPr/>
-      </p:nvGrpSpPr>
-      <p:grpSpPr>
-        <a:xfrm>
-          <a:off x="0" y="0"/>
-          <a:ext cx="0" cy="0"/>
-          <a:chOff x="0" y="0"/>
-          <a:chExt cx="0" cy="0"/>
-        </a:xfrm>
-      </p:grpSpPr>
-      <p:sp>
-        <p:nvSpPr>
-          <p:cNvPr id="224" name="Google Shape;224;p33"/>
-          <p:cNvSpPr txBox="1">
-            <a:spLocks noGrp="1"/>
-          </p:cNvSpPr>
-          <p:nvPr>
-            <p:ph type="title"/>
-          </p:nvPr>
-        </p:nvSpPr>
-        <p:spPr>
-          <a:xfrm>
-            <a:off x="838200" y="0"/>
-            <a:ext cx="10515600" cy="1062300"/>
-          </a:xfrm>
-          <a:prstGeom prst="rect">
-            <a:avLst/>
-          </a:prstGeom>
-        </p:spPr>
-        <p:txBody>
-          <a:bodyPr spcFirstLastPara="1" wrap="square" lIns="91425" tIns="45700" rIns="91425" bIns="45700" anchor="ctr" anchorCtr="0">
-            <a:noAutofit/>
-          </a:bodyPr>
-          <a:lstStyle/>
-          <a:p>
-            <a:pPr marL="0" lvl="0" indent="0" algn="l" rtl="0">
-              <a:spcBef>
-                <a:spcPts val="0"/>
-              </a:spcBef>
-              <a:spcAft>
-                <a:spcPts val="0"/>
-              </a:spcAft>
-              <a:buNone/>
-            </a:pPr>
-            <a:r>
-              <a:rPr lang="en-US" dirty="0"/>
-              <a:t>Multi-part</a:t>
-            </a:r>
-            <a:endParaRPr dirty="0"/>
-          </a:p>
-        </p:txBody>
-      </p:sp>
-      <p:sp>
-        <p:nvSpPr>
-          <p:cNvPr id="227" name="Google Shape;227;p33"/>
-          <p:cNvSpPr txBox="1"/>
-          <p:nvPr/>
-        </p:nvSpPr>
-        <p:spPr>
-          <a:xfrm>
-            <a:off x="440444" y="1468625"/>
-            <a:ext cx="3835800" cy="3231624"/>
-          </a:xfrm>
-          <a:prstGeom prst="rect">
-            <a:avLst/>
-          </a:prstGeom>
-          <a:noFill/>
-          <a:ln>
-            <a:noFill/>
-          </a:ln>
-        </p:spPr>
-        <p:txBody>
-          <a:bodyPr spcFirstLastPara="1" wrap="square" lIns="91425" tIns="91425" rIns="91425" bIns="91425" anchor="t" anchorCtr="0">
-            <a:spAutoFit/>
-          </a:bodyPr>
-          <a:lstStyle/>
-          <a:p>
-            <a:pPr marL="88900" lvl="0">
-              <a:buSzPts val="2200"/>
-            </a:pPr>
-            <a:r>
-              <a:rPr lang="en-US" sz="2200" dirty="0" err="1">
-                <a:latin typeface="Open Sans"/>
-                <a:ea typeface="Open Sans"/>
-                <a:cs typeface="Open Sans"/>
-                <a:sym typeface="Open Sans"/>
-              </a:rPr>
-              <a:t>Tekton</a:t>
-            </a:r>
-            <a:r>
-              <a:rPr lang="en-US" sz="2200" dirty="0">
-                <a:latin typeface="Open Sans"/>
-                <a:ea typeface="Open Sans"/>
-                <a:cs typeface="Open Sans"/>
-                <a:sym typeface="Open Sans"/>
-              </a:rPr>
-              <a:t> consists of multiple projects that build on each other.</a:t>
-            </a:r>
-          </a:p>
-          <a:p>
-            <a:pPr marL="431800" lvl="0" indent="-342900">
-              <a:buSzPts val="2200"/>
-              <a:buFont typeface="Arial" panose="020B0604020202020204" pitchFamily="34" charset="0"/>
-              <a:buChar char="•"/>
-            </a:pPr>
-            <a:r>
-              <a:rPr lang="en-US" sz="2200" dirty="0" err="1">
-                <a:latin typeface="Open Sans"/>
-                <a:ea typeface="Open Sans"/>
-                <a:cs typeface="Open Sans"/>
-                <a:sym typeface="Open Sans"/>
-              </a:rPr>
-              <a:t>Tekton</a:t>
-            </a:r>
-            <a:r>
-              <a:rPr lang="en-US" sz="2200" dirty="0">
-                <a:latin typeface="Open Sans"/>
-                <a:ea typeface="Open Sans"/>
-                <a:cs typeface="Open Sans"/>
-                <a:sym typeface="Open Sans"/>
-              </a:rPr>
-              <a:t> Pipelines</a:t>
-            </a:r>
-          </a:p>
-          <a:p>
-            <a:pPr marL="431800" lvl="0" indent="-342900">
-              <a:buSzPts val="2200"/>
-              <a:buFont typeface="Arial" panose="020B0604020202020204" pitchFamily="34" charset="0"/>
-              <a:buChar char="•"/>
-            </a:pPr>
-            <a:r>
-              <a:rPr lang="en-US" sz="2200" dirty="0" err="1">
-                <a:latin typeface="Open Sans"/>
-                <a:ea typeface="Open Sans"/>
-                <a:cs typeface="Open Sans"/>
-                <a:sym typeface="Open Sans"/>
-              </a:rPr>
-              <a:t>Tekton</a:t>
-            </a:r>
-            <a:r>
-              <a:rPr lang="en-US" sz="2200" dirty="0">
-                <a:latin typeface="Open Sans"/>
-                <a:ea typeface="Open Sans"/>
-                <a:cs typeface="Open Sans"/>
-                <a:sym typeface="Open Sans"/>
-              </a:rPr>
-              <a:t> CLI</a:t>
-            </a:r>
-          </a:p>
-          <a:p>
-            <a:pPr marL="431800" indent="-342900">
-              <a:buSzPts val="2200"/>
-              <a:buFont typeface="Arial" panose="020B0604020202020204" pitchFamily="34" charset="0"/>
-              <a:buChar char="•"/>
-            </a:pPr>
-            <a:r>
-              <a:rPr lang="en-US" sz="2200" dirty="0" err="1">
-                <a:latin typeface="Open Sans"/>
-                <a:ea typeface="Open Sans"/>
-                <a:cs typeface="Open Sans"/>
-                <a:sym typeface="Open Sans"/>
-              </a:rPr>
-              <a:t>Tekton</a:t>
-            </a:r>
-            <a:r>
-              <a:rPr lang="en-US" sz="2200" dirty="0">
-                <a:latin typeface="Open Sans"/>
-                <a:ea typeface="Open Sans"/>
-                <a:cs typeface="Open Sans"/>
-                <a:sym typeface="Open Sans"/>
-              </a:rPr>
-              <a:t> Dashboard</a:t>
-            </a:r>
-          </a:p>
-          <a:p>
-            <a:pPr marL="431800" lvl="0" indent="-342900">
-              <a:buSzPts val="2200"/>
-              <a:buFont typeface="Arial" panose="020B0604020202020204" pitchFamily="34" charset="0"/>
-              <a:buChar char="•"/>
-            </a:pPr>
-            <a:r>
-              <a:rPr lang="en-US" sz="2200" dirty="0" err="1">
-                <a:latin typeface="Open Sans"/>
-                <a:ea typeface="Open Sans"/>
-                <a:cs typeface="Open Sans"/>
-                <a:sym typeface="Open Sans"/>
-              </a:rPr>
-              <a:t>Tekton</a:t>
-            </a:r>
-            <a:r>
-              <a:rPr lang="en-US" sz="2200" dirty="0">
-                <a:latin typeface="Open Sans"/>
-                <a:ea typeface="Open Sans"/>
-                <a:cs typeface="Open Sans"/>
-                <a:sym typeface="Open Sans"/>
-              </a:rPr>
-              <a:t> Catalog/Hub</a:t>
-            </a:r>
-          </a:p>
-          <a:p>
-            <a:pPr marL="431800" lvl="0" indent="-342900">
-              <a:buSzPts val="2200"/>
-              <a:buFont typeface="Arial" panose="020B0604020202020204" pitchFamily="34" charset="0"/>
-              <a:buChar char="•"/>
-            </a:pPr>
-            <a:r>
-              <a:rPr lang="en-US" sz="2200" dirty="0" err="1">
-                <a:latin typeface="Open Sans"/>
-                <a:ea typeface="Open Sans"/>
-                <a:cs typeface="Open Sans"/>
-                <a:sym typeface="Open Sans"/>
-              </a:rPr>
-              <a:t>Tekton</a:t>
-            </a:r>
-            <a:r>
-              <a:rPr lang="en-US" sz="2200" dirty="0">
-                <a:latin typeface="Open Sans"/>
-                <a:ea typeface="Open Sans"/>
-                <a:cs typeface="Open Sans"/>
-                <a:sym typeface="Open Sans"/>
-              </a:rPr>
-              <a:t> Chains</a:t>
-            </a:r>
-          </a:p>
-          <a:p>
-            <a:pPr marL="0" lvl="0" indent="0" algn="l" rtl="0">
-              <a:spcBef>
-                <a:spcPts val="0"/>
-              </a:spcBef>
-              <a:spcAft>
-                <a:spcPts val="0"/>
-              </a:spcAft>
-              <a:buNone/>
-            </a:pPr>
-            <a:endParaRPr sz="2200" dirty="0">
-              <a:latin typeface="Open Sans"/>
-              <a:ea typeface="Open Sans"/>
-              <a:cs typeface="Open Sans"/>
-              <a:sym typeface="Open Sans"/>
-            </a:endParaRPr>
-          </a:p>
-        </p:txBody>
-      </p:sp>
-      <p:pic>
-        <p:nvPicPr>
-          <p:cNvPr id="1026" name="Picture 2">
-            <a:extLst>
-              <a:ext uri="{FF2B5EF4-FFF2-40B4-BE49-F238E27FC236}">
-                <a16:creationId xmlns:a16="http://schemas.microsoft.com/office/drawing/2014/main" id="{607939E6-9B3D-4747-A74B-4F9E8CAF4C1C}"/>
-              </a:ext>
-            </a:extLst>
-          </p:cNvPr>
-          <p:cNvPicPr>
-            <a:picLocks noChangeAspect="1" noChangeArrowheads="1"/>
-          </p:cNvPicPr>
-          <p:nvPr/>
-        </p:nvPicPr>
-        <p:blipFill>
-          <a:blip r:embed="rId3">
-            <a:extLst>
-              <a:ext uri="{28A0092B-C50C-407E-A947-70E740481C1C}">
-                <a14:useLocalDpi xmlns:a14="http://schemas.microsoft.com/office/drawing/2010/main" val="0"/>
-              </a:ext>
-            </a:extLst>
-          </a:blip>
-          <a:srcRect/>
-          <a:stretch>
-            <a:fillRect/>
-          </a:stretch>
-        </p:blipFill>
-        <p:spPr bwMode="auto">
-          <a:xfrm>
-            <a:off x="4495519" y="2048355"/>
-            <a:ext cx="6858281" cy="2198579"/>
-          </a:xfrm>
-          <a:prstGeom prst="rect">
-            <a:avLst/>
-          </a:prstGeom>
-          <a:noFill/>
-          <a:extLst>
-            <a:ext uri="{909E8E84-426E-40DD-AFC4-6F175D3DCCD1}">
-              <a14:hiddenFill xmlns:a14="http://schemas.microsoft.com/office/drawing/2010/main">
-                <a:solidFill>
-                  <a:srgbClr val="FFFFFF"/>
-                </a:solidFill>
-              </a14:hiddenFill>
-            </a:ext>
-          </a:extLst>
-        </p:spPr>
-      </p:pic>
-    </p:spTree>
-    <p:extLst>
-      <p:ext uri="{BB962C8B-B14F-4D97-AF65-F5344CB8AC3E}">
-        <p14:creationId xmlns:p14="http://schemas.microsoft.com/office/powerpoint/2010/main" val="1358305879"/>
-      </p:ext>
-    </p:extLst>
-  </p:cSld>
-  <p:clrMapOvr>
-    <a:masterClrMapping/>
-  </p:clrMapOvr>
-</p:sld>
-</file>
-
-<file path=ppt/slides/slide4.xml><?xml version="1.0" encoding="utf-8"?>
-<p:sld xmlns:a="http://schemas.openxmlformats.org/drawingml/2006/main" xmlns:r="http://schemas.openxmlformats.org/officeDocument/2006/relationships" xmlns:p="http://schemas.openxmlformats.org/presentationml/2006/main">
-  <p:cSld>
-    <p:spTree>
-      <p:nvGrpSpPr>
-        <p:cNvPr id="1" name="Shape 223"/>
-        <p:cNvGrpSpPr/>
-        <p:nvPr/>
-      </p:nvGrpSpPr>
-      <p:grpSpPr>
-        <a:xfrm>
-          <a:off x="0" y="0"/>
-          <a:ext cx="0" cy="0"/>
-          <a:chOff x="0" y="0"/>
-          <a:chExt cx="0" cy="0"/>
-        </a:xfrm>
-      </p:grpSpPr>
-      <p:sp>
-        <p:nvSpPr>
-          <p:cNvPr id="224" name="Google Shape;224;p33"/>
-          <p:cNvSpPr txBox="1">
-            <a:spLocks noGrp="1"/>
-          </p:cNvSpPr>
-          <p:nvPr>
-            <p:ph type="title"/>
-          </p:nvPr>
-        </p:nvSpPr>
-        <p:spPr>
-          <a:xfrm>
-            <a:off x="838200" y="0"/>
-            <a:ext cx="10515600" cy="1062300"/>
-          </a:xfrm>
-          <a:prstGeom prst="rect">
-            <a:avLst/>
-          </a:prstGeom>
-        </p:spPr>
-        <p:txBody>
-          <a:bodyPr spcFirstLastPara="1" wrap="square" lIns="91425" tIns="45700" rIns="91425" bIns="45700" anchor="ctr" anchorCtr="0">
-            <a:noAutofit/>
-          </a:bodyPr>
-          <a:lstStyle/>
-          <a:p>
-            <a:pPr marL="0" lvl="0" indent="0" algn="l" rtl="0">
-              <a:spcBef>
-                <a:spcPts val="0"/>
-              </a:spcBef>
-              <a:spcAft>
-                <a:spcPts val="0"/>
-              </a:spcAft>
-              <a:buNone/>
-            </a:pPr>
-            <a:r>
-              <a:rPr lang="en-US" dirty="0"/>
-              <a:t>Task and </a:t>
-            </a:r>
-            <a:r>
-              <a:rPr lang="en-US" dirty="0" err="1"/>
-              <a:t>Taskrun</a:t>
-            </a:r>
-            <a:endParaRPr dirty="0"/>
-          </a:p>
-        </p:txBody>
-      </p:sp>
-      <p:pic>
-        <p:nvPicPr>
-          <p:cNvPr id="3" name="Picture 2">
-            <a:extLst>
-              <a:ext uri="{FF2B5EF4-FFF2-40B4-BE49-F238E27FC236}">
-                <a16:creationId xmlns:a16="http://schemas.microsoft.com/office/drawing/2014/main" id="{71025EB9-1C27-0949-8B52-BAB614F7532A}"/>
-              </a:ext>
-            </a:extLst>
-          </p:cNvPr>
-          <p:cNvPicPr>
-            <a:picLocks noChangeAspect="1"/>
-          </p:cNvPicPr>
-          <p:nvPr/>
-        </p:nvPicPr>
-        <p:blipFill>
-          <a:blip r:embed="rId3"/>
-          <a:stretch>
-            <a:fillRect/>
-          </a:stretch>
-        </p:blipFill>
-        <p:spPr>
-          <a:xfrm>
-            <a:off x="214366" y="1308536"/>
-            <a:ext cx="6001707" cy="4734911"/>
-          </a:xfrm>
-          <a:prstGeom prst="rect">
-            <a:avLst/>
-          </a:prstGeom>
-        </p:spPr>
-      </p:pic>
-      <p:pic>
-        <p:nvPicPr>
-          <p:cNvPr id="4" name="Picture 3">
-            <a:extLst>
-              <a:ext uri="{FF2B5EF4-FFF2-40B4-BE49-F238E27FC236}">
-                <a16:creationId xmlns:a16="http://schemas.microsoft.com/office/drawing/2014/main" id="{D35F829B-FEDE-9D41-BDC8-CA90F31A383E}"/>
-              </a:ext>
-            </a:extLst>
-          </p:cNvPr>
-          <p:cNvPicPr>
-            <a:picLocks noChangeAspect="1"/>
-          </p:cNvPicPr>
-          <p:nvPr/>
-        </p:nvPicPr>
-        <p:blipFill>
-          <a:blip r:embed="rId4"/>
-          <a:stretch>
-            <a:fillRect/>
-          </a:stretch>
-        </p:blipFill>
-        <p:spPr>
-          <a:xfrm>
-            <a:off x="6216072" y="1308535"/>
-            <a:ext cx="4157637" cy="4634309"/>
-          </a:xfrm>
-          <a:prstGeom prst="rect">
-            <a:avLst/>
-          </a:prstGeom>
-        </p:spPr>
-      </p:pic>
-    </p:spTree>
-    <p:extLst>
-      <p:ext uri="{BB962C8B-B14F-4D97-AF65-F5344CB8AC3E}">
-        <p14:creationId xmlns:p14="http://schemas.microsoft.com/office/powerpoint/2010/main" val="4136780560"/>
-      </p:ext>
-    </p:extLst>
-  </p:cSld>
-  <p:clrMapOvr>
-    <a:masterClrMapping/>
-  </p:clrMapOvr>
-</p:sld>
-</file>
-
-<file path=ppt/slides/slide5.xml><?xml version="1.0" encoding="utf-8"?>
-<p:sld xmlns:a="http://schemas.openxmlformats.org/drawingml/2006/main" xmlns:r="http://schemas.openxmlformats.org/officeDocument/2006/relationships" xmlns:p="http://schemas.openxmlformats.org/presentationml/2006/main">
-  <p:cSld>
-    <p:spTree>
-      <p:nvGrpSpPr>
-        <p:cNvPr id="1" name="Shape 223"/>
-        <p:cNvGrpSpPr/>
-        <p:nvPr/>
-      </p:nvGrpSpPr>
-      <p:grpSpPr>
-        <a:xfrm>
-          <a:off x="0" y="0"/>
-          <a:ext cx="0" cy="0"/>
-          <a:chOff x="0" y="0"/>
-          <a:chExt cx="0" cy="0"/>
-        </a:xfrm>
-      </p:grpSpPr>
-      <p:sp>
-        <p:nvSpPr>
-          <p:cNvPr id="224" name="Google Shape;224;p33"/>
-          <p:cNvSpPr txBox="1">
-            <a:spLocks noGrp="1"/>
-          </p:cNvSpPr>
-          <p:nvPr>
-            <p:ph type="title"/>
-          </p:nvPr>
-        </p:nvSpPr>
-        <p:spPr>
-          <a:xfrm>
-            <a:off x="838200" y="0"/>
-            <a:ext cx="10515600" cy="1062300"/>
-          </a:xfrm>
-          <a:prstGeom prst="rect">
-            <a:avLst/>
-          </a:prstGeom>
-        </p:spPr>
-        <p:txBody>
-          <a:bodyPr spcFirstLastPara="1" wrap="square" lIns="91425" tIns="45700" rIns="91425" bIns="45700" anchor="ctr" anchorCtr="0">
-            <a:noAutofit/>
-          </a:bodyPr>
-          <a:lstStyle/>
-          <a:p>
-            <a:pPr marL="0" lvl="0" indent="0" algn="l" rtl="0">
-              <a:spcBef>
-                <a:spcPts val="0"/>
-              </a:spcBef>
-              <a:spcAft>
-                <a:spcPts val="0"/>
-              </a:spcAft>
-              <a:buNone/>
-            </a:pPr>
-            <a:r>
-              <a:rPr lang="en-US" dirty="0"/>
-              <a:t>Pipeline and </a:t>
-            </a:r>
-            <a:r>
-              <a:rPr lang="en-US" dirty="0" err="1"/>
-              <a:t>PipelineRun</a:t>
-            </a:r>
-            <a:endParaRPr dirty="0"/>
-          </a:p>
-        </p:txBody>
-      </p:sp>
-      <p:pic>
-        <p:nvPicPr>
-          <p:cNvPr id="3" name="Picture 2">
-            <a:extLst>
-              <a:ext uri="{FF2B5EF4-FFF2-40B4-BE49-F238E27FC236}">
-                <a16:creationId xmlns:a16="http://schemas.microsoft.com/office/drawing/2014/main" id="{71025EB9-1C27-0949-8B52-BAB614F7532A}"/>
-              </a:ext>
-            </a:extLst>
-          </p:cNvPr>
-          <p:cNvPicPr>
-            <a:picLocks noChangeAspect="1"/>
-          </p:cNvPicPr>
-          <p:nvPr/>
-        </p:nvPicPr>
-        <p:blipFill>
-          <a:blip r:embed="rId3"/>
-          <a:srcRect/>
-          <a:stretch/>
-        </p:blipFill>
-        <p:spPr>
-          <a:xfrm>
-            <a:off x="1124355" y="1258233"/>
-            <a:ext cx="3319880" cy="4734911"/>
-          </a:xfrm>
-          <a:prstGeom prst="rect">
-            <a:avLst/>
-          </a:prstGeom>
-        </p:spPr>
-      </p:pic>
-      <p:pic>
-        <p:nvPicPr>
-          <p:cNvPr id="2" name="Picture 1">
-            <a:extLst>
-              <a:ext uri="{FF2B5EF4-FFF2-40B4-BE49-F238E27FC236}">
-                <a16:creationId xmlns:a16="http://schemas.microsoft.com/office/drawing/2014/main" id="{EEA96C0A-DEA4-474C-9FCF-6022A4043288}"/>
-              </a:ext>
-            </a:extLst>
-          </p:cNvPr>
-          <p:cNvPicPr>
-            <a:picLocks noChangeAspect="1"/>
-          </p:cNvPicPr>
-          <p:nvPr/>
-        </p:nvPicPr>
-        <p:blipFill>
-          <a:blip r:embed="rId4"/>
-          <a:stretch>
-            <a:fillRect/>
-          </a:stretch>
-        </p:blipFill>
-        <p:spPr>
-          <a:xfrm>
-            <a:off x="5314697" y="1805152"/>
-            <a:ext cx="5752948" cy="3492062"/>
-          </a:xfrm>
-          <a:prstGeom prst="rect">
-            <a:avLst/>
-          </a:prstGeom>
-        </p:spPr>
-      </p:pic>
-    </p:spTree>
-    <p:extLst>
-      <p:ext uri="{BB962C8B-B14F-4D97-AF65-F5344CB8AC3E}">
-        <p14:creationId xmlns:p14="http://schemas.microsoft.com/office/powerpoint/2010/main" val="1405448463"/>
-      </p:ext>
-    </p:extLst>
-  </p:cSld>
-  <p:clrMapOvr>
-    <a:masterClrMapping/>
-  </p:clrMapOvr>
-</p:sld>
-</file>
-
-<file path=ppt/slides/slide6.xml><?xml version="1.0" encoding="utf-8"?>
-<p:sld xmlns:a="http://schemas.openxmlformats.org/drawingml/2006/main" xmlns:r="http://schemas.openxmlformats.org/officeDocument/2006/relationships" xmlns:p="http://schemas.openxmlformats.org/presentationml/2006/main">
-  <p:cSld>
-    <p:spTree>
-      <p:nvGrpSpPr>
-        <p:cNvPr id="1" name=""/>
-        <p:cNvGrpSpPr/>
-        <p:nvPr/>
-      </p:nvGrpSpPr>
-      <p:grpSpPr>
-        <a:xfrm>
-          <a:off x="0" y="0"/>
-          <a:ext cx="0" cy="0"/>
-          <a:chOff x="0" y="0"/>
-          <a:chExt cx="0" cy="0"/>
-        </a:xfrm>
-      </p:grpSpPr>
-      <p:sp>
-        <p:nvSpPr>
-          <p:cNvPr id="2" name="Title 1">
-            <a:extLst>
-              <a:ext uri="{FF2B5EF4-FFF2-40B4-BE49-F238E27FC236}">
-                <a16:creationId xmlns:a16="http://schemas.microsoft.com/office/drawing/2014/main" id="{F4D605B8-B9FD-D04F-83D0-23EE0D71DE10}"/>
-              </a:ext>
-            </a:extLst>
-          </p:cNvPr>
-          <p:cNvSpPr>
-            <a:spLocks noGrp="1"/>
-          </p:cNvSpPr>
-          <p:nvPr>
-            <p:ph type="title"/>
-          </p:nvPr>
-        </p:nvSpPr>
-        <p:spPr/>
-        <p:txBody>
-          <a:bodyPr/>
-          <a:lstStyle/>
-          <a:p>
-            <a:r>
-              <a:rPr lang="en-US" dirty="0" err="1"/>
-              <a:t>Tekton</a:t>
-            </a:r>
-            <a:r>
-              <a:rPr lang="en-US" dirty="0"/>
-              <a:t> Catalog/Hub </a:t>
-            </a:r>
-          </a:p>
-        </p:txBody>
-      </p:sp>
-      <p:sp>
-        <p:nvSpPr>
-          <p:cNvPr id="3" name="Text Placeholder 2">
-            <a:extLst>
-              <a:ext uri="{FF2B5EF4-FFF2-40B4-BE49-F238E27FC236}">
-                <a16:creationId xmlns:a16="http://schemas.microsoft.com/office/drawing/2014/main" id="{0601C5F7-7F4A-4A4E-ACDE-D8BDCE1BC2B8}"/>
-              </a:ext>
-            </a:extLst>
-          </p:cNvPr>
-          <p:cNvSpPr>
-            <a:spLocks noGrp="1"/>
-          </p:cNvSpPr>
-          <p:nvPr>
-            <p:ph type="body" idx="1"/>
-          </p:nvPr>
-        </p:nvSpPr>
-        <p:spPr>
-          <a:xfrm>
-            <a:off x="-8546" y="1320299"/>
-            <a:ext cx="6724828" cy="4848117"/>
-          </a:xfrm>
-        </p:spPr>
-        <p:txBody>
-          <a:bodyPr/>
-          <a:lstStyle/>
-          <a:p>
-            <a:r>
-              <a:rPr lang="en-US" dirty="0" err="1"/>
-              <a:t>Tekton</a:t>
-            </a:r>
-            <a:r>
-              <a:rPr lang="en-US" dirty="0"/>
-              <a:t> Catalog/Hub allows users to discover, search and share Tasks and pipelines that have been created.</a:t>
-            </a:r>
-          </a:p>
-          <a:p>
-            <a:r>
-              <a:rPr lang="en-US" dirty="0"/>
-              <a:t>Great starting place for new users to start using tasks, modifying existing to fit their needs or creating their own from examples.</a:t>
-            </a:r>
-          </a:p>
-          <a:p>
-            <a:r>
-              <a:rPr lang="en-US" dirty="0"/>
-              <a:t>We will use the </a:t>
-            </a:r>
-            <a:r>
-              <a:rPr lang="en-US" dirty="0" err="1"/>
-              <a:t>buildpacks</a:t>
-            </a:r>
-            <a:r>
-              <a:rPr lang="en-US" dirty="0"/>
-              <a:t> pipeline from the catalog for the demo.</a:t>
-            </a:r>
-          </a:p>
-          <a:p>
-            <a:pPr marL="114300" indent="0">
-              <a:buNone/>
-            </a:pPr>
-            <a:br>
-              <a:rPr lang="en-US" dirty="0"/>
-            </a:br>
-            <a:endParaRPr lang="en-US" dirty="0"/>
-          </a:p>
-        </p:txBody>
-      </p:sp>
-      <p:pic>
-        <p:nvPicPr>
-          <p:cNvPr id="4" name="Picture 3">
-            <a:extLst>
-              <a:ext uri="{FF2B5EF4-FFF2-40B4-BE49-F238E27FC236}">
-                <a16:creationId xmlns:a16="http://schemas.microsoft.com/office/drawing/2014/main" id="{CC65E632-9291-8C41-8A81-9B4BEA8FB522}"/>
-              </a:ext>
-            </a:extLst>
-          </p:cNvPr>
-          <p:cNvPicPr>
-            <a:picLocks noChangeAspect="1"/>
-          </p:cNvPicPr>
-          <p:nvPr/>
-        </p:nvPicPr>
-        <p:blipFill>
-          <a:blip r:embed="rId3"/>
-          <a:stretch>
-            <a:fillRect/>
-          </a:stretch>
-        </p:blipFill>
-        <p:spPr>
-          <a:xfrm>
-            <a:off x="6956682" y="1328846"/>
-            <a:ext cx="5117457" cy="4848117"/>
-          </a:xfrm>
-          <a:prstGeom prst="rect">
-            <a:avLst/>
-          </a:prstGeom>
-        </p:spPr>
-      </p:pic>
-    </p:spTree>
-    <p:extLst>
-      <p:ext uri="{BB962C8B-B14F-4D97-AF65-F5344CB8AC3E}">
-        <p14:creationId xmlns:p14="http://schemas.microsoft.com/office/powerpoint/2010/main" val="1928146205"/>
-      </p:ext>
-    </p:extLst>
-  </p:cSld>
-  <p:clrMapOvr>
-    <a:masterClrMapping/>
-  </p:clrMapOvr>
-</p:sld>
-</file>
-
-<file path=ppt/slides/slide7.xml><?xml version="1.0" encoding="utf-8"?>
-<p:sld xmlns:a="http://schemas.openxmlformats.org/drawingml/2006/main" xmlns:r="http://schemas.openxmlformats.org/officeDocument/2006/relationships" xmlns:p="http://schemas.openxmlformats.org/presentationml/2006/main">
-  <p:cSld>
-    <p:spTree>
-      <p:nvGrpSpPr>
-        <p:cNvPr id="1" name=""/>
-        <p:cNvGrpSpPr/>
-        <p:nvPr/>
-      </p:nvGrpSpPr>
-      <p:grpSpPr>
-        <a:xfrm>
-          <a:off x="0" y="0"/>
-          <a:ext cx="0" cy="0"/>
-          <a:chOff x="0" y="0"/>
-          <a:chExt cx="0" cy="0"/>
-        </a:xfrm>
-      </p:grpSpPr>
-      <p:sp>
-        <p:nvSpPr>
-          <p:cNvPr id="2" name="Title 1">
-            <a:extLst>
-              <a:ext uri="{FF2B5EF4-FFF2-40B4-BE49-F238E27FC236}">
-                <a16:creationId xmlns:a16="http://schemas.microsoft.com/office/drawing/2014/main" id="{F4D605B8-B9FD-D04F-83D0-23EE0D71DE10}"/>
-              </a:ext>
-            </a:extLst>
-          </p:cNvPr>
-          <p:cNvSpPr>
-            <a:spLocks noGrp="1"/>
-          </p:cNvSpPr>
-          <p:nvPr>
-            <p:ph type="title"/>
-          </p:nvPr>
-        </p:nvSpPr>
-        <p:spPr/>
-        <p:txBody>
-          <a:bodyPr/>
-          <a:lstStyle/>
-          <a:p>
-            <a:r>
-              <a:rPr lang="en-US" dirty="0" err="1"/>
-              <a:t>Tekton</a:t>
-            </a:r>
-            <a:r>
-              <a:rPr lang="en-US" dirty="0"/>
-              <a:t> Dashboard</a:t>
-            </a:r>
-          </a:p>
-        </p:txBody>
-      </p:sp>
-      <p:sp>
-        <p:nvSpPr>
-          <p:cNvPr id="3" name="Text Placeholder 2">
-            <a:extLst>
-              <a:ext uri="{FF2B5EF4-FFF2-40B4-BE49-F238E27FC236}">
-                <a16:creationId xmlns:a16="http://schemas.microsoft.com/office/drawing/2014/main" id="{0601C5F7-7F4A-4A4E-ACDE-D8BDCE1BC2B8}"/>
-              </a:ext>
-            </a:extLst>
-          </p:cNvPr>
-          <p:cNvSpPr>
-            <a:spLocks noGrp="1"/>
-          </p:cNvSpPr>
-          <p:nvPr>
-            <p:ph type="body" idx="1"/>
-          </p:nvPr>
-        </p:nvSpPr>
-        <p:spPr>
-          <a:xfrm>
-            <a:off x="0" y="1286116"/>
-            <a:ext cx="6724828" cy="4848117"/>
-          </a:xfrm>
-        </p:spPr>
-        <p:txBody>
-          <a:bodyPr/>
-          <a:lstStyle/>
-          <a:p>
-            <a:r>
-              <a:rPr lang="en-US" dirty="0" err="1"/>
-              <a:t>Tekton</a:t>
-            </a:r>
-            <a:r>
-              <a:rPr lang="en-US" dirty="0"/>
-              <a:t> Dashboard, as a general-purpose, web-based UI for </a:t>
-            </a:r>
-            <a:r>
-              <a:rPr lang="en-US" dirty="0" err="1"/>
-              <a:t>Tekton</a:t>
-            </a:r>
-            <a:r>
-              <a:rPr lang="en-US" dirty="0"/>
-              <a:t> Pipelines, which allows developers to: </a:t>
-            </a:r>
-          </a:p>
-          <a:p>
-            <a:pPr lvl="1"/>
-            <a:r>
-              <a:rPr lang="en-US" dirty="0"/>
-              <a:t>View and manage </a:t>
-            </a:r>
-            <a:r>
-              <a:rPr lang="en-US" dirty="0" err="1"/>
-              <a:t>taskRuns</a:t>
-            </a:r>
-            <a:r>
-              <a:rPr lang="en-US" dirty="0"/>
-              <a:t> and </a:t>
-            </a:r>
-            <a:r>
-              <a:rPr lang="en-US" dirty="0" err="1"/>
-              <a:t>pipelineRuns</a:t>
-            </a:r>
-            <a:endParaRPr lang="en-US" dirty="0"/>
-          </a:p>
-          <a:p>
-            <a:pPr lvl="1"/>
-            <a:r>
-              <a:rPr lang="en-US" dirty="0"/>
-              <a:t>View and manage resources associated with </a:t>
-            </a:r>
-            <a:r>
-              <a:rPr lang="en-US" dirty="0" err="1"/>
-              <a:t>taskRuns</a:t>
-            </a:r>
-            <a:r>
-              <a:rPr lang="en-US" dirty="0"/>
-              <a:t> and </a:t>
-            </a:r>
-            <a:r>
-              <a:rPr lang="en-US" dirty="0" err="1"/>
-              <a:t>pipelineRuns</a:t>
-            </a:r>
-            <a:r>
-              <a:rPr lang="en-US" dirty="0"/>
-              <a:t> in their creation, execution, and completion</a:t>
-            </a:r>
-            <a:br>
-              <a:rPr lang="en-US" dirty="0"/>
-            </a:br>
-            <a:br>
-              <a:rPr lang="en-US" dirty="0"/>
-            </a:br>
-            <a:endParaRPr lang="en-US" dirty="0"/>
-          </a:p>
-        </p:txBody>
-      </p:sp>
-      <p:pic>
-        <p:nvPicPr>
-          <p:cNvPr id="5" name="Picture 4">
-            <a:extLst>
-              <a:ext uri="{FF2B5EF4-FFF2-40B4-BE49-F238E27FC236}">
-                <a16:creationId xmlns:a16="http://schemas.microsoft.com/office/drawing/2014/main" id="{E0CC49EC-7444-4842-9EB8-FB78B393F4CD}"/>
-              </a:ext>
-            </a:extLst>
-          </p:cNvPr>
-          <p:cNvPicPr>
-            <a:picLocks noChangeAspect="1"/>
-          </p:cNvPicPr>
-          <p:nvPr/>
-        </p:nvPicPr>
-        <p:blipFill>
-          <a:blip r:embed="rId3"/>
-          <a:stretch>
-            <a:fillRect/>
-          </a:stretch>
-        </p:blipFill>
-        <p:spPr>
-          <a:xfrm>
-            <a:off x="6621182" y="1469877"/>
-            <a:ext cx="5454595" cy="3730239"/>
-          </a:xfrm>
-          <a:prstGeom prst="rect">
-            <a:avLst/>
-          </a:prstGeom>
-        </p:spPr>
-      </p:pic>
-    </p:spTree>
-    <p:extLst>
-      <p:ext uri="{BB962C8B-B14F-4D97-AF65-F5344CB8AC3E}">
-        <p14:creationId xmlns:p14="http://schemas.microsoft.com/office/powerpoint/2010/main" val="902330513"/>
-      </p:ext>
-    </p:extLst>
-  </p:cSld>
-  <p:clrMapOvr>
-    <a:masterClrMapping/>
-  </p:clrMapOvr>
-</p:sld>
-</file>
-
-<file path=ppt/slides/slide8.xml><?xml version="1.0" encoding="utf-8"?>
-<p:sld xmlns:a="http://schemas.openxmlformats.org/drawingml/2006/main" xmlns:r="http://schemas.openxmlformats.org/officeDocument/2006/relationships" xmlns:p="http://schemas.openxmlformats.org/presentationml/2006/main">
-  <p:cSld>
-    <p:spTree>
-      <p:nvGrpSpPr>
-        <p:cNvPr id="1" name=""/>
-        <p:cNvGrpSpPr/>
-        <p:nvPr/>
-      </p:nvGrpSpPr>
-      <p:grpSpPr>
-        <a:xfrm>
-          <a:off x="0" y="0"/>
-          <a:ext cx="0" cy="0"/>
-          <a:chOff x="0" y="0"/>
-          <a:chExt cx="0" cy="0"/>
-        </a:xfrm>
-      </p:grpSpPr>
-      <p:sp>
-        <p:nvSpPr>
-          <p:cNvPr id="2" name="Title 1">
-            <a:extLst>
-              <a:ext uri="{FF2B5EF4-FFF2-40B4-BE49-F238E27FC236}">
-                <a16:creationId xmlns:a16="http://schemas.microsoft.com/office/drawing/2014/main" id="{F4D605B8-B9FD-D04F-83D0-23EE0D71DE10}"/>
-              </a:ext>
-            </a:extLst>
-          </p:cNvPr>
-          <p:cNvSpPr>
-            <a:spLocks noGrp="1"/>
-          </p:cNvSpPr>
-          <p:nvPr>
-            <p:ph type="title"/>
-          </p:nvPr>
-        </p:nvSpPr>
-        <p:spPr/>
-        <p:txBody>
-          <a:bodyPr/>
-          <a:lstStyle/>
-          <a:p>
-            <a:r>
-              <a:rPr lang="en-US" dirty="0" err="1"/>
-              <a:t>Tekton</a:t>
-            </a:r>
-            <a:r>
-              <a:rPr lang="en-US" dirty="0"/>
-              <a:t> Chains</a:t>
-            </a:r>
-          </a:p>
-        </p:txBody>
-      </p:sp>
-      <p:sp>
-        <p:nvSpPr>
-          <p:cNvPr id="3" name="Text Placeholder 2">
-            <a:extLst>
-              <a:ext uri="{FF2B5EF4-FFF2-40B4-BE49-F238E27FC236}">
-                <a16:creationId xmlns:a16="http://schemas.microsoft.com/office/drawing/2014/main" id="{0601C5F7-7F4A-4A4E-ACDE-D8BDCE1BC2B8}"/>
-              </a:ext>
-            </a:extLst>
-          </p:cNvPr>
-          <p:cNvSpPr>
-            <a:spLocks noGrp="1"/>
-          </p:cNvSpPr>
-          <p:nvPr>
-            <p:ph type="body" idx="1"/>
-          </p:nvPr>
-        </p:nvSpPr>
-        <p:spPr>
-          <a:xfrm>
-            <a:off x="838200" y="1328846"/>
-            <a:ext cx="6724828" cy="4848117"/>
-          </a:xfrm>
-        </p:spPr>
-        <p:txBody>
-          <a:bodyPr/>
-          <a:lstStyle/>
-          <a:p>
-            <a:r>
-              <a:rPr lang="en-US" dirty="0"/>
-              <a:t>Observing all </a:t>
-            </a:r>
-            <a:r>
-              <a:rPr lang="en-US" dirty="0" err="1"/>
-              <a:t>TaskRuns</a:t>
-            </a:r>
-            <a:r>
-              <a:rPr lang="en-US" dirty="0"/>
-              <a:t> executions in your cluster. </a:t>
-            </a:r>
-          </a:p>
-          <a:p>
-            <a:r>
-              <a:rPr lang="en-US" dirty="0"/>
-              <a:t>Current features include:</a:t>
-            </a:r>
-          </a:p>
-          <a:p>
-            <a:pPr lvl="1"/>
-            <a:r>
-              <a:rPr lang="en-US" dirty="0"/>
-              <a:t>Signing </a:t>
-            </a:r>
-            <a:r>
-              <a:rPr lang="en-US" dirty="0" err="1"/>
-              <a:t>TaskRun</a:t>
-            </a:r>
-            <a:r>
-              <a:rPr lang="en-US" dirty="0"/>
-              <a:t> results with user provided cryptographic keys, including </a:t>
-            </a:r>
-            <a:r>
-              <a:rPr lang="en-US" dirty="0" err="1"/>
-              <a:t>TaskRuns</a:t>
-            </a:r>
-            <a:r>
-              <a:rPr lang="en-US" dirty="0"/>
-              <a:t> themselves and OCI Images</a:t>
-            </a:r>
-          </a:p>
-          <a:p>
-            <a:pPr lvl="1"/>
-            <a:r>
-              <a:rPr lang="en-US" dirty="0"/>
-              <a:t>Attestation formats like SLSA</a:t>
-            </a:r>
-          </a:p>
-          <a:p>
-            <a:pPr lvl="1"/>
-            <a:r>
-              <a:rPr lang="en-US" dirty="0"/>
-              <a:t>Signing with a variety of </a:t>
-            </a:r>
-            <a:r>
-              <a:rPr lang="en-US" dirty="0" err="1"/>
-              <a:t>cryptograhic</a:t>
-            </a:r>
-            <a:r>
-              <a:rPr lang="en-US" dirty="0"/>
-              <a:t> key types and services (x509, KMS)</a:t>
-            </a:r>
-          </a:p>
-          <a:p>
-            <a:pPr lvl="1"/>
-            <a:r>
-              <a:rPr lang="en-US" dirty="0"/>
-              <a:t>Support for multiple storage backends for signatures</a:t>
-            </a:r>
-          </a:p>
-          <a:p>
-            <a:r>
-              <a:rPr lang="en-US" dirty="0"/>
-              <a:t>Future Releases:</a:t>
-            </a:r>
-          </a:p>
-          <a:p>
-            <a:pPr lvl="1"/>
-            <a:r>
-              <a:rPr lang="en-US" dirty="0"/>
-              <a:t>Integration with SPIFFE SPIRE for non-falsifiable provenance</a:t>
-            </a:r>
-          </a:p>
-          <a:p>
-            <a:pPr marL="114300" indent="0">
-              <a:buNone/>
-            </a:pPr>
-            <a:endParaRPr lang="en-US" dirty="0"/>
-          </a:p>
-          <a:p>
-            <a:pPr marL="114300" indent="0">
-              <a:buNone/>
-            </a:pPr>
-            <a:br>
-              <a:rPr lang="en-US" dirty="0"/>
-            </a:br>
-            <a:endParaRPr lang="en-US" dirty="0"/>
-          </a:p>
-        </p:txBody>
-      </p:sp>
-      <p:pic>
-        <p:nvPicPr>
-          <p:cNvPr id="6146" name="Picture 2">
-            <a:extLst>
-              <a:ext uri="{FF2B5EF4-FFF2-40B4-BE49-F238E27FC236}">
-                <a16:creationId xmlns:a16="http://schemas.microsoft.com/office/drawing/2014/main" id="{973D916D-5645-944B-807B-3C27E0BCDE2D}"/>
-              </a:ext>
-            </a:extLst>
-          </p:cNvPr>
-          <p:cNvPicPr>
-            <a:picLocks noChangeAspect="1" noChangeArrowheads="1"/>
-          </p:cNvPicPr>
-          <p:nvPr/>
-        </p:nvPicPr>
-        <p:blipFill>
-          <a:blip r:embed="rId2">
-            <a:extLst>
-              <a:ext uri="{28A0092B-C50C-407E-A947-70E740481C1C}">
-                <a14:useLocalDpi xmlns:a14="http://schemas.microsoft.com/office/drawing/2010/main" val="0"/>
-              </a:ext>
-            </a:extLst>
-          </a:blip>
-          <a:srcRect/>
-          <a:stretch>
-            <a:fillRect/>
-          </a:stretch>
-        </p:blipFill>
-        <p:spPr bwMode="auto">
-          <a:xfrm>
-            <a:off x="8219966" y="1948136"/>
-            <a:ext cx="2184400" cy="2730500"/>
-          </a:xfrm>
-          <a:prstGeom prst="rect">
-            <a:avLst/>
-          </a:prstGeom>
-          <a:noFill/>
-          <a:extLst>
-            <a:ext uri="{909E8E84-426E-40DD-AFC4-6F175D3DCCD1}">
-              <a14:hiddenFill xmlns:a14="http://schemas.microsoft.com/office/drawing/2010/main">
-                <a:solidFill>
-                  <a:srgbClr val="FFFFFF"/>
-                </a:solidFill>
-              </a14:hiddenFill>
-            </a:ext>
-          </a:extLst>
-        </p:spPr>
-      </p:pic>
-    </p:spTree>
-    <p:extLst>
-      <p:ext uri="{BB962C8B-B14F-4D97-AF65-F5344CB8AC3E}">
-        <p14:creationId xmlns:p14="http://schemas.microsoft.com/office/powerpoint/2010/main" val="3257645524"/>
-      </p:ext>
-    </p:extLst>
-  </p:cSld>
-  <p:clrMapOvr>
-    <a:masterClrMapping/>
-  </p:clrMapOvr>
-</p:sld>
-</file>
-
-<file path=ppt/slides/slide9.xml><?xml version="1.0" encoding="utf-8"?>
 <p:sld xmlns:a="http://schemas.openxmlformats.org/drawingml/2006/main" xmlns:r="http://schemas.openxmlformats.org/officeDocument/2006/relationships" xmlns:p="http://schemas.openxmlformats.org/presentationml/2006/main">
   <p:cSld>
     <p:spTree>
@@ -18922,6 +16159,3250 @@
 </p:sld>
 </file>
 
+<file path=ppt/slides/slide11.xml><?xml version="1.0" encoding="utf-8"?>
+<p:sld xmlns:a="http://schemas.openxmlformats.org/drawingml/2006/main" xmlns:r="http://schemas.openxmlformats.org/officeDocument/2006/relationships" xmlns:p="http://schemas.openxmlformats.org/presentationml/2006/main">
+  <p:cSld>
+    <p:spTree>
+      <p:nvGrpSpPr>
+        <p:cNvPr id="1" name=""/>
+        <p:cNvGrpSpPr/>
+        <p:nvPr/>
+      </p:nvGrpSpPr>
+      <p:grpSpPr>
+        <a:xfrm>
+          <a:off x="0" y="0"/>
+          <a:ext cx="0" cy="0"/>
+          <a:chOff x="0" y="0"/>
+          <a:chExt cx="0" cy="0"/>
+        </a:xfrm>
+      </p:grpSpPr>
+      <p:sp>
+        <p:nvSpPr>
+          <p:cNvPr id="2" name="Title 1">
+            <a:extLst>
+              <a:ext uri="{FF2B5EF4-FFF2-40B4-BE49-F238E27FC236}">
+                <a16:creationId xmlns:a16="http://schemas.microsoft.com/office/drawing/2014/main" id="{9F525ED9-DBBB-1B44-9DA1-6F33B70B5622}"/>
+              </a:ext>
+            </a:extLst>
+          </p:cNvPr>
+          <p:cNvSpPr>
+            <a:spLocks noGrp="1"/>
+          </p:cNvSpPr>
+          <p:nvPr>
+            <p:ph type="title"/>
+          </p:nvPr>
+        </p:nvSpPr>
+        <p:spPr/>
+        <p:txBody>
+          <a:bodyPr/>
+          <a:lstStyle/>
+          <a:p>
+            <a:r>
+              <a:rPr lang="en-US" dirty="0"/>
+              <a:t>SLSA Provenance	</a:t>
+            </a:r>
+          </a:p>
+        </p:txBody>
+      </p:sp>
+      <p:sp>
+        <p:nvSpPr>
+          <p:cNvPr id="8" name="Rectangle 2">
+            <a:extLst>
+              <a:ext uri="{FF2B5EF4-FFF2-40B4-BE49-F238E27FC236}">
+                <a16:creationId xmlns:a16="http://schemas.microsoft.com/office/drawing/2014/main" id="{2FEC06A2-8D22-1B41-B655-C09C6558E098}"/>
+              </a:ext>
+            </a:extLst>
+          </p:cNvPr>
+          <p:cNvSpPr>
+            <a:spLocks noChangeArrowheads="1"/>
+          </p:cNvSpPr>
+          <p:nvPr/>
+        </p:nvSpPr>
+        <p:spPr bwMode="auto">
+          <a:xfrm>
+            <a:off x="838200" y="2400300"/>
+            <a:ext cx="12192000" cy="0"/>
+          </a:xfrm>
+          <a:prstGeom prst="rect">
+            <a:avLst/>
+          </a:prstGeom>
+          <a:noFill/>
+          <a:ln>
+            <a:noFill/>
+          </a:ln>
+          <a:effectLst/>
+          <a:extLst>
+            <a:ext uri="{909E8E84-426E-40DD-AFC4-6F175D3DCCD1}">
+              <a14:hiddenFill xmlns:a14="http://schemas.microsoft.com/office/drawing/2010/main">
+                <a:solidFill>
+                  <a:schemeClr val="accent1"/>
+                </a:solidFill>
+              </a14:hiddenFill>
+            </a:ext>
+            <a:ext uri="{91240B29-F687-4F45-9708-019B960494DF}">
+              <a14:hiddenLine xmlns:a14="http://schemas.microsoft.com/office/drawing/2010/main" w="9525">
+                <a:solidFill>
+                  <a:schemeClr val="tx1"/>
+                </a:solidFill>
+                <a:miter lim="800000"/>
+                <a:headEnd/>
+                <a:tailEnd/>
+              </a14:hiddenLine>
+            </a:ext>
+            <a:ext uri="{AF507438-7753-43E0-B8FC-AC1667EBCBE1}">
+              <a14:hiddenEffects xmlns:a14="http://schemas.microsoft.com/office/drawing/2010/main">
+                <a:effectLst>
+                  <a:outerShdw dist="35921" dir="2700000" algn="ctr" rotWithShape="0">
+                    <a:schemeClr val="bg2"/>
+                  </a:outerShdw>
+                </a:effectLst>
+              </a14:hiddenEffects>
+            </a:ext>
+          </a:extLst>
+        </p:spPr>
+        <p:txBody>
+          <a:bodyPr vert="horz" wrap="none" lIns="91440" tIns="45720" rIns="91440" bIns="45720" numCol="1" anchor="ctr" anchorCtr="0" compatLnSpc="1">
+            <a:prstTxWarp prst="textNoShape">
+              <a:avLst/>
+            </a:prstTxWarp>
+            <a:spAutoFit/>
+          </a:bodyPr>
+          <a:lstStyle/>
+          <a:p>
+            <a:pPr marL="0" marR="0" lvl="0" indent="0" algn="l" defTabSz="914400" rtl="0" eaLnBrk="0" fontAlgn="base" latinLnBrk="0" hangingPunct="0">
+              <a:lnSpc>
+                <a:spcPct val="100000"/>
+              </a:lnSpc>
+              <a:spcBef>
+                <a:spcPct val="0"/>
+              </a:spcBef>
+              <a:spcAft>
+                <a:spcPct val="0"/>
+              </a:spcAft>
+              <a:buClrTx/>
+              <a:buSzTx/>
+              <a:buFontTx/>
+              <a:buNone/>
+              <a:tabLst/>
+            </a:pPr>
+            <a:br>
+              <a:rPr kumimoji="0" lang="en-US" altLang="en-US" sz="1800" b="0" i="0" u="none" strike="noStrike" cap="none" normalizeH="0" baseline="0">
+                <a:ln>
+                  <a:noFill/>
+                </a:ln>
+                <a:solidFill>
+                  <a:schemeClr val="tx1"/>
+                </a:solidFill>
+                <a:effectLst/>
+                <a:latin typeface="Arial" panose="020B0604020202020204" pitchFamily="34" charset="0"/>
+              </a:rPr>
+            </a:br>
+            <a:endParaRPr kumimoji="0" lang="en-US" altLang="en-US" sz="1800" b="0" i="0" u="none" strike="noStrike" cap="none" normalizeH="0" baseline="0">
+              <a:ln>
+                <a:noFill/>
+              </a:ln>
+              <a:solidFill>
+                <a:schemeClr val="tx1"/>
+              </a:solidFill>
+              <a:effectLst/>
+              <a:latin typeface="Arial" panose="020B0604020202020204" pitchFamily="34" charset="0"/>
+            </a:endParaRPr>
+          </a:p>
+        </p:txBody>
+      </p:sp>
+      <p:pic>
+        <p:nvPicPr>
+          <p:cNvPr id="4" name="Picture 3">
+            <a:extLst>
+              <a:ext uri="{FF2B5EF4-FFF2-40B4-BE49-F238E27FC236}">
+                <a16:creationId xmlns:a16="http://schemas.microsoft.com/office/drawing/2014/main" id="{969E9B18-338F-734C-8E4A-5FBC2406730D}"/>
+              </a:ext>
+            </a:extLst>
+          </p:cNvPr>
+          <p:cNvPicPr>
+            <a:picLocks noChangeAspect="1"/>
+          </p:cNvPicPr>
+          <p:nvPr/>
+        </p:nvPicPr>
+        <p:blipFill>
+          <a:blip r:embed="rId3"/>
+          <a:stretch>
+            <a:fillRect/>
+          </a:stretch>
+        </p:blipFill>
+        <p:spPr>
+          <a:xfrm>
+            <a:off x="5422931" y="1251303"/>
+            <a:ext cx="5930869" cy="4820483"/>
+          </a:xfrm>
+          <a:prstGeom prst="rect">
+            <a:avLst/>
+          </a:prstGeom>
+        </p:spPr>
+      </p:pic>
+      <p:sp>
+        <p:nvSpPr>
+          <p:cNvPr id="14" name="Google Shape;227;p33">
+            <a:extLst>
+              <a:ext uri="{FF2B5EF4-FFF2-40B4-BE49-F238E27FC236}">
+                <a16:creationId xmlns:a16="http://schemas.microsoft.com/office/drawing/2014/main" id="{A42EDCA2-5FF1-8642-AB77-AB4122BD1DB1}"/>
+              </a:ext>
+            </a:extLst>
+          </p:cNvPr>
+          <p:cNvSpPr txBox="1"/>
+          <p:nvPr/>
+        </p:nvSpPr>
+        <p:spPr>
+          <a:xfrm>
+            <a:off x="568631" y="1251303"/>
+            <a:ext cx="4854300" cy="3570178"/>
+          </a:xfrm>
+          <a:prstGeom prst="rect">
+            <a:avLst/>
+          </a:prstGeom>
+          <a:noFill/>
+          <a:ln>
+            <a:noFill/>
+          </a:ln>
+        </p:spPr>
+        <p:txBody>
+          <a:bodyPr spcFirstLastPara="1" wrap="square" lIns="91425" tIns="91425" rIns="91425" bIns="91425" anchor="t" anchorCtr="0">
+            <a:spAutoFit/>
+          </a:bodyPr>
+          <a:lstStyle/>
+          <a:p>
+            <a:pPr marL="88900" lvl="0">
+              <a:buSzPts val="2200"/>
+            </a:pPr>
+            <a:r>
+              <a:rPr lang="en-US" sz="2200" dirty="0">
+                <a:latin typeface="Open Sans"/>
+                <a:ea typeface="Open Sans"/>
+                <a:cs typeface="Open Sans"/>
+                <a:sym typeface="Open Sans"/>
+              </a:rPr>
+              <a:t>Provenance is an attestation that some entity (builder) produced one or more software artifacts (the subject of an in-toto attestation Statement) by executing some invocation, using some other artifacts as input (materials). The invocation in turn runs the </a:t>
+            </a:r>
+            <a:r>
+              <a:rPr lang="en-US" sz="2200" dirty="0" err="1">
+                <a:latin typeface="Open Sans"/>
+                <a:ea typeface="Open Sans"/>
+                <a:cs typeface="Open Sans"/>
+                <a:sym typeface="Open Sans"/>
+              </a:rPr>
+              <a:t>buildConfig</a:t>
+            </a:r>
+            <a:r>
+              <a:rPr lang="en-US" sz="2200" dirty="0">
+                <a:latin typeface="Open Sans"/>
+                <a:ea typeface="Open Sans"/>
+                <a:cs typeface="Open Sans"/>
+                <a:sym typeface="Open Sans"/>
+              </a:rPr>
+              <a:t>, which is a record of what was executed.</a:t>
+            </a:r>
+            <a:endParaRPr sz="2200" dirty="0">
+              <a:latin typeface="Open Sans"/>
+              <a:ea typeface="Open Sans"/>
+              <a:cs typeface="Open Sans"/>
+              <a:sym typeface="Open Sans"/>
+            </a:endParaRPr>
+          </a:p>
+        </p:txBody>
+      </p:sp>
+    </p:spTree>
+    <p:extLst>
+      <p:ext uri="{BB962C8B-B14F-4D97-AF65-F5344CB8AC3E}">
+        <p14:creationId xmlns:p14="http://schemas.microsoft.com/office/powerpoint/2010/main" val="3649359775"/>
+      </p:ext>
+    </p:extLst>
+  </p:cSld>
+  <p:clrMapOvr>
+    <a:masterClrMapping/>
+  </p:clrMapOvr>
+</p:sld>
+</file>
+
+<file path=ppt/slides/slide12.xml><?xml version="1.0" encoding="utf-8"?>
+<p:sld xmlns:a="http://schemas.openxmlformats.org/drawingml/2006/main" xmlns:r="http://schemas.openxmlformats.org/officeDocument/2006/relationships" xmlns:p="http://schemas.openxmlformats.org/presentationml/2006/main">
+  <p:cSld>
+    <p:spTree>
+      <p:nvGrpSpPr>
+        <p:cNvPr id="1" name=""/>
+        <p:cNvGrpSpPr/>
+        <p:nvPr/>
+      </p:nvGrpSpPr>
+      <p:grpSpPr>
+        <a:xfrm>
+          <a:off x="0" y="0"/>
+          <a:ext cx="0" cy="0"/>
+          <a:chOff x="0" y="0"/>
+          <a:chExt cx="0" cy="0"/>
+        </a:xfrm>
+      </p:grpSpPr>
+      <p:sp>
+        <p:nvSpPr>
+          <p:cNvPr id="2" name="Title 1">
+            <a:extLst>
+              <a:ext uri="{FF2B5EF4-FFF2-40B4-BE49-F238E27FC236}">
+                <a16:creationId xmlns:a16="http://schemas.microsoft.com/office/drawing/2014/main" id="{F4D605B8-B9FD-D04F-83D0-23EE0D71DE10}"/>
+              </a:ext>
+            </a:extLst>
+          </p:cNvPr>
+          <p:cNvSpPr>
+            <a:spLocks noGrp="1"/>
+          </p:cNvSpPr>
+          <p:nvPr>
+            <p:ph type="title"/>
+          </p:nvPr>
+        </p:nvSpPr>
+        <p:spPr/>
+        <p:txBody>
+          <a:bodyPr/>
+          <a:lstStyle/>
+          <a:p>
+            <a:r>
+              <a:rPr lang="en-US" dirty="0" err="1"/>
+              <a:t>Tekton</a:t>
+            </a:r>
+            <a:r>
+              <a:rPr lang="en-US" dirty="0"/>
+              <a:t> Chains – Configuration</a:t>
+            </a:r>
+          </a:p>
+        </p:txBody>
+      </p:sp>
+      <p:sp>
+        <p:nvSpPr>
+          <p:cNvPr id="5" name="TextBox 4">
+            <a:extLst>
+              <a:ext uri="{FF2B5EF4-FFF2-40B4-BE49-F238E27FC236}">
+                <a16:creationId xmlns:a16="http://schemas.microsoft.com/office/drawing/2014/main" id="{5659F201-8B82-AC41-9F75-AA360AE28B3C}"/>
+              </a:ext>
+            </a:extLst>
+          </p:cNvPr>
+          <p:cNvSpPr txBox="1"/>
+          <p:nvPr/>
+        </p:nvSpPr>
+        <p:spPr>
+          <a:xfrm>
+            <a:off x="1264777" y="4983857"/>
+            <a:ext cx="8675773" cy="738664"/>
+          </a:xfrm>
+          <a:prstGeom prst="rect">
+            <a:avLst/>
+          </a:prstGeom>
+          <a:noFill/>
+        </p:spPr>
+        <p:txBody>
+          <a:bodyPr wrap="none" rtlCol="0">
+            <a:spAutoFit/>
+          </a:bodyPr>
+          <a:lstStyle/>
+          <a:p>
+            <a:r>
+              <a:rPr lang="en-US" dirty="0">
+                <a:latin typeface="Open Sans" panose="020B0606030504020204" pitchFamily="34" charset="0"/>
+                <a:ea typeface="Open Sans" panose="020B0606030504020204" pitchFamily="34" charset="0"/>
+                <a:cs typeface="Open Sans" panose="020B0606030504020204" pitchFamily="34" charset="0"/>
+              </a:rPr>
+              <a:t>Example:</a:t>
+            </a:r>
+          </a:p>
+          <a:p>
+            <a:r>
+              <a:rPr lang="en-US" dirty="0" err="1"/>
+              <a:t>kubectl</a:t>
+            </a:r>
+            <a:r>
+              <a:rPr lang="en-US" dirty="0"/>
+              <a:t> patch </a:t>
+            </a:r>
+            <a:r>
+              <a:rPr lang="en-US" dirty="0" err="1"/>
+              <a:t>configmap</a:t>
+            </a:r>
+            <a:r>
+              <a:rPr lang="en-US" dirty="0"/>
+              <a:t> chains-config -n </a:t>
+            </a:r>
+            <a:r>
+              <a:rPr lang="en-US" dirty="0" err="1"/>
+              <a:t>tekton</a:t>
+            </a:r>
+            <a:r>
+              <a:rPr lang="en-US" dirty="0"/>
+              <a:t>-chains -p='{"data":{"</a:t>
+            </a:r>
+            <a:r>
+              <a:rPr lang="en-US" dirty="0" err="1"/>
+              <a:t>artifacts.taskrun.format</a:t>
+            </a:r>
+            <a:r>
+              <a:rPr lang="en-US" dirty="0"/>
+              <a:t>": "in-toto"}}'</a:t>
+            </a:r>
+          </a:p>
+          <a:p>
+            <a:r>
+              <a:rPr lang="en-US" dirty="0" err="1"/>
+              <a:t>kubectl</a:t>
+            </a:r>
+            <a:r>
+              <a:rPr lang="en-US" dirty="0"/>
+              <a:t> patch </a:t>
+            </a:r>
+            <a:r>
+              <a:rPr lang="en-US" dirty="0" err="1"/>
+              <a:t>configmap</a:t>
+            </a:r>
+            <a:r>
+              <a:rPr lang="en-US" dirty="0"/>
+              <a:t> chains-config -n </a:t>
+            </a:r>
+            <a:r>
+              <a:rPr lang="en-US" dirty="0" err="1"/>
+              <a:t>tekton</a:t>
+            </a:r>
+            <a:r>
+              <a:rPr lang="en-US" dirty="0"/>
+              <a:t>-chains -p='{"data":{"</a:t>
+            </a:r>
+            <a:r>
+              <a:rPr lang="en-US" dirty="0" err="1"/>
+              <a:t>artifacts.taskrun.storage</a:t>
+            </a:r>
+            <a:r>
+              <a:rPr lang="en-US" dirty="0"/>
+              <a:t>": "</a:t>
+            </a:r>
+            <a:r>
+              <a:rPr lang="en-US" err="1"/>
+              <a:t>oci</a:t>
+            </a:r>
+            <a:r>
+              <a:rPr lang="en-US"/>
+              <a:t>,tekton"}}'</a:t>
+            </a:r>
+            <a:endParaRPr lang="en-US" dirty="0"/>
+          </a:p>
+        </p:txBody>
+      </p:sp>
+      <p:pic>
+        <p:nvPicPr>
+          <p:cNvPr id="7" name="Picture 6">
+            <a:extLst>
+              <a:ext uri="{FF2B5EF4-FFF2-40B4-BE49-F238E27FC236}">
+                <a16:creationId xmlns:a16="http://schemas.microsoft.com/office/drawing/2014/main" id="{1D7F0E4F-E800-1A4A-9B0B-66410C47061F}"/>
+              </a:ext>
+            </a:extLst>
+          </p:cNvPr>
+          <p:cNvPicPr>
+            <a:picLocks noChangeAspect="1"/>
+          </p:cNvPicPr>
+          <p:nvPr/>
+        </p:nvPicPr>
+        <p:blipFill>
+          <a:blip r:embed="rId3"/>
+          <a:stretch>
+            <a:fillRect/>
+          </a:stretch>
+        </p:blipFill>
+        <p:spPr>
+          <a:xfrm>
+            <a:off x="183678" y="1573354"/>
+            <a:ext cx="11824643" cy="2947525"/>
+          </a:xfrm>
+          <a:prstGeom prst="rect">
+            <a:avLst/>
+          </a:prstGeom>
+        </p:spPr>
+      </p:pic>
+    </p:spTree>
+    <p:extLst>
+      <p:ext uri="{BB962C8B-B14F-4D97-AF65-F5344CB8AC3E}">
+        <p14:creationId xmlns:p14="http://schemas.microsoft.com/office/powerpoint/2010/main" val="3500129087"/>
+      </p:ext>
+    </p:extLst>
+  </p:cSld>
+  <p:clrMapOvr>
+    <a:masterClrMapping/>
+  </p:clrMapOvr>
+</p:sld>
+</file>
+
+<file path=ppt/slides/slide13.xml><?xml version="1.0" encoding="utf-8"?>
+<p:sld xmlns:a="http://schemas.openxmlformats.org/drawingml/2006/main" xmlns:r="http://schemas.openxmlformats.org/officeDocument/2006/relationships" xmlns:p="http://schemas.openxmlformats.org/presentationml/2006/main">
+  <p:cSld>
+    <p:spTree>
+      <p:nvGrpSpPr>
+        <p:cNvPr id="1" name=""/>
+        <p:cNvGrpSpPr/>
+        <p:nvPr/>
+      </p:nvGrpSpPr>
+      <p:grpSpPr>
+        <a:xfrm>
+          <a:off x="0" y="0"/>
+          <a:ext cx="0" cy="0"/>
+          <a:chOff x="0" y="0"/>
+          <a:chExt cx="0" cy="0"/>
+        </a:xfrm>
+      </p:grpSpPr>
+      <p:sp>
+        <p:nvSpPr>
+          <p:cNvPr id="2" name="Title 1">
+            <a:extLst>
+              <a:ext uri="{FF2B5EF4-FFF2-40B4-BE49-F238E27FC236}">
+                <a16:creationId xmlns:a16="http://schemas.microsoft.com/office/drawing/2014/main" id="{F4D605B8-B9FD-D04F-83D0-23EE0D71DE10}"/>
+              </a:ext>
+            </a:extLst>
+          </p:cNvPr>
+          <p:cNvSpPr>
+            <a:spLocks noGrp="1"/>
+          </p:cNvSpPr>
+          <p:nvPr>
+            <p:ph type="title"/>
+          </p:nvPr>
+        </p:nvSpPr>
+        <p:spPr/>
+        <p:txBody>
+          <a:bodyPr/>
+          <a:lstStyle/>
+          <a:p>
+            <a:r>
+              <a:rPr lang="en-US" dirty="0" err="1"/>
+              <a:t>Tekton</a:t>
+            </a:r>
+            <a:r>
+              <a:rPr lang="en-US" dirty="0"/>
+              <a:t> Chains – Capture Artifacts </a:t>
+            </a:r>
+          </a:p>
+        </p:txBody>
+      </p:sp>
+      <p:sp>
+        <p:nvSpPr>
+          <p:cNvPr id="3" name="Text Placeholder 2">
+            <a:extLst>
+              <a:ext uri="{FF2B5EF4-FFF2-40B4-BE49-F238E27FC236}">
+                <a16:creationId xmlns:a16="http://schemas.microsoft.com/office/drawing/2014/main" id="{0601C5F7-7F4A-4A4E-ACDE-D8BDCE1BC2B8}"/>
+              </a:ext>
+            </a:extLst>
+          </p:cNvPr>
+          <p:cNvSpPr>
+            <a:spLocks noGrp="1"/>
+          </p:cNvSpPr>
+          <p:nvPr>
+            <p:ph type="body" idx="1"/>
+          </p:nvPr>
+        </p:nvSpPr>
+        <p:spPr>
+          <a:xfrm>
+            <a:off x="220134" y="1134113"/>
+            <a:ext cx="6724828" cy="4848117"/>
+          </a:xfrm>
+        </p:spPr>
+        <p:txBody>
+          <a:bodyPr/>
+          <a:lstStyle/>
+          <a:p>
+            <a:r>
+              <a:rPr lang="en-US" b="1" dirty="0"/>
+              <a:t>Type Hinting</a:t>
+            </a:r>
+          </a:p>
+          <a:p>
+            <a:pPr lvl="1"/>
+            <a:r>
+              <a:rPr lang="en-US" dirty="0"/>
+              <a:t>When outputting an OCI, Chains will look for the following Results:</a:t>
+            </a:r>
+          </a:p>
+          <a:p>
+            <a:pPr lvl="2"/>
+            <a:r>
+              <a:rPr lang="en-US" dirty="0"/>
+              <a:t>*IMAGE_URL - The URL to the built OCI image</a:t>
+            </a:r>
+          </a:p>
+          <a:p>
+            <a:pPr lvl="2"/>
+            <a:r>
+              <a:rPr lang="en-US" dirty="0"/>
+              <a:t>*IMAGE_DIGEST - The Digest of the built OCI image</a:t>
+            </a:r>
+          </a:p>
+          <a:p>
+            <a:pPr lvl="1"/>
+            <a:r>
+              <a:rPr lang="en-US" dirty="0"/>
+              <a:t>where * indicates any expression. For example, if </a:t>
+            </a:r>
+            <a:r>
+              <a:rPr lang="en-US" b="1" dirty="0"/>
+              <a:t>both</a:t>
+            </a:r>
+            <a:r>
+              <a:rPr lang="en-US" dirty="0"/>
+              <a:t> MYIMAGE_IMAGE_URL AND MYIMAGE_IMAGE_DIGEST are correctly formatted to point to an OCI image, then chains will pick up on it and try to sign the image.</a:t>
+            </a:r>
+            <a:br>
+              <a:rPr lang="en-US" dirty="0"/>
+            </a:br>
+            <a:br>
+              <a:rPr lang="en-US" dirty="0"/>
+            </a:br>
+            <a:endParaRPr lang="en-US" dirty="0"/>
+          </a:p>
+        </p:txBody>
+      </p:sp>
+      <p:pic>
+        <p:nvPicPr>
+          <p:cNvPr id="4" name="Picture 3">
+            <a:extLst>
+              <a:ext uri="{FF2B5EF4-FFF2-40B4-BE49-F238E27FC236}">
+                <a16:creationId xmlns:a16="http://schemas.microsoft.com/office/drawing/2014/main" id="{2DDB470E-3549-3A46-80C3-0FC272E4B0DD}"/>
+              </a:ext>
+            </a:extLst>
+          </p:cNvPr>
+          <p:cNvPicPr>
+            <a:picLocks noChangeAspect="1"/>
+          </p:cNvPicPr>
+          <p:nvPr/>
+        </p:nvPicPr>
+        <p:blipFill>
+          <a:blip r:embed="rId3"/>
+          <a:stretch>
+            <a:fillRect/>
+          </a:stretch>
+        </p:blipFill>
+        <p:spPr>
+          <a:xfrm>
+            <a:off x="6944962" y="2508312"/>
+            <a:ext cx="5201133" cy="2099717"/>
+          </a:xfrm>
+          <a:prstGeom prst="rect">
+            <a:avLst/>
+          </a:prstGeom>
+        </p:spPr>
+      </p:pic>
+    </p:spTree>
+    <p:extLst>
+      <p:ext uri="{BB962C8B-B14F-4D97-AF65-F5344CB8AC3E}">
+        <p14:creationId xmlns:p14="http://schemas.microsoft.com/office/powerpoint/2010/main" val="2368188475"/>
+      </p:ext>
+    </p:extLst>
+  </p:cSld>
+  <p:clrMapOvr>
+    <a:masterClrMapping/>
+  </p:clrMapOvr>
+</p:sld>
+</file>
+
+<file path=ppt/slides/slide14.xml><?xml version="1.0" encoding="utf-8"?>
+<p:sld xmlns:a="http://schemas.openxmlformats.org/drawingml/2006/main" xmlns:r="http://schemas.openxmlformats.org/officeDocument/2006/relationships" xmlns:p="http://schemas.openxmlformats.org/presentationml/2006/main">
+  <p:cSld>
+    <p:spTree>
+      <p:nvGrpSpPr>
+        <p:cNvPr id="1" name=""/>
+        <p:cNvGrpSpPr/>
+        <p:nvPr/>
+      </p:nvGrpSpPr>
+      <p:grpSpPr>
+        <a:xfrm>
+          <a:off x="0" y="0"/>
+          <a:ext cx="0" cy="0"/>
+          <a:chOff x="0" y="0"/>
+          <a:chExt cx="0" cy="0"/>
+        </a:xfrm>
+      </p:grpSpPr>
+      <p:sp>
+        <p:nvSpPr>
+          <p:cNvPr id="2" name="Title 1">
+            <a:extLst>
+              <a:ext uri="{FF2B5EF4-FFF2-40B4-BE49-F238E27FC236}">
+                <a16:creationId xmlns:a16="http://schemas.microsoft.com/office/drawing/2014/main" id="{F4D605B8-B9FD-D04F-83D0-23EE0D71DE10}"/>
+              </a:ext>
+            </a:extLst>
+          </p:cNvPr>
+          <p:cNvSpPr>
+            <a:spLocks noGrp="1"/>
+          </p:cNvSpPr>
+          <p:nvPr>
+            <p:ph type="title"/>
+          </p:nvPr>
+        </p:nvSpPr>
+        <p:spPr/>
+        <p:txBody>
+          <a:bodyPr/>
+          <a:lstStyle/>
+          <a:p>
+            <a:r>
+              <a:rPr lang="en-US" dirty="0" err="1"/>
+              <a:t>Tekton</a:t>
+            </a:r>
+            <a:r>
+              <a:rPr lang="en-US" dirty="0"/>
+              <a:t> Chains – Cosign </a:t>
+            </a:r>
+          </a:p>
+        </p:txBody>
+      </p:sp>
+      <p:sp>
+        <p:nvSpPr>
+          <p:cNvPr id="3" name="Text Placeholder 2">
+            <a:extLst>
+              <a:ext uri="{FF2B5EF4-FFF2-40B4-BE49-F238E27FC236}">
+                <a16:creationId xmlns:a16="http://schemas.microsoft.com/office/drawing/2014/main" id="{0601C5F7-7F4A-4A4E-ACDE-D8BDCE1BC2B8}"/>
+              </a:ext>
+            </a:extLst>
+          </p:cNvPr>
+          <p:cNvSpPr>
+            <a:spLocks noGrp="1"/>
+          </p:cNvSpPr>
+          <p:nvPr>
+            <p:ph type="body" idx="1"/>
+          </p:nvPr>
+        </p:nvSpPr>
+        <p:spPr>
+          <a:xfrm>
+            <a:off x="220134" y="1134113"/>
+            <a:ext cx="6724828" cy="4848117"/>
+          </a:xfrm>
+        </p:spPr>
+        <p:txBody>
+          <a:bodyPr/>
+          <a:lstStyle/>
+          <a:p>
+            <a:r>
+              <a:rPr lang="en-US" dirty="0"/>
+              <a:t>Cosign is used for Container Signing, Verification and Storage in an OCI registry.</a:t>
+            </a:r>
+          </a:p>
+          <a:p>
+            <a:r>
+              <a:rPr lang="en-US" dirty="0"/>
+              <a:t>For cosign, Chains expects the encrypted private key to be stored in a secret called signing-secrets with the following structure:</a:t>
+            </a:r>
+          </a:p>
+          <a:p>
+            <a:pPr lvl="1"/>
+            <a:r>
+              <a:rPr lang="en-US" dirty="0" err="1"/>
+              <a:t>cosign.key</a:t>
+            </a:r>
+            <a:r>
+              <a:rPr lang="en-US" dirty="0"/>
+              <a:t> (the cosign-generated private key)</a:t>
+            </a:r>
+          </a:p>
+          <a:p>
+            <a:pPr lvl="1"/>
+            <a:r>
+              <a:rPr lang="en-US" dirty="0" err="1"/>
+              <a:t>cosign.password</a:t>
+            </a:r>
+            <a:r>
+              <a:rPr lang="en-US" dirty="0"/>
+              <a:t> (the password to decrypt the private key)</a:t>
+            </a:r>
+          </a:p>
+          <a:p>
+            <a:r>
+              <a:rPr lang="en-US" dirty="0"/>
+              <a:t>To create a cosign keypair, </a:t>
+            </a:r>
+            <a:r>
+              <a:rPr lang="en-US" dirty="0" err="1"/>
+              <a:t>cosign.key</a:t>
+            </a:r>
+            <a:r>
+              <a:rPr lang="en-US" dirty="0"/>
+              <a:t> and </a:t>
+            </a:r>
+            <a:r>
+              <a:rPr lang="en-US" dirty="0" err="1"/>
+              <a:t>cosign.pub</a:t>
+            </a:r>
+            <a:r>
+              <a:rPr lang="en-US" dirty="0"/>
+              <a:t>, install cosign and run the following:</a:t>
+            </a:r>
+          </a:p>
+          <a:p>
+            <a:pPr lvl="1"/>
+            <a:r>
+              <a:rPr lang="en-US" dirty="0"/>
+              <a:t>cosign generate-key-pair k8s://</a:t>
+            </a:r>
+            <a:r>
+              <a:rPr lang="en-US" dirty="0" err="1"/>
+              <a:t>tekton</a:t>
+            </a:r>
+            <a:r>
+              <a:rPr lang="en-US" dirty="0"/>
+              <a:t>-chains/signing-secrets</a:t>
+            </a:r>
+          </a:p>
+          <a:p>
+            <a:pPr lvl="1"/>
+            <a:endParaRPr lang="en-US" dirty="0"/>
+          </a:p>
+          <a:p>
+            <a:pPr marL="114300" indent="0">
+              <a:buNone/>
+            </a:pPr>
+            <a:br>
+              <a:rPr lang="en-US" dirty="0"/>
+            </a:br>
+            <a:endParaRPr lang="en-US" dirty="0"/>
+          </a:p>
+        </p:txBody>
+      </p:sp>
+      <p:pic>
+        <p:nvPicPr>
+          <p:cNvPr id="4098" name="Picture 2" descr="Sigstore Code Signing for Software Supply Chain Security – The New Stack">
+            <a:extLst>
+              <a:ext uri="{FF2B5EF4-FFF2-40B4-BE49-F238E27FC236}">
+                <a16:creationId xmlns:a16="http://schemas.microsoft.com/office/drawing/2014/main" id="{C2081BA1-B91F-CB4D-96C0-9B19BFC7C128}"/>
+              </a:ext>
+            </a:extLst>
+          </p:cNvPr>
+          <p:cNvPicPr>
+            <a:picLocks noChangeAspect="1" noChangeArrowheads="1"/>
+          </p:cNvPicPr>
+          <p:nvPr/>
+        </p:nvPicPr>
+        <p:blipFill>
+          <a:blip r:embed="rId3">
+            <a:extLst>
+              <a:ext uri="{28A0092B-C50C-407E-A947-70E740481C1C}">
+                <a14:useLocalDpi xmlns:a14="http://schemas.microsoft.com/office/drawing/2010/main" val="0"/>
+              </a:ext>
+            </a:extLst>
+          </a:blip>
+          <a:srcRect/>
+          <a:stretch>
+            <a:fillRect/>
+          </a:stretch>
+        </p:blipFill>
+        <p:spPr bwMode="auto">
+          <a:xfrm>
+            <a:off x="7783770" y="2367096"/>
+            <a:ext cx="3866877" cy="2123808"/>
+          </a:xfrm>
+          <a:prstGeom prst="rect">
+            <a:avLst/>
+          </a:prstGeom>
+          <a:noFill/>
+          <a:extLst>
+            <a:ext uri="{909E8E84-426E-40DD-AFC4-6F175D3DCCD1}">
+              <a14:hiddenFill xmlns:a14="http://schemas.microsoft.com/office/drawing/2010/main">
+                <a:solidFill>
+                  <a:srgbClr val="FFFFFF"/>
+                </a:solidFill>
+              </a14:hiddenFill>
+            </a:ext>
+          </a:extLst>
+        </p:spPr>
+      </p:pic>
+    </p:spTree>
+    <p:extLst>
+      <p:ext uri="{BB962C8B-B14F-4D97-AF65-F5344CB8AC3E}">
+        <p14:creationId xmlns:p14="http://schemas.microsoft.com/office/powerpoint/2010/main" val="1600782254"/>
+      </p:ext>
+    </p:extLst>
+  </p:cSld>
+  <p:clrMapOvr>
+    <a:masterClrMapping/>
+  </p:clrMapOvr>
+</p:sld>
+</file>
+
+<file path=ppt/slides/slide15.xml><?xml version="1.0" encoding="utf-8"?>
+<p:sld xmlns:a="http://schemas.openxmlformats.org/drawingml/2006/main" xmlns:r="http://schemas.openxmlformats.org/officeDocument/2006/relationships" xmlns:p="http://schemas.openxmlformats.org/presentationml/2006/main">
+  <p:cSld>
+    <p:spTree>
+      <p:nvGrpSpPr>
+        <p:cNvPr id="1" name=""/>
+        <p:cNvGrpSpPr/>
+        <p:nvPr/>
+      </p:nvGrpSpPr>
+      <p:grpSpPr>
+        <a:xfrm>
+          <a:off x="0" y="0"/>
+          <a:ext cx="0" cy="0"/>
+          <a:chOff x="0" y="0"/>
+          <a:chExt cx="0" cy="0"/>
+        </a:xfrm>
+      </p:grpSpPr>
+      <p:sp>
+        <p:nvSpPr>
+          <p:cNvPr id="2" name="Title 1">
+            <a:extLst>
+              <a:ext uri="{FF2B5EF4-FFF2-40B4-BE49-F238E27FC236}">
+                <a16:creationId xmlns:a16="http://schemas.microsoft.com/office/drawing/2014/main" id="{F4D605B8-B9FD-D04F-83D0-23EE0D71DE10}"/>
+              </a:ext>
+            </a:extLst>
+          </p:cNvPr>
+          <p:cNvSpPr>
+            <a:spLocks noGrp="1"/>
+          </p:cNvSpPr>
+          <p:nvPr>
+            <p:ph type="title"/>
+          </p:nvPr>
+        </p:nvSpPr>
+        <p:spPr/>
+        <p:txBody>
+          <a:bodyPr/>
+          <a:lstStyle/>
+          <a:p>
+            <a:r>
+              <a:rPr lang="en-US" dirty="0" err="1"/>
+              <a:t>Tekton</a:t>
+            </a:r>
+            <a:r>
+              <a:rPr lang="en-US" dirty="0"/>
+              <a:t> Installation	</a:t>
+            </a:r>
+          </a:p>
+        </p:txBody>
+      </p:sp>
+      <p:sp>
+        <p:nvSpPr>
+          <p:cNvPr id="3" name="Text Placeholder 2">
+            <a:extLst>
+              <a:ext uri="{FF2B5EF4-FFF2-40B4-BE49-F238E27FC236}">
+                <a16:creationId xmlns:a16="http://schemas.microsoft.com/office/drawing/2014/main" id="{0601C5F7-7F4A-4A4E-ACDE-D8BDCE1BC2B8}"/>
+              </a:ext>
+            </a:extLst>
+          </p:cNvPr>
+          <p:cNvSpPr>
+            <a:spLocks noGrp="1"/>
+          </p:cNvSpPr>
+          <p:nvPr>
+            <p:ph type="body" idx="1"/>
+          </p:nvPr>
+        </p:nvSpPr>
+        <p:spPr>
+          <a:xfrm>
+            <a:off x="838200" y="1328846"/>
+            <a:ext cx="6724828" cy="4848117"/>
+          </a:xfrm>
+        </p:spPr>
+        <p:txBody>
+          <a:bodyPr/>
+          <a:lstStyle/>
+          <a:p>
+            <a:r>
+              <a:rPr lang="en-US" dirty="0"/>
+              <a:t>To install </a:t>
+            </a:r>
+            <a:r>
+              <a:rPr lang="en-US" dirty="0" err="1"/>
+              <a:t>Tekton</a:t>
+            </a:r>
+            <a:r>
+              <a:rPr lang="en-US" dirty="0"/>
+              <a:t> and </a:t>
+            </a:r>
+            <a:r>
+              <a:rPr lang="en-US" dirty="0" err="1"/>
+              <a:t>Tekton</a:t>
+            </a:r>
+            <a:r>
+              <a:rPr lang="en-US" dirty="0"/>
+              <a:t> Pipelines run the following command:</a:t>
+            </a:r>
+          </a:p>
+          <a:p>
+            <a:pPr lvl="1"/>
+            <a:r>
+              <a:rPr lang="en-US" dirty="0" err="1"/>
+              <a:t>kubectl</a:t>
+            </a:r>
+            <a:r>
+              <a:rPr lang="en-US" dirty="0"/>
+              <a:t> apply --filename https://</a:t>
+            </a:r>
+            <a:r>
+              <a:rPr lang="en-US" dirty="0" err="1"/>
+              <a:t>storage.googleapis.com</a:t>
+            </a:r>
+            <a:r>
+              <a:rPr lang="en-US" dirty="0"/>
+              <a:t>/</a:t>
+            </a:r>
+            <a:r>
+              <a:rPr lang="en-US" dirty="0" err="1"/>
+              <a:t>tekton</a:t>
+            </a:r>
+            <a:r>
+              <a:rPr lang="en-US" dirty="0"/>
+              <a:t>-r</a:t>
+            </a:r>
+          </a:p>
+          <a:p>
+            <a:r>
+              <a:rPr lang="en-US" dirty="0"/>
+              <a:t>To install the latest version of Chains to your Kubernetes cluster, run:</a:t>
+            </a:r>
+          </a:p>
+          <a:p>
+            <a:pPr lvl="1"/>
+            <a:r>
+              <a:rPr lang="en-US" dirty="0" err="1"/>
+              <a:t>kubectl</a:t>
+            </a:r>
+            <a:r>
+              <a:rPr lang="en-US" dirty="0"/>
+              <a:t> apply --filename </a:t>
+            </a:r>
+            <a:r>
+              <a:rPr lang="en-US" dirty="0">
+                <a:hlinkClick r:id="rId3"/>
+              </a:rPr>
+              <a:t>https://storage.googleapis.com/tekton-releases/chains/latest/release.yaml</a:t>
+            </a:r>
+            <a:endParaRPr lang="en-US" dirty="0"/>
+          </a:p>
+          <a:p>
+            <a:r>
+              <a:rPr lang="en-US" dirty="0"/>
+              <a:t>Install Cosign</a:t>
+            </a:r>
+          </a:p>
+          <a:p>
+            <a:pPr lvl="1"/>
+            <a:r>
+              <a:rPr lang="en-US" dirty="0"/>
+              <a:t>$ go install </a:t>
+            </a:r>
+            <a:r>
+              <a:rPr lang="en-US" dirty="0">
+                <a:hlinkClick r:id="rId4"/>
+              </a:rPr>
+              <a:t>github.com/sigstore/cosign/cmd/cosign@latest</a:t>
+            </a:r>
+            <a:endParaRPr lang="en-US" dirty="0"/>
+          </a:p>
+          <a:p>
+            <a:pPr lvl="1"/>
+            <a:r>
+              <a:rPr lang="en-US" dirty="0"/>
+              <a:t>$ brew install cosign</a:t>
+            </a:r>
+          </a:p>
+          <a:p>
+            <a:pPr lvl="1"/>
+            <a:r>
+              <a:rPr lang="en-US" dirty="0"/>
+              <a:t>Installing the binary based on your system.</a:t>
+            </a:r>
+          </a:p>
+          <a:p>
+            <a:pPr marL="114300" indent="0">
+              <a:buNone/>
+            </a:pPr>
+            <a:br>
+              <a:rPr lang="en-US" dirty="0"/>
+            </a:br>
+            <a:endParaRPr lang="en-US" dirty="0"/>
+          </a:p>
+        </p:txBody>
+      </p:sp>
+      <p:pic>
+        <p:nvPicPr>
+          <p:cNvPr id="6146" name="Picture 2">
+            <a:extLst>
+              <a:ext uri="{FF2B5EF4-FFF2-40B4-BE49-F238E27FC236}">
+                <a16:creationId xmlns:a16="http://schemas.microsoft.com/office/drawing/2014/main" id="{973D916D-5645-944B-807B-3C27E0BCDE2D}"/>
+              </a:ext>
+            </a:extLst>
+          </p:cNvPr>
+          <p:cNvPicPr>
+            <a:picLocks noChangeAspect="1" noChangeArrowheads="1"/>
+          </p:cNvPicPr>
+          <p:nvPr/>
+        </p:nvPicPr>
+        <p:blipFill>
+          <a:blip r:embed="rId5">
+            <a:extLst>
+              <a:ext uri="{28A0092B-C50C-407E-A947-70E740481C1C}">
+                <a14:useLocalDpi xmlns:a14="http://schemas.microsoft.com/office/drawing/2010/main" val="0"/>
+              </a:ext>
+            </a:extLst>
+          </a:blip>
+          <a:srcRect/>
+          <a:stretch>
+            <a:fillRect/>
+          </a:stretch>
+        </p:blipFill>
+        <p:spPr bwMode="auto">
+          <a:xfrm>
+            <a:off x="8658875" y="1195646"/>
+            <a:ext cx="2184400" cy="2730500"/>
+          </a:xfrm>
+          <a:prstGeom prst="rect">
+            <a:avLst/>
+          </a:prstGeom>
+          <a:noFill/>
+          <a:extLst>
+            <a:ext uri="{909E8E84-426E-40DD-AFC4-6F175D3DCCD1}">
+              <a14:hiddenFill xmlns:a14="http://schemas.microsoft.com/office/drawing/2010/main">
+                <a:solidFill>
+                  <a:srgbClr val="FFFFFF"/>
+                </a:solidFill>
+              </a14:hiddenFill>
+            </a:ext>
+          </a:extLst>
+        </p:spPr>
+      </p:pic>
+      <p:pic>
+        <p:nvPicPr>
+          <p:cNvPr id="5" name="Picture 2" descr="Sigstore Code Signing for Software Supply Chain Security – The New Stack">
+            <a:extLst>
+              <a:ext uri="{FF2B5EF4-FFF2-40B4-BE49-F238E27FC236}">
+                <a16:creationId xmlns:a16="http://schemas.microsoft.com/office/drawing/2014/main" id="{D6928453-3826-5C43-B8B2-1328B529FEB5}"/>
+              </a:ext>
+            </a:extLst>
+          </p:cNvPr>
+          <p:cNvPicPr>
+            <a:picLocks noChangeAspect="1" noChangeArrowheads="1"/>
+          </p:cNvPicPr>
+          <p:nvPr/>
+        </p:nvPicPr>
+        <p:blipFill>
+          <a:blip r:embed="rId6">
+            <a:extLst>
+              <a:ext uri="{28A0092B-C50C-407E-A947-70E740481C1C}">
+                <a14:useLocalDpi xmlns:a14="http://schemas.microsoft.com/office/drawing/2010/main" val="0"/>
+              </a:ext>
+            </a:extLst>
+          </a:blip>
+          <a:srcRect/>
+          <a:stretch>
+            <a:fillRect/>
+          </a:stretch>
+        </p:blipFill>
+        <p:spPr bwMode="auto">
+          <a:xfrm>
+            <a:off x="7817637" y="4059346"/>
+            <a:ext cx="3866877" cy="2123808"/>
+          </a:xfrm>
+          <a:prstGeom prst="rect">
+            <a:avLst/>
+          </a:prstGeom>
+          <a:noFill/>
+          <a:extLst>
+            <a:ext uri="{909E8E84-426E-40DD-AFC4-6F175D3DCCD1}">
+              <a14:hiddenFill xmlns:a14="http://schemas.microsoft.com/office/drawing/2010/main">
+                <a:solidFill>
+                  <a:srgbClr val="FFFFFF"/>
+                </a:solidFill>
+              </a14:hiddenFill>
+            </a:ext>
+          </a:extLst>
+        </p:spPr>
+      </p:pic>
+    </p:spTree>
+    <p:extLst>
+      <p:ext uri="{BB962C8B-B14F-4D97-AF65-F5344CB8AC3E}">
+        <p14:creationId xmlns:p14="http://schemas.microsoft.com/office/powerpoint/2010/main" val="1325112767"/>
+      </p:ext>
+    </p:extLst>
+  </p:cSld>
+  <p:clrMapOvr>
+    <a:masterClrMapping/>
+  </p:clrMapOvr>
+</p:sld>
+</file>
+
+<file path=ppt/slides/slide16.xml><?xml version="1.0" encoding="utf-8"?>
+<p:sld xmlns:a="http://schemas.openxmlformats.org/drawingml/2006/main" xmlns:r="http://schemas.openxmlformats.org/officeDocument/2006/relationships" xmlns:p="http://schemas.openxmlformats.org/presentationml/2006/main">
+  <p:cSld>
+    <p:spTree>
+      <p:nvGrpSpPr>
+        <p:cNvPr id="1" name=""/>
+        <p:cNvGrpSpPr/>
+        <p:nvPr/>
+      </p:nvGrpSpPr>
+      <p:grpSpPr>
+        <a:xfrm>
+          <a:off x="0" y="0"/>
+          <a:ext cx="0" cy="0"/>
+          <a:chOff x="0" y="0"/>
+          <a:chExt cx="0" cy="0"/>
+        </a:xfrm>
+      </p:grpSpPr>
+      <p:sp>
+        <p:nvSpPr>
+          <p:cNvPr id="2" name="Title 1">
+            <a:extLst>
+              <a:ext uri="{FF2B5EF4-FFF2-40B4-BE49-F238E27FC236}">
+                <a16:creationId xmlns:a16="http://schemas.microsoft.com/office/drawing/2014/main" id="{F4D605B8-B9FD-D04F-83D0-23EE0D71DE10}"/>
+              </a:ext>
+            </a:extLst>
+          </p:cNvPr>
+          <p:cNvSpPr>
+            <a:spLocks noGrp="1"/>
+          </p:cNvSpPr>
+          <p:nvPr>
+            <p:ph type="title"/>
+          </p:nvPr>
+        </p:nvSpPr>
+        <p:spPr/>
+        <p:txBody>
+          <a:bodyPr/>
+          <a:lstStyle/>
+          <a:p>
+            <a:r>
+              <a:rPr lang="en-US" dirty="0"/>
+              <a:t>Demo!</a:t>
+            </a:r>
+          </a:p>
+        </p:txBody>
+      </p:sp>
+      <p:sp>
+        <p:nvSpPr>
+          <p:cNvPr id="3" name="Text Placeholder 2">
+            <a:extLst>
+              <a:ext uri="{FF2B5EF4-FFF2-40B4-BE49-F238E27FC236}">
+                <a16:creationId xmlns:a16="http://schemas.microsoft.com/office/drawing/2014/main" id="{0601C5F7-7F4A-4A4E-ACDE-D8BDCE1BC2B8}"/>
+              </a:ext>
+            </a:extLst>
+          </p:cNvPr>
+          <p:cNvSpPr>
+            <a:spLocks noGrp="1"/>
+          </p:cNvSpPr>
+          <p:nvPr>
+            <p:ph type="body" idx="1"/>
+          </p:nvPr>
+        </p:nvSpPr>
+        <p:spPr>
+          <a:xfrm>
+            <a:off x="838200" y="1328846"/>
+            <a:ext cx="6724828" cy="4848117"/>
+          </a:xfrm>
+        </p:spPr>
+        <p:txBody>
+          <a:bodyPr/>
+          <a:lstStyle/>
+          <a:p>
+            <a:r>
+              <a:rPr lang="en-US" dirty="0"/>
+              <a:t>Let’s go through an example with the </a:t>
+            </a:r>
+            <a:r>
+              <a:rPr lang="en-US" dirty="0" err="1"/>
+              <a:t>buildpacks</a:t>
+            </a:r>
+            <a:r>
+              <a:rPr lang="en-US" dirty="0"/>
+              <a:t> pipeline and show how to:</a:t>
+            </a:r>
+          </a:p>
+          <a:p>
+            <a:pPr lvl="1"/>
+            <a:r>
+              <a:rPr lang="en-US" dirty="0"/>
+              <a:t>Create the signing secret with cosign</a:t>
+            </a:r>
+          </a:p>
+          <a:p>
+            <a:pPr lvl="1"/>
+            <a:r>
+              <a:rPr lang="en-US" dirty="0"/>
+              <a:t>Explain what the </a:t>
+            </a:r>
+            <a:r>
+              <a:rPr lang="en-US" dirty="0" err="1"/>
+              <a:t>buildpacks</a:t>
+            </a:r>
+            <a:r>
+              <a:rPr lang="en-US" dirty="0"/>
+              <a:t> example is doing</a:t>
+            </a:r>
+          </a:p>
+          <a:p>
+            <a:pPr lvl="1"/>
+            <a:r>
+              <a:rPr lang="en-US" dirty="0"/>
+              <a:t>Review attestation (SLSA vO.2) from </a:t>
+            </a:r>
+            <a:r>
+              <a:rPr lang="en-US" dirty="0" err="1"/>
+              <a:t>taskrun</a:t>
+            </a:r>
+            <a:endParaRPr lang="en-US" dirty="0"/>
+          </a:p>
+          <a:p>
+            <a:pPr lvl="1"/>
+            <a:r>
+              <a:rPr lang="en-US" dirty="0"/>
+              <a:t>Verify signature of image and attestation using cosign</a:t>
+            </a:r>
+          </a:p>
+          <a:p>
+            <a:pPr lvl="1"/>
+            <a:endParaRPr lang="en-US" dirty="0"/>
+          </a:p>
+          <a:p>
+            <a:pPr marL="114300" indent="0">
+              <a:buNone/>
+            </a:pPr>
+            <a:br>
+              <a:rPr lang="en-US" dirty="0"/>
+            </a:br>
+            <a:endParaRPr lang="en-US" dirty="0"/>
+          </a:p>
+        </p:txBody>
+      </p:sp>
+      <p:pic>
+        <p:nvPicPr>
+          <p:cNvPr id="6146" name="Picture 2">
+            <a:extLst>
+              <a:ext uri="{FF2B5EF4-FFF2-40B4-BE49-F238E27FC236}">
+                <a16:creationId xmlns:a16="http://schemas.microsoft.com/office/drawing/2014/main" id="{973D916D-5645-944B-807B-3C27E0BCDE2D}"/>
+              </a:ext>
+            </a:extLst>
+          </p:cNvPr>
+          <p:cNvPicPr>
+            <a:picLocks noChangeAspect="1" noChangeArrowheads="1"/>
+          </p:cNvPicPr>
+          <p:nvPr/>
+        </p:nvPicPr>
+        <p:blipFill>
+          <a:blip r:embed="rId3">
+            <a:extLst>
+              <a:ext uri="{28A0092B-C50C-407E-A947-70E740481C1C}">
+                <a14:useLocalDpi xmlns:a14="http://schemas.microsoft.com/office/drawing/2010/main" val="0"/>
+              </a:ext>
+            </a:extLst>
+          </a:blip>
+          <a:srcRect/>
+          <a:stretch>
+            <a:fillRect/>
+          </a:stretch>
+        </p:blipFill>
+        <p:spPr bwMode="auto">
+          <a:xfrm>
+            <a:off x="8219966" y="1948136"/>
+            <a:ext cx="2184400" cy="2730500"/>
+          </a:xfrm>
+          <a:prstGeom prst="rect">
+            <a:avLst/>
+          </a:prstGeom>
+          <a:noFill/>
+          <a:extLst>
+            <a:ext uri="{909E8E84-426E-40DD-AFC4-6F175D3DCCD1}">
+              <a14:hiddenFill xmlns:a14="http://schemas.microsoft.com/office/drawing/2010/main">
+                <a:solidFill>
+                  <a:srgbClr val="FFFFFF"/>
+                </a:solidFill>
+              </a14:hiddenFill>
+            </a:ext>
+          </a:extLst>
+        </p:spPr>
+      </p:pic>
+    </p:spTree>
+    <p:extLst>
+      <p:ext uri="{BB962C8B-B14F-4D97-AF65-F5344CB8AC3E}">
+        <p14:creationId xmlns:p14="http://schemas.microsoft.com/office/powerpoint/2010/main" val="2686131557"/>
+      </p:ext>
+    </p:extLst>
+  </p:cSld>
+  <p:clrMapOvr>
+    <a:masterClrMapping/>
+  </p:clrMapOvr>
+</p:sld>
+</file>
+
+<file path=ppt/slides/slide17.xml><?xml version="1.0" encoding="utf-8"?>
+<p:sld xmlns:a="http://schemas.openxmlformats.org/drawingml/2006/main" xmlns:r="http://schemas.openxmlformats.org/officeDocument/2006/relationships" xmlns:p="http://schemas.openxmlformats.org/presentationml/2006/main">
+  <p:cSld>
+    <p:spTree>
+      <p:nvGrpSpPr>
+        <p:cNvPr id="1" name=""/>
+        <p:cNvGrpSpPr/>
+        <p:nvPr/>
+      </p:nvGrpSpPr>
+      <p:grpSpPr>
+        <a:xfrm>
+          <a:off x="0" y="0"/>
+          <a:ext cx="0" cy="0"/>
+          <a:chOff x="0" y="0"/>
+          <a:chExt cx="0" cy="0"/>
+        </a:xfrm>
+      </p:grpSpPr>
+      <p:sp>
+        <p:nvSpPr>
+          <p:cNvPr id="2" name="Title 1">
+            <a:extLst>
+              <a:ext uri="{FF2B5EF4-FFF2-40B4-BE49-F238E27FC236}">
+                <a16:creationId xmlns:a16="http://schemas.microsoft.com/office/drawing/2014/main" id="{F4D605B8-B9FD-D04F-83D0-23EE0D71DE10}"/>
+              </a:ext>
+            </a:extLst>
+          </p:cNvPr>
+          <p:cNvSpPr>
+            <a:spLocks noGrp="1"/>
+          </p:cNvSpPr>
+          <p:nvPr>
+            <p:ph type="title"/>
+          </p:nvPr>
+        </p:nvSpPr>
+        <p:spPr/>
+        <p:txBody>
+          <a:bodyPr/>
+          <a:lstStyle/>
+          <a:p>
+            <a:r>
+              <a:rPr lang="en-US" dirty="0" err="1"/>
+              <a:t>BuildPacks</a:t>
+            </a:r>
+            <a:r>
+              <a:rPr lang="en-US" dirty="0"/>
+              <a:t> </a:t>
+            </a:r>
+          </a:p>
+        </p:txBody>
+      </p:sp>
+      <p:sp>
+        <p:nvSpPr>
+          <p:cNvPr id="3" name="Text Placeholder 2">
+            <a:extLst>
+              <a:ext uri="{FF2B5EF4-FFF2-40B4-BE49-F238E27FC236}">
+                <a16:creationId xmlns:a16="http://schemas.microsoft.com/office/drawing/2014/main" id="{0601C5F7-7F4A-4A4E-ACDE-D8BDCE1BC2B8}"/>
+              </a:ext>
+            </a:extLst>
+          </p:cNvPr>
+          <p:cNvSpPr>
+            <a:spLocks noGrp="1"/>
+          </p:cNvSpPr>
+          <p:nvPr>
+            <p:ph type="body" idx="1"/>
+          </p:nvPr>
+        </p:nvSpPr>
+        <p:spPr>
+          <a:xfrm>
+            <a:off x="838200" y="1328846"/>
+            <a:ext cx="6724828" cy="4848117"/>
+          </a:xfrm>
+        </p:spPr>
+        <p:txBody>
+          <a:bodyPr/>
+          <a:lstStyle/>
+          <a:p>
+            <a:r>
+              <a:rPr lang="en-US" dirty="0"/>
+              <a:t>We will be using the </a:t>
+            </a:r>
+            <a:r>
+              <a:rPr lang="en-US" dirty="0" err="1"/>
+              <a:t>buildpacks</a:t>
+            </a:r>
+            <a:r>
+              <a:rPr lang="en-US" dirty="0"/>
+              <a:t> example from </a:t>
+            </a:r>
+            <a:r>
+              <a:rPr lang="en-US" dirty="0" err="1"/>
+              <a:t>tekton</a:t>
+            </a:r>
+            <a:r>
+              <a:rPr lang="en-US" dirty="0"/>
+              <a:t> catalog with slight modification:</a:t>
+            </a:r>
+          </a:p>
+          <a:p>
+            <a:pPr lvl="1"/>
+            <a:r>
+              <a:rPr lang="en-US" dirty="0"/>
+              <a:t>The </a:t>
+            </a:r>
+            <a:r>
+              <a:rPr lang="en-US" dirty="0" err="1"/>
+              <a:t>buildpacks</a:t>
+            </a:r>
+            <a:r>
+              <a:rPr lang="en-US" dirty="0"/>
+              <a:t> task will be replaced with the below:</a:t>
+            </a:r>
+          </a:p>
+          <a:p>
+            <a:pPr lvl="1"/>
+            <a:r>
+              <a:rPr lang="en-US" dirty="0">
+                <a:hlinkClick r:id="rId3"/>
+              </a:rPr>
+              <a:t>https://github.com/buildpacks/tekton-integration/tree/main/task/buildpacks/0.4</a:t>
+            </a:r>
+            <a:endParaRPr lang="en-US" dirty="0"/>
+          </a:p>
+          <a:p>
+            <a:pPr lvl="1"/>
+            <a:r>
+              <a:rPr lang="en-US" dirty="0"/>
+              <a:t>This has the necessary results fields needed by chains to capture the IMAGE_URL and IMAGE_DIGEST</a:t>
+            </a:r>
+          </a:p>
+          <a:p>
+            <a:pPr lvl="1"/>
+            <a:endParaRPr lang="en-US" dirty="0"/>
+          </a:p>
+          <a:p>
+            <a:pPr marL="114300" indent="0">
+              <a:buNone/>
+            </a:pPr>
+            <a:br>
+              <a:rPr lang="en-US" dirty="0"/>
+            </a:br>
+            <a:endParaRPr lang="en-US" dirty="0"/>
+          </a:p>
+        </p:txBody>
+      </p:sp>
+      <p:pic>
+        <p:nvPicPr>
+          <p:cNvPr id="6146" name="Picture 2">
+            <a:extLst>
+              <a:ext uri="{FF2B5EF4-FFF2-40B4-BE49-F238E27FC236}">
+                <a16:creationId xmlns:a16="http://schemas.microsoft.com/office/drawing/2014/main" id="{973D916D-5645-944B-807B-3C27E0BCDE2D}"/>
+              </a:ext>
+            </a:extLst>
+          </p:cNvPr>
+          <p:cNvPicPr>
+            <a:picLocks noChangeAspect="1" noChangeArrowheads="1"/>
+          </p:cNvPicPr>
+          <p:nvPr/>
+        </p:nvPicPr>
+        <p:blipFill>
+          <a:blip r:embed="rId4">
+            <a:extLst>
+              <a:ext uri="{28A0092B-C50C-407E-A947-70E740481C1C}">
+                <a14:useLocalDpi xmlns:a14="http://schemas.microsoft.com/office/drawing/2010/main" val="0"/>
+              </a:ext>
+            </a:extLst>
+          </a:blip>
+          <a:srcRect/>
+          <a:stretch>
+            <a:fillRect/>
+          </a:stretch>
+        </p:blipFill>
+        <p:spPr bwMode="auto">
+          <a:xfrm>
+            <a:off x="8219966" y="1948136"/>
+            <a:ext cx="2184400" cy="2730500"/>
+          </a:xfrm>
+          <a:prstGeom prst="rect">
+            <a:avLst/>
+          </a:prstGeom>
+          <a:noFill/>
+          <a:extLst>
+            <a:ext uri="{909E8E84-426E-40DD-AFC4-6F175D3DCCD1}">
+              <a14:hiddenFill xmlns:a14="http://schemas.microsoft.com/office/drawing/2010/main">
+                <a:solidFill>
+                  <a:srgbClr val="FFFFFF"/>
+                </a:solidFill>
+              </a14:hiddenFill>
+            </a:ext>
+          </a:extLst>
+        </p:spPr>
+      </p:pic>
+    </p:spTree>
+    <p:extLst>
+      <p:ext uri="{BB962C8B-B14F-4D97-AF65-F5344CB8AC3E}">
+        <p14:creationId xmlns:p14="http://schemas.microsoft.com/office/powerpoint/2010/main" val="1640485735"/>
+      </p:ext>
+    </p:extLst>
+  </p:cSld>
+  <p:clrMapOvr>
+    <a:masterClrMapping/>
+  </p:clrMapOvr>
+</p:sld>
+</file>
+
+<file path=ppt/slides/slide2.xml><?xml version="1.0" encoding="utf-8"?>
+<p:sld xmlns:a="http://schemas.openxmlformats.org/drawingml/2006/main" xmlns:r="http://schemas.openxmlformats.org/officeDocument/2006/relationships" xmlns:p="http://schemas.openxmlformats.org/presentationml/2006/main">
+  <p:cSld>
+    <p:spTree>
+      <p:nvGrpSpPr>
+        <p:cNvPr id="1" name="Shape 223"/>
+        <p:cNvGrpSpPr/>
+        <p:nvPr/>
+      </p:nvGrpSpPr>
+      <p:grpSpPr>
+        <a:xfrm>
+          <a:off x="0" y="0"/>
+          <a:ext cx="0" cy="0"/>
+          <a:chOff x="0" y="0"/>
+          <a:chExt cx="0" cy="0"/>
+        </a:xfrm>
+      </p:grpSpPr>
+      <p:sp>
+        <p:nvSpPr>
+          <p:cNvPr id="224" name="Google Shape;224;p33"/>
+          <p:cNvSpPr txBox="1">
+            <a:spLocks noGrp="1"/>
+          </p:cNvSpPr>
+          <p:nvPr>
+            <p:ph type="title"/>
+          </p:nvPr>
+        </p:nvSpPr>
+        <p:spPr>
+          <a:xfrm>
+            <a:off x="838200" y="0"/>
+            <a:ext cx="10515600" cy="1062300"/>
+          </a:xfrm>
+          <a:prstGeom prst="rect">
+            <a:avLst/>
+          </a:prstGeom>
+        </p:spPr>
+        <p:txBody>
+          <a:bodyPr spcFirstLastPara="1" wrap="square" lIns="91425" tIns="45700" rIns="91425" bIns="45700" anchor="ctr" anchorCtr="0">
+            <a:noAutofit/>
+          </a:bodyPr>
+          <a:lstStyle/>
+          <a:p>
+            <a:pPr marL="0" lvl="0" indent="0" algn="l" rtl="0">
+              <a:spcBef>
+                <a:spcPts val="0"/>
+              </a:spcBef>
+              <a:spcAft>
+                <a:spcPts val="0"/>
+              </a:spcAft>
+              <a:buNone/>
+            </a:pPr>
+            <a:r>
+              <a:rPr lang="en-US" dirty="0"/>
+              <a:t>Introduction</a:t>
+            </a:r>
+            <a:endParaRPr dirty="0"/>
+          </a:p>
+        </p:txBody>
+      </p:sp>
+      <p:sp>
+        <p:nvSpPr>
+          <p:cNvPr id="227" name="Google Shape;227;p33"/>
+          <p:cNvSpPr txBox="1"/>
+          <p:nvPr/>
+        </p:nvSpPr>
+        <p:spPr>
+          <a:xfrm>
+            <a:off x="440444" y="1468625"/>
+            <a:ext cx="6630312" cy="4585840"/>
+          </a:xfrm>
+          <a:prstGeom prst="rect">
+            <a:avLst/>
+          </a:prstGeom>
+          <a:noFill/>
+          <a:ln>
+            <a:noFill/>
+          </a:ln>
+        </p:spPr>
+        <p:txBody>
+          <a:bodyPr spcFirstLastPara="1" wrap="square" lIns="91425" tIns="91425" rIns="91425" bIns="91425" anchor="t" anchorCtr="0">
+            <a:spAutoFit/>
+          </a:bodyPr>
+          <a:lstStyle/>
+          <a:p>
+            <a:pPr marL="88900" lvl="0">
+              <a:buSzPts val="2200"/>
+            </a:pPr>
+            <a:r>
+              <a:rPr lang="en-US" sz="2200" dirty="0">
+                <a:latin typeface="Open Sans"/>
+                <a:ea typeface="Open Sans"/>
+                <a:cs typeface="Open Sans"/>
+                <a:sym typeface="Open Sans"/>
+              </a:rPr>
+              <a:t>Name: </a:t>
+            </a:r>
+            <a:r>
+              <a:rPr lang="en-US" sz="2200" dirty="0" err="1">
+                <a:latin typeface="Open Sans"/>
+                <a:ea typeface="Open Sans"/>
+                <a:cs typeface="Open Sans"/>
+                <a:sym typeface="Open Sans"/>
+              </a:rPr>
+              <a:t>Parth</a:t>
+            </a:r>
+            <a:r>
+              <a:rPr lang="en-US" sz="2200" dirty="0">
+                <a:latin typeface="Open Sans"/>
+                <a:ea typeface="Open Sans"/>
+                <a:cs typeface="Open Sans"/>
+                <a:sym typeface="Open Sans"/>
+              </a:rPr>
+              <a:t> Patel</a:t>
+            </a:r>
+          </a:p>
+          <a:p>
+            <a:pPr marL="88900" lvl="0">
+              <a:buSzPts val="2200"/>
+            </a:pPr>
+            <a:r>
+              <a:rPr lang="en-US" sz="2200" dirty="0">
+                <a:latin typeface="Open Sans"/>
+                <a:ea typeface="Open Sans"/>
+                <a:cs typeface="Open Sans"/>
+                <a:sym typeface="Open Sans"/>
+              </a:rPr>
+              <a:t>Title: </a:t>
+            </a:r>
+            <a:r>
+              <a:rPr lang="en-US" sz="2200" dirty="0" err="1">
+                <a:latin typeface="Open Sans"/>
+                <a:ea typeface="Open Sans"/>
+                <a:cs typeface="Open Sans"/>
+                <a:sym typeface="Open Sans"/>
+              </a:rPr>
+              <a:t>Devops</a:t>
+            </a:r>
+            <a:r>
+              <a:rPr lang="en-US" sz="2200" dirty="0">
+                <a:latin typeface="Open Sans"/>
+                <a:ea typeface="Open Sans"/>
+                <a:cs typeface="Open Sans"/>
+                <a:sym typeface="Open Sans"/>
+              </a:rPr>
+              <a:t> Engineer</a:t>
+            </a:r>
+          </a:p>
+          <a:p>
+            <a:pPr marL="88900" lvl="0">
+              <a:buSzPts val="2200"/>
+            </a:pPr>
+            <a:r>
+              <a:rPr lang="en-US" sz="2200" dirty="0">
+                <a:latin typeface="Open Sans"/>
+                <a:ea typeface="Open Sans"/>
+                <a:cs typeface="Open Sans"/>
+                <a:sym typeface="Open Sans"/>
+              </a:rPr>
+              <a:t>Company: </a:t>
+            </a:r>
+            <a:r>
+              <a:rPr lang="en-US" sz="2200" dirty="0" err="1">
+                <a:latin typeface="Open Sans"/>
+                <a:ea typeface="Open Sans"/>
+                <a:cs typeface="Open Sans"/>
+                <a:sym typeface="Open Sans"/>
+              </a:rPr>
+              <a:t>BoxBoat</a:t>
+            </a:r>
+            <a:endParaRPr lang="en-US" sz="2200" dirty="0">
+              <a:latin typeface="Open Sans"/>
+              <a:ea typeface="Open Sans"/>
+              <a:cs typeface="Open Sans"/>
+              <a:sym typeface="Open Sans"/>
+            </a:endParaRPr>
+          </a:p>
+          <a:p>
+            <a:pPr marL="431800" lvl="0" indent="-342900">
+              <a:buSzPts val="2200"/>
+              <a:buFont typeface="Arial" panose="020B0604020202020204" pitchFamily="34" charset="0"/>
+              <a:buChar char="•"/>
+            </a:pPr>
+            <a:r>
+              <a:rPr lang="en-US" sz="2200" dirty="0">
+                <a:latin typeface="Open Sans"/>
+                <a:ea typeface="Open Sans"/>
+                <a:cs typeface="Open Sans"/>
+                <a:sym typeface="Open Sans"/>
+              </a:rPr>
+              <a:t>Recently got acquired by IBM</a:t>
+            </a:r>
+          </a:p>
+          <a:p>
+            <a:pPr marL="431800" indent="-342900">
+              <a:buSzPts val="2200"/>
+              <a:buFont typeface="Arial" panose="020B0604020202020204" pitchFamily="34" charset="0"/>
+              <a:buChar char="•"/>
+            </a:pPr>
+            <a:r>
+              <a:rPr lang="en-US" sz="2200" dirty="0">
+                <a:latin typeface="Open Sans"/>
+                <a:ea typeface="Open Sans"/>
+                <a:cs typeface="Open Sans"/>
+                <a:sym typeface="Open Sans"/>
+              </a:rPr>
+              <a:t>Containerization, managing cloud infrastructure, utilizing various Kubernetes platforms and tools</a:t>
+            </a:r>
+          </a:p>
+          <a:p>
+            <a:pPr marL="431800" indent="-342900">
+              <a:buSzPts val="2200"/>
+              <a:buFont typeface="Arial" panose="020B0604020202020204" pitchFamily="34" charset="0"/>
+              <a:buChar char="•"/>
+            </a:pPr>
+            <a:r>
+              <a:rPr lang="en-US" sz="2200" dirty="0">
+                <a:latin typeface="Open Sans"/>
+                <a:ea typeface="Open Sans"/>
+                <a:cs typeface="Open Sans"/>
+                <a:sym typeface="Open Sans"/>
+              </a:rPr>
+              <a:t>We are always focusing on security – recently with secure supply chain for software</a:t>
+            </a:r>
+          </a:p>
+          <a:p>
+            <a:pPr marL="431800" lvl="0" indent="-342900">
+              <a:buSzPts val="2200"/>
+              <a:buFont typeface="Arial" panose="020B0604020202020204" pitchFamily="34" charset="0"/>
+              <a:buChar char="•"/>
+            </a:pPr>
+            <a:endParaRPr lang="en-US" sz="2200" dirty="0">
+              <a:latin typeface="Open Sans"/>
+              <a:ea typeface="Open Sans"/>
+              <a:cs typeface="Open Sans"/>
+              <a:sym typeface="Open Sans"/>
+            </a:endParaRPr>
+          </a:p>
+          <a:p>
+            <a:pPr marL="431800" lvl="1" indent="-342900">
+              <a:buSzPts val="2200"/>
+              <a:buFont typeface="Arial" panose="020B0604020202020204" pitchFamily="34" charset="0"/>
+              <a:buChar char="•"/>
+            </a:pPr>
+            <a:endParaRPr lang="en-US" sz="2200" dirty="0">
+              <a:latin typeface="Open Sans"/>
+              <a:ea typeface="Open Sans"/>
+              <a:cs typeface="Open Sans"/>
+              <a:sym typeface="Open Sans"/>
+            </a:endParaRPr>
+          </a:p>
+          <a:p>
+            <a:pPr marL="88900" lvl="0">
+              <a:buSzPts val="2200"/>
+            </a:pPr>
+            <a:r>
+              <a:rPr lang="en-US" sz="2200" dirty="0">
+                <a:latin typeface="Open Sans"/>
+                <a:ea typeface="Open Sans"/>
+                <a:cs typeface="Open Sans"/>
+                <a:sym typeface="Open Sans"/>
+              </a:rPr>
+              <a:t>		</a:t>
+            </a:r>
+          </a:p>
+          <a:p>
+            <a:pPr marL="0" lvl="0" indent="0" algn="l" rtl="0">
+              <a:spcBef>
+                <a:spcPts val="0"/>
+              </a:spcBef>
+              <a:spcAft>
+                <a:spcPts val="0"/>
+              </a:spcAft>
+              <a:buNone/>
+            </a:pPr>
+            <a:endParaRPr sz="2200" dirty="0">
+              <a:latin typeface="Open Sans"/>
+              <a:ea typeface="Open Sans"/>
+              <a:cs typeface="Open Sans"/>
+              <a:sym typeface="Open Sans"/>
+            </a:endParaRPr>
+          </a:p>
+        </p:txBody>
+      </p:sp>
+      <p:pic>
+        <p:nvPicPr>
+          <p:cNvPr id="2" name="Picture 1">
+            <a:extLst>
+              <a:ext uri="{FF2B5EF4-FFF2-40B4-BE49-F238E27FC236}">
+                <a16:creationId xmlns:a16="http://schemas.microsoft.com/office/drawing/2014/main" id="{289B29C7-4A40-4C4D-BB51-C0FA5477792A}"/>
+              </a:ext>
+            </a:extLst>
+          </p:cNvPr>
+          <p:cNvPicPr>
+            <a:picLocks noChangeAspect="1"/>
+          </p:cNvPicPr>
+          <p:nvPr/>
+        </p:nvPicPr>
+        <p:blipFill>
+          <a:blip r:embed="rId3"/>
+          <a:stretch>
+            <a:fillRect/>
+          </a:stretch>
+        </p:blipFill>
+        <p:spPr>
+          <a:xfrm>
+            <a:off x="7070756" y="2607272"/>
+            <a:ext cx="4445000" cy="1498600"/>
+          </a:xfrm>
+          <a:prstGeom prst="rect">
+            <a:avLst/>
+          </a:prstGeom>
+        </p:spPr>
+      </p:pic>
+    </p:spTree>
+    <p:extLst>
+      <p:ext uri="{BB962C8B-B14F-4D97-AF65-F5344CB8AC3E}">
+        <p14:creationId xmlns:p14="http://schemas.microsoft.com/office/powerpoint/2010/main" val="2837337260"/>
+      </p:ext>
+    </p:extLst>
+  </p:cSld>
+  <p:clrMapOvr>
+    <a:masterClrMapping/>
+  </p:clrMapOvr>
+</p:sld>
+</file>
+
+<file path=ppt/slides/slide3.xml><?xml version="1.0" encoding="utf-8"?>
+<p:sld xmlns:a="http://schemas.openxmlformats.org/drawingml/2006/main" xmlns:r="http://schemas.openxmlformats.org/officeDocument/2006/relationships" xmlns:p="http://schemas.openxmlformats.org/presentationml/2006/main">
+  <p:cSld>
+    <p:spTree>
+      <p:nvGrpSpPr>
+        <p:cNvPr id="1" name="Shape 223"/>
+        <p:cNvGrpSpPr/>
+        <p:nvPr/>
+      </p:nvGrpSpPr>
+      <p:grpSpPr>
+        <a:xfrm>
+          <a:off x="0" y="0"/>
+          <a:ext cx="0" cy="0"/>
+          <a:chOff x="0" y="0"/>
+          <a:chExt cx="0" cy="0"/>
+        </a:xfrm>
+      </p:grpSpPr>
+      <p:sp>
+        <p:nvSpPr>
+          <p:cNvPr id="224" name="Google Shape;224;p33"/>
+          <p:cNvSpPr txBox="1">
+            <a:spLocks noGrp="1"/>
+          </p:cNvSpPr>
+          <p:nvPr>
+            <p:ph type="title"/>
+          </p:nvPr>
+        </p:nvSpPr>
+        <p:spPr>
+          <a:xfrm>
+            <a:off x="838200" y="0"/>
+            <a:ext cx="10515600" cy="1062300"/>
+          </a:xfrm>
+          <a:prstGeom prst="rect">
+            <a:avLst/>
+          </a:prstGeom>
+        </p:spPr>
+        <p:txBody>
+          <a:bodyPr spcFirstLastPara="1" wrap="square" lIns="91425" tIns="45700" rIns="91425" bIns="45700" anchor="ctr" anchorCtr="0">
+            <a:noAutofit/>
+          </a:bodyPr>
+          <a:lstStyle/>
+          <a:p>
+            <a:pPr marL="0" lvl="0" indent="0" algn="l" rtl="0">
+              <a:spcBef>
+                <a:spcPts val="0"/>
+              </a:spcBef>
+              <a:spcAft>
+                <a:spcPts val="0"/>
+              </a:spcAft>
+              <a:buNone/>
+            </a:pPr>
+            <a:r>
+              <a:rPr lang="en-US" dirty="0" err="1"/>
+              <a:t>Tekton</a:t>
+            </a:r>
+            <a:endParaRPr dirty="0"/>
+          </a:p>
+        </p:txBody>
+      </p:sp>
+      <p:sp>
+        <p:nvSpPr>
+          <p:cNvPr id="227" name="Google Shape;227;p33"/>
+          <p:cNvSpPr txBox="1"/>
+          <p:nvPr/>
+        </p:nvSpPr>
+        <p:spPr>
+          <a:xfrm>
+            <a:off x="440444" y="1468625"/>
+            <a:ext cx="3835800" cy="3231624"/>
+          </a:xfrm>
+          <a:prstGeom prst="rect">
+            <a:avLst/>
+          </a:prstGeom>
+          <a:noFill/>
+          <a:ln>
+            <a:noFill/>
+          </a:ln>
+        </p:spPr>
+        <p:txBody>
+          <a:bodyPr spcFirstLastPara="1" wrap="square" lIns="91425" tIns="91425" rIns="91425" bIns="91425" anchor="t" anchorCtr="0">
+            <a:spAutoFit/>
+          </a:bodyPr>
+          <a:lstStyle/>
+          <a:p>
+            <a:pPr marL="88900" lvl="0">
+              <a:buSzPts val="2200"/>
+            </a:pPr>
+            <a:r>
+              <a:rPr lang="en-US" sz="2200" dirty="0" err="1">
+                <a:latin typeface="Open Sans"/>
+                <a:ea typeface="Open Sans"/>
+                <a:cs typeface="Open Sans"/>
+                <a:sym typeface="Open Sans"/>
+              </a:rPr>
+              <a:t>Tekton</a:t>
+            </a:r>
+            <a:r>
+              <a:rPr lang="en-US" sz="2200" dirty="0">
+                <a:latin typeface="Open Sans"/>
+                <a:ea typeface="Open Sans"/>
+                <a:cs typeface="Open Sans"/>
+                <a:sym typeface="Open Sans"/>
+              </a:rPr>
+              <a:t> is a</a:t>
+            </a:r>
+          </a:p>
+          <a:p>
+            <a:pPr marL="88900" lvl="0">
+              <a:buSzPts val="2200"/>
+            </a:pPr>
+            <a:r>
+              <a:rPr lang="en-US" sz="2200" dirty="0">
+                <a:latin typeface="Open Sans"/>
+                <a:ea typeface="Open Sans"/>
+                <a:cs typeface="Open Sans"/>
+                <a:sym typeface="Open Sans"/>
+              </a:rPr>
+              <a:t>open-source framework for creating Cloud Native CI/CD systems, allowing developers to  build, test, and deploy across cloud providers and on-premise systems.</a:t>
+            </a:r>
+          </a:p>
+          <a:p>
+            <a:pPr marL="0" lvl="0" indent="0" algn="l" rtl="0">
+              <a:spcBef>
+                <a:spcPts val="0"/>
+              </a:spcBef>
+              <a:spcAft>
+                <a:spcPts val="0"/>
+              </a:spcAft>
+              <a:buNone/>
+            </a:pPr>
+            <a:endParaRPr sz="2200" dirty="0">
+              <a:latin typeface="Open Sans"/>
+              <a:ea typeface="Open Sans"/>
+              <a:cs typeface="Open Sans"/>
+              <a:sym typeface="Open Sans"/>
+            </a:endParaRPr>
+          </a:p>
+        </p:txBody>
+      </p:sp>
+      <p:pic>
+        <p:nvPicPr>
+          <p:cNvPr id="1026" name="Picture 2">
+            <a:extLst>
+              <a:ext uri="{FF2B5EF4-FFF2-40B4-BE49-F238E27FC236}">
+                <a16:creationId xmlns:a16="http://schemas.microsoft.com/office/drawing/2014/main" id="{607939E6-9B3D-4747-A74B-4F9E8CAF4C1C}"/>
+              </a:ext>
+            </a:extLst>
+          </p:cNvPr>
+          <p:cNvPicPr>
+            <a:picLocks noChangeAspect="1" noChangeArrowheads="1"/>
+          </p:cNvPicPr>
+          <p:nvPr/>
+        </p:nvPicPr>
+        <p:blipFill>
+          <a:blip r:embed="rId3">
+            <a:extLst>
+              <a:ext uri="{28A0092B-C50C-407E-A947-70E740481C1C}">
+                <a14:useLocalDpi xmlns:a14="http://schemas.microsoft.com/office/drawing/2010/main" val="0"/>
+              </a:ext>
+            </a:extLst>
+          </a:blip>
+          <a:srcRect/>
+          <a:stretch>
+            <a:fillRect/>
+          </a:stretch>
+        </p:blipFill>
+        <p:spPr bwMode="auto">
+          <a:xfrm>
+            <a:off x="4495519" y="2048355"/>
+            <a:ext cx="6858281" cy="2198579"/>
+          </a:xfrm>
+          <a:prstGeom prst="rect">
+            <a:avLst/>
+          </a:prstGeom>
+          <a:noFill/>
+          <a:extLst>
+            <a:ext uri="{909E8E84-426E-40DD-AFC4-6F175D3DCCD1}">
+              <a14:hiddenFill xmlns:a14="http://schemas.microsoft.com/office/drawing/2010/main">
+                <a:solidFill>
+                  <a:srgbClr val="FFFFFF"/>
+                </a:solidFill>
+              </a14:hiddenFill>
+            </a:ext>
+          </a:extLst>
+        </p:spPr>
+      </p:pic>
+    </p:spTree>
+  </p:cSld>
+  <p:clrMapOvr>
+    <a:masterClrMapping/>
+  </p:clrMapOvr>
+</p:sld>
+</file>
+
+<file path=ppt/slides/slide4.xml><?xml version="1.0" encoding="utf-8"?>
+<p:sld xmlns:a="http://schemas.openxmlformats.org/drawingml/2006/main" xmlns:r="http://schemas.openxmlformats.org/officeDocument/2006/relationships" xmlns:p="http://schemas.openxmlformats.org/presentationml/2006/main">
+  <p:cSld>
+    <p:spTree>
+      <p:nvGrpSpPr>
+        <p:cNvPr id="1" name="Shape 223"/>
+        <p:cNvGrpSpPr/>
+        <p:nvPr/>
+      </p:nvGrpSpPr>
+      <p:grpSpPr>
+        <a:xfrm>
+          <a:off x="0" y="0"/>
+          <a:ext cx="0" cy="0"/>
+          <a:chOff x="0" y="0"/>
+          <a:chExt cx="0" cy="0"/>
+        </a:xfrm>
+      </p:grpSpPr>
+      <p:sp>
+        <p:nvSpPr>
+          <p:cNvPr id="224" name="Google Shape;224;p33"/>
+          <p:cNvSpPr txBox="1">
+            <a:spLocks noGrp="1"/>
+          </p:cNvSpPr>
+          <p:nvPr>
+            <p:ph type="title"/>
+          </p:nvPr>
+        </p:nvSpPr>
+        <p:spPr>
+          <a:xfrm>
+            <a:off x="838200" y="0"/>
+            <a:ext cx="10515600" cy="1062300"/>
+          </a:xfrm>
+          <a:prstGeom prst="rect">
+            <a:avLst/>
+          </a:prstGeom>
+        </p:spPr>
+        <p:txBody>
+          <a:bodyPr spcFirstLastPara="1" wrap="square" lIns="91425" tIns="45700" rIns="91425" bIns="45700" anchor="ctr" anchorCtr="0">
+            <a:noAutofit/>
+          </a:bodyPr>
+          <a:lstStyle/>
+          <a:p>
+            <a:pPr marL="0" lvl="0" indent="0" algn="l" rtl="0">
+              <a:spcBef>
+                <a:spcPts val="0"/>
+              </a:spcBef>
+              <a:spcAft>
+                <a:spcPts val="0"/>
+              </a:spcAft>
+              <a:buNone/>
+            </a:pPr>
+            <a:r>
+              <a:rPr lang="en-US" dirty="0"/>
+              <a:t>Multi-part</a:t>
+            </a:r>
+            <a:endParaRPr dirty="0"/>
+          </a:p>
+        </p:txBody>
+      </p:sp>
+      <p:sp>
+        <p:nvSpPr>
+          <p:cNvPr id="227" name="Google Shape;227;p33"/>
+          <p:cNvSpPr txBox="1"/>
+          <p:nvPr/>
+        </p:nvSpPr>
+        <p:spPr>
+          <a:xfrm>
+            <a:off x="440444" y="1468625"/>
+            <a:ext cx="3835800" cy="3231624"/>
+          </a:xfrm>
+          <a:prstGeom prst="rect">
+            <a:avLst/>
+          </a:prstGeom>
+          <a:noFill/>
+          <a:ln>
+            <a:noFill/>
+          </a:ln>
+        </p:spPr>
+        <p:txBody>
+          <a:bodyPr spcFirstLastPara="1" wrap="square" lIns="91425" tIns="91425" rIns="91425" bIns="91425" anchor="t" anchorCtr="0">
+            <a:spAutoFit/>
+          </a:bodyPr>
+          <a:lstStyle/>
+          <a:p>
+            <a:pPr marL="88900" lvl="0">
+              <a:buSzPts val="2200"/>
+            </a:pPr>
+            <a:r>
+              <a:rPr lang="en-US" sz="2200" dirty="0" err="1">
+                <a:latin typeface="Open Sans"/>
+                <a:ea typeface="Open Sans"/>
+                <a:cs typeface="Open Sans"/>
+                <a:sym typeface="Open Sans"/>
+              </a:rPr>
+              <a:t>Tekton</a:t>
+            </a:r>
+            <a:r>
+              <a:rPr lang="en-US" sz="2200" dirty="0">
+                <a:latin typeface="Open Sans"/>
+                <a:ea typeface="Open Sans"/>
+                <a:cs typeface="Open Sans"/>
+                <a:sym typeface="Open Sans"/>
+              </a:rPr>
+              <a:t> consists of multiple projects that build on each other.</a:t>
+            </a:r>
+          </a:p>
+          <a:p>
+            <a:pPr marL="431800" lvl="0" indent="-342900">
+              <a:buSzPts val="2200"/>
+              <a:buFont typeface="Arial" panose="020B0604020202020204" pitchFamily="34" charset="0"/>
+              <a:buChar char="•"/>
+            </a:pPr>
+            <a:r>
+              <a:rPr lang="en-US" sz="2200" dirty="0" err="1">
+                <a:latin typeface="Open Sans"/>
+                <a:ea typeface="Open Sans"/>
+                <a:cs typeface="Open Sans"/>
+                <a:sym typeface="Open Sans"/>
+              </a:rPr>
+              <a:t>Tekton</a:t>
+            </a:r>
+            <a:r>
+              <a:rPr lang="en-US" sz="2200" dirty="0">
+                <a:latin typeface="Open Sans"/>
+                <a:ea typeface="Open Sans"/>
+                <a:cs typeface="Open Sans"/>
+                <a:sym typeface="Open Sans"/>
+              </a:rPr>
+              <a:t> Pipelines</a:t>
+            </a:r>
+          </a:p>
+          <a:p>
+            <a:pPr marL="431800" lvl="0" indent="-342900">
+              <a:buSzPts val="2200"/>
+              <a:buFont typeface="Arial" panose="020B0604020202020204" pitchFamily="34" charset="0"/>
+              <a:buChar char="•"/>
+            </a:pPr>
+            <a:r>
+              <a:rPr lang="en-US" sz="2200" dirty="0" err="1">
+                <a:latin typeface="Open Sans"/>
+                <a:ea typeface="Open Sans"/>
+                <a:cs typeface="Open Sans"/>
+                <a:sym typeface="Open Sans"/>
+              </a:rPr>
+              <a:t>Tekton</a:t>
+            </a:r>
+            <a:r>
+              <a:rPr lang="en-US" sz="2200" dirty="0">
+                <a:latin typeface="Open Sans"/>
+                <a:ea typeface="Open Sans"/>
+                <a:cs typeface="Open Sans"/>
+                <a:sym typeface="Open Sans"/>
+              </a:rPr>
+              <a:t> CLI</a:t>
+            </a:r>
+          </a:p>
+          <a:p>
+            <a:pPr marL="431800" indent="-342900">
+              <a:buSzPts val="2200"/>
+              <a:buFont typeface="Arial" panose="020B0604020202020204" pitchFamily="34" charset="0"/>
+              <a:buChar char="•"/>
+            </a:pPr>
+            <a:r>
+              <a:rPr lang="en-US" sz="2200" dirty="0" err="1">
+                <a:latin typeface="Open Sans"/>
+                <a:ea typeface="Open Sans"/>
+                <a:cs typeface="Open Sans"/>
+                <a:sym typeface="Open Sans"/>
+              </a:rPr>
+              <a:t>Tekton</a:t>
+            </a:r>
+            <a:r>
+              <a:rPr lang="en-US" sz="2200" dirty="0">
+                <a:latin typeface="Open Sans"/>
+                <a:ea typeface="Open Sans"/>
+                <a:cs typeface="Open Sans"/>
+                <a:sym typeface="Open Sans"/>
+              </a:rPr>
+              <a:t> Dashboard</a:t>
+            </a:r>
+          </a:p>
+          <a:p>
+            <a:pPr marL="431800" lvl="0" indent="-342900">
+              <a:buSzPts val="2200"/>
+              <a:buFont typeface="Arial" panose="020B0604020202020204" pitchFamily="34" charset="0"/>
+              <a:buChar char="•"/>
+            </a:pPr>
+            <a:r>
+              <a:rPr lang="en-US" sz="2200" dirty="0" err="1">
+                <a:latin typeface="Open Sans"/>
+                <a:ea typeface="Open Sans"/>
+                <a:cs typeface="Open Sans"/>
+                <a:sym typeface="Open Sans"/>
+              </a:rPr>
+              <a:t>Tekton</a:t>
+            </a:r>
+            <a:r>
+              <a:rPr lang="en-US" sz="2200" dirty="0">
+                <a:latin typeface="Open Sans"/>
+                <a:ea typeface="Open Sans"/>
+                <a:cs typeface="Open Sans"/>
+                <a:sym typeface="Open Sans"/>
+              </a:rPr>
+              <a:t> Catalog/Hub</a:t>
+            </a:r>
+          </a:p>
+          <a:p>
+            <a:pPr marL="431800" lvl="0" indent="-342900">
+              <a:buSzPts val="2200"/>
+              <a:buFont typeface="Arial" panose="020B0604020202020204" pitchFamily="34" charset="0"/>
+              <a:buChar char="•"/>
+            </a:pPr>
+            <a:r>
+              <a:rPr lang="en-US" sz="2200" dirty="0" err="1">
+                <a:latin typeface="Open Sans"/>
+                <a:ea typeface="Open Sans"/>
+                <a:cs typeface="Open Sans"/>
+                <a:sym typeface="Open Sans"/>
+              </a:rPr>
+              <a:t>Tekton</a:t>
+            </a:r>
+            <a:r>
+              <a:rPr lang="en-US" sz="2200" dirty="0">
+                <a:latin typeface="Open Sans"/>
+                <a:ea typeface="Open Sans"/>
+                <a:cs typeface="Open Sans"/>
+                <a:sym typeface="Open Sans"/>
+              </a:rPr>
+              <a:t> Chains</a:t>
+            </a:r>
+          </a:p>
+          <a:p>
+            <a:pPr marL="0" lvl="0" indent="0" algn="l" rtl="0">
+              <a:spcBef>
+                <a:spcPts val="0"/>
+              </a:spcBef>
+              <a:spcAft>
+                <a:spcPts val="0"/>
+              </a:spcAft>
+              <a:buNone/>
+            </a:pPr>
+            <a:endParaRPr sz="2200" dirty="0">
+              <a:latin typeface="Open Sans"/>
+              <a:ea typeface="Open Sans"/>
+              <a:cs typeface="Open Sans"/>
+              <a:sym typeface="Open Sans"/>
+            </a:endParaRPr>
+          </a:p>
+        </p:txBody>
+      </p:sp>
+      <p:pic>
+        <p:nvPicPr>
+          <p:cNvPr id="1026" name="Picture 2">
+            <a:extLst>
+              <a:ext uri="{FF2B5EF4-FFF2-40B4-BE49-F238E27FC236}">
+                <a16:creationId xmlns:a16="http://schemas.microsoft.com/office/drawing/2014/main" id="{607939E6-9B3D-4747-A74B-4F9E8CAF4C1C}"/>
+              </a:ext>
+            </a:extLst>
+          </p:cNvPr>
+          <p:cNvPicPr>
+            <a:picLocks noChangeAspect="1" noChangeArrowheads="1"/>
+          </p:cNvPicPr>
+          <p:nvPr/>
+        </p:nvPicPr>
+        <p:blipFill>
+          <a:blip r:embed="rId3">
+            <a:extLst>
+              <a:ext uri="{28A0092B-C50C-407E-A947-70E740481C1C}">
+                <a14:useLocalDpi xmlns:a14="http://schemas.microsoft.com/office/drawing/2010/main" val="0"/>
+              </a:ext>
+            </a:extLst>
+          </a:blip>
+          <a:srcRect/>
+          <a:stretch>
+            <a:fillRect/>
+          </a:stretch>
+        </p:blipFill>
+        <p:spPr bwMode="auto">
+          <a:xfrm>
+            <a:off x="4495519" y="2048355"/>
+            <a:ext cx="6858281" cy="2198579"/>
+          </a:xfrm>
+          <a:prstGeom prst="rect">
+            <a:avLst/>
+          </a:prstGeom>
+          <a:noFill/>
+          <a:extLst>
+            <a:ext uri="{909E8E84-426E-40DD-AFC4-6F175D3DCCD1}">
+              <a14:hiddenFill xmlns:a14="http://schemas.microsoft.com/office/drawing/2010/main">
+                <a:solidFill>
+                  <a:srgbClr val="FFFFFF"/>
+                </a:solidFill>
+              </a14:hiddenFill>
+            </a:ext>
+          </a:extLst>
+        </p:spPr>
+      </p:pic>
+    </p:spTree>
+    <p:extLst>
+      <p:ext uri="{BB962C8B-B14F-4D97-AF65-F5344CB8AC3E}">
+        <p14:creationId xmlns:p14="http://schemas.microsoft.com/office/powerpoint/2010/main" val="1358305879"/>
+      </p:ext>
+    </p:extLst>
+  </p:cSld>
+  <p:clrMapOvr>
+    <a:masterClrMapping/>
+  </p:clrMapOvr>
+</p:sld>
+</file>
+
+<file path=ppt/slides/slide5.xml><?xml version="1.0" encoding="utf-8"?>
+<p:sld xmlns:a="http://schemas.openxmlformats.org/drawingml/2006/main" xmlns:r="http://schemas.openxmlformats.org/officeDocument/2006/relationships" xmlns:p="http://schemas.openxmlformats.org/presentationml/2006/main">
+  <p:cSld>
+    <p:spTree>
+      <p:nvGrpSpPr>
+        <p:cNvPr id="1" name="Shape 223"/>
+        <p:cNvGrpSpPr/>
+        <p:nvPr/>
+      </p:nvGrpSpPr>
+      <p:grpSpPr>
+        <a:xfrm>
+          <a:off x="0" y="0"/>
+          <a:ext cx="0" cy="0"/>
+          <a:chOff x="0" y="0"/>
+          <a:chExt cx="0" cy="0"/>
+        </a:xfrm>
+      </p:grpSpPr>
+      <p:sp>
+        <p:nvSpPr>
+          <p:cNvPr id="224" name="Google Shape;224;p33"/>
+          <p:cNvSpPr txBox="1">
+            <a:spLocks noGrp="1"/>
+          </p:cNvSpPr>
+          <p:nvPr>
+            <p:ph type="title"/>
+          </p:nvPr>
+        </p:nvSpPr>
+        <p:spPr>
+          <a:xfrm>
+            <a:off x="838200" y="0"/>
+            <a:ext cx="10515600" cy="1062300"/>
+          </a:xfrm>
+          <a:prstGeom prst="rect">
+            <a:avLst/>
+          </a:prstGeom>
+        </p:spPr>
+        <p:txBody>
+          <a:bodyPr spcFirstLastPara="1" wrap="square" lIns="91425" tIns="45700" rIns="91425" bIns="45700" anchor="ctr" anchorCtr="0">
+            <a:noAutofit/>
+          </a:bodyPr>
+          <a:lstStyle/>
+          <a:p>
+            <a:pPr marL="0" lvl="0" indent="0" algn="l" rtl="0">
+              <a:spcBef>
+                <a:spcPts val="0"/>
+              </a:spcBef>
+              <a:spcAft>
+                <a:spcPts val="0"/>
+              </a:spcAft>
+              <a:buNone/>
+            </a:pPr>
+            <a:r>
+              <a:rPr lang="en-US" dirty="0"/>
+              <a:t>Task and </a:t>
+            </a:r>
+            <a:r>
+              <a:rPr lang="en-US" dirty="0" err="1"/>
+              <a:t>Taskrun</a:t>
+            </a:r>
+            <a:endParaRPr dirty="0"/>
+          </a:p>
+        </p:txBody>
+      </p:sp>
+      <p:pic>
+        <p:nvPicPr>
+          <p:cNvPr id="3" name="Picture 2">
+            <a:extLst>
+              <a:ext uri="{FF2B5EF4-FFF2-40B4-BE49-F238E27FC236}">
+                <a16:creationId xmlns:a16="http://schemas.microsoft.com/office/drawing/2014/main" id="{71025EB9-1C27-0949-8B52-BAB614F7532A}"/>
+              </a:ext>
+            </a:extLst>
+          </p:cNvPr>
+          <p:cNvPicPr>
+            <a:picLocks noChangeAspect="1"/>
+          </p:cNvPicPr>
+          <p:nvPr/>
+        </p:nvPicPr>
+        <p:blipFill>
+          <a:blip r:embed="rId3"/>
+          <a:stretch>
+            <a:fillRect/>
+          </a:stretch>
+        </p:blipFill>
+        <p:spPr>
+          <a:xfrm>
+            <a:off x="214366" y="1308536"/>
+            <a:ext cx="6001707" cy="4734911"/>
+          </a:xfrm>
+          <a:prstGeom prst="rect">
+            <a:avLst/>
+          </a:prstGeom>
+        </p:spPr>
+      </p:pic>
+      <p:pic>
+        <p:nvPicPr>
+          <p:cNvPr id="4" name="Picture 3">
+            <a:extLst>
+              <a:ext uri="{FF2B5EF4-FFF2-40B4-BE49-F238E27FC236}">
+                <a16:creationId xmlns:a16="http://schemas.microsoft.com/office/drawing/2014/main" id="{D35F829B-FEDE-9D41-BDC8-CA90F31A383E}"/>
+              </a:ext>
+            </a:extLst>
+          </p:cNvPr>
+          <p:cNvPicPr>
+            <a:picLocks noChangeAspect="1"/>
+          </p:cNvPicPr>
+          <p:nvPr/>
+        </p:nvPicPr>
+        <p:blipFill>
+          <a:blip r:embed="rId4"/>
+          <a:stretch>
+            <a:fillRect/>
+          </a:stretch>
+        </p:blipFill>
+        <p:spPr>
+          <a:xfrm>
+            <a:off x="6216072" y="1308535"/>
+            <a:ext cx="4157637" cy="4634309"/>
+          </a:xfrm>
+          <a:prstGeom prst="rect">
+            <a:avLst/>
+          </a:prstGeom>
+        </p:spPr>
+      </p:pic>
+    </p:spTree>
+    <p:extLst>
+      <p:ext uri="{BB962C8B-B14F-4D97-AF65-F5344CB8AC3E}">
+        <p14:creationId xmlns:p14="http://schemas.microsoft.com/office/powerpoint/2010/main" val="4136780560"/>
+      </p:ext>
+    </p:extLst>
+  </p:cSld>
+  <p:clrMapOvr>
+    <a:masterClrMapping/>
+  </p:clrMapOvr>
+</p:sld>
+</file>
+
+<file path=ppt/slides/slide6.xml><?xml version="1.0" encoding="utf-8"?>
+<p:sld xmlns:a="http://schemas.openxmlformats.org/drawingml/2006/main" xmlns:r="http://schemas.openxmlformats.org/officeDocument/2006/relationships" xmlns:p="http://schemas.openxmlformats.org/presentationml/2006/main">
+  <p:cSld>
+    <p:spTree>
+      <p:nvGrpSpPr>
+        <p:cNvPr id="1" name="Shape 223"/>
+        <p:cNvGrpSpPr/>
+        <p:nvPr/>
+      </p:nvGrpSpPr>
+      <p:grpSpPr>
+        <a:xfrm>
+          <a:off x="0" y="0"/>
+          <a:ext cx="0" cy="0"/>
+          <a:chOff x="0" y="0"/>
+          <a:chExt cx="0" cy="0"/>
+        </a:xfrm>
+      </p:grpSpPr>
+      <p:sp>
+        <p:nvSpPr>
+          <p:cNvPr id="224" name="Google Shape;224;p33"/>
+          <p:cNvSpPr txBox="1">
+            <a:spLocks noGrp="1"/>
+          </p:cNvSpPr>
+          <p:nvPr>
+            <p:ph type="title"/>
+          </p:nvPr>
+        </p:nvSpPr>
+        <p:spPr>
+          <a:xfrm>
+            <a:off x="838200" y="0"/>
+            <a:ext cx="10515600" cy="1062300"/>
+          </a:xfrm>
+          <a:prstGeom prst="rect">
+            <a:avLst/>
+          </a:prstGeom>
+        </p:spPr>
+        <p:txBody>
+          <a:bodyPr spcFirstLastPara="1" wrap="square" lIns="91425" tIns="45700" rIns="91425" bIns="45700" anchor="ctr" anchorCtr="0">
+            <a:noAutofit/>
+          </a:bodyPr>
+          <a:lstStyle/>
+          <a:p>
+            <a:pPr marL="0" lvl="0" indent="0" algn="l" rtl="0">
+              <a:spcBef>
+                <a:spcPts val="0"/>
+              </a:spcBef>
+              <a:spcAft>
+                <a:spcPts val="0"/>
+              </a:spcAft>
+              <a:buNone/>
+            </a:pPr>
+            <a:r>
+              <a:rPr lang="en-US" dirty="0"/>
+              <a:t>Pipeline and </a:t>
+            </a:r>
+            <a:r>
+              <a:rPr lang="en-US" dirty="0" err="1"/>
+              <a:t>PipelineRun</a:t>
+            </a:r>
+            <a:endParaRPr dirty="0"/>
+          </a:p>
+        </p:txBody>
+      </p:sp>
+      <p:pic>
+        <p:nvPicPr>
+          <p:cNvPr id="3" name="Picture 2">
+            <a:extLst>
+              <a:ext uri="{FF2B5EF4-FFF2-40B4-BE49-F238E27FC236}">
+                <a16:creationId xmlns:a16="http://schemas.microsoft.com/office/drawing/2014/main" id="{71025EB9-1C27-0949-8B52-BAB614F7532A}"/>
+              </a:ext>
+            </a:extLst>
+          </p:cNvPr>
+          <p:cNvPicPr>
+            <a:picLocks noChangeAspect="1"/>
+          </p:cNvPicPr>
+          <p:nvPr/>
+        </p:nvPicPr>
+        <p:blipFill>
+          <a:blip r:embed="rId3"/>
+          <a:srcRect/>
+          <a:stretch/>
+        </p:blipFill>
+        <p:spPr>
+          <a:xfrm>
+            <a:off x="1124355" y="1258233"/>
+            <a:ext cx="3319880" cy="4734911"/>
+          </a:xfrm>
+          <a:prstGeom prst="rect">
+            <a:avLst/>
+          </a:prstGeom>
+        </p:spPr>
+      </p:pic>
+      <p:pic>
+        <p:nvPicPr>
+          <p:cNvPr id="2" name="Picture 1">
+            <a:extLst>
+              <a:ext uri="{FF2B5EF4-FFF2-40B4-BE49-F238E27FC236}">
+                <a16:creationId xmlns:a16="http://schemas.microsoft.com/office/drawing/2014/main" id="{EEA96C0A-DEA4-474C-9FCF-6022A4043288}"/>
+              </a:ext>
+            </a:extLst>
+          </p:cNvPr>
+          <p:cNvPicPr>
+            <a:picLocks noChangeAspect="1"/>
+          </p:cNvPicPr>
+          <p:nvPr/>
+        </p:nvPicPr>
+        <p:blipFill>
+          <a:blip r:embed="rId4"/>
+          <a:stretch>
+            <a:fillRect/>
+          </a:stretch>
+        </p:blipFill>
+        <p:spPr>
+          <a:xfrm>
+            <a:off x="5314697" y="1805152"/>
+            <a:ext cx="5752948" cy="3492062"/>
+          </a:xfrm>
+          <a:prstGeom prst="rect">
+            <a:avLst/>
+          </a:prstGeom>
+        </p:spPr>
+      </p:pic>
+    </p:spTree>
+    <p:extLst>
+      <p:ext uri="{BB962C8B-B14F-4D97-AF65-F5344CB8AC3E}">
+        <p14:creationId xmlns:p14="http://schemas.microsoft.com/office/powerpoint/2010/main" val="1405448463"/>
+      </p:ext>
+    </p:extLst>
+  </p:cSld>
+  <p:clrMapOvr>
+    <a:masterClrMapping/>
+  </p:clrMapOvr>
+</p:sld>
+</file>
+
+<file path=ppt/slides/slide7.xml><?xml version="1.0" encoding="utf-8"?>
+<p:sld xmlns:a="http://schemas.openxmlformats.org/drawingml/2006/main" xmlns:r="http://schemas.openxmlformats.org/officeDocument/2006/relationships" xmlns:p="http://schemas.openxmlformats.org/presentationml/2006/main">
+  <p:cSld>
+    <p:spTree>
+      <p:nvGrpSpPr>
+        <p:cNvPr id="1" name=""/>
+        <p:cNvGrpSpPr/>
+        <p:nvPr/>
+      </p:nvGrpSpPr>
+      <p:grpSpPr>
+        <a:xfrm>
+          <a:off x="0" y="0"/>
+          <a:ext cx="0" cy="0"/>
+          <a:chOff x="0" y="0"/>
+          <a:chExt cx="0" cy="0"/>
+        </a:xfrm>
+      </p:grpSpPr>
+      <p:sp>
+        <p:nvSpPr>
+          <p:cNvPr id="2" name="Title 1">
+            <a:extLst>
+              <a:ext uri="{FF2B5EF4-FFF2-40B4-BE49-F238E27FC236}">
+                <a16:creationId xmlns:a16="http://schemas.microsoft.com/office/drawing/2014/main" id="{F4D605B8-B9FD-D04F-83D0-23EE0D71DE10}"/>
+              </a:ext>
+            </a:extLst>
+          </p:cNvPr>
+          <p:cNvSpPr>
+            <a:spLocks noGrp="1"/>
+          </p:cNvSpPr>
+          <p:nvPr>
+            <p:ph type="title"/>
+          </p:nvPr>
+        </p:nvSpPr>
+        <p:spPr/>
+        <p:txBody>
+          <a:bodyPr/>
+          <a:lstStyle/>
+          <a:p>
+            <a:r>
+              <a:rPr lang="en-US" dirty="0" err="1"/>
+              <a:t>Tekton</a:t>
+            </a:r>
+            <a:r>
+              <a:rPr lang="en-US" dirty="0"/>
+              <a:t> Catalog/Hub </a:t>
+            </a:r>
+          </a:p>
+        </p:txBody>
+      </p:sp>
+      <p:sp>
+        <p:nvSpPr>
+          <p:cNvPr id="3" name="Text Placeholder 2">
+            <a:extLst>
+              <a:ext uri="{FF2B5EF4-FFF2-40B4-BE49-F238E27FC236}">
+                <a16:creationId xmlns:a16="http://schemas.microsoft.com/office/drawing/2014/main" id="{0601C5F7-7F4A-4A4E-ACDE-D8BDCE1BC2B8}"/>
+              </a:ext>
+            </a:extLst>
+          </p:cNvPr>
+          <p:cNvSpPr>
+            <a:spLocks noGrp="1"/>
+          </p:cNvSpPr>
+          <p:nvPr>
+            <p:ph type="body" idx="1"/>
+          </p:nvPr>
+        </p:nvSpPr>
+        <p:spPr>
+          <a:xfrm>
+            <a:off x="-8546" y="1320299"/>
+            <a:ext cx="6724828" cy="4848117"/>
+          </a:xfrm>
+        </p:spPr>
+        <p:txBody>
+          <a:bodyPr/>
+          <a:lstStyle/>
+          <a:p>
+            <a:r>
+              <a:rPr lang="en-US" dirty="0" err="1"/>
+              <a:t>Tekton</a:t>
+            </a:r>
+            <a:r>
+              <a:rPr lang="en-US" dirty="0"/>
+              <a:t> Catalog/Hub allows users to discover, search and share Tasks and pipelines that have been created.</a:t>
+            </a:r>
+          </a:p>
+          <a:p>
+            <a:r>
+              <a:rPr lang="en-US" dirty="0"/>
+              <a:t>Great starting place for new users to start using tasks, modifying existing to fit their needs or creating their own from examples.</a:t>
+            </a:r>
+          </a:p>
+          <a:p>
+            <a:r>
+              <a:rPr lang="en-US" dirty="0"/>
+              <a:t>We will use the </a:t>
+            </a:r>
+            <a:r>
+              <a:rPr lang="en-US" dirty="0" err="1"/>
+              <a:t>buildpacks</a:t>
+            </a:r>
+            <a:r>
+              <a:rPr lang="en-US" dirty="0"/>
+              <a:t> pipeline from the catalog for the demo.</a:t>
+            </a:r>
+          </a:p>
+          <a:p>
+            <a:pPr marL="114300" indent="0">
+              <a:buNone/>
+            </a:pPr>
+            <a:br>
+              <a:rPr lang="en-US" dirty="0"/>
+            </a:br>
+            <a:endParaRPr lang="en-US" dirty="0"/>
+          </a:p>
+        </p:txBody>
+      </p:sp>
+      <p:pic>
+        <p:nvPicPr>
+          <p:cNvPr id="4" name="Picture 3">
+            <a:extLst>
+              <a:ext uri="{FF2B5EF4-FFF2-40B4-BE49-F238E27FC236}">
+                <a16:creationId xmlns:a16="http://schemas.microsoft.com/office/drawing/2014/main" id="{CC65E632-9291-8C41-8A81-9B4BEA8FB522}"/>
+              </a:ext>
+            </a:extLst>
+          </p:cNvPr>
+          <p:cNvPicPr>
+            <a:picLocks noChangeAspect="1"/>
+          </p:cNvPicPr>
+          <p:nvPr/>
+        </p:nvPicPr>
+        <p:blipFill>
+          <a:blip r:embed="rId3"/>
+          <a:stretch>
+            <a:fillRect/>
+          </a:stretch>
+        </p:blipFill>
+        <p:spPr>
+          <a:xfrm>
+            <a:off x="6956682" y="1328846"/>
+            <a:ext cx="5117457" cy="4848117"/>
+          </a:xfrm>
+          <a:prstGeom prst="rect">
+            <a:avLst/>
+          </a:prstGeom>
+        </p:spPr>
+      </p:pic>
+    </p:spTree>
+    <p:extLst>
+      <p:ext uri="{BB962C8B-B14F-4D97-AF65-F5344CB8AC3E}">
+        <p14:creationId xmlns:p14="http://schemas.microsoft.com/office/powerpoint/2010/main" val="1928146205"/>
+      </p:ext>
+    </p:extLst>
+  </p:cSld>
+  <p:clrMapOvr>
+    <a:masterClrMapping/>
+  </p:clrMapOvr>
+</p:sld>
+</file>
+
+<file path=ppt/slides/slide8.xml><?xml version="1.0" encoding="utf-8"?>
+<p:sld xmlns:a="http://schemas.openxmlformats.org/drawingml/2006/main" xmlns:r="http://schemas.openxmlformats.org/officeDocument/2006/relationships" xmlns:p="http://schemas.openxmlformats.org/presentationml/2006/main">
+  <p:cSld>
+    <p:spTree>
+      <p:nvGrpSpPr>
+        <p:cNvPr id="1" name=""/>
+        <p:cNvGrpSpPr/>
+        <p:nvPr/>
+      </p:nvGrpSpPr>
+      <p:grpSpPr>
+        <a:xfrm>
+          <a:off x="0" y="0"/>
+          <a:ext cx="0" cy="0"/>
+          <a:chOff x="0" y="0"/>
+          <a:chExt cx="0" cy="0"/>
+        </a:xfrm>
+      </p:grpSpPr>
+      <p:sp>
+        <p:nvSpPr>
+          <p:cNvPr id="2" name="Title 1">
+            <a:extLst>
+              <a:ext uri="{FF2B5EF4-FFF2-40B4-BE49-F238E27FC236}">
+                <a16:creationId xmlns:a16="http://schemas.microsoft.com/office/drawing/2014/main" id="{F4D605B8-B9FD-D04F-83D0-23EE0D71DE10}"/>
+              </a:ext>
+            </a:extLst>
+          </p:cNvPr>
+          <p:cNvSpPr>
+            <a:spLocks noGrp="1"/>
+          </p:cNvSpPr>
+          <p:nvPr>
+            <p:ph type="title"/>
+          </p:nvPr>
+        </p:nvSpPr>
+        <p:spPr/>
+        <p:txBody>
+          <a:bodyPr/>
+          <a:lstStyle/>
+          <a:p>
+            <a:r>
+              <a:rPr lang="en-US" dirty="0" err="1"/>
+              <a:t>Tekton</a:t>
+            </a:r>
+            <a:r>
+              <a:rPr lang="en-US" dirty="0"/>
+              <a:t> Dashboard</a:t>
+            </a:r>
+          </a:p>
+        </p:txBody>
+      </p:sp>
+      <p:sp>
+        <p:nvSpPr>
+          <p:cNvPr id="3" name="Text Placeholder 2">
+            <a:extLst>
+              <a:ext uri="{FF2B5EF4-FFF2-40B4-BE49-F238E27FC236}">
+                <a16:creationId xmlns:a16="http://schemas.microsoft.com/office/drawing/2014/main" id="{0601C5F7-7F4A-4A4E-ACDE-D8BDCE1BC2B8}"/>
+              </a:ext>
+            </a:extLst>
+          </p:cNvPr>
+          <p:cNvSpPr>
+            <a:spLocks noGrp="1"/>
+          </p:cNvSpPr>
+          <p:nvPr>
+            <p:ph type="body" idx="1"/>
+          </p:nvPr>
+        </p:nvSpPr>
+        <p:spPr>
+          <a:xfrm>
+            <a:off x="0" y="1286116"/>
+            <a:ext cx="6724828" cy="4848117"/>
+          </a:xfrm>
+        </p:spPr>
+        <p:txBody>
+          <a:bodyPr/>
+          <a:lstStyle/>
+          <a:p>
+            <a:r>
+              <a:rPr lang="en-US" dirty="0" err="1"/>
+              <a:t>Tekton</a:t>
+            </a:r>
+            <a:r>
+              <a:rPr lang="en-US" dirty="0"/>
+              <a:t> Dashboard, as a general-purpose, web-based UI for </a:t>
+            </a:r>
+            <a:r>
+              <a:rPr lang="en-US" dirty="0" err="1"/>
+              <a:t>Tekton</a:t>
+            </a:r>
+            <a:r>
+              <a:rPr lang="en-US" dirty="0"/>
+              <a:t> Pipelines, which allows developers to: </a:t>
+            </a:r>
+          </a:p>
+          <a:p>
+            <a:pPr lvl="1"/>
+            <a:r>
+              <a:rPr lang="en-US" dirty="0"/>
+              <a:t>View and manage </a:t>
+            </a:r>
+            <a:r>
+              <a:rPr lang="en-US" dirty="0" err="1"/>
+              <a:t>taskRuns</a:t>
+            </a:r>
+            <a:r>
+              <a:rPr lang="en-US" dirty="0"/>
+              <a:t> and </a:t>
+            </a:r>
+            <a:r>
+              <a:rPr lang="en-US" dirty="0" err="1"/>
+              <a:t>pipelineRuns</a:t>
+            </a:r>
+            <a:endParaRPr lang="en-US" dirty="0"/>
+          </a:p>
+          <a:p>
+            <a:pPr lvl="1"/>
+            <a:r>
+              <a:rPr lang="en-US" dirty="0"/>
+              <a:t>View and manage resources associated with </a:t>
+            </a:r>
+            <a:r>
+              <a:rPr lang="en-US" dirty="0" err="1"/>
+              <a:t>taskRuns</a:t>
+            </a:r>
+            <a:r>
+              <a:rPr lang="en-US" dirty="0"/>
+              <a:t> and </a:t>
+            </a:r>
+            <a:r>
+              <a:rPr lang="en-US" dirty="0" err="1"/>
+              <a:t>pipelineRuns</a:t>
+            </a:r>
+            <a:r>
+              <a:rPr lang="en-US" dirty="0"/>
+              <a:t> in their creation, execution, and completion</a:t>
+            </a:r>
+            <a:br>
+              <a:rPr lang="en-US" dirty="0"/>
+            </a:br>
+            <a:br>
+              <a:rPr lang="en-US" dirty="0"/>
+            </a:br>
+            <a:endParaRPr lang="en-US" dirty="0"/>
+          </a:p>
+        </p:txBody>
+      </p:sp>
+      <p:pic>
+        <p:nvPicPr>
+          <p:cNvPr id="5" name="Picture 4">
+            <a:extLst>
+              <a:ext uri="{FF2B5EF4-FFF2-40B4-BE49-F238E27FC236}">
+                <a16:creationId xmlns:a16="http://schemas.microsoft.com/office/drawing/2014/main" id="{E0CC49EC-7444-4842-9EB8-FB78B393F4CD}"/>
+              </a:ext>
+            </a:extLst>
+          </p:cNvPr>
+          <p:cNvPicPr>
+            <a:picLocks noChangeAspect="1"/>
+          </p:cNvPicPr>
+          <p:nvPr/>
+        </p:nvPicPr>
+        <p:blipFill>
+          <a:blip r:embed="rId3"/>
+          <a:stretch>
+            <a:fillRect/>
+          </a:stretch>
+        </p:blipFill>
+        <p:spPr>
+          <a:xfrm>
+            <a:off x="6621182" y="1469877"/>
+            <a:ext cx="5454595" cy="3730239"/>
+          </a:xfrm>
+          <a:prstGeom prst="rect">
+            <a:avLst/>
+          </a:prstGeom>
+        </p:spPr>
+      </p:pic>
+    </p:spTree>
+    <p:extLst>
+      <p:ext uri="{BB962C8B-B14F-4D97-AF65-F5344CB8AC3E}">
+        <p14:creationId xmlns:p14="http://schemas.microsoft.com/office/powerpoint/2010/main" val="902330513"/>
+      </p:ext>
+    </p:extLst>
+  </p:cSld>
+  <p:clrMapOvr>
+    <a:masterClrMapping/>
+  </p:clrMapOvr>
+</p:sld>
+</file>
+
+<file path=ppt/slides/slide9.xml><?xml version="1.0" encoding="utf-8"?>
+<p:sld xmlns:a="http://schemas.openxmlformats.org/drawingml/2006/main" xmlns:r="http://schemas.openxmlformats.org/officeDocument/2006/relationships" xmlns:p="http://schemas.openxmlformats.org/presentationml/2006/main">
+  <p:cSld>
+    <p:spTree>
+      <p:nvGrpSpPr>
+        <p:cNvPr id="1" name=""/>
+        <p:cNvGrpSpPr/>
+        <p:nvPr/>
+      </p:nvGrpSpPr>
+      <p:grpSpPr>
+        <a:xfrm>
+          <a:off x="0" y="0"/>
+          <a:ext cx="0" cy="0"/>
+          <a:chOff x="0" y="0"/>
+          <a:chExt cx="0" cy="0"/>
+        </a:xfrm>
+      </p:grpSpPr>
+      <p:sp>
+        <p:nvSpPr>
+          <p:cNvPr id="2" name="Title 1">
+            <a:extLst>
+              <a:ext uri="{FF2B5EF4-FFF2-40B4-BE49-F238E27FC236}">
+                <a16:creationId xmlns:a16="http://schemas.microsoft.com/office/drawing/2014/main" id="{F4D605B8-B9FD-D04F-83D0-23EE0D71DE10}"/>
+              </a:ext>
+            </a:extLst>
+          </p:cNvPr>
+          <p:cNvSpPr>
+            <a:spLocks noGrp="1"/>
+          </p:cNvSpPr>
+          <p:nvPr>
+            <p:ph type="title"/>
+          </p:nvPr>
+        </p:nvSpPr>
+        <p:spPr/>
+        <p:txBody>
+          <a:bodyPr/>
+          <a:lstStyle/>
+          <a:p>
+            <a:r>
+              <a:rPr lang="en-US" dirty="0" err="1"/>
+              <a:t>Tekton</a:t>
+            </a:r>
+            <a:r>
+              <a:rPr lang="en-US" dirty="0"/>
+              <a:t> Chains</a:t>
+            </a:r>
+          </a:p>
+        </p:txBody>
+      </p:sp>
+      <p:sp>
+        <p:nvSpPr>
+          <p:cNvPr id="3" name="Text Placeholder 2">
+            <a:extLst>
+              <a:ext uri="{FF2B5EF4-FFF2-40B4-BE49-F238E27FC236}">
+                <a16:creationId xmlns:a16="http://schemas.microsoft.com/office/drawing/2014/main" id="{0601C5F7-7F4A-4A4E-ACDE-D8BDCE1BC2B8}"/>
+              </a:ext>
+            </a:extLst>
+          </p:cNvPr>
+          <p:cNvSpPr>
+            <a:spLocks noGrp="1"/>
+          </p:cNvSpPr>
+          <p:nvPr>
+            <p:ph type="body" idx="1"/>
+          </p:nvPr>
+        </p:nvSpPr>
+        <p:spPr>
+          <a:xfrm>
+            <a:off x="838200" y="1328846"/>
+            <a:ext cx="6724828" cy="4848117"/>
+          </a:xfrm>
+        </p:spPr>
+        <p:txBody>
+          <a:bodyPr/>
+          <a:lstStyle/>
+          <a:p>
+            <a:r>
+              <a:rPr lang="en-US" dirty="0"/>
+              <a:t>Observing all </a:t>
+            </a:r>
+            <a:r>
+              <a:rPr lang="en-US" dirty="0" err="1"/>
+              <a:t>TaskRuns</a:t>
+            </a:r>
+            <a:r>
+              <a:rPr lang="en-US" dirty="0"/>
+              <a:t> executions in your cluster. </a:t>
+            </a:r>
+          </a:p>
+          <a:p>
+            <a:r>
+              <a:rPr lang="en-US" dirty="0"/>
+              <a:t>Current features include:</a:t>
+            </a:r>
+          </a:p>
+          <a:p>
+            <a:pPr lvl="1"/>
+            <a:r>
+              <a:rPr lang="en-US" dirty="0"/>
+              <a:t>Signing </a:t>
+            </a:r>
+            <a:r>
+              <a:rPr lang="en-US" dirty="0" err="1"/>
+              <a:t>TaskRun</a:t>
+            </a:r>
+            <a:r>
+              <a:rPr lang="en-US" dirty="0"/>
+              <a:t> results with user provided cryptographic keys, including </a:t>
+            </a:r>
+            <a:r>
+              <a:rPr lang="en-US" dirty="0" err="1"/>
+              <a:t>TaskRuns</a:t>
+            </a:r>
+            <a:r>
+              <a:rPr lang="en-US" dirty="0"/>
+              <a:t> themselves and OCI Images</a:t>
+            </a:r>
+          </a:p>
+          <a:p>
+            <a:pPr lvl="1"/>
+            <a:r>
+              <a:rPr lang="en-US" dirty="0"/>
+              <a:t>Attestation formats like SLSA</a:t>
+            </a:r>
+          </a:p>
+          <a:p>
+            <a:pPr lvl="1"/>
+            <a:r>
+              <a:rPr lang="en-US" dirty="0"/>
+              <a:t>Signing with a variety of </a:t>
+            </a:r>
+            <a:r>
+              <a:rPr lang="en-US" dirty="0" err="1"/>
+              <a:t>cryptograhic</a:t>
+            </a:r>
+            <a:r>
+              <a:rPr lang="en-US" dirty="0"/>
+              <a:t> key types and services (x509, KMS)</a:t>
+            </a:r>
+          </a:p>
+          <a:p>
+            <a:pPr lvl="1"/>
+            <a:r>
+              <a:rPr lang="en-US" dirty="0"/>
+              <a:t>Support for multiple storage backends for signatures</a:t>
+            </a:r>
+          </a:p>
+          <a:p>
+            <a:r>
+              <a:rPr lang="en-US" dirty="0"/>
+              <a:t>Future Releases:</a:t>
+            </a:r>
+          </a:p>
+          <a:p>
+            <a:pPr lvl="1"/>
+            <a:r>
+              <a:rPr lang="en-US" dirty="0"/>
+              <a:t>Integration with SPIFFE SPIRE for non-falsifiable provenance</a:t>
+            </a:r>
+          </a:p>
+          <a:p>
+            <a:pPr marL="114300" indent="0">
+              <a:buNone/>
+            </a:pPr>
+            <a:endParaRPr lang="en-US" dirty="0"/>
+          </a:p>
+          <a:p>
+            <a:pPr marL="114300" indent="0">
+              <a:buNone/>
+            </a:pPr>
+            <a:br>
+              <a:rPr lang="en-US" dirty="0"/>
+            </a:br>
+            <a:endParaRPr lang="en-US" dirty="0"/>
+          </a:p>
+        </p:txBody>
+      </p:sp>
+      <p:pic>
+        <p:nvPicPr>
+          <p:cNvPr id="6146" name="Picture 2">
+            <a:extLst>
+              <a:ext uri="{FF2B5EF4-FFF2-40B4-BE49-F238E27FC236}">
+                <a16:creationId xmlns:a16="http://schemas.microsoft.com/office/drawing/2014/main" id="{973D916D-5645-944B-807B-3C27E0BCDE2D}"/>
+              </a:ext>
+            </a:extLst>
+          </p:cNvPr>
+          <p:cNvPicPr>
+            <a:picLocks noChangeAspect="1" noChangeArrowheads="1"/>
+          </p:cNvPicPr>
+          <p:nvPr/>
+        </p:nvPicPr>
+        <p:blipFill>
+          <a:blip r:embed="rId2">
+            <a:extLst>
+              <a:ext uri="{28A0092B-C50C-407E-A947-70E740481C1C}">
+                <a14:useLocalDpi xmlns:a14="http://schemas.microsoft.com/office/drawing/2010/main" val="0"/>
+              </a:ext>
+            </a:extLst>
+          </a:blip>
+          <a:srcRect/>
+          <a:stretch>
+            <a:fillRect/>
+          </a:stretch>
+        </p:blipFill>
+        <p:spPr bwMode="auto">
+          <a:xfrm>
+            <a:off x="8219966" y="1948136"/>
+            <a:ext cx="2184400" cy="2730500"/>
+          </a:xfrm>
+          <a:prstGeom prst="rect">
+            <a:avLst/>
+          </a:prstGeom>
+          <a:noFill/>
+          <a:extLst>
+            <a:ext uri="{909E8E84-426E-40DD-AFC4-6F175D3DCCD1}">
+              <a14:hiddenFill xmlns:a14="http://schemas.microsoft.com/office/drawing/2010/main">
+                <a:solidFill>
+                  <a:srgbClr val="FFFFFF"/>
+                </a:solidFill>
+              </a14:hiddenFill>
+            </a:ext>
+          </a:extLst>
+        </p:spPr>
+      </p:pic>
+    </p:spTree>
+    <p:extLst>
+      <p:ext uri="{BB962C8B-B14F-4D97-AF65-F5344CB8AC3E}">
+        <p14:creationId xmlns:p14="http://schemas.microsoft.com/office/powerpoint/2010/main" val="3257645524"/>
+      </p:ext>
+    </p:extLst>
+  </p:cSld>
+  <p:clrMapOvr>
+    <a:masterClrMapping/>
+  </p:clrMapOvr>
+</p:sld>
+</file>
+
 <file path=ppt/theme/theme1.xml><?xml version="1.0" encoding="utf-8"?>
 <a:theme xmlns:a="http://schemas.openxmlformats.org/drawingml/2006/main" name="BOXBOAT DARK">
   <a:themeElements>

--- a/tektonchains.pptx
+++ b/tektonchains.pptx
@@ -5,43 +5,42 @@
     <p:sldMasterId id="2147483672" r:id="rId1"/>
   </p:sldMasterIdLst>
   <p:notesMasterIdLst>
-    <p:notesMasterId r:id="rId19"/>
+    <p:notesMasterId r:id="rId18"/>
   </p:notesMasterIdLst>
   <p:sldIdLst>
     <p:sldId id="256" r:id="rId2"/>
-    <p:sldId id="289" r:id="rId3"/>
-    <p:sldId id="263" r:id="rId4"/>
-    <p:sldId id="275" r:id="rId5"/>
-    <p:sldId id="276" r:id="rId6"/>
-    <p:sldId id="277" r:id="rId7"/>
-    <p:sldId id="283" r:id="rId8"/>
-    <p:sldId id="284" r:id="rId9"/>
-    <p:sldId id="279" r:id="rId10"/>
-    <p:sldId id="278" r:id="rId11"/>
-    <p:sldId id="281" r:id="rId12"/>
-    <p:sldId id="280" r:id="rId13"/>
-    <p:sldId id="287" r:id="rId14"/>
-    <p:sldId id="282" r:id="rId15"/>
-    <p:sldId id="285" r:id="rId16"/>
-    <p:sldId id="286" r:id="rId17"/>
-    <p:sldId id="288" r:id="rId18"/>
+    <p:sldId id="263" r:id="rId3"/>
+    <p:sldId id="275" r:id="rId4"/>
+    <p:sldId id="276" r:id="rId5"/>
+    <p:sldId id="277" r:id="rId6"/>
+    <p:sldId id="283" r:id="rId7"/>
+    <p:sldId id="284" r:id="rId8"/>
+    <p:sldId id="279" r:id="rId9"/>
+    <p:sldId id="278" r:id="rId10"/>
+    <p:sldId id="281" r:id="rId11"/>
+    <p:sldId id="280" r:id="rId12"/>
+    <p:sldId id="287" r:id="rId13"/>
+    <p:sldId id="282" r:id="rId14"/>
+    <p:sldId id="285" r:id="rId15"/>
+    <p:sldId id="286" r:id="rId16"/>
+    <p:sldId id="288" r:id="rId17"/>
   </p:sldIdLst>
   <p:sldSz cx="12192000" cy="6858000"/>
   <p:notesSz cx="6858000" cy="9144000"/>
   <p:embeddedFontLst>
     <p:embeddedFont>
       <p:font typeface="Calibri" panose="020F0502020204030204" pitchFamily="34" charset="0"/>
-      <p:regular r:id="rId20"/>
-      <p:bold r:id="rId21"/>
-      <p:italic r:id="rId22"/>
-      <p:boldItalic r:id="rId23"/>
+      <p:regular r:id="rId19"/>
+      <p:bold r:id="rId20"/>
+      <p:italic r:id="rId21"/>
+      <p:boldItalic r:id="rId22"/>
     </p:embeddedFont>
     <p:embeddedFont>
       <p:font typeface="Open Sans" panose="020B0606030504020204" pitchFamily="34" charset="0"/>
-      <p:regular r:id="rId24"/>
-      <p:bold r:id="rId25"/>
-      <p:italic r:id="rId26"/>
-      <p:boldItalic r:id="rId27"/>
+      <p:regular r:id="rId23"/>
+      <p:bold r:id="rId24"/>
+      <p:italic r:id="rId25"/>
+      <p:boldItalic r:id="rId26"/>
     </p:embeddedFont>
   </p:embeddedFontLst>
   <p:defaultTextStyle>
@@ -917,7 +916,7 @@
     </p:spTree>
     <p:extLst>
       <p:ext uri="{BB962C8B-B14F-4D97-AF65-F5344CB8AC3E}">
-        <p14:creationId xmlns:p14="http://schemas.microsoft.com/office/powerpoint/2010/main" val="3075204846"/>
+        <p14:creationId xmlns:p14="http://schemas.microsoft.com/office/powerpoint/2010/main" val="3428999907"/>
       </p:ext>
     </p:extLst>
   </p:cSld>
@@ -983,7 +982,7 @@
     </p:spTree>
     <p:extLst>
       <p:ext uri="{BB962C8B-B14F-4D97-AF65-F5344CB8AC3E}">
-        <p14:creationId xmlns:p14="http://schemas.microsoft.com/office/powerpoint/2010/main" val="3428999907"/>
+        <p14:creationId xmlns:p14="http://schemas.microsoft.com/office/powerpoint/2010/main" val="3576798559"/>
       </p:ext>
     </p:extLst>
   </p:cSld>
@@ -1049,7 +1048,7 @@
     </p:spTree>
     <p:extLst>
       <p:ext uri="{BB962C8B-B14F-4D97-AF65-F5344CB8AC3E}">
-        <p14:creationId xmlns:p14="http://schemas.microsoft.com/office/powerpoint/2010/main" val="3576798559"/>
+        <p14:creationId xmlns:p14="http://schemas.microsoft.com/office/powerpoint/2010/main" val="1696799535"/>
       </p:ext>
     </p:extLst>
   </p:cSld>
@@ -1115,7 +1114,7 @@
     </p:spTree>
     <p:extLst>
       <p:ext uri="{BB962C8B-B14F-4D97-AF65-F5344CB8AC3E}">
-        <p14:creationId xmlns:p14="http://schemas.microsoft.com/office/powerpoint/2010/main" val="1696799535"/>
+        <p14:creationId xmlns:p14="http://schemas.microsoft.com/office/powerpoint/2010/main" val="698373376"/>
       </p:ext>
     </p:extLst>
   </p:cSld>
@@ -1181,7 +1180,7 @@
     </p:spTree>
     <p:extLst>
       <p:ext uri="{BB962C8B-B14F-4D97-AF65-F5344CB8AC3E}">
-        <p14:creationId xmlns:p14="http://schemas.microsoft.com/office/powerpoint/2010/main" val="698373376"/>
+        <p14:creationId xmlns:p14="http://schemas.microsoft.com/office/powerpoint/2010/main" val="2998750350"/>
       </p:ext>
     </p:extLst>
   </p:cSld>
@@ -1192,72 +1191,6 @@
 </file>
 
 <file path=ppt/notesSlides/notesSlide15.xml><?xml version="1.0" encoding="utf-8"?>
-<p:notes xmlns:a="http://schemas.openxmlformats.org/drawingml/2006/main" xmlns:r="http://schemas.openxmlformats.org/officeDocument/2006/relationships" xmlns:p="http://schemas.openxmlformats.org/presentationml/2006/main">
-  <p:cSld>
-    <p:spTree>
-      <p:nvGrpSpPr>
-        <p:cNvPr id="1" name=""/>
-        <p:cNvGrpSpPr/>
-        <p:nvPr/>
-      </p:nvGrpSpPr>
-      <p:grpSpPr>
-        <a:xfrm>
-          <a:off x="0" y="0"/>
-          <a:ext cx="0" cy="0"/>
-          <a:chOff x="0" y="0"/>
-          <a:chExt cx="0" cy="0"/>
-        </a:xfrm>
-      </p:grpSpPr>
-      <p:sp>
-        <p:nvSpPr>
-          <p:cNvPr id="2" name="Slide Image Placeholder 1"/>
-          <p:cNvSpPr>
-            <a:spLocks noGrp="1" noRot="1" noChangeAspect="1"/>
-          </p:cNvSpPr>
-          <p:nvPr>
-            <p:ph type="sldImg"/>
-          </p:nvPr>
-        </p:nvSpPr>
-        <p:spPr>
-          <a:xfrm>
-            <a:off x="381000" y="685800"/>
-            <a:ext cx="6096000" cy="3429000"/>
-          </a:xfrm>
-        </p:spPr>
-      </p:sp>
-      <p:sp>
-        <p:nvSpPr>
-          <p:cNvPr id="3" name="Notes Placeholder 2"/>
-          <p:cNvSpPr>
-            <a:spLocks noGrp="1"/>
-          </p:cNvSpPr>
-          <p:nvPr>
-            <p:ph type="body" idx="1"/>
-          </p:nvPr>
-        </p:nvSpPr>
-        <p:spPr/>
-        <p:txBody>
-          <a:bodyPr/>
-          <a:lstStyle/>
-          <a:p>
-            <a:endParaRPr lang="en-US" dirty="0"/>
-          </a:p>
-        </p:txBody>
-      </p:sp>
-    </p:spTree>
-    <p:extLst>
-      <p:ext uri="{BB962C8B-B14F-4D97-AF65-F5344CB8AC3E}">
-        <p14:creationId xmlns:p14="http://schemas.microsoft.com/office/powerpoint/2010/main" val="2998750350"/>
-      </p:ext>
-    </p:extLst>
-  </p:cSld>
-  <p:clrMapOvr>
-    <a:masterClrMapping/>
-  </p:clrMapOvr>
-</p:notes>
-</file>
-
-<file path=ppt/notesSlides/notesSlide16.xml><?xml version="1.0" encoding="utf-8"?>
 <p:notes xmlns:a="http://schemas.openxmlformats.org/drawingml/2006/main" xmlns:r="http://schemas.openxmlformats.org/officeDocument/2006/relationships" xmlns:p="http://schemas.openxmlformats.org/presentationml/2006/main">
   <p:cSld>
     <p:spTree>
@@ -1434,11 +1367,6 @@
         </p:txBody>
       </p:sp>
     </p:spTree>
-    <p:extLst>
-      <p:ext uri="{BB962C8B-B14F-4D97-AF65-F5344CB8AC3E}">
-        <p14:creationId xmlns:p14="http://schemas.microsoft.com/office/powerpoint/2010/main" val="1260622104"/>
-      </p:ext>
-    </p:extLst>
   </p:cSld>
   <p:clrMapOvr>
     <a:masterClrMapping/>
@@ -1543,20 +1471,169 @@
             </a:r>
             <a:r>
               <a:rPr lang="en-US" dirty="0"/>
-              <a:t> – open </a:t>
+              <a:t> </a:t>
             </a:r>
             <a:r>
               <a:rPr lang="en-US" dirty="0" err="1"/>
-              <a:t>souce</a:t>
+              <a:t>mutlti</a:t>
             </a:r>
             <a:r>
               <a:rPr lang="en-US" dirty="0"/>
-              <a:t> cloud native CD/CD system. Can be used on any cloud provider and on-premise system</a:t>
-            </a:r>
+              <a:t> project:</a:t>
+            </a:r>
+          </a:p>
+          <a:p>
+            <a:pPr marL="628650" lvl="1" indent="-171450" algn="l" rtl="0">
+              <a:spcBef>
+                <a:spcPts val="0"/>
+              </a:spcBef>
+              <a:spcAft>
+                <a:spcPts val="0"/>
+              </a:spcAft>
+            </a:pPr>
+            <a:r>
+              <a:rPr lang="en-US" dirty="0"/>
+              <a:t>Pipelines – is used to create the CI/CD pipelines. It is a combination of tasks and pipelines. We will discuss these in the coming slides</a:t>
+            </a:r>
+          </a:p>
+          <a:p>
+            <a:pPr marL="628650" lvl="1" indent="-171450" algn="l" rtl="0">
+              <a:spcBef>
+                <a:spcPts val="0"/>
+              </a:spcBef>
+              <a:spcAft>
+                <a:spcPts val="0"/>
+              </a:spcAft>
+            </a:pPr>
+            <a:r>
+              <a:rPr lang="en-US" dirty="0"/>
+              <a:t>CLI – is a command line interface (</a:t>
+            </a:r>
+            <a:r>
+              <a:rPr lang="en-US" dirty="0" err="1"/>
+              <a:t>tkn</a:t>
+            </a:r>
+            <a:r>
+              <a:rPr lang="en-US" dirty="0"/>
+              <a:t>) that you can interact using the terminal. Can be used to run pipelines or view current status</a:t>
+            </a:r>
+          </a:p>
+          <a:p>
+            <a:pPr marL="628650" lvl="1" indent="-171450" algn="l" rtl="0">
+              <a:spcBef>
+                <a:spcPts val="0"/>
+              </a:spcBef>
+              <a:spcAft>
+                <a:spcPts val="0"/>
+              </a:spcAft>
+            </a:pPr>
+            <a:r>
+              <a:rPr lang="en-US" dirty="0" err="1"/>
+              <a:t>DashBoard</a:t>
+            </a:r>
+            <a:r>
+              <a:rPr lang="en-US" dirty="0"/>
+              <a:t> – is a GUI for </a:t>
+            </a:r>
+            <a:r>
+              <a:rPr lang="en-US" dirty="0" err="1"/>
+              <a:t>tekton</a:t>
+            </a:r>
+            <a:r>
+              <a:rPr lang="en-US" dirty="0"/>
+              <a:t>. If you prefer to view and modify the </a:t>
+            </a:r>
+            <a:r>
+              <a:rPr lang="en-US" dirty="0" err="1"/>
+              <a:t>tekton</a:t>
+            </a:r>
+            <a:r>
+              <a:rPr lang="en-US" dirty="0"/>
+              <a:t> from a web browser, this can be very helpful – I will show this in the coming demo</a:t>
+            </a:r>
+          </a:p>
+          <a:p>
+            <a:pPr marL="628650" lvl="1" indent="-171450" algn="l" rtl="0">
+              <a:spcBef>
+                <a:spcPts val="0"/>
+              </a:spcBef>
+              <a:spcAft>
+                <a:spcPts val="0"/>
+              </a:spcAft>
+            </a:pPr>
+            <a:r>
+              <a:rPr lang="en-US" dirty="0"/>
+              <a:t>Catalog/hub – is a collection of pre-made pipelines and tasks that user can utilize or modify for their needs. A great starting point. We will be using the </a:t>
+            </a:r>
+            <a:r>
+              <a:rPr lang="en-US" dirty="0" err="1"/>
+              <a:t>buildpacks</a:t>
+            </a:r>
+            <a:r>
+              <a:rPr lang="en-US" dirty="0"/>
+              <a:t> pipeline from today’s demo</a:t>
+            </a:r>
+          </a:p>
+          <a:p>
+            <a:pPr marL="628650" lvl="1" indent="-171450" algn="l" rtl="0">
+              <a:spcBef>
+                <a:spcPts val="0"/>
+              </a:spcBef>
+              <a:spcAft>
+                <a:spcPts val="0"/>
+              </a:spcAft>
+            </a:pPr>
+            <a:r>
+              <a:rPr lang="en-US" dirty="0"/>
+              <a:t>Chains – This is the piece we will focus most of our discussion on. It monitors the </a:t>
+            </a:r>
+            <a:r>
+              <a:rPr lang="en-US" dirty="0" err="1"/>
+              <a:t>taskruns</a:t>
+            </a:r>
+            <a:r>
+              <a:rPr lang="en-US" dirty="0"/>
+              <a:t> in </a:t>
+            </a:r>
+            <a:r>
+              <a:rPr lang="en-US" dirty="0" err="1"/>
+              <a:t>tekton</a:t>
+            </a:r>
+            <a:r>
+              <a:rPr lang="en-US" dirty="0"/>
+              <a:t> pipeline, converts them to a standard format and signs it.</a:t>
+            </a:r>
+          </a:p>
+          <a:p>
+            <a:pPr marL="628650" lvl="1" indent="-171450" algn="l" rtl="0">
+              <a:spcBef>
+                <a:spcPts val="0"/>
+              </a:spcBef>
+              <a:spcAft>
+                <a:spcPts val="0"/>
+              </a:spcAft>
+            </a:pPr>
+            <a:endParaRPr lang="en-US" dirty="0"/>
+          </a:p>
+          <a:p>
+            <a:pPr marL="628650" lvl="1" indent="-171450" algn="l" rtl="0">
+              <a:spcBef>
+                <a:spcPts val="0"/>
+              </a:spcBef>
+              <a:spcAft>
+                <a:spcPts val="0"/>
+              </a:spcAft>
+            </a:pPr>
+            <a:endParaRPr dirty="0"/>
           </a:p>
         </p:txBody>
       </p:sp>
     </p:spTree>
+    <p:extLst>
+      <p:ext uri="{BB962C8B-B14F-4D97-AF65-F5344CB8AC3E}">
+        <p14:creationId xmlns:p14="http://schemas.microsoft.com/office/powerpoint/2010/main" val="2377357369"/>
+      </p:ext>
+    </p:extLst>
   </p:cSld>
   <p:clrMapOvr>
     <a:masterClrMapping/>
@@ -1647,173 +1724,80 @@
           </a:bodyPr>
           <a:lstStyle/>
           <a:p>
-            <a:pPr marL="171450" lvl="0" indent="-171450" algn="l" rtl="0">
-              <a:spcBef>
-                <a:spcPts val="0"/>
-              </a:spcBef>
-              <a:spcAft>
-                <a:spcPts val="0"/>
-              </a:spcAft>
+            <a:pPr marL="0" lvl="0" indent="0" algn="l" rtl="0">
+              <a:spcBef>
+                <a:spcPts val="0"/>
+              </a:spcBef>
+              <a:spcAft>
+                <a:spcPts val="0"/>
+              </a:spcAft>
+              <a:buNone/>
             </a:pPr>
             <a:r>
+              <a:rPr lang="en-US" dirty="0"/>
+              <a:t>Example of a simple Task and </a:t>
+            </a:r>
+            <a:r>
               <a:rPr lang="en-US" dirty="0" err="1"/>
-              <a:t>Tekton</a:t>
-            </a:r>
-            <a:r>
-              <a:rPr lang="en-US" dirty="0"/>
-              <a:t> </a:t>
-            </a:r>
-            <a:r>
-              <a:rPr lang="en-US" dirty="0" err="1"/>
-              <a:t>mutlti</a:t>
-            </a:r>
-            <a:r>
-              <a:rPr lang="en-US" dirty="0"/>
-              <a:t> project:</a:t>
-            </a:r>
-          </a:p>
-          <a:p>
-            <a:pPr marL="628650" lvl="1" indent="-171450" algn="l" rtl="0">
-              <a:spcBef>
-                <a:spcPts val="0"/>
-              </a:spcBef>
-              <a:spcAft>
-                <a:spcPts val="0"/>
-              </a:spcAft>
-            </a:pPr>
-            <a:r>
-              <a:rPr lang="en-US" dirty="0"/>
-              <a:t>Pipelines – is used to create the CI/CD pipelines. It is a combination of tasks and pipelines. We will discuss these in the coming slides</a:t>
-            </a:r>
-          </a:p>
-          <a:p>
-            <a:pPr marL="628650" lvl="1" indent="-171450" algn="l" rtl="0">
-              <a:spcBef>
-                <a:spcPts val="0"/>
-              </a:spcBef>
-              <a:spcAft>
-                <a:spcPts val="0"/>
-              </a:spcAft>
-            </a:pPr>
-            <a:r>
-              <a:rPr lang="en-US" dirty="0"/>
-              <a:t>CLI – is a command line interface (</a:t>
-            </a:r>
-            <a:r>
-              <a:rPr lang="en-US" dirty="0" err="1"/>
-              <a:t>tkn</a:t>
-            </a:r>
-            <a:r>
-              <a:rPr lang="en-US" dirty="0"/>
-              <a:t>) that you can interact using the terminal. Can be used to run pipelines or view current status</a:t>
-            </a:r>
-          </a:p>
-          <a:p>
-            <a:pPr marL="628650" lvl="1" indent="-171450" algn="l" rtl="0">
-              <a:spcBef>
-                <a:spcPts val="0"/>
-              </a:spcBef>
-              <a:spcAft>
-                <a:spcPts val="0"/>
-              </a:spcAft>
-            </a:pPr>
-            <a:r>
-              <a:rPr lang="en-US" dirty="0" err="1"/>
-              <a:t>DashBoard</a:t>
-            </a:r>
-            <a:r>
-              <a:rPr lang="en-US" dirty="0"/>
-              <a:t> – is a GUI for </a:t>
-            </a:r>
-            <a:r>
-              <a:rPr lang="en-US" dirty="0" err="1"/>
-              <a:t>tekton</a:t>
-            </a:r>
-            <a:r>
-              <a:rPr lang="en-US" dirty="0"/>
-              <a:t>. If you prefer to view and modify the </a:t>
-            </a:r>
-            <a:r>
-              <a:rPr lang="en-US" dirty="0" err="1"/>
-              <a:t>tekton</a:t>
-            </a:r>
-            <a:r>
-              <a:rPr lang="en-US" dirty="0"/>
-              <a:t> from a web browser, this can be very helpful – I will show this in the coming demo</a:t>
-            </a:r>
-          </a:p>
-          <a:p>
-            <a:pPr marL="628650" lvl="1" indent="-171450" algn="l" rtl="0">
-              <a:spcBef>
-                <a:spcPts val="0"/>
-              </a:spcBef>
-              <a:spcAft>
-                <a:spcPts val="0"/>
-              </a:spcAft>
-            </a:pPr>
-            <a:r>
-              <a:rPr lang="en-US" dirty="0"/>
-              <a:t>Catalog/hub – is a collection of pre-made pipelines and tasks that user can utilize or modify for their needs. A great starting point. We will be using the </a:t>
-            </a:r>
-            <a:r>
-              <a:rPr lang="en-US" dirty="0" err="1"/>
-              <a:t>buildpacks</a:t>
-            </a:r>
-            <a:r>
-              <a:rPr lang="en-US" dirty="0"/>
-              <a:t> pipeline from today’s demo</a:t>
-            </a:r>
-          </a:p>
-          <a:p>
-            <a:pPr marL="628650" lvl="1" indent="-171450" algn="l" rtl="0">
-              <a:spcBef>
-                <a:spcPts val="0"/>
-              </a:spcBef>
-              <a:spcAft>
-                <a:spcPts val="0"/>
-              </a:spcAft>
-            </a:pPr>
-            <a:r>
-              <a:rPr lang="en-US" dirty="0"/>
-              <a:t>Chains – This is the piece we will focus most of our discussion on. It monitors the </a:t>
-            </a:r>
-            <a:r>
-              <a:rPr lang="en-US" dirty="0" err="1"/>
-              <a:t>taskruns</a:t>
-            </a:r>
-            <a:r>
-              <a:rPr lang="en-US" dirty="0"/>
-              <a:t> in </a:t>
-            </a:r>
-            <a:r>
-              <a:rPr lang="en-US" dirty="0" err="1"/>
-              <a:t>tekton</a:t>
-            </a:r>
-            <a:r>
-              <a:rPr lang="en-US" dirty="0"/>
-              <a:t> pipeline, converts them to a standard format and signs it.</a:t>
-            </a:r>
-          </a:p>
-          <a:p>
-            <a:pPr marL="628650" lvl="1" indent="-171450" algn="l" rtl="0">
-              <a:spcBef>
-                <a:spcPts val="0"/>
-              </a:spcBef>
-              <a:spcAft>
-                <a:spcPts val="0"/>
-              </a:spcAft>
+              <a:t>Taskrun</a:t>
+            </a:r>
+            <a:endParaRPr lang="en-US" dirty="0"/>
+          </a:p>
+          <a:p>
+            <a:pPr marL="0" lvl="0" indent="0" algn="l" rtl="0">
+              <a:spcBef>
+                <a:spcPts val="0"/>
+              </a:spcBef>
+              <a:spcAft>
+                <a:spcPts val="0"/>
+              </a:spcAft>
+              <a:buNone/>
             </a:pPr>
             <a:endParaRPr lang="en-US" dirty="0"/>
           </a:p>
           <a:p>
-            <a:pPr marL="628650" lvl="1" indent="-171450" algn="l" rtl="0">
-              <a:spcBef>
-                <a:spcPts val="0"/>
-              </a:spcBef>
-              <a:spcAft>
-                <a:spcPts val="0"/>
-              </a:spcAft>
+            <a:pPr marL="171450" lvl="0" indent="-171450" algn="l" rtl="0">
+              <a:spcBef>
+                <a:spcPts val="0"/>
+              </a:spcBef>
+              <a:spcAft>
+                <a:spcPts val="0"/>
+              </a:spcAft>
+              <a:buFontTx/>
+              <a:buChar char="-"/>
             </a:pPr>
+            <a:r>
+              <a:rPr lang="en-US" dirty="0"/>
+              <a:t>Task defines the steps that will occur within that task and parameters that are passed to it.</a:t>
+            </a:r>
+          </a:p>
+          <a:p>
+            <a:pPr marL="171450" lvl="0" indent="-171450" algn="l" rtl="0">
+              <a:spcBef>
+                <a:spcPts val="0"/>
+              </a:spcBef>
+              <a:spcAft>
+                <a:spcPts val="0"/>
+              </a:spcAft>
+              <a:buFontTx/>
+              <a:buChar char="-"/>
+            </a:pPr>
+            <a:r>
+              <a:rPr lang="en-US" dirty="0" err="1"/>
+              <a:t>Taskrun</a:t>
+            </a:r>
+            <a:r>
+              <a:rPr lang="en-US" dirty="0"/>
+              <a:t> is used to initialize and run the task. It specifies the task that is called and the </a:t>
+            </a:r>
+            <a:r>
+              <a:rPr lang="en-US" dirty="0" err="1"/>
+              <a:t>paramters</a:t>
+            </a:r>
+            <a:r>
+              <a:rPr lang="en-US" dirty="0"/>
+              <a:t> that the task needs to run.</a:t>
+            </a:r>
             <a:endParaRPr dirty="0"/>
           </a:p>
         </p:txBody>
@@ -1821,7 +1805,7 @@
     </p:spTree>
     <p:extLst>
       <p:ext uri="{BB962C8B-B14F-4D97-AF65-F5344CB8AC3E}">
-        <p14:creationId xmlns:p14="http://schemas.microsoft.com/office/powerpoint/2010/main" val="2377357369"/>
+        <p14:creationId xmlns:p14="http://schemas.microsoft.com/office/powerpoint/2010/main" val="21871277"/>
       </p:ext>
     </p:extLst>
   </p:cSld>
@@ -1925,11 +1909,11 @@
             </a:pPr>
             <a:r>
               <a:rPr lang="en-US" dirty="0"/>
-              <a:t>Example of a simple Task and </a:t>
+              <a:t>This is an example of a simple pipeline and </a:t>
             </a:r>
             <a:r>
               <a:rPr lang="en-US" dirty="0" err="1"/>
-              <a:t>Taskrun</a:t>
+              <a:t>pipelinerun</a:t>
             </a:r>
             <a:endParaRPr lang="en-US" dirty="0"/>
           </a:p>
@@ -1946,47 +1930,49 @@
             <a:endParaRPr lang="en-US" dirty="0"/>
           </a:p>
           <a:p>
-            <a:pPr marL="171450" lvl="0" indent="-171450" algn="l" rtl="0">
-              <a:spcBef>
-                <a:spcPts val="0"/>
-              </a:spcBef>
-              <a:spcAft>
-                <a:spcPts val="0"/>
-              </a:spcAft>
-              <a:buFontTx/>
-              <a:buChar char="-"/>
+            <a:pPr marL="0" lvl="0" indent="0" algn="l" rtl="0">
+              <a:spcBef>
+                <a:spcPts val="0"/>
+              </a:spcBef>
+              <a:spcAft>
+                <a:spcPts val="0"/>
+              </a:spcAft>
+              <a:buNone/>
             </a:pPr>
             <a:r>
               <a:rPr lang="en-US" dirty="0"/>
-              <a:t>Task defines the steps that will occur within that task and parameters that are passed to it.</a:t>
-            </a:r>
-          </a:p>
-          <a:p>
-            <a:pPr marL="171450" lvl="0" indent="-171450" algn="l" rtl="0">
-              <a:spcBef>
-                <a:spcPts val="0"/>
-              </a:spcBef>
-              <a:spcAft>
-                <a:spcPts val="0"/>
-              </a:spcAft>
-              <a:buFontTx/>
-              <a:buChar char="-"/>
+              <a:t>- The pipeline is a collection of tasks that need to be run. You can specify the order and ensure that one task runs before another. Similar </a:t>
+            </a:r>
+            <a:r>
+              <a:rPr lang="en-US" dirty="0" err="1"/>
+              <a:t>taskrun</a:t>
+            </a:r>
+            <a:r>
+              <a:rPr lang="en-US" dirty="0"/>
+              <a:t> before, it defines the task and the parameters associated with it. You can share a workspace between the tasks to share values.</a:t>
+            </a:r>
+          </a:p>
+          <a:p>
+            <a:pPr marL="0" lvl="0" indent="0" algn="l" rtl="0">
+              <a:spcBef>
+                <a:spcPts val="0"/>
+              </a:spcBef>
+              <a:spcAft>
+                <a:spcPts val="0"/>
+              </a:spcAft>
+              <a:buNone/>
             </a:pPr>
             <a:r>
+              <a:rPr lang="en-US" dirty="0"/>
+              <a:t>– </a:t>
+            </a:r>
+            <a:r>
               <a:rPr lang="en-US" dirty="0" err="1"/>
-              <a:t>Taskrun</a:t>
+              <a:t>Pipelinerun</a:t>
             </a:r>
             <a:r>
               <a:rPr lang="en-US" dirty="0"/>
-              <a:t> is used to initialize and run the task. It specifies the task that is called and the </a:t>
-            </a:r>
-            <a:r>
-              <a:rPr lang="en-US" dirty="0" err="1"/>
-              <a:t>paramters</a:t>
-            </a:r>
-            <a:r>
-              <a:rPr lang="en-US" dirty="0"/>
-              <a:t> that the task needs to run.</a:t>
+              <a:t> initializes the pipeline and passes in the parameters associated for it to run. If there are shared workspace (persistent volume claims) they would be defined here.</a:t>
             </a:r>
             <a:endParaRPr dirty="0"/>
           </a:p>
@@ -1995,7 +1981,7 @@
     </p:spTree>
     <p:extLst>
       <p:ext uri="{BB962C8B-B14F-4D97-AF65-F5344CB8AC3E}">
-        <p14:creationId xmlns:p14="http://schemas.microsoft.com/office/powerpoint/2010/main" val="21871277"/>
+        <p14:creationId xmlns:p14="http://schemas.microsoft.com/office/powerpoint/2010/main" val="3009693342"/>
       </p:ext>
     </p:extLst>
   </p:cSld>
@@ -2006,11 +1992,11 @@
 </file>
 
 <file path=ppt/notesSlides/notesSlide6.xml><?xml version="1.0" encoding="utf-8"?>
-<p:notes xmlns:a="http://schemas.openxmlformats.org/drawingml/2006/main" xmlns:r="http://schemas.openxmlformats.org/officeDocument/2006/relationships" xmlns:p="http://schemas.openxmlformats.org/presentationml/2006/main" showMasterSp="0" showMasterPhAnim="0">
+<p:notes xmlns:a="http://schemas.openxmlformats.org/drawingml/2006/main" xmlns:r="http://schemas.openxmlformats.org/officeDocument/2006/relationships" xmlns:p="http://schemas.openxmlformats.org/presentationml/2006/main">
   <p:cSld>
     <p:spTree>
       <p:nvGrpSpPr>
-        <p:cNvPr id="1" name="Shape 220"/>
+        <p:cNvPr id="1" name=""/>
         <p:cNvGrpSpPr/>
         <p:nvPr/>
       </p:nvGrpSpPr>
@@ -2024,12 +2010,12 @@
       </p:grpSpPr>
       <p:sp>
         <p:nvSpPr>
-          <p:cNvPr id="221" name="Google Shape;221;gc235197768_0_41:notes"/>
+          <p:cNvPr id="2" name="Slide Image Placeholder 1"/>
           <p:cNvSpPr>
             <a:spLocks noGrp="1" noRot="1" noChangeAspect="1"/>
           </p:cNvSpPr>
           <p:nvPr>
-            <p:ph type="sldImg" idx="2"/>
+            <p:ph type="sldImg"/>
           </p:nvPr>
         </p:nvSpPr>
         <p:spPr>
@@ -2037,141 +2023,31 @@
             <a:off x="381000" y="685800"/>
             <a:ext cx="6096000" cy="3429000"/>
           </a:xfrm>
-          <a:custGeom>
-            <a:avLst/>
-            <a:gdLst/>
-            <a:ahLst/>
-            <a:cxnLst/>
-            <a:rect l="l" t="t" r="r" b="b"/>
-            <a:pathLst>
-              <a:path w="120000" h="120000" extrusionOk="0">
-                <a:moveTo>
-                  <a:pt x="0" y="0"/>
-                </a:moveTo>
-                <a:lnTo>
-                  <a:pt x="120000" y="0"/>
-                </a:lnTo>
-                <a:lnTo>
-                  <a:pt x="120000" y="120000"/>
-                </a:lnTo>
-                <a:lnTo>
-                  <a:pt x="0" y="120000"/>
-                </a:lnTo>
-                <a:close/>
-              </a:path>
-            </a:pathLst>
-          </a:custGeom>
         </p:spPr>
       </p:sp>
       <p:sp>
         <p:nvSpPr>
-          <p:cNvPr id="222" name="Google Shape;222;gc235197768_0_41:notes"/>
-          <p:cNvSpPr txBox="1">
+          <p:cNvPr id="3" name="Notes Placeholder 2"/>
+          <p:cNvSpPr>
             <a:spLocks noGrp="1"/>
           </p:cNvSpPr>
           <p:nvPr>
             <p:ph type="body" idx="1"/>
           </p:nvPr>
         </p:nvSpPr>
-        <p:spPr>
-          <a:xfrm>
-            <a:off x="685800" y="4343400"/>
-            <a:ext cx="5486400" cy="4114800"/>
-          </a:xfrm>
-          <a:prstGeom prst="rect">
-            <a:avLst/>
-          </a:prstGeom>
-        </p:spPr>
+        <p:spPr/>
         <p:txBody>
-          <a:bodyPr spcFirstLastPara="1" wrap="square" lIns="91425" tIns="91425" rIns="91425" bIns="91425" anchor="t" anchorCtr="0">
-            <a:noAutofit/>
-          </a:bodyPr>
+          <a:bodyPr/>
           <a:lstStyle/>
           <a:p>
-            <a:pPr marL="0" lvl="0" indent="0" algn="l" rtl="0">
-              <a:spcBef>
-                <a:spcPts val="0"/>
-              </a:spcBef>
-              <a:spcAft>
-                <a:spcPts val="0"/>
-              </a:spcAft>
-              <a:buNone/>
-            </a:pPr>
-            <a:r>
-              <a:rPr lang="en-US" dirty="0"/>
-              <a:t>This is an example of a simple pipeline and </a:t>
-            </a:r>
-            <a:r>
-              <a:rPr lang="en-US" dirty="0" err="1"/>
-              <a:t>pipelinerun</a:t>
-            </a:r>
             <a:endParaRPr lang="en-US" dirty="0"/>
-          </a:p>
-          <a:p>
-            <a:pPr marL="0" lvl="0" indent="0" algn="l" rtl="0">
-              <a:spcBef>
-                <a:spcPts val="0"/>
-              </a:spcBef>
-              <a:spcAft>
-                <a:spcPts val="0"/>
-              </a:spcAft>
-              <a:buNone/>
-            </a:pPr>
-            <a:endParaRPr lang="en-US" dirty="0"/>
-          </a:p>
-          <a:p>
-            <a:pPr marL="0" lvl="0" indent="0" algn="l" rtl="0">
-              <a:spcBef>
-                <a:spcPts val="0"/>
-              </a:spcBef>
-              <a:spcAft>
-                <a:spcPts val="0"/>
-              </a:spcAft>
-              <a:buNone/>
-            </a:pPr>
-            <a:r>
-              <a:rPr lang="en-US" dirty="0"/>
-              <a:t>- The pipeline is a collection of tasks that need to be run. You can specify the order and ensure that one task runs before another. Similar </a:t>
-            </a:r>
-            <a:r>
-              <a:rPr lang="en-US" dirty="0" err="1"/>
-              <a:t>taskrun</a:t>
-            </a:r>
-            <a:r>
-              <a:rPr lang="en-US" dirty="0"/>
-              <a:t> before, it defines the task and the parameters associated with it. You can share a workspace between the tasks to share values.</a:t>
-            </a:r>
-          </a:p>
-          <a:p>
-            <a:pPr marL="0" lvl="0" indent="0" algn="l" rtl="0">
-              <a:spcBef>
-                <a:spcPts val="0"/>
-              </a:spcBef>
-              <a:spcAft>
-                <a:spcPts val="0"/>
-              </a:spcAft>
-              <a:buNone/>
-            </a:pPr>
-            <a:r>
-              <a:rPr lang="en-US" dirty="0"/>
-              <a:t>– </a:t>
-            </a:r>
-            <a:r>
-              <a:rPr lang="en-US" dirty="0" err="1"/>
-              <a:t>Pipelinerun</a:t>
-            </a:r>
-            <a:r>
-              <a:rPr lang="en-US" dirty="0"/>
-              <a:t> initializes the pipeline and passes in the parameters associated for it to run. If there are shared workspace (persistent volume claims) they would be defined here.</a:t>
-            </a:r>
-            <a:endParaRPr dirty="0"/>
           </a:p>
         </p:txBody>
       </p:sp>
     </p:spTree>
     <p:extLst>
       <p:ext uri="{BB962C8B-B14F-4D97-AF65-F5344CB8AC3E}">
-        <p14:creationId xmlns:p14="http://schemas.microsoft.com/office/powerpoint/2010/main" val="3009693342"/>
+        <p14:creationId xmlns:p14="http://schemas.microsoft.com/office/powerpoint/2010/main" val="3186721765"/>
       </p:ext>
     </p:extLst>
   </p:cSld>
@@ -2237,7 +2113,7 @@
     </p:spTree>
     <p:extLst>
       <p:ext uri="{BB962C8B-B14F-4D97-AF65-F5344CB8AC3E}">
-        <p14:creationId xmlns:p14="http://schemas.microsoft.com/office/powerpoint/2010/main" val="3186721765"/>
+        <p14:creationId xmlns:p14="http://schemas.microsoft.com/office/powerpoint/2010/main" val="3224763996"/>
       </p:ext>
     </p:extLst>
   </p:cSld>
@@ -2296,14 +2172,27 @@
           <a:bodyPr/>
           <a:lstStyle/>
           <a:p>
-            <a:endParaRPr lang="en-US" dirty="0"/>
+            <a:r>
+              <a:rPr lang="en-US" dirty="0" err="1"/>
+              <a:t>Tekton</a:t>
+            </a:r>
+            <a:r>
+              <a:rPr lang="en-US" dirty="0"/>
+              <a:t> Chains allows us to meet Level 1 and Level 2 of SLSA with the current release.</a:t>
+            </a:r>
+          </a:p>
+          <a:p>
+            <a:r>
+              <a:rPr lang="en-US" dirty="0"/>
+              <a:t>Once SPIFFE Spire is added (which adds short lived, verified certs) – that will bring Chains closer to Level 3 with non-falsifiable provenance. This is still work in progress.</a:t>
+            </a:r>
           </a:p>
         </p:txBody>
       </p:sp>
     </p:spTree>
     <p:extLst>
       <p:ext uri="{BB962C8B-B14F-4D97-AF65-F5344CB8AC3E}">
-        <p14:creationId xmlns:p14="http://schemas.microsoft.com/office/powerpoint/2010/main" val="3224763996"/>
+        <p14:creationId xmlns:p14="http://schemas.microsoft.com/office/powerpoint/2010/main" val="1206610638"/>
       </p:ext>
     </p:extLst>
   </p:cSld>
@@ -2362,27 +2251,14 @@
           <a:bodyPr/>
           <a:lstStyle/>
           <a:p>
-            <a:r>
-              <a:rPr lang="en-US" dirty="0" err="1"/>
-              <a:t>Tekton</a:t>
-            </a:r>
-            <a:r>
-              <a:rPr lang="en-US" dirty="0"/>
-              <a:t> Chains allows us to meet Level 1 and Level 2 of SLSA with the current release.</a:t>
-            </a:r>
-          </a:p>
-          <a:p>
-            <a:r>
-              <a:rPr lang="en-US" dirty="0"/>
-              <a:t>Once SPIFFE Spire is added (which adds short lived, verified certs) – that will bring Chains closer to Level 3 with non-falsifiable provenance. This is still work in progress.</a:t>
-            </a:r>
+            <a:endParaRPr lang="en-US" dirty="0"/>
           </a:p>
         </p:txBody>
       </p:sp>
     </p:spTree>
     <p:extLst>
       <p:ext uri="{BB962C8B-B14F-4D97-AF65-F5344CB8AC3E}">
-        <p14:creationId xmlns:p14="http://schemas.microsoft.com/office/powerpoint/2010/main" val="1206610638"/>
+        <p14:creationId xmlns:p14="http://schemas.microsoft.com/office/powerpoint/2010/main" val="3075204846"/>
       </p:ext>
     </p:extLst>
   </p:cSld>
@@ -9671,7 +9547,7 @@
         <p:fade/>
       </p:transition>
     </mc:Choice>
-    <mc:Fallback xmlns:ahyp="http://schemas.microsoft.com/office/drawing/2018/hyperlinkcolor" xmlns:p15="http://schemas.microsoft.com/office/powerpoint/2012/main" xmlns:com="http://schemas.openxmlformats.org/drawingml/2006/compatibility" xmlns:pvml="urn:schemas-microsoft-com:office:powerpoint" xmlns:v="urn:schemas-microsoft-com:vml" xmlns:o="urn:schemas-microsoft-com:office:office" xmlns:dgm="http://schemas.openxmlformats.org/drawingml/2006/diagram" xmlns:c="http://schemas.openxmlformats.org/drawingml/2006/chart" xmlns:mv="urn:schemas-microsoft-com:mac:vml" xmlns="">
+    <mc:Fallback xmlns="" xmlns:mv="urn:schemas-microsoft-com:mac:vml" xmlns:c="http://schemas.openxmlformats.org/drawingml/2006/chart" xmlns:dgm="http://schemas.openxmlformats.org/drawingml/2006/diagram" xmlns:o="urn:schemas-microsoft-com:office:office" xmlns:v="urn:schemas-microsoft-com:vml" xmlns:pvml="urn:schemas-microsoft-com:office:powerpoint" xmlns:com="http://schemas.openxmlformats.org/drawingml/2006/compatibility" xmlns:p15="http://schemas.microsoft.com/office/powerpoint/2012/main" xmlns:ahyp="http://schemas.microsoft.com/office/drawing/2018/hyperlinkcolor">
       <p:transition>
         <p:fade/>
       </p:transition>
@@ -15061,6 +14937,2924 @@
 </file>
 
 <file path=ppt/slides/slide10.xml><?xml version="1.0" encoding="utf-8"?>
+<p:sld xmlns:a="http://schemas.openxmlformats.org/drawingml/2006/main" xmlns:r="http://schemas.openxmlformats.org/officeDocument/2006/relationships" xmlns:p="http://schemas.openxmlformats.org/presentationml/2006/main">
+  <p:cSld>
+    <p:spTree>
+      <p:nvGrpSpPr>
+        <p:cNvPr id="1" name=""/>
+        <p:cNvGrpSpPr/>
+        <p:nvPr/>
+      </p:nvGrpSpPr>
+      <p:grpSpPr>
+        <a:xfrm>
+          <a:off x="0" y="0"/>
+          <a:ext cx="0" cy="0"/>
+          <a:chOff x="0" y="0"/>
+          <a:chExt cx="0" cy="0"/>
+        </a:xfrm>
+      </p:grpSpPr>
+      <p:sp>
+        <p:nvSpPr>
+          <p:cNvPr id="2" name="Title 1">
+            <a:extLst>
+              <a:ext uri="{FF2B5EF4-FFF2-40B4-BE49-F238E27FC236}">
+                <a16:creationId xmlns:a16="http://schemas.microsoft.com/office/drawing/2014/main" id="{9F525ED9-DBBB-1B44-9DA1-6F33B70B5622}"/>
+              </a:ext>
+            </a:extLst>
+          </p:cNvPr>
+          <p:cNvSpPr>
+            <a:spLocks noGrp="1"/>
+          </p:cNvSpPr>
+          <p:nvPr>
+            <p:ph type="title"/>
+          </p:nvPr>
+        </p:nvSpPr>
+        <p:spPr/>
+        <p:txBody>
+          <a:bodyPr/>
+          <a:lstStyle/>
+          <a:p>
+            <a:r>
+              <a:rPr lang="en-US" dirty="0"/>
+              <a:t>SLSA Provenance	</a:t>
+            </a:r>
+          </a:p>
+        </p:txBody>
+      </p:sp>
+      <p:sp>
+        <p:nvSpPr>
+          <p:cNvPr id="8" name="Rectangle 2">
+            <a:extLst>
+              <a:ext uri="{FF2B5EF4-FFF2-40B4-BE49-F238E27FC236}">
+                <a16:creationId xmlns:a16="http://schemas.microsoft.com/office/drawing/2014/main" id="{2FEC06A2-8D22-1B41-B655-C09C6558E098}"/>
+              </a:ext>
+            </a:extLst>
+          </p:cNvPr>
+          <p:cNvSpPr>
+            <a:spLocks noChangeArrowheads="1"/>
+          </p:cNvSpPr>
+          <p:nvPr/>
+        </p:nvSpPr>
+        <p:spPr bwMode="auto">
+          <a:xfrm>
+            <a:off x="838200" y="2400300"/>
+            <a:ext cx="12192000" cy="0"/>
+          </a:xfrm>
+          <a:prstGeom prst="rect">
+            <a:avLst/>
+          </a:prstGeom>
+          <a:noFill/>
+          <a:ln>
+            <a:noFill/>
+          </a:ln>
+          <a:effectLst/>
+          <a:extLst>
+            <a:ext uri="{909E8E84-426E-40DD-AFC4-6F175D3DCCD1}">
+              <a14:hiddenFill xmlns:a14="http://schemas.microsoft.com/office/drawing/2010/main">
+                <a:solidFill>
+                  <a:schemeClr val="accent1"/>
+                </a:solidFill>
+              </a14:hiddenFill>
+            </a:ext>
+            <a:ext uri="{91240B29-F687-4F45-9708-019B960494DF}">
+              <a14:hiddenLine xmlns:a14="http://schemas.microsoft.com/office/drawing/2010/main" w="9525">
+                <a:solidFill>
+                  <a:schemeClr val="tx1"/>
+                </a:solidFill>
+                <a:miter lim="800000"/>
+                <a:headEnd/>
+                <a:tailEnd/>
+              </a14:hiddenLine>
+            </a:ext>
+            <a:ext uri="{AF507438-7753-43E0-B8FC-AC1667EBCBE1}">
+              <a14:hiddenEffects xmlns:a14="http://schemas.microsoft.com/office/drawing/2010/main">
+                <a:effectLst>
+                  <a:outerShdw dist="35921" dir="2700000" algn="ctr" rotWithShape="0">
+                    <a:schemeClr val="bg2"/>
+                  </a:outerShdw>
+                </a:effectLst>
+              </a14:hiddenEffects>
+            </a:ext>
+          </a:extLst>
+        </p:spPr>
+        <p:txBody>
+          <a:bodyPr vert="horz" wrap="none" lIns="91440" tIns="45720" rIns="91440" bIns="45720" numCol="1" anchor="ctr" anchorCtr="0" compatLnSpc="1">
+            <a:prstTxWarp prst="textNoShape">
+              <a:avLst/>
+            </a:prstTxWarp>
+            <a:spAutoFit/>
+          </a:bodyPr>
+          <a:lstStyle/>
+          <a:p>
+            <a:pPr marL="0" marR="0" lvl="0" indent="0" algn="l" defTabSz="914400" rtl="0" eaLnBrk="0" fontAlgn="base" latinLnBrk="0" hangingPunct="0">
+              <a:lnSpc>
+                <a:spcPct val="100000"/>
+              </a:lnSpc>
+              <a:spcBef>
+                <a:spcPct val="0"/>
+              </a:spcBef>
+              <a:spcAft>
+                <a:spcPct val="0"/>
+              </a:spcAft>
+              <a:buClrTx/>
+              <a:buSzTx/>
+              <a:buFontTx/>
+              <a:buNone/>
+              <a:tabLst/>
+            </a:pPr>
+            <a:br>
+              <a:rPr kumimoji="0" lang="en-US" altLang="en-US" sz="1800" b="0" i="0" u="none" strike="noStrike" cap="none" normalizeH="0" baseline="0">
+                <a:ln>
+                  <a:noFill/>
+                </a:ln>
+                <a:solidFill>
+                  <a:schemeClr val="tx1"/>
+                </a:solidFill>
+                <a:effectLst/>
+                <a:latin typeface="Arial" panose="020B0604020202020204" pitchFamily="34" charset="0"/>
+              </a:rPr>
+            </a:br>
+            <a:endParaRPr kumimoji="0" lang="en-US" altLang="en-US" sz="1800" b="0" i="0" u="none" strike="noStrike" cap="none" normalizeH="0" baseline="0">
+              <a:ln>
+                <a:noFill/>
+              </a:ln>
+              <a:solidFill>
+                <a:schemeClr val="tx1"/>
+              </a:solidFill>
+              <a:effectLst/>
+              <a:latin typeface="Arial" panose="020B0604020202020204" pitchFamily="34" charset="0"/>
+            </a:endParaRPr>
+          </a:p>
+        </p:txBody>
+      </p:sp>
+      <p:pic>
+        <p:nvPicPr>
+          <p:cNvPr id="4" name="Picture 3">
+            <a:extLst>
+              <a:ext uri="{FF2B5EF4-FFF2-40B4-BE49-F238E27FC236}">
+                <a16:creationId xmlns:a16="http://schemas.microsoft.com/office/drawing/2014/main" id="{969E9B18-338F-734C-8E4A-5FBC2406730D}"/>
+              </a:ext>
+            </a:extLst>
+          </p:cNvPr>
+          <p:cNvPicPr>
+            <a:picLocks noChangeAspect="1"/>
+          </p:cNvPicPr>
+          <p:nvPr/>
+        </p:nvPicPr>
+        <p:blipFill>
+          <a:blip r:embed="rId3"/>
+          <a:stretch>
+            <a:fillRect/>
+          </a:stretch>
+        </p:blipFill>
+        <p:spPr>
+          <a:xfrm>
+            <a:off x="5422931" y="1251303"/>
+            <a:ext cx="5930869" cy="4820483"/>
+          </a:xfrm>
+          <a:prstGeom prst="rect">
+            <a:avLst/>
+          </a:prstGeom>
+        </p:spPr>
+      </p:pic>
+      <p:sp>
+        <p:nvSpPr>
+          <p:cNvPr id="14" name="Google Shape;227;p33">
+            <a:extLst>
+              <a:ext uri="{FF2B5EF4-FFF2-40B4-BE49-F238E27FC236}">
+                <a16:creationId xmlns:a16="http://schemas.microsoft.com/office/drawing/2014/main" id="{A42EDCA2-5FF1-8642-AB77-AB4122BD1DB1}"/>
+              </a:ext>
+            </a:extLst>
+          </p:cNvPr>
+          <p:cNvSpPr txBox="1"/>
+          <p:nvPr/>
+        </p:nvSpPr>
+        <p:spPr>
+          <a:xfrm>
+            <a:off x="568631" y="1251303"/>
+            <a:ext cx="4854300" cy="3570178"/>
+          </a:xfrm>
+          <a:prstGeom prst="rect">
+            <a:avLst/>
+          </a:prstGeom>
+          <a:noFill/>
+          <a:ln>
+            <a:noFill/>
+          </a:ln>
+        </p:spPr>
+        <p:txBody>
+          <a:bodyPr spcFirstLastPara="1" wrap="square" lIns="91425" tIns="91425" rIns="91425" bIns="91425" anchor="t" anchorCtr="0">
+            <a:spAutoFit/>
+          </a:bodyPr>
+          <a:lstStyle/>
+          <a:p>
+            <a:pPr marL="88900" lvl="0">
+              <a:buSzPts val="2200"/>
+            </a:pPr>
+            <a:r>
+              <a:rPr lang="en-US" sz="2200" dirty="0">
+                <a:latin typeface="Open Sans"/>
+                <a:ea typeface="Open Sans"/>
+                <a:cs typeface="Open Sans"/>
+                <a:sym typeface="Open Sans"/>
+              </a:rPr>
+              <a:t>Provenance is an attestation that some entity (builder) produced one or more software artifacts (the subject of an in-toto attestation Statement) by executing some invocation, using some other artifacts as input (materials). The invocation in turn runs the </a:t>
+            </a:r>
+            <a:r>
+              <a:rPr lang="en-US" sz="2200" dirty="0" err="1">
+                <a:latin typeface="Open Sans"/>
+                <a:ea typeface="Open Sans"/>
+                <a:cs typeface="Open Sans"/>
+                <a:sym typeface="Open Sans"/>
+              </a:rPr>
+              <a:t>buildConfig</a:t>
+            </a:r>
+            <a:r>
+              <a:rPr lang="en-US" sz="2200" dirty="0">
+                <a:latin typeface="Open Sans"/>
+                <a:ea typeface="Open Sans"/>
+                <a:cs typeface="Open Sans"/>
+                <a:sym typeface="Open Sans"/>
+              </a:rPr>
+              <a:t>, which is a record of what was executed.</a:t>
+            </a:r>
+            <a:endParaRPr sz="2200" dirty="0">
+              <a:latin typeface="Open Sans"/>
+              <a:ea typeface="Open Sans"/>
+              <a:cs typeface="Open Sans"/>
+              <a:sym typeface="Open Sans"/>
+            </a:endParaRPr>
+          </a:p>
+        </p:txBody>
+      </p:sp>
+    </p:spTree>
+    <p:extLst>
+      <p:ext uri="{BB962C8B-B14F-4D97-AF65-F5344CB8AC3E}">
+        <p14:creationId xmlns:p14="http://schemas.microsoft.com/office/powerpoint/2010/main" val="3649359775"/>
+      </p:ext>
+    </p:extLst>
+  </p:cSld>
+  <p:clrMapOvr>
+    <a:masterClrMapping/>
+  </p:clrMapOvr>
+</p:sld>
+</file>
+
+<file path=ppt/slides/slide11.xml><?xml version="1.0" encoding="utf-8"?>
+<p:sld xmlns:a="http://schemas.openxmlformats.org/drawingml/2006/main" xmlns:r="http://schemas.openxmlformats.org/officeDocument/2006/relationships" xmlns:p="http://schemas.openxmlformats.org/presentationml/2006/main">
+  <p:cSld>
+    <p:spTree>
+      <p:nvGrpSpPr>
+        <p:cNvPr id="1" name=""/>
+        <p:cNvGrpSpPr/>
+        <p:nvPr/>
+      </p:nvGrpSpPr>
+      <p:grpSpPr>
+        <a:xfrm>
+          <a:off x="0" y="0"/>
+          <a:ext cx="0" cy="0"/>
+          <a:chOff x="0" y="0"/>
+          <a:chExt cx="0" cy="0"/>
+        </a:xfrm>
+      </p:grpSpPr>
+      <p:sp>
+        <p:nvSpPr>
+          <p:cNvPr id="2" name="Title 1">
+            <a:extLst>
+              <a:ext uri="{FF2B5EF4-FFF2-40B4-BE49-F238E27FC236}">
+                <a16:creationId xmlns:a16="http://schemas.microsoft.com/office/drawing/2014/main" id="{F4D605B8-B9FD-D04F-83D0-23EE0D71DE10}"/>
+              </a:ext>
+            </a:extLst>
+          </p:cNvPr>
+          <p:cNvSpPr>
+            <a:spLocks noGrp="1"/>
+          </p:cNvSpPr>
+          <p:nvPr>
+            <p:ph type="title"/>
+          </p:nvPr>
+        </p:nvSpPr>
+        <p:spPr/>
+        <p:txBody>
+          <a:bodyPr/>
+          <a:lstStyle/>
+          <a:p>
+            <a:r>
+              <a:rPr lang="en-US" dirty="0" err="1"/>
+              <a:t>Tekton</a:t>
+            </a:r>
+            <a:r>
+              <a:rPr lang="en-US" dirty="0"/>
+              <a:t> Chains – Configuration</a:t>
+            </a:r>
+          </a:p>
+        </p:txBody>
+      </p:sp>
+      <p:sp>
+        <p:nvSpPr>
+          <p:cNvPr id="5" name="TextBox 4">
+            <a:extLst>
+              <a:ext uri="{FF2B5EF4-FFF2-40B4-BE49-F238E27FC236}">
+                <a16:creationId xmlns:a16="http://schemas.microsoft.com/office/drawing/2014/main" id="{5659F201-8B82-AC41-9F75-AA360AE28B3C}"/>
+              </a:ext>
+            </a:extLst>
+          </p:cNvPr>
+          <p:cNvSpPr txBox="1"/>
+          <p:nvPr/>
+        </p:nvSpPr>
+        <p:spPr>
+          <a:xfrm>
+            <a:off x="1264777" y="4983857"/>
+            <a:ext cx="8675773" cy="738664"/>
+          </a:xfrm>
+          <a:prstGeom prst="rect">
+            <a:avLst/>
+          </a:prstGeom>
+          <a:noFill/>
+        </p:spPr>
+        <p:txBody>
+          <a:bodyPr wrap="none" rtlCol="0">
+            <a:spAutoFit/>
+          </a:bodyPr>
+          <a:lstStyle/>
+          <a:p>
+            <a:r>
+              <a:rPr lang="en-US" dirty="0">
+                <a:latin typeface="Open Sans" panose="020B0606030504020204" pitchFamily="34" charset="0"/>
+                <a:ea typeface="Open Sans" panose="020B0606030504020204" pitchFamily="34" charset="0"/>
+                <a:cs typeface="Open Sans" panose="020B0606030504020204" pitchFamily="34" charset="0"/>
+              </a:rPr>
+              <a:t>Example:</a:t>
+            </a:r>
+          </a:p>
+          <a:p>
+            <a:r>
+              <a:rPr lang="en-US" dirty="0" err="1"/>
+              <a:t>kubectl</a:t>
+            </a:r>
+            <a:r>
+              <a:rPr lang="en-US" dirty="0"/>
+              <a:t> patch </a:t>
+            </a:r>
+            <a:r>
+              <a:rPr lang="en-US" dirty="0" err="1"/>
+              <a:t>configmap</a:t>
+            </a:r>
+            <a:r>
+              <a:rPr lang="en-US" dirty="0"/>
+              <a:t> chains-config -n </a:t>
+            </a:r>
+            <a:r>
+              <a:rPr lang="en-US" dirty="0" err="1"/>
+              <a:t>tekton</a:t>
+            </a:r>
+            <a:r>
+              <a:rPr lang="en-US" dirty="0"/>
+              <a:t>-chains -p='{"data":{"</a:t>
+            </a:r>
+            <a:r>
+              <a:rPr lang="en-US" dirty="0" err="1"/>
+              <a:t>artifacts.taskrun.format</a:t>
+            </a:r>
+            <a:r>
+              <a:rPr lang="en-US" dirty="0"/>
+              <a:t>": "in-toto"}}'</a:t>
+            </a:r>
+          </a:p>
+          <a:p>
+            <a:r>
+              <a:rPr lang="en-US" dirty="0" err="1"/>
+              <a:t>kubectl</a:t>
+            </a:r>
+            <a:r>
+              <a:rPr lang="en-US" dirty="0"/>
+              <a:t> patch </a:t>
+            </a:r>
+            <a:r>
+              <a:rPr lang="en-US" dirty="0" err="1"/>
+              <a:t>configmap</a:t>
+            </a:r>
+            <a:r>
+              <a:rPr lang="en-US" dirty="0"/>
+              <a:t> chains-config -n </a:t>
+            </a:r>
+            <a:r>
+              <a:rPr lang="en-US" dirty="0" err="1"/>
+              <a:t>tekton</a:t>
+            </a:r>
+            <a:r>
+              <a:rPr lang="en-US" dirty="0"/>
+              <a:t>-chains -p='{"data":{"</a:t>
+            </a:r>
+            <a:r>
+              <a:rPr lang="en-US" dirty="0" err="1"/>
+              <a:t>artifacts.taskrun.storage</a:t>
+            </a:r>
+            <a:r>
+              <a:rPr lang="en-US" dirty="0"/>
+              <a:t>": "</a:t>
+            </a:r>
+            <a:r>
+              <a:rPr lang="en-US" err="1"/>
+              <a:t>oci</a:t>
+            </a:r>
+            <a:r>
+              <a:rPr lang="en-US"/>
+              <a:t>,tekton"}}'</a:t>
+            </a:r>
+            <a:endParaRPr lang="en-US" dirty="0"/>
+          </a:p>
+        </p:txBody>
+      </p:sp>
+      <p:pic>
+        <p:nvPicPr>
+          <p:cNvPr id="7" name="Picture 6">
+            <a:extLst>
+              <a:ext uri="{FF2B5EF4-FFF2-40B4-BE49-F238E27FC236}">
+                <a16:creationId xmlns:a16="http://schemas.microsoft.com/office/drawing/2014/main" id="{1D7F0E4F-E800-1A4A-9B0B-66410C47061F}"/>
+              </a:ext>
+            </a:extLst>
+          </p:cNvPr>
+          <p:cNvPicPr>
+            <a:picLocks noChangeAspect="1"/>
+          </p:cNvPicPr>
+          <p:nvPr/>
+        </p:nvPicPr>
+        <p:blipFill>
+          <a:blip r:embed="rId3"/>
+          <a:stretch>
+            <a:fillRect/>
+          </a:stretch>
+        </p:blipFill>
+        <p:spPr>
+          <a:xfrm>
+            <a:off x="183678" y="1573354"/>
+            <a:ext cx="11824643" cy="2947525"/>
+          </a:xfrm>
+          <a:prstGeom prst="rect">
+            <a:avLst/>
+          </a:prstGeom>
+        </p:spPr>
+      </p:pic>
+    </p:spTree>
+    <p:extLst>
+      <p:ext uri="{BB962C8B-B14F-4D97-AF65-F5344CB8AC3E}">
+        <p14:creationId xmlns:p14="http://schemas.microsoft.com/office/powerpoint/2010/main" val="3500129087"/>
+      </p:ext>
+    </p:extLst>
+  </p:cSld>
+  <p:clrMapOvr>
+    <a:masterClrMapping/>
+  </p:clrMapOvr>
+</p:sld>
+</file>
+
+<file path=ppt/slides/slide12.xml><?xml version="1.0" encoding="utf-8"?>
+<p:sld xmlns:a="http://schemas.openxmlformats.org/drawingml/2006/main" xmlns:r="http://schemas.openxmlformats.org/officeDocument/2006/relationships" xmlns:p="http://schemas.openxmlformats.org/presentationml/2006/main">
+  <p:cSld>
+    <p:spTree>
+      <p:nvGrpSpPr>
+        <p:cNvPr id="1" name=""/>
+        <p:cNvGrpSpPr/>
+        <p:nvPr/>
+      </p:nvGrpSpPr>
+      <p:grpSpPr>
+        <a:xfrm>
+          <a:off x="0" y="0"/>
+          <a:ext cx="0" cy="0"/>
+          <a:chOff x="0" y="0"/>
+          <a:chExt cx="0" cy="0"/>
+        </a:xfrm>
+      </p:grpSpPr>
+      <p:sp>
+        <p:nvSpPr>
+          <p:cNvPr id="2" name="Title 1">
+            <a:extLst>
+              <a:ext uri="{FF2B5EF4-FFF2-40B4-BE49-F238E27FC236}">
+                <a16:creationId xmlns:a16="http://schemas.microsoft.com/office/drawing/2014/main" id="{F4D605B8-B9FD-D04F-83D0-23EE0D71DE10}"/>
+              </a:ext>
+            </a:extLst>
+          </p:cNvPr>
+          <p:cNvSpPr>
+            <a:spLocks noGrp="1"/>
+          </p:cNvSpPr>
+          <p:nvPr>
+            <p:ph type="title"/>
+          </p:nvPr>
+        </p:nvSpPr>
+        <p:spPr/>
+        <p:txBody>
+          <a:bodyPr/>
+          <a:lstStyle/>
+          <a:p>
+            <a:r>
+              <a:rPr lang="en-US" dirty="0" err="1"/>
+              <a:t>Tekton</a:t>
+            </a:r>
+            <a:r>
+              <a:rPr lang="en-US" dirty="0"/>
+              <a:t> Chains – Capture Artifacts </a:t>
+            </a:r>
+          </a:p>
+        </p:txBody>
+      </p:sp>
+      <p:sp>
+        <p:nvSpPr>
+          <p:cNvPr id="3" name="Text Placeholder 2">
+            <a:extLst>
+              <a:ext uri="{FF2B5EF4-FFF2-40B4-BE49-F238E27FC236}">
+                <a16:creationId xmlns:a16="http://schemas.microsoft.com/office/drawing/2014/main" id="{0601C5F7-7F4A-4A4E-ACDE-D8BDCE1BC2B8}"/>
+              </a:ext>
+            </a:extLst>
+          </p:cNvPr>
+          <p:cNvSpPr>
+            <a:spLocks noGrp="1"/>
+          </p:cNvSpPr>
+          <p:nvPr>
+            <p:ph type="body" idx="1"/>
+          </p:nvPr>
+        </p:nvSpPr>
+        <p:spPr>
+          <a:xfrm>
+            <a:off x="220134" y="1134113"/>
+            <a:ext cx="6724828" cy="4848117"/>
+          </a:xfrm>
+        </p:spPr>
+        <p:txBody>
+          <a:bodyPr/>
+          <a:lstStyle/>
+          <a:p>
+            <a:r>
+              <a:rPr lang="en-US" b="1" dirty="0"/>
+              <a:t>Type Hinting</a:t>
+            </a:r>
+          </a:p>
+          <a:p>
+            <a:pPr lvl="1"/>
+            <a:r>
+              <a:rPr lang="en-US" dirty="0"/>
+              <a:t>When outputting an OCI, Chains will look for the following Results:</a:t>
+            </a:r>
+          </a:p>
+          <a:p>
+            <a:pPr lvl="2"/>
+            <a:r>
+              <a:rPr lang="en-US" dirty="0"/>
+              <a:t>*IMAGE_URL - The URL to the built OCI image</a:t>
+            </a:r>
+          </a:p>
+          <a:p>
+            <a:pPr lvl="2"/>
+            <a:r>
+              <a:rPr lang="en-US" dirty="0"/>
+              <a:t>*IMAGE_DIGEST - The Digest of the built OCI image</a:t>
+            </a:r>
+          </a:p>
+          <a:p>
+            <a:pPr lvl="1"/>
+            <a:r>
+              <a:rPr lang="en-US" dirty="0"/>
+              <a:t>where * indicates any expression. For example, if </a:t>
+            </a:r>
+            <a:r>
+              <a:rPr lang="en-US" b="1" dirty="0"/>
+              <a:t>both</a:t>
+            </a:r>
+            <a:r>
+              <a:rPr lang="en-US" dirty="0"/>
+              <a:t> MYIMAGE_IMAGE_URL AND MYIMAGE_IMAGE_DIGEST are correctly formatted to point to an OCI image, then chains will pick up on it and try to sign the image.</a:t>
+            </a:r>
+            <a:br>
+              <a:rPr lang="en-US" dirty="0"/>
+            </a:br>
+            <a:br>
+              <a:rPr lang="en-US" dirty="0"/>
+            </a:br>
+            <a:endParaRPr lang="en-US" dirty="0"/>
+          </a:p>
+        </p:txBody>
+      </p:sp>
+      <p:pic>
+        <p:nvPicPr>
+          <p:cNvPr id="4" name="Picture 3">
+            <a:extLst>
+              <a:ext uri="{FF2B5EF4-FFF2-40B4-BE49-F238E27FC236}">
+                <a16:creationId xmlns:a16="http://schemas.microsoft.com/office/drawing/2014/main" id="{2DDB470E-3549-3A46-80C3-0FC272E4B0DD}"/>
+              </a:ext>
+            </a:extLst>
+          </p:cNvPr>
+          <p:cNvPicPr>
+            <a:picLocks noChangeAspect="1"/>
+          </p:cNvPicPr>
+          <p:nvPr/>
+        </p:nvPicPr>
+        <p:blipFill>
+          <a:blip r:embed="rId3"/>
+          <a:stretch>
+            <a:fillRect/>
+          </a:stretch>
+        </p:blipFill>
+        <p:spPr>
+          <a:xfrm>
+            <a:off x="6944962" y="2508312"/>
+            <a:ext cx="5201133" cy="2099717"/>
+          </a:xfrm>
+          <a:prstGeom prst="rect">
+            <a:avLst/>
+          </a:prstGeom>
+        </p:spPr>
+      </p:pic>
+    </p:spTree>
+    <p:extLst>
+      <p:ext uri="{BB962C8B-B14F-4D97-AF65-F5344CB8AC3E}">
+        <p14:creationId xmlns:p14="http://schemas.microsoft.com/office/powerpoint/2010/main" val="2368188475"/>
+      </p:ext>
+    </p:extLst>
+  </p:cSld>
+  <p:clrMapOvr>
+    <a:masterClrMapping/>
+  </p:clrMapOvr>
+</p:sld>
+</file>
+
+<file path=ppt/slides/slide13.xml><?xml version="1.0" encoding="utf-8"?>
+<p:sld xmlns:a="http://schemas.openxmlformats.org/drawingml/2006/main" xmlns:r="http://schemas.openxmlformats.org/officeDocument/2006/relationships" xmlns:p="http://schemas.openxmlformats.org/presentationml/2006/main">
+  <p:cSld>
+    <p:spTree>
+      <p:nvGrpSpPr>
+        <p:cNvPr id="1" name=""/>
+        <p:cNvGrpSpPr/>
+        <p:nvPr/>
+      </p:nvGrpSpPr>
+      <p:grpSpPr>
+        <a:xfrm>
+          <a:off x="0" y="0"/>
+          <a:ext cx="0" cy="0"/>
+          <a:chOff x="0" y="0"/>
+          <a:chExt cx="0" cy="0"/>
+        </a:xfrm>
+      </p:grpSpPr>
+      <p:sp>
+        <p:nvSpPr>
+          <p:cNvPr id="2" name="Title 1">
+            <a:extLst>
+              <a:ext uri="{FF2B5EF4-FFF2-40B4-BE49-F238E27FC236}">
+                <a16:creationId xmlns:a16="http://schemas.microsoft.com/office/drawing/2014/main" id="{F4D605B8-B9FD-D04F-83D0-23EE0D71DE10}"/>
+              </a:ext>
+            </a:extLst>
+          </p:cNvPr>
+          <p:cNvSpPr>
+            <a:spLocks noGrp="1"/>
+          </p:cNvSpPr>
+          <p:nvPr>
+            <p:ph type="title"/>
+          </p:nvPr>
+        </p:nvSpPr>
+        <p:spPr/>
+        <p:txBody>
+          <a:bodyPr/>
+          <a:lstStyle/>
+          <a:p>
+            <a:r>
+              <a:rPr lang="en-US" dirty="0" err="1"/>
+              <a:t>Tekton</a:t>
+            </a:r>
+            <a:r>
+              <a:rPr lang="en-US" dirty="0"/>
+              <a:t> Chains – Cosign </a:t>
+            </a:r>
+          </a:p>
+        </p:txBody>
+      </p:sp>
+      <p:sp>
+        <p:nvSpPr>
+          <p:cNvPr id="3" name="Text Placeholder 2">
+            <a:extLst>
+              <a:ext uri="{FF2B5EF4-FFF2-40B4-BE49-F238E27FC236}">
+                <a16:creationId xmlns:a16="http://schemas.microsoft.com/office/drawing/2014/main" id="{0601C5F7-7F4A-4A4E-ACDE-D8BDCE1BC2B8}"/>
+              </a:ext>
+            </a:extLst>
+          </p:cNvPr>
+          <p:cNvSpPr>
+            <a:spLocks noGrp="1"/>
+          </p:cNvSpPr>
+          <p:nvPr>
+            <p:ph type="body" idx="1"/>
+          </p:nvPr>
+        </p:nvSpPr>
+        <p:spPr>
+          <a:xfrm>
+            <a:off x="220134" y="1134113"/>
+            <a:ext cx="6724828" cy="4848117"/>
+          </a:xfrm>
+        </p:spPr>
+        <p:txBody>
+          <a:bodyPr/>
+          <a:lstStyle/>
+          <a:p>
+            <a:r>
+              <a:rPr lang="en-US" dirty="0"/>
+              <a:t>Cosign is used for Container Signing, Verification and Storage in an OCI registry.</a:t>
+            </a:r>
+          </a:p>
+          <a:p>
+            <a:r>
+              <a:rPr lang="en-US" dirty="0"/>
+              <a:t>For cosign, Chains expects the encrypted private key to be stored in a secret called signing-secrets with the following structure:</a:t>
+            </a:r>
+          </a:p>
+          <a:p>
+            <a:pPr lvl="1"/>
+            <a:r>
+              <a:rPr lang="en-US" dirty="0" err="1"/>
+              <a:t>cosign.key</a:t>
+            </a:r>
+            <a:r>
+              <a:rPr lang="en-US" dirty="0"/>
+              <a:t> (the cosign-generated private key)</a:t>
+            </a:r>
+          </a:p>
+          <a:p>
+            <a:pPr lvl="1"/>
+            <a:r>
+              <a:rPr lang="en-US" dirty="0" err="1"/>
+              <a:t>cosign.password</a:t>
+            </a:r>
+            <a:r>
+              <a:rPr lang="en-US" dirty="0"/>
+              <a:t> (the password to decrypt the private key)</a:t>
+            </a:r>
+          </a:p>
+          <a:p>
+            <a:r>
+              <a:rPr lang="en-US" dirty="0"/>
+              <a:t>To create a cosign keypair, </a:t>
+            </a:r>
+            <a:r>
+              <a:rPr lang="en-US" dirty="0" err="1"/>
+              <a:t>cosign.key</a:t>
+            </a:r>
+            <a:r>
+              <a:rPr lang="en-US" dirty="0"/>
+              <a:t> and </a:t>
+            </a:r>
+            <a:r>
+              <a:rPr lang="en-US" dirty="0" err="1"/>
+              <a:t>cosign.pub</a:t>
+            </a:r>
+            <a:r>
+              <a:rPr lang="en-US" dirty="0"/>
+              <a:t>, install cosign and run the following:</a:t>
+            </a:r>
+          </a:p>
+          <a:p>
+            <a:pPr lvl="1"/>
+            <a:r>
+              <a:rPr lang="en-US" dirty="0"/>
+              <a:t>cosign generate-key-pair k8s://</a:t>
+            </a:r>
+            <a:r>
+              <a:rPr lang="en-US" dirty="0" err="1"/>
+              <a:t>tekton</a:t>
+            </a:r>
+            <a:r>
+              <a:rPr lang="en-US" dirty="0"/>
+              <a:t>-chains/signing-secrets</a:t>
+            </a:r>
+          </a:p>
+          <a:p>
+            <a:pPr lvl="1"/>
+            <a:endParaRPr lang="en-US" dirty="0"/>
+          </a:p>
+          <a:p>
+            <a:pPr marL="114300" indent="0">
+              <a:buNone/>
+            </a:pPr>
+            <a:br>
+              <a:rPr lang="en-US" dirty="0"/>
+            </a:br>
+            <a:endParaRPr lang="en-US" dirty="0"/>
+          </a:p>
+        </p:txBody>
+      </p:sp>
+      <p:pic>
+        <p:nvPicPr>
+          <p:cNvPr id="4098" name="Picture 2" descr="Sigstore Code Signing for Software Supply Chain Security – The New Stack">
+            <a:extLst>
+              <a:ext uri="{FF2B5EF4-FFF2-40B4-BE49-F238E27FC236}">
+                <a16:creationId xmlns:a16="http://schemas.microsoft.com/office/drawing/2014/main" id="{C2081BA1-B91F-CB4D-96C0-9B19BFC7C128}"/>
+              </a:ext>
+            </a:extLst>
+          </p:cNvPr>
+          <p:cNvPicPr>
+            <a:picLocks noChangeAspect="1" noChangeArrowheads="1"/>
+          </p:cNvPicPr>
+          <p:nvPr/>
+        </p:nvPicPr>
+        <p:blipFill>
+          <a:blip r:embed="rId3">
+            <a:extLst>
+              <a:ext uri="{28A0092B-C50C-407E-A947-70E740481C1C}">
+                <a14:useLocalDpi xmlns:a14="http://schemas.microsoft.com/office/drawing/2010/main" val="0"/>
+              </a:ext>
+            </a:extLst>
+          </a:blip>
+          <a:srcRect/>
+          <a:stretch>
+            <a:fillRect/>
+          </a:stretch>
+        </p:blipFill>
+        <p:spPr bwMode="auto">
+          <a:xfrm>
+            <a:off x="7783770" y="2367096"/>
+            <a:ext cx="3866877" cy="2123808"/>
+          </a:xfrm>
+          <a:prstGeom prst="rect">
+            <a:avLst/>
+          </a:prstGeom>
+          <a:noFill/>
+          <a:extLst>
+            <a:ext uri="{909E8E84-426E-40DD-AFC4-6F175D3DCCD1}">
+              <a14:hiddenFill xmlns:a14="http://schemas.microsoft.com/office/drawing/2010/main">
+                <a:solidFill>
+                  <a:srgbClr val="FFFFFF"/>
+                </a:solidFill>
+              </a14:hiddenFill>
+            </a:ext>
+          </a:extLst>
+        </p:spPr>
+      </p:pic>
+    </p:spTree>
+    <p:extLst>
+      <p:ext uri="{BB962C8B-B14F-4D97-AF65-F5344CB8AC3E}">
+        <p14:creationId xmlns:p14="http://schemas.microsoft.com/office/powerpoint/2010/main" val="1600782254"/>
+      </p:ext>
+    </p:extLst>
+  </p:cSld>
+  <p:clrMapOvr>
+    <a:masterClrMapping/>
+  </p:clrMapOvr>
+</p:sld>
+</file>
+
+<file path=ppt/slides/slide14.xml><?xml version="1.0" encoding="utf-8"?>
+<p:sld xmlns:a="http://schemas.openxmlformats.org/drawingml/2006/main" xmlns:r="http://schemas.openxmlformats.org/officeDocument/2006/relationships" xmlns:p="http://schemas.openxmlformats.org/presentationml/2006/main">
+  <p:cSld>
+    <p:spTree>
+      <p:nvGrpSpPr>
+        <p:cNvPr id="1" name=""/>
+        <p:cNvGrpSpPr/>
+        <p:nvPr/>
+      </p:nvGrpSpPr>
+      <p:grpSpPr>
+        <a:xfrm>
+          <a:off x="0" y="0"/>
+          <a:ext cx="0" cy="0"/>
+          <a:chOff x="0" y="0"/>
+          <a:chExt cx="0" cy="0"/>
+        </a:xfrm>
+      </p:grpSpPr>
+      <p:sp>
+        <p:nvSpPr>
+          <p:cNvPr id="2" name="Title 1">
+            <a:extLst>
+              <a:ext uri="{FF2B5EF4-FFF2-40B4-BE49-F238E27FC236}">
+                <a16:creationId xmlns:a16="http://schemas.microsoft.com/office/drawing/2014/main" id="{F4D605B8-B9FD-D04F-83D0-23EE0D71DE10}"/>
+              </a:ext>
+            </a:extLst>
+          </p:cNvPr>
+          <p:cNvSpPr>
+            <a:spLocks noGrp="1"/>
+          </p:cNvSpPr>
+          <p:nvPr>
+            <p:ph type="title"/>
+          </p:nvPr>
+        </p:nvSpPr>
+        <p:spPr/>
+        <p:txBody>
+          <a:bodyPr/>
+          <a:lstStyle/>
+          <a:p>
+            <a:r>
+              <a:rPr lang="en-US" dirty="0" err="1"/>
+              <a:t>Tekton</a:t>
+            </a:r>
+            <a:r>
+              <a:rPr lang="en-US" dirty="0"/>
+              <a:t> Installation	</a:t>
+            </a:r>
+          </a:p>
+        </p:txBody>
+      </p:sp>
+      <p:sp>
+        <p:nvSpPr>
+          <p:cNvPr id="3" name="Text Placeholder 2">
+            <a:extLst>
+              <a:ext uri="{FF2B5EF4-FFF2-40B4-BE49-F238E27FC236}">
+                <a16:creationId xmlns:a16="http://schemas.microsoft.com/office/drawing/2014/main" id="{0601C5F7-7F4A-4A4E-ACDE-D8BDCE1BC2B8}"/>
+              </a:ext>
+            </a:extLst>
+          </p:cNvPr>
+          <p:cNvSpPr>
+            <a:spLocks noGrp="1"/>
+          </p:cNvSpPr>
+          <p:nvPr>
+            <p:ph type="body" idx="1"/>
+          </p:nvPr>
+        </p:nvSpPr>
+        <p:spPr>
+          <a:xfrm>
+            <a:off x="838200" y="1328846"/>
+            <a:ext cx="6724828" cy="4848117"/>
+          </a:xfrm>
+        </p:spPr>
+        <p:txBody>
+          <a:bodyPr/>
+          <a:lstStyle/>
+          <a:p>
+            <a:r>
+              <a:rPr lang="en-US" dirty="0"/>
+              <a:t>To install </a:t>
+            </a:r>
+            <a:r>
+              <a:rPr lang="en-US" dirty="0" err="1"/>
+              <a:t>Tekton</a:t>
+            </a:r>
+            <a:r>
+              <a:rPr lang="en-US" dirty="0"/>
+              <a:t> and </a:t>
+            </a:r>
+            <a:r>
+              <a:rPr lang="en-US" dirty="0" err="1"/>
+              <a:t>Tekton</a:t>
+            </a:r>
+            <a:r>
+              <a:rPr lang="en-US" dirty="0"/>
+              <a:t> Pipelines run the following command:</a:t>
+            </a:r>
+          </a:p>
+          <a:p>
+            <a:pPr lvl="1"/>
+            <a:r>
+              <a:rPr lang="en-US" dirty="0" err="1"/>
+              <a:t>kubectl</a:t>
+            </a:r>
+            <a:r>
+              <a:rPr lang="en-US" dirty="0"/>
+              <a:t> apply --filename https://</a:t>
+            </a:r>
+            <a:r>
+              <a:rPr lang="en-US" dirty="0" err="1"/>
+              <a:t>storage.googleapis.com</a:t>
+            </a:r>
+            <a:r>
+              <a:rPr lang="en-US" dirty="0"/>
+              <a:t>/</a:t>
+            </a:r>
+            <a:r>
+              <a:rPr lang="en-US" dirty="0" err="1"/>
+              <a:t>tekton</a:t>
+            </a:r>
+            <a:r>
+              <a:rPr lang="en-US" dirty="0"/>
+              <a:t>-r</a:t>
+            </a:r>
+          </a:p>
+          <a:p>
+            <a:r>
+              <a:rPr lang="en-US" dirty="0"/>
+              <a:t>To install the latest version of Chains to your Kubernetes cluster, run:</a:t>
+            </a:r>
+          </a:p>
+          <a:p>
+            <a:pPr lvl="1"/>
+            <a:r>
+              <a:rPr lang="en-US" dirty="0" err="1"/>
+              <a:t>kubectl</a:t>
+            </a:r>
+            <a:r>
+              <a:rPr lang="en-US" dirty="0"/>
+              <a:t> apply --filename </a:t>
+            </a:r>
+            <a:r>
+              <a:rPr lang="en-US" dirty="0">
+                <a:hlinkClick r:id="rId3"/>
+              </a:rPr>
+              <a:t>https://storage.googleapis.com/tekton-releases/chains/latest/release.yaml</a:t>
+            </a:r>
+            <a:endParaRPr lang="en-US" dirty="0"/>
+          </a:p>
+          <a:p>
+            <a:r>
+              <a:rPr lang="en-US" dirty="0"/>
+              <a:t>Install Cosign</a:t>
+            </a:r>
+          </a:p>
+          <a:p>
+            <a:pPr lvl="1"/>
+            <a:r>
+              <a:rPr lang="en-US" dirty="0"/>
+              <a:t>$ go install </a:t>
+            </a:r>
+            <a:r>
+              <a:rPr lang="en-US" dirty="0">
+                <a:hlinkClick r:id="rId4"/>
+              </a:rPr>
+              <a:t>github.com/sigstore/cosign/cmd/cosign@latest</a:t>
+            </a:r>
+            <a:endParaRPr lang="en-US" dirty="0"/>
+          </a:p>
+          <a:p>
+            <a:pPr lvl="1"/>
+            <a:r>
+              <a:rPr lang="en-US" dirty="0"/>
+              <a:t>$ brew install cosign</a:t>
+            </a:r>
+          </a:p>
+          <a:p>
+            <a:pPr lvl="1"/>
+            <a:r>
+              <a:rPr lang="en-US" dirty="0"/>
+              <a:t>Installing the binary based on your system.</a:t>
+            </a:r>
+          </a:p>
+          <a:p>
+            <a:pPr marL="114300" indent="0">
+              <a:buNone/>
+            </a:pPr>
+            <a:br>
+              <a:rPr lang="en-US" dirty="0"/>
+            </a:br>
+            <a:endParaRPr lang="en-US" dirty="0"/>
+          </a:p>
+        </p:txBody>
+      </p:sp>
+      <p:pic>
+        <p:nvPicPr>
+          <p:cNvPr id="6146" name="Picture 2">
+            <a:extLst>
+              <a:ext uri="{FF2B5EF4-FFF2-40B4-BE49-F238E27FC236}">
+                <a16:creationId xmlns:a16="http://schemas.microsoft.com/office/drawing/2014/main" id="{973D916D-5645-944B-807B-3C27E0BCDE2D}"/>
+              </a:ext>
+            </a:extLst>
+          </p:cNvPr>
+          <p:cNvPicPr>
+            <a:picLocks noChangeAspect="1" noChangeArrowheads="1"/>
+          </p:cNvPicPr>
+          <p:nvPr/>
+        </p:nvPicPr>
+        <p:blipFill>
+          <a:blip r:embed="rId5">
+            <a:extLst>
+              <a:ext uri="{28A0092B-C50C-407E-A947-70E740481C1C}">
+                <a14:useLocalDpi xmlns:a14="http://schemas.microsoft.com/office/drawing/2010/main" val="0"/>
+              </a:ext>
+            </a:extLst>
+          </a:blip>
+          <a:srcRect/>
+          <a:stretch>
+            <a:fillRect/>
+          </a:stretch>
+        </p:blipFill>
+        <p:spPr bwMode="auto">
+          <a:xfrm>
+            <a:off x="8658875" y="1195646"/>
+            <a:ext cx="2184400" cy="2730500"/>
+          </a:xfrm>
+          <a:prstGeom prst="rect">
+            <a:avLst/>
+          </a:prstGeom>
+          <a:noFill/>
+          <a:extLst>
+            <a:ext uri="{909E8E84-426E-40DD-AFC4-6F175D3DCCD1}">
+              <a14:hiddenFill xmlns:a14="http://schemas.microsoft.com/office/drawing/2010/main">
+                <a:solidFill>
+                  <a:srgbClr val="FFFFFF"/>
+                </a:solidFill>
+              </a14:hiddenFill>
+            </a:ext>
+          </a:extLst>
+        </p:spPr>
+      </p:pic>
+      <p:pic>
+        <p:nvPicPr>
+          <p:cNvPr id="5" name="Picture 2" descr="Sigstore Code Signing for Software Supply Chain Security – The New Stack">
+            <a:extLst>
+              <a:ext uri="{FF2B5EF4-FFF2-40B4-BE49-F238E27FC236}">
+                <a16:creationId xmlns:a16="http://schemas.microsoft.com/office/drawing/2014/main" id="{D6928453-3826-5C43-B8B2-1328B529FEB5}"/>
+              </a:ext>
+            </a:extLst>
+          </p:cNvPr>
+          <p:cNvPicPr>
+            <a:picLocks noChangeAspect="1" noChangeArrowheads="1"/>
+          </p:cNvPicPr>
+          <p:nvPr/>
+        </p:nvPicPr>
+        <p:blipFill>
+          <a:blip r:embed="rId6">
+            <a:extLst>
+              <a:ext uri="{28A0092B-C50C-407E-A947-70E740481C1C}">
+                <a14:useLocalDpi xmlns:a14="http://schemas.microsoft.com/office/drawing/2010/main" val="0"/>
+              </a:ext>
+            </a:extLst>
+          </a:blip>
+          <a:srcRect/>
+          <a:stretch>
+            <a:fillRect/>
+          </a:stretch>
+        </p:blipFill>
+        <p:spPr bwMode="auto">
+          <a:xfrm>
+            <a:off x="7817637" y="4059346"/>
+            <a:ext cx="3866877" cy="2123808"/>
+          </a:xfrm>
+          <a:prstGeom prst="rect">
+            <a:avLst/>
+          </a:prstGeom>
+          <a:noFill/>
+          <a:extLst>
+            <a:ext uri="{909E8E84-426E-40DD-AFC4-6F175D3DCCD1}">
+              <a14:hiddenFill xmlns:a14="http://schemas.microsoft.com/office/drawing/2010/main">
+                <a:solidFill>
+                  <a:srgbClr val="FFFFFF"/>
+                </a:solidFill>
+              </a14:hiddenFill>
+            </a:ext>
+          </a:extLst>
+        </p:spPr>
+      </p:pic>
+    </p:spTree>
+    <p:extLst>
+      <p:ext uri="{BB962C8B-B14F-4D97-AF65-F5344CB8AC3E}">
+        <p14:creationId xmlns:p14="http://schemas.microsoft.com/office/powerpoint/2010/main" val="1325112767"/>
+      </p:ext>
+    </p:extLst>
+  </p:cSld>
+  <p:clrMapOvr>
+    <a:masterClrMapping/>
+  </p:clrMapOvr>
+</p:sld>
+</file>
+
+<file path=ppt/slides/slide15.xml><?xml version="1.0" encoding="utf-8"?>
+<p:sld xmlns:a="http://schemas.openxmlformats.org/drawingml/2006/main" xmlns:r="http://schemas.openxmlformats.org/officeDocument/2006/relationships" xmlns:p="http://schemas.openxmlformats.org/presentationml/2006/main">
+  <p:cSld>
+    <p:spTree>
+      <p:nvGrpSpPr>
+        <p:cNvPr id="1" name=""/>
+        <p:cNvGrpSpPr/>
+        <p:nvPr/>
+      </p:nvGrpSpPr>
+      <p:grpSpPr>
+        <a:xfrm>
+          <a:off x="0" y="0"/>
+          <a:ext cx="0" cy="0"/>
+          <a:chOff x="0" y="0"/>
+          <a:chExt cx="0" cy="0"/>
+        </a:xfrm>
+      </p:grpSpPr>
+      <p:sp>
+        <p:nvSpPr>
+          <p:cNvPr id="2" name="Title 1">
+            <a:extLst>
+              <a:ext uri="{FF2B5EF4-FFF2-40B4-BE49-F238E27FC236}">
+                <a16:creationId xmlns:a16="http://schemas.microsoft.com/office/drawing/2014/main" id="{F4D605B8-B9FD-D04F-83D0-23EE0D71DE10}"/>
+              </a:ext>
+            </a:extLst>
+          </p:cNvPr>
+          <p:cNvSpPr>
+            <a:spLocks noGrp="1"/>
+          </p:cNvSpPr>
+          <p:nvPr>
+            <p:ph type="title"/>
+          </p:nvPr>
+        </p:nvSpPr>
+        <p:spPr/>
+        <p:txBody>
+          <a:bodyPr/>
+          <a:lstStyle/>
+          <a:p>
+            <a:r>
+              <a:rPr lang="en-US" dirty="0"/>
+              <a:t>Demo!</a:t>
+            </a:r>
+          </a:p>
+        </p:txBody>
+      </p:sp>
+      <p:sp>
+        <p:nvSpPr>
+          <p:cNvPr id="3" name="Text Placeholder 2">
+            <a:extLst>
+              <a:ext uri="{FF2B5EF4-FFF2-40B4-BE49-F238E27FC236}">
+                <a16:creationId xmlns:a16="http://schemas.microsoft.com/office/drawing/2014/main" id="{0601C5F7-7F4A-4A4E-ACDE-D8BDCE1BC2B8}"/>
+              </a:ext>
+            </a:extLst>
+          </p:cNvPr>
+          <p:cNvSpPr>
+            <a:spLocks noGrp="1"/>
+          </p:cNvSpPr>
+          <p:nvPr>
+            <p:ph type="body" idx="1"/>
+          </p:nvPr>
+        </p:nvSpPr>
+        <p:spPr>
+          <a:xfrm>
+            <a:off x="838200" y="1328846"/>
+            <a:ext cx="6724828" cy="4848117"/>
+          </a:xfrm>
+        </p:spPr>
+        <p:txBody>
+          <a:bodyPr/>
+          <a:lstStyle/>
+          <a:p>
+            <a:r>
+              <a:rPr lang="en-US" dirty="0"/>
+              <a:t>Let’s go through an example with the </a:t>
+            </a:r>
+            <a:r>
+              <a:rPr lang="en-US" dirty="0" err="1"/>
+              <a:t>buildpacks</a:t>
+            </a:r>
+            <a:r>
+              <a:rPr lang="en-US" dirty="0"/>
+              <a:t> pipeline and show how to:</a:t>
+            </a:r>
+          </a:p>
+          <a:p>
+            <a:pPr lvl="1"/>
+            <a:r>
+              <a:rPr lang="en-US" dirty="0"/>
+              <a:t>Create the signing secret with cosign</a:t>
+            </a:r>
+          </a:p>
+          <a:p>
+            <a:pPr lvl="1"/>
+            <a:r>
+              <a:rPr lang="en-US" dirty="0"/>
+              <a:t>Explain what the </a:t>
+            </a:r>
+            <a:r>
+              <a:rPr lang="en-US" dirty="0" err="1"/>
+              <a:t>buildpacks</a:t>
+            </a:r>
+            <a:r>
+              <a:rPr lang="en-US" dirty="0"/>
+              <a:t> example is doing</a:t>
+            </a:r>
+          </a:p>
+          <a:p>
+            <a:pPr lvl="1"/>
+            <a:r>
+              <a:rPr lang="en-US" dirty="0"/>
+              <a:t>Review attestation (SLSA vO.2) from </a:t>
+            </a:r>
+            <a:r>
+              <a:rPr lang="en-US" dirty="0" err="1"/>
+              <a:t>taskrun</a:t>
+            </a:r>
+            <a:endParaRPr lang="en-US" dirty="0"/>
+          </a:p>
+          <a:p>
+            <a:pPr lvl="1"/>
+            <a:r>
+              <a:rPr lang="en-US" dirty="0"/>
+              <a:t>Verify signature of image and attestation using cosign</a:t>
+            </a:r>
+          </a:p>
+          <a:p>
+            <a:pPr lvl="1"/>
+            <a:endParaRPr lang="en-US" dirty="0"/>
+          </a:p>
+          <a:p>
+            <a:pPr marL="114300" indent="0">
+              <a:buNone/>
+            </a:pPr>
+            <a:br>
+              <a:rPr lang="en-US" dirty="0"/>
+            </a:br>
+            <a:endParaRPr lang="en-US" dirty="0"/>
+          </a:p>
+        </p:txBody>
+      </p:sp>
+      <p:pic>
+        <p:nvPicPr>
+          <p:cNvPr id="6146" name="Picture 2">
+            <a:extLst>
+              <a:ext uri="{FF2B5EF4-FFF2-40B4-BE49-F238E27FC236}">
+                <a16:creationId xmlns:a16="http://schemas.microsoft.com/office/drawing/2014/main" id="{973D916D-5645-944B-807B-3C27E0BCDE2D}"/>
+              </a:ext>
+            </a:extLst>
+          </p:cNvPr>
+          <p:cNvPicPr>
+            <a:picLocks noChangeAspect="1" noChangeArrowheads="1"/>
+          </p:cNvPicPr>
+          <p:nvPr/>
+        </p:nvPicPr>
+        <p:blipFill>
+          <a:blip r:embed="rId3">
+            <a:extLst>
+              <a:ext uri="{28A0092B-C50C-407E-A947-70E740481C1C}">
+                <a14:useLocalDpi xmlns:a14="http://schemas.microsoft.com/office/drawing/2010/main" val="0"/>
+              </a:ext>
+            </a:extLst>
+          </a:blip>
+          <a:srcRect/>
+          <a:stretch>
+            <a:fillRect/>
+          </a:stretch>
+        </p:blipFill>
+        <p:spPr bwMode="auto">
+          <a:xfrm>
+            <a:off x="8219966" y="1948136"/>
+            <a:ext cx="2184400" cy="2730500"/>
+          </a:xfrm>
+          <a:prstGeom prst="rect">
+            <a:avLst/>
+          </a:prstGeom>
+          <a:noFill/>
+          <a:extLst>
+            <a:ext uri="{909E8E84-426E-40DD-AFC4-6F175D3DCCD1}">
+              <a14:hiddenFill xmlns:a14="http://schemas.microsoft.com/office/drawing/2010/main">
+                <a:solidFill>
+                  <a:srgbClr val="FFFFFF"/>
+                </a:solidFill>
+              </a14:hiddenFill>
+            </a:ext>
+          </a:extLst>
+        </p:spPr>
+      </p:pic>
+    </p:spTree>
+    <p:extLst>
+      <p:ext uri="{BB962C8B-B14F-4D97-AF65-F5344CB8AC3E}">
+        <p14:creationId xmlns:p14="http://schemas.microsoft.com/office/powerpoint/2010/main" val="2686131557"/>
+      </p:ext>
+    </p:extLst>
+  </p:cSld>
+  <p:clrMapOvr>
+    <a:masterClrMapping/>
+  </p:clrMapOvr>
+</p:sld>
+</file>
+
+<file path=ppt/slides/slide16.xml><?xml version="1.0" encoding="utf-8"?>
+<p:sld xmlns:a="http://schemas.openxmlformats.org/drawingml/2006/main" xmlns:r="http://schemas.openxmlformats.org/officeDocument/2006/relationships" xmlns:p="http://schemas.openxmlformats.org/presentationml/2006/main">
+  <p:cSld>
+    <p:spTree>
+      <p:nvGrpSpPr>
+        <p:cNvPr id="1" name=""/>
+        <p:cNvGrpSpPr/>
+        <p:nvPr/>
+      </p:nvGrpSpPr>
+      <p:grpSpPr>
+        <a:xfrm>
+          <a:off x="0" y="0"/>
+          <a:ext cx="0" cy="0"/>
+          <a:chOff x="0" y="0"/>
+          <a:chExt cx="0" cy="0"/>
+        </a:xfrm>
+      </p:grpSpPr>
+      <p:sp>
+        <p:nvSpPr>
+          <p:cNvPr id="2" name="Title 1">
+            <a:extLst>
+              <a:ext uri="{FF2B5EF4-FFF2-40B4-BE49-F238E27FC236}">
+                <a16:creationId xmlns:a16="http://schemas.microsoft.com/office/drawing/2014/main" id="{F4D605B8-B9FD-D04F-83D0-23EE0D71DE10}"/>
+              </a:ext>
+            </a:extLst>
+          </p:cNvPr>
+          <p:cNvSpPr>
+            <a:spLocks noGrp="1"/>
+          </p:cNvSpPr>
+          <p:nvPr>
+            <p:ph type="title"/>
+          </p:nvPr>
+        </p:nvSpPr>
+        <p:spPr/>
+        <p:txBody>
+          <a:bodyPr/>
+          <a:lstStyle/>
+          <a:p>
+            <a:r>
+              <a:rPr lang="en-US" dirty="0" err="1"/>
+              <a:t>BuildPacks</a:t>
+            </a:r>
+            <a:r>
+              <a:rPr lang="en-US" dirty="0"/>
+              <a:t> </a:t>
+            </a:r>
+          </a:p>
+        </p:txBody>
+      </p:sp>
+      <p:sp>
+        <p:nvSpPr>
+          <p:cNvPr id="3" name="Text Placeholder 2">
+            <a:extLst>
+              <a:ext uri="{FF2B5EF4-FFF2-40B4-BE49-F238E27FC236}">
+                <a16:creationId xmlns:a16="http://schemas.microsoft.com/office/drawing/2014/main" id="{0601C5F7-7F4A-4A4E-ACDE-D8BDCE1BC2B8}"/>
+              </a:ext>
+            </a:extLst>
+          </p:cNvPr>
+          <p:cNvSpPr>
+            <a:spLocks noGrp="1"/>
+          </p:cNvSpPr>
+          <p:nvPr>
+            <p:ph type="body" idx="1"/>
+          </p:nvPr>
+        </p:nvSpPr>
+        <p:spPr>
+          <a:xfrm>
+            <a:off x="838200" y="1328846"/>
+            <a:ext cx="6724828" cy="4848117"/>
+          </a:xfrm>
+        </p:spPr>
+        <p:txBody>
+          <a:bodyPr/>
+          <a:lstStyle/>
+          <a:p>
+            <a:r>
+              <a:rPr lang="en-US" dirty="0"/>
+              <a:t>We will be using the </a:t>
+            </a:r>
+            <a:r>
+              <a:rPr lang="en-US" dirty="0" err="1"/>
+              <a:t>buildpacks</a:t>
+            </a:r>
+            <a:r>
+              <a:rPr lang="en-US" dirty="0"/>
+              <a:t> example from </a:t>
+            </a:r>
+            <a:r>
+              <a:rPr lang="en-US" dirty="0" err="1"/>
+              <a:t>tekton</a:t>
+            </a:r>
+            <a:r>
+              <a:rPr lang="en-US" dirty="0"/>
+              <a:t> catalog with slight modification:</a:t>
+            </a:r>
+          </a:p>
+          <a:p>
+            <a:pPr lvl="1"/>
+            <a:r>
+              <a:rPr lang="en-US" dirty="0"/>
+              <a:t>The </a:t>
+            </a:r>
+            <a:r>
+              <a:rPr lang="en-US" dirty="0" err="1"/>
+              <a:t>buildpacks</a:t>
+            </a:r>
+            <a:r>
+              <a:rPr lang="en-US" dirty="0"/>
+              <a:t> task will be replaced with the below:</a:t>
+            </a:r>
+          </a:p>
+          <a:p>
+            <a:pPr lvl="1"/>
+            <a:r>
+              <a:rPr lang="en-US" dirty="0">
+                <a:hlinkClick r:id="rId3"/>
+              </a:rPr>
+              <a:t>https://github.com/buildpacks/tekton-integration/tree/main/task/buildpacks/0.4</a:t>
+            </a:r>
+            <a:endParaRPr lang="en-US" dirty="0"/>
+          </a:p>
+          <a:p>
+            <a:pPr lvl="1"/>
+            <a:r>
+              <a:rPr lang="en-US" dirty="0"/>
+              <a:t>This has the necessary results fields needed by chains to capture the IMAGE_URL and IMAGE_DIGEST</a:t>
+            </a:r>
+          </a:p>
+          <a:p>
+            <a:pPr lvl="1"/>
+            <a:endParaRPr lang="en-US" dirty="0"/>
+          </a:p>
+          <a:p>
+            <a:pPr marL="114300" indent="0">
+              <a:buNone/>
+            </a:pPr>
+            <a:br>
+              <a:rPr lang="en-US" dirty="0"/>
+            </a:br>
+            <a:endParaRPr lang="en-US" dirty="0"/>
+          </a:p>
+        </p:txBody>
+      </p:sp>
+      <p:pic>
+        <p:nvPicPr>
+          <p:cNvPr id="6146" name="Picture 2">
+            <a:extLst>
+              <a:ext uri="{FF2B5EF4-FFF2-40B4-BE49-F238E27FC236}">
+                <a16:creationId xmlns:a16="http://schemas.microsoft.com/office/drawing/2014/main" id="{973D916D-5645-944B-807B-3C27E0BCDE2D}"/>
+              </a:ext>
+            </a:extLst>
+          </p:cNvPr>
+          <p:cNvPicPr>
+            <a:picLocks noChangeAspect="1" noChangeArrowheads="1"/>
+          </p:cNvPicPr>
+          <p:nvPr/>
+        </p:nvPicPr>
+        <p:blipFill>
+          <a:blip r:embed="rId4">
+            <a:extLst>
+              <a:ext uri="{28A0092B-C50C-407E-A947-70E740481C1C}">
+                <a14:useLocalDpi xmlns:a14="http://schemas.microsoft.com/office/drawing/2010/main" val="0"/>
+              </a:ext>
+            </a:extLst>
+          </a:blip>
+          <a:srcRect/>
+          <a:stretch>
+            <a:fillRect/>
+          </a:stretch>
+        </p:blipFill>
+        <p:spPr bwMode="auto">
+          <a:xfrm>
+            <a:off x="8219966" y="1948136"/>
+            <a:ext cx="2184400" cy="2730500"/>
+          </a:xfrm>
+          <a:prstGeom prst="rect">
+            <a:avLst/>
+          </a:prstGeom>
+          <a:noFill/>
+          <a:extLst>
+            <a:ext uri="{909E8E84-426E-40DD-AFC4-6F175D3DCCD1}">
+              <a14:hiddenFill xmlns:a14="http://schemas.microsoft.com/office/drawing/2010/main">
+                <a:solidFill>
+                  <a:srgbClr val="FFFFFF"/>
+                </a:solidFill>
+              </a14:hiddenFill>
+            </a:ext>
+          </a:extLst>
+        </p:spPr>
+      </p:pic>
+    </p:spTree>
+    <p:extLst>
+      <p:ext uri="{BB962C8B-B14F-4D97-AF65-F5344CB8AC3E}">
+        <p14:creationId xmlns:p14="http://schemas.microsoft.com/office/powerpoint/2010/main" val="1640485735"/>
+      </p:ext>
+    </p:extLst>
+  </p:cSld>
+  <p:clrMapOvr>
+    <a:masterClrMapping/>
+  </p:clrMapOvr>
+</p:sld>
+</file>
+
+<file path=ppt/slides/slide2.xml><?xml version="1.0" encoding="utf-8"?>
+<p:sld xmlns:a="http://schemas.openxmlformats.org/drawingml/2006/main" xmlns:r="http://schemas.openxmlformats.org/officeDocument/2006/relationships" xmlns:p="http://schemas.openxmlformats.org/presentationml/2006/main">
+  <p:cSld>
+    <p:spTree>
+      <p:nvGrpSpPr>
+        <p:cNvPr id="1" name="Shape 223"/>
+        <p:cNvGrpSpPr/>
+        <p:nvPr/>
+      </p:nvGrpSpPr>
+      <p:grpSpPr>
+        <a:xfrm>
+          <a:off x="0" y="0"/>
+          <a:ext cx="0" cy="0"/>
+          <a:chOff x="0" y="0"/>
+          <a:chExt cx="0" cy="0"/>
+        </a:xfrm>
+      </p:grpSpPr>
+      <p:sp>
+        <p:nvSpPr>
+          <p:cNvPr id="224" name="Google Shape;224;p33"/>
+          <p:cNvSpPr txBox="1">
+            <a:spLocks noGrp="1"/>
+          </p:cNvSpPr>
+          <p:nvPr>
+            <p:ph type="title"/>
+          </p:nvPr>
+        </p:nvSpPr>
+        <p:spPr>
+          <a:xfrm>
+            <a:off x="838200" y="0"/>
+            <a:ext cx="10515600" cy="1062300"/>
+          </a:xfrm>
+          <a:prstGeom prst="rect">
+            <a:avLst/>
+          </a:prstGeom>
+        </p:spPr>
+        <p:txBody>
+          <a:bodyPr spcFirstLastPara="1" wrap="square" lIns="91425" tIns="45700" rIns="91425" bIns="45700" anchor="ctr" anchorCtr="0">
+            <a:noAutofit/>
+          </a:bodyPr>
+          <a:lstStyle/>
+          <a:p>
+            <a:pPr marL="0" lvl="0" indent="0" algn="l" rtl="0">
+              <a:spcBef>
+                <a:spcPts val="0"/>
+              </a:spcBef>
+              <a:spcAft>
+                <a:spcPts val="0"/>
+              </a:spcAft>
+              <a:buNone/>
+            </a:pPr>
+            <a:r>
+              <a:rPr lang="en-US" dirty="0" err="1"/>
+              <a:t>Tekton</a:t>
+            </a:r>
+            <a:endParaRPr dirty="0"/>
+          </a:p>
+        </p:txBody>
+      </p:sp>
+      <p:sp>
+        <p:nvSpPr>
+          <p:cNvPr id="227" name="Google Shape;227;p33"/>
+          <p:cNvSpPr txBox="1"/>
+          <p:nvPr/>
+        </p:nvSpPr>
+        <p:spPr>
+          <a:xfrm>
+            <a:off x="440444" y="1468625"/>
+            <a:ext cx="3835800" cy="3231624"/>
+          </a:xfrm>
+          <a:prstGeom prst="rect">
+            <a:avLst/>
+          </a:prstGeom>
+          <a:noFill/>
+          <a:ln>
+            <a:noFill/>
+          </a:ln>
+        </p:spPr>
+        <p:txBody>
+          <a:bodyPr spcFirstLastPara="1" wrap="square" lIns="91425" tIns="91425" rIns="91425" bIns="91425" anchor="t" anchorCtr="0">
+            <a:spAutoFit/>
+          </a:bodyPr>
+          <a:lstStyle/>
+          <a:p>
+            <a:pPr marL="88900" lvl="0">
+              <a:buSzPts val="2200"/>
+            </a:pPr>
+            <a:r>
+              <a:rPr lang="en-US" sz="2200" dirty="0" err="1">
+                <a:latin typeface="Open Sans"/>
+                <a:ea typeface="Open Sans"/>
+                <a:cs typeface="Open Sans"/>
+                <a:sym typeface="Open Sans"/>
+              </a:rPr>
+              <a:t>Tekton</a:t>
+            </a:r>
+            <a:r>
+              <a:rPr lang="en-US" sz="2200" dirty="0">
+                <a:latin typeface="Open Sans"/>
+                <a:ea typeface="Open Sans"/>
+                <a:cs typeface="Open Sans"/>
+                <a:sym typeface="Open Sans"/>
+              </a:rPr>
+              <a:t> is a</a:t>
+            </a:r>
+          </a:p>
+          <a:p>
+            <a:pPr marL="88900" lvl="0">
+              <a:buSzPts val="2200"/>
+            </a:pPr>
+            <a:r>
+              <a:rPr lang="en-US" sz="2200" dirty="0">
+                <a:latin typeface="Open Sans"/>
+                <a:ea typeface="Open Sans"/>
+                <a:cs typeface="Open Sans"/>
+                <a:sym typeface="Open Sans"/>
+              </a:rPr>
+              <a:t>open-source framework for creating Cloud Native CI/CD systems, allowing developers to  build, test, and deploy across cloud providers and on-premise systems.</a:t>
+            </a:r>
+          </a:p>
+          <a:p>
+            <a:pPr marL="0" lvl="0" indent="0" algn="l" rtl="0">
+              <a:spcBef>
+                <a:spcPts val="0"/>
+              </a:spcBef>
+              <a:spcAft>
+                <a:spcPts val="0"/>
+              </a:spcAft>
+              <a:buNone/>
+            </a:pPr>
+            <a:endParaRPr sz="2200" dirty="0">
+              <a:latin typeface="Open Sans"/>
+              <a:ea typeface="Open Sans"/>
+              <a:cs typeface="Open Sans"/>
+              <a:sym typeface="Open Sans"/>
+            </a:endParaRPr>
+          </a:p>
+        </p:txBody>
+      </p:sp>
+      <p:pic>
+        <p:nvPicPr>
+          <p:cNvPr id="1026" name="Picture 2">
+            <a:extLst>
+              <a:ext uri="{FF2B5EF4-FFF2-40B4-BE49-F238E27FC236}">
+                <a16:creationId xmlns:a16="http://schemas.microsoft.com/office/drawing/2014/main" id="{607939E6-9B3D-4747-A74B-4F9E8CAF4C1C}"/>
+              </a:ext>
+            </a:extLst>
+          </p:cNvPr>
+          <p:cNvPicPr>
+            <a:picLocks noChangeAspect="1" noChangeArrowheads="1"/>
+          </p:cNvPicPr>
+          <p:nvPr/>
+        </p:nvPicPr>
+        <p:blipFill>
+          <a:blip r:embed="rId3">
+            <a:extLst>
+              <a:ext uri="{28A0092B-C50C-407E-A947-70E740481C1C}">
+                <a14:useLocalDpi xmlns:a14="http://schemas.microsoft.com/office/drawing/2010/main" val="0"/>
+              </a:ext>
+            </a:extLst>
+          </a:blip>
+          <a:srcRect/>
+          <a:stretch>
+            <a:fillRect/>
+          </a:stretch>
+        </p:blipFill>
+        <p:spPr bwMode="auto">
+          <a:xfrm>
+            <a:off x="4495519" y="2048355"/>
+            <a:ext cx="6858281" cy="2198579"/>
+          </a:xfrm>
+          <a:prstGeom prst="rect">
+            <a:avLst/>
+          </a:prstGeom>
+          <a:noFill/>
+          <a:extLst>
+            <a:ext uri="{909E8E84-426E-40DD-AFC4-6F175D3DCCD1}">
+              <a14:hiddenFill xmlns:a14="http://schemas.microsoft.com/office/drawing/2010/main">
+                <a:solidFill>
+                  <a:srgbClr val="FFFFFF"/>
+                </a:solidFill>
+              </a14:hiddenFill>
+            </a:ext>
+          </a:extLst>
+        </p:spPr>
+      </p:pic>
+    </p:spTree>
+  </p:cSld>
+  <p:clrMapOvr>
+    <a:masterClrMapping/>
+  </p:clrMapOvr>
+</p:sld>
+</file>
+
+<file path=ppt/slides/slide3.xml><?xml version="1.0" encoding="utf-8"?>
+<p:sld xmlns:a="http://schemas.openxmlformats.org/drawingml/2006/main" xmlns:r="http://schemas.openxmlformats.org/officeDocument/2006/relationships" xmlns:p="http://schemas.openxmlformats.org/presentationml/2006/main">
+  <p:cSld>
+    <p:spTree>
+      <p:nvGrpSpPr>
+        <p:cNvPr id="1" name="Shape 223"/>
+        <p:cNvGrpSpPr/>
+        <p:nvPr/>
+      </p:nvGrpSpPr>
+      <p:grpSpPr>
+        <a:xfrm>
+          <a:off x="0" y="0"/>
+          <a:ext cx="0" cy="0"/>
+          <a:chOff x="0" y="0"/>
+          <a:chExt cx="0" cy="0"/>
+        </a:xfrm>
+      </p:grpSpPr>
+      <p:sp>
+        <p:nvSpPr>
+          <p:cNvPr id="224" name="Google Shape;224;p33"/>
+          <p:cNvSpPr txBox="1">
+            <a:spLocks noGrp="1"/>
+          </p:cNvSpPr>
+          <p:nvPr>
+            <p:ph type="title"/>
+          </p:nvPr>
+        </p:nvSpPr>
+        <p:spPr>
+          <a:xfrm>
+            <a:off x="838200" y="0"/>
+            <a:ext cx="10515600" cy="1062300"/>
+          </a:xfrm>
+          <a:prstGeom prst="rect">
+            <a:avLst/>
+          </a:prstGeom>
+        </p:spPr>
+        <p:txBody>
+          <a:bodyPr spcFirstLastPara="1" wrap="square" lIns="91425" tIns="45700" rIns="91425" bIns="45700" anchor="ctr" anchorCtr="0">
+            <a:noAutofit/>
+          </a:bodyPr>
+          <a:lstStyle/>
+          <a:p>
+            <a:pPr marL="0" lvl="0" indent="0" algn="l" rtl="0">
+              <a:spcBef>
+                <a:spcPts val="0"/>
+              </a:spcBef>
+              <a:spcAft>
+                <a:spcPts val="0"/>
+              </a:spcAft>
+              <a:buNone/>
+            </a:pPr>
+            <a:r>
+              <a:rPr lang="en-US" dirty="0"/>
+              <a:t>Multi-part</a:t>
+            </a:r>
+            <a:endParaRPr dirty="0"/>
+          </a:p>
+        </p:txBody>
+      </p:sp>
+      <p:sp>
+        <p:nvSpPr>
+          <p:cNvPr id="227" name="Google Shape;227;p33"/>
+          <p:cNvSpPr txBox="1"/>
+          <p:nvPr/>
+        </p:nvSpPr>
+        <p:spPr>
+          <a:xfrm>
+            <a:off x="440444" y="1468625"/>
+            <a:ext cx="3835800" cy="3231624"/>
+          </a:xfrm>
+          <a:prstGeom prst="rect">
+            <a:avLst/>
+          </a:prstGeom>
+          <a:noFill/>
+          <a:ln>
+            <a:noFill/>
+          </a:ln>
+        </p:spPr>
+        <p:txBody>
+          <a:bodyPr spcFirstLastPara="1" wrap="square" lIns="91425" tIns="91425" rIns="91425" bIns="91425" anchor="t" anchorCtr="0">
+            <a:spAutoFit/>
+          </a:bodyPr>
+          <a:lstStyle/>
+          <a:p>
+            <a:pPr marL="88900" lvl="0">
+              <a:buSzPts val="2200"/>
+            </a:pPr>
+            <a:r>
+              <a:rPr lang="en-US" sz="2200" dirty="0" err="1">
+                <a:latin typeface="Open Sans"/>
+                <a:ea typeface="Open Sans"/>
+                <a:cs typeface="Open Sans"/>
+                <a:sym typeface="Open Sans"/>
+              </a:rPr>
+              <a:t>Tekton</a:t>
+            </a:r>
+            <a:r>
+              <a:rPr lang="en-US" sz="2200" dirty="0">
+                <a:latin typeface="Open Sans"/>
+                <a:ea typeface="Open Sans"/>
+                <a:cs typeface="Open Sans"/>
+                <a:sym typeface="Open Sans"/>
+              </a:rPr>
+              <a:t> consists of multiple projects that build on each other.</a:t>
+            </a:r>
+          </a:p>
+          <a:p>
+            <a:pPr marL="431800" lvl="0" indent="-342900">
+              <a:buSzPts val="2200"/>
+              <a:buFont typeface="Arial" panose="020B0604020202020204" pitchFamily="34" charset="0"/>
+              <a:buChar char="•"/>
+            </a:pPr>
+            <a:r>
+              <a:rPr lang="en-US" sz="2200" dirty="0" err="1">
+                <a:latin typeface="Open Sans"/>
+                <a:ea typeface="Open Sans"/>
+                <a:cs typeface="Open Sans"/>
+                <a:sym typeface="Open Sans"/>
+              </a:rPr>
+              <a:t>Tekton</a:t>
+            </a:r>
+            <a:r>
+              <a:rPr lang="en-US" sz="2200" dirty="0">
+                <a:latin typeface="Open Sans"/>
+                <a:ea typeface="Open Sans"/>
+                <a:cs typeface="Open Sans"/>
+                <a:sym typeface="Open Sans"/>
+              </a:rPr>
+              <a:t> Pipelines</a:t>
+            </a:r>
+          </a:p>
+          <a:p>
+            <a:pPr marL="431800" lvl="0" indent="-342900">
+              <a:buSzPts val="2200"/>
+              <a:buFont typeface="Arial" panose="020B0604020202020204" pitchFamily="34" charset="0"/>
+              <a:buChar char="•"/>
+            </a:pPr>
+            <a:r>
+              <a:rPr lang="en-US" sz="2200" dirty="0" err="1">
+                <a:latin typeface="Open Sans"/>
+                <a:ea typeface="Open Sans"/>
+                <a:cs typeface="Open Sans"/>
+                <a:sym typeface="Open Sans"/>
+              </a:rPr>
+              <a:t>Tekton</a:t>
+            </a:r>
+            <a:r>
+              <a:rPr lang="en-US" sz="2200" dirty="0">
+                <a:latin typeface="Open Sans"/>
+                <a:ea typeface="Open Sans"/>
+                <a:cs typeface="Open Sans"/>
+                <a:sym typeface="Open Sans"/>
+              </a:rPr>
+              <a:t> CLI</a:t>
+            </a:r>
+          </a:p>
+          <a:p>
+            <a:pPr marL="431800" indent="-342900">
+              <a:buSzPts val="2200"/>
+              <a:buFont typeface="Arial" panose="020B0604020202020204" pitchFamily="34" charset="0"/>
+              <a:buChar char="•"/>
+            </a:pPr>
+            <a:r>
+              <a:rPr lang="en-US" sz="2200" dirty="0" err="1">
+                <a:latin typeface="Open Sans"/>
+                <a:ea typeface="Open Sans"/>
+                <a:cs typeface="Open Sans"/>
+                <a:sym typeface="Open Sans"/>
+              </a:rPr>
+              <a:t>Tekton</a:t>
+            </a:r>
+            <a:r>
+              <a:rPr lang="en-US" sz="2200" dirty="0">
+                <a:latin typeface="Open Sans"/>
+                <a:ea typeface="Open Sans"/>
+                <a:cs typeface="Open Sans"/>
+                <a:sym typeface="Open Sans"/>
+              </a:rPr>
+              <a:t> Dashboard</a:t>
+            </a:r>
+          </a:p>
+          <a:p>
+            <a:pPr marL="431800" lvl="0" indent="-342900">
+              <a:buSzPts val="2200"/>
+              <a:buFont typeface="Arial" panose="020B0604020202020204" pitchFamily="34" charset="0"/>
+              <a:buChar char="•"/>
+            </a:pPr>
+            <a:r>
+              <a:rPr lang="en-US" sz="2200" dirty="0" err="1">
+                <a:latin typeface="Open Sans"/>
+                <a:ea typeface="Open Sans"/>
+                <a:cs typeface="Open Sans"/>
+                <a:sym typeface="Open Sans"/>
+              </a:rPr>
+              <a:t>Tekton</a:t>
+            </a:r>
+            <a:r>
+              <a:rPr lang="en-US" sz="2200" dirty="0">
+                <a:latin typeface="Open Sans"/>
+                <a:ea typeface="Open Sans"/>
+                <a:cs typeface="Open Sans"/>
+                <a:sym typeface="Open Sans"/>
+              </a:rPr>
+              <a:t> Catalog/Hub</a:t>
+            </a:r>
+          </a:p>
+          <a:p>
+            <a:pPr marL="431800" lvl="0" indent="-342900">
+              <a:buSzPts val="2200"/>
+              <a:buFont typeface="Arial" panose="020B0604020202020204" pitchFamily="34" charset="0"/>
+              <a:buChar char="•"/>
+            </a:pPr>
+            <a:r>
+              <a:rPr lang="en-US" sz="2200" dirty="0" err="1">
+                <a:latin typeface="Open Sans"/>
+                <a:ea typeface="Open Sans"/>
+                <a:cs typeface="Open Sans"/>
+                <a:sym typeface="Open Sans"/>
+              </a:rPr>
+              <a:t>Tekton</a:t>
+            </a:r>
+            <a:r>
+              <a:rPr lang="en-US" sz="2200" dirty="0">
+                <a:latin typeface="Open Sans"/>
+                <a:ea typeface="Open Sans"/>
+                <a:cs typeface="Open Sans"/>
+                <a:sym typeface="Open Sans"/>
+              </a:rPr>
+              <a:t> Chains</a:t>
+            </a:r>
+          </a:p>
+          <a:p>
+            <a:pPr marL="0" lvl="0" indent="0" algn="l" rtl="0">
+              <a:spcBef>
+                <a:spcPts val="0"/>
+              </a:spcBef>
+              <a:spcAft>
+                <a:spcPts val="0"/>
+              </a:spcAft>
+              <a:buNone/>
+            </a:pPr>
+            <a:endParaRPr sz="2200" dirty="0">
+              <a:latin typeface="Open Sans"/>
+              <a:ea typeface="Open Sans"/>
+              <a:cs typeface="Open Sans"/>
+              <a:sym typeface="Open Sans"/>
+            </a:endParaRPr>
+          </a:p>
+        </p:txBody>
+      </p:sp>
+      <p:pic>
+        <p:nvPicPr>
+          <p:cNvPr id="1026" name="Picture 2">
+            <a:extLst>
+              <a:ext uri="{FF2B5EF4-FFF2-40B4-BE49-F238E27FC236}">
+                <a16:creationId xmlns:a16="http://schemas.microsoft.com/office/drawing/2014/main" id="{607939E6-9B3D-4747-A74B-4F9E8CAF4C1C}"/>
+              </a:ext>
+            </a:extLst>
+          </p:cNvPr>
+          <p:cNvPicPr>
+            <a:picLocks noChangeAspect="1" noChangeArrowheads="1"/>
+          </p:cNvPicPr>
+          <p:nvPr/>
+        </p:nvPicPr>
+        <p:blipFill>
+          <a:blip r:embed="rId3">
+            <a:extLst>
+              <a:ext uri="{28A0092B-C50C-407E-A947-70E740481C1C}">
+                <a14:useLocalDpi xmlns:a14="http://schemas.microsoft.com/office/drawing/2010/main" val="0"/>
+              </a:ext>
+            </a:extLst>
+          </a:blip>
+          <a:srcRect/>
+          <a:stretch>
+            <a:fillRect/>
+          </a:stretch>
+        </p:blipFill>
+        <p:spPr bwMode="auto">
+          <a:xfrm>
+            <a:off x="4495519" y="2048355"/>
+            <a:ext cx="6858281" cy="2198579"/>
+          </a:xfrm>
+          <a:prstGeom prst="rect">
+            <a:avLst/>
+          </a:prstGeom>
+          <a:noFill/>
+          <a:extLst>
+            <a:ext uri="{909E8E84-426E-40DD-AFC4-6F175D3DCCD1}">
+              <a14:hiddenFill xmlns:a14="http://schemas.microsoft.com/office/drawing/2010/main">
+                <a:solidFill>
+                  <a:srgbClr val="FFFFFF"/>
+                </a:solidFill>
+              </a14:hiddenFill>
+            </a:ext>
+          </a:extLst>
+        </p:spPr>
+      </p:pic>
+    </p:spTree>
+    <p:extLst>
+      <p:ext uri="{BB962C8B-B14F-4D97-AF65-F5344CB8AC3E}">
+        <p14:creationId xmlns:p14="http://schemas.microsoft.com/office/powerpoint/2010/main" val="1358305879"/>
+      </p:ext>
+    </p:extLst>
+  </p:cSld>
+  <p:clrMapOvr>
+    <a:masterClrMapping/>
+  </p:clrMapOvr>
+</p:sld>
+</file>
+
+<file path=ppt/slides/slide4.xml><?xml version="1.0" encoding="utf-8"?>
+<p:sld xmlns:a="http://schemas.openxmlformats.org/drawingml/2006/main" xmlns:r="http://schemas.openxmlformats.org/officeDocument/2006/relationships" xmlns:p="http://schemas.openxmlformats.org/presentationml/2006/main">
+  <p:cSld>
+    <p:spTree>
+      <p:nvGrpSpPr>
+        <p:cNvPr id="1" name="Shape 223"/>
+        <p:cNvGrpSpPr/>
+        <p:nvPr/>
+      </p:nvGrpSpPr>
+      <p:grpSpPr>
+        <a:xfrm>
+          <a:off x="0" y="0"/>
+          <a:ext cx="0" cy="0"/>
+          <a:chOff x="0" y="0"/>
+          <a:chExt cx="0" cy="0"/>
+        </a:xfrm>
+      </p:grpSpPr>
+      <p:sp>
+        <p:nvSpPr>
+          <p:cNvPr id="224" name="Google Shape;224;p33"/>
+          <p:cNvSpPr txBox="1">
+            <a:spLocks noGrp="1"/>
+          </p:cNvSpPr>
+          <p:nvPr>
+            <p:ph type="title"/>
+          </p:nvPr>
+        </p:nvSpPr>
+        <p:spPr>
+          <a:xfrm>
+            <a:off x="838200" y="0"/>
+            <a:ext cx="10515600" cy="1062300"/>
+          </a:xfrm>
+          <a:prstGeom prst="rect">
+            <a:avLst/>
+          </a:prstGeom>
+        </p:spPr>
+        <p:txBody>
+          <a:bodyPr spcFirstLastPara="1" wrap="square" lIns="91425" tIns="45700" rIns="91425" bIns="45700" anchor="ctr" anchorCtr="0">
+            <a:noAutofit/>
+          </a:bodyPr>
+          <a:lstStyle/>
+          <a:p>
+            <a:pPr marL="0" lvl="0" indent="0" algn="l" rtl="0">
+              <a:spcBef>
+                <a:spcPts val="0"/>
+              </a:spcBef>
+              <a:spcAft>
+                <a:spcPts val="0"/>
+              </a:spcAft>
+              <a:buNone/>
+            </a:pPr>
+            <a:r>
+              <a:rPr lang="en-US" dirty="0"/>
+              <a:t>Task and </a:t>
+            </a:r>
+            <a:r>
+              <a:rPr lang="en-US" dirty="0" err="1"/>
+              <a:t>Taskrun</a:t>
+            </a:r>
+            <a:endParaRPr dirty="0"/>
+          </a:p>
+        </p:txBody>
+      </p:sp>
+      <p:pic>
+        <p:nvPicPr>
+          <p:cNvPr id="3" name="Picture 2">
+            <a:extLst>
+              <a:ext uri="{FF2B5EF4-FFF2-40B4-BE49-F238E27FC236}">
+                <a16:creationId xmlns:a16="http://schemas.microsoft.com/office/drawing/2014/main" id="{71025EB9-1C27-0949-8B52-BAB614F7532A}"/>
+              </a:ext>
+            </a:extLst>
+          </p:cNvPr>
+          <p:cNvPicPr>
+            <a:picLocks noChangeAspect="1"/>
+          </p:cNvPicPr>
+          <p:nvPr/>
+        </p:nvPicPr>
+        <p:blipFill>
+          <a:blip r:embed="rId3"/>
+          <a:stretch>
+            <a:fillRect/>
+          </a:stretch>
+        </p:blipFill>
+        <p:spPr>
+          <a:xfrm>
+            <a:off x="214366" y="1308536"/>
+            <a:ext cx="6001707" cy="4734911"/>
+          </a:xfrm>
+          <a:prstGeom prst="rect">
+            <a:avLst/>
+          </a:prstGeom>
+        </p:spPr>
+      </p:pic>
+      <p:pic>
+        <p:nvPicPr>
+          <p:cNvPr id="4" name="Picture 3">
+            <a:extLst>
+              <a:ext uri="{FF2B5EF4-FFF2-40B4-BE49-F238E27FC236}">
+                <a16:creationId xmlns:a16="http://schemas.microsoft.com/office/drawing/2014/main" id="{D35F829B-FEDE-9D41-BDC8-CA90F31A383E}"/>
+              </a:ext>
+            </a:extLst>
+          </p:cNvPr>
+          <p:cNvPicPr>
+            <a:picLocks noChangeAspect="1"/>
+          </p:cNvPicPr>
+          <p:nvPr/>
+        </p:nvPicPr>
+        <p:blipFill>
+          <a:blip r:embed="rId4"/>
+          <a:stretch>
+            <a:fillRect/>
+          </a:stretch>
+        </p:blipFill>
+        <p:spPr>
+          <a:xfrm>
+            <a:off x="6216072" y="1308535"/>
+            <a:ext cx="4157637" cy="4634309"/>
+          </a:xfrm>
+          <a:prstGeom prst="rect">
+            <a:avLst/>
+          </a:prstGeom>
+        </p:spPr>
+      </p:pic>
+    </p:spTree>
+    <p:extLst>
+      <p:ext uri="{BB962C8B-B14F-4D97-AF65-F5344CB8AC3E}">
+        <p14:creationId xmlns:p14="http://schemas.microsoft.com/office/powerpoint/2010/main" val="4136780560"/>
+      </p:ext>
+    </p:extLst>
+  </p:cSld>
+  <p:clrMapOvr>
+    <a:masterClrMapping/>
+  </p:clrMapOvr>
+</p:sld>
+</file>
+
+<file path=ppt/slides/slide5.xml><?xml version="1.0" encoding="utf-8"?>
+<p:sld xmlns:a="http://schemas.openxmlformats.org/drawingml/2006/main" xmlns:r="http://schemas.openxmlformats.org/officeDocument/2006/relationships" xmlns:p="http://schemas.openxmlformats.org/presentationml/2006/main">
+  <p:cSld>
+    <p:spTree>
+      <p:nvGrpSpPr>
+        <p:cNvPr id="1" name="Shape 223"/>
+        <p:cNvGrpSpPr/>
+        <p:nvPr/>
+      </p:nvGrpSpPr>
+      <p:grpSpPr>
+        <a:xfrm>
+          <a:off x="0" y="0"/>
+          <a:ext cx="0" cy="0"/>
+          <a:chOff x="0" y="0"/>
+          <a:chExt cx="0" cy="0"/>
+        </a:xfrm>
+      </p:grpSpPr>
+      <p:sp>
+        <p:nvSpPr>
+          <p:cNvPr id="224" name="Google Shape;224;p33"/>
+          <p:cNvSpPr txBox="1">
+            <a:spLocks noGrp="1"/>
+          </p:cNvSpPr>
+          <p:nvPr>
+            <p:ph type="title"/>
+          </p:nvPr>
+        </p:nvSpPr>
+        <p:spPr>
+          <a:xfrm>
+            <a:off x="838200" y="0"/>
+            <a:ext cx="10515600" cy="1062300"/>
+          </a:xfrm>
+          <a:prstGeom prst="rect">
+            <a:avLst/>
+          </a:prstGeom>
+        </p:spPr>
+        <p:txBody>
+          <a:bodyPr spcFirstLastPara="1" wrap="square" lIns="91425" tIns="45700" rIns="91425" bIns="45700" anchor="ctr" anchorCtr="0">
+            <a:noAutofit/>
+          </a:bodyPr>
+          <a:lstStyle/>
+          <a:p>
+            <a:pPr marL="0" lvl="0" indent="0" algn="l" rtl="0">
+              <a:spcBef>
+                <a:spcPts val="0"/>
+              </a:spcBef>
+              <a:spcAft>
+                <a:spcPts val="0"/>
+              </a:spcAft>
+              <a:buNone/>
+            </a:pPr>
+            <a:r>
+              <a:rPr lang="en-US" dirty="0"/>
+              <a:t>Pipeline and </a:t>
+            </a:r>
+            <a:r>
+              <a:rPr lang="en-US" dirty="0" err="1"/>
+              <a:t>PipelineRun</a:t>
+            </a:r>
+            <a:endParaRPr dirty="0"/>
+          </a:p>
+        </p:txBody>
+      </p:sp>
+      <p:pic>
+        <p:nvPicPr>
+          <p:cNvPr id="3" name="Picture 2">
+            <a:extLst>
+              <a:ext uri="{FF2B5EF4-FFF2-40B4-BE49-F238E27FC236}">
+                <a16:creationId xmlns:a16="http://schemas.microsoft.com/office/drawing/2014/main" id="{71025EB9-1C27-0949-8B52-BAB614F7532A}"/>
+              </a:ext>
+            </a:extLst>
+          </p:cNvPr>
+          <p:cNvPicPr>
+            <a:picLocks noChangeAspect="1"/>
+          </p:cNvPicPr>
+          <p:nvPr/>
+        </p:nvPicPr>
+        <p:blipFill>
+          <a:blip r:embed="rId3"/>
+          <a:srcRect/>
+          <a:stretch/>
+        </p:blipFill>
+        <p:spPr>
+          <a:xfrm>
+            <a:off x="1124355" y="1258233"/>
+            <a:ext cx="3319880" cy="4734911"/>
+          </a:xfrm>
+          <a:prstGeom prst="rect">
+            <a:avLst/>
+          </a:prstGeom>
+        </p:spPr>
+      </p:pic>
+      <p:pic>
+        <p:nvPicPr>
+          <p:cNvPr id="2" name="Picture 1">
+            <a:extLst>
+              <a:ext uri="{FF2B5EF4-FFF2-40B4-BE49-F238E27FC236}">
+                <a16:creationId xmlns:a16="http://schemas.microsoft.com/office/drawing/2014/main" id="{EEA96C0A-DEA4-474C-9FCF-6022A4043288}"/>
+              </a:ext>
+            </a:extLst>
+          </p:cNvPr>
+          <p:cNvPicPr>
+            <a:picLocks noChangeAspect="1"/>
+          </p:cNvPicPr>
+          <p:nvPr/>
+        </p:nvPicPr>
+        <p:blipFill>
+          <a:blip r:embed="rId4"/>
+          <a:stretch>
+            <a:fillRect/>
+          </a:stretch>
+        </p:blipFill>
+        <p:spPr>
+          <a:xfrm>
+            <a:off x="5314697" y="1805152"/>
+            <a:ext cx="5752948" cy="3492062"/>
+          </a:xfrm>
+          <a:prstGeom prst="rect">
+            <a:avLst/>
+          </a:prstGeom>
+        </p:spPr>
+      </p:pic>
+    </p:spTree>
+    <p:extLst>
+      <p:ext uri="{BB962C8B-B14F-4D97-AF65-F5344CB8AC3E}">
+        <p14:creationId xmlns:p14="http://schemas.microsoft.com/office/powerpoint/2010/main" val="1405448463"/>
+      </p:ext>
+    </p:extLst>
+  </p:cSld>
+  <p:clrMapOvr>
+    <a:masterClrMapping/>
+  </p:clrMapOvr>
+</p:sld>
+</file>
+
+<file path=ppt/slides/slide6.xml><?xml version="1.0" encoding="utf-8"?>
+<p:sld xmlns:a="http://schemas.openxmlformats.org/drawingml/2006/main" xmlns:r="http://schemas.openxmlformats.org/officeDocument/2006/relationships" xmlns:p="http://schemas.openxmlformats.org/presentationml/2006/main">
+  <p:cSld>
+    <p:spTree>
+      <p:nvGrpSpPr>
+        <p:cNvPr id="1" name=""/>
+        <p:cNvGrpSpPr/>
+        <p:nvPr/>
+      </p:nvGrpSpPr>
+      <p:grpSpPr>
+        <a:xfrm>
+          <a:off x="0" y="0"/>
+          <a:ext cx="0" cy="0"/>
+          <a:chOff x="0" y="0"/>
+          <a:chExt cx="0" cy="0"/>
+        </a:xfrm>
+      </p:grpSpPr>
+      <p:sp>
+        <p:nvSpPr>
+          <p:cNvPr id="2" name="Title 1">
+            <a:extLst>
+              <a:ext uri="{FF2B5EF4-FFF2-40B4-BE49-F238E27FC236}">
+                <a16:creationId xmlns:a16="http://schemas.microsoft.com/office/drawing/2014/main" id="{F4D605B8-B9FD-D04F-83D0-23EE0D71DE10}"/>
+              </a:ext>
+            </a:extLst>
+          </p:cNvPr>
+          <p:cNvSpPr>
+            <a:spLocks noGrp="1"/>
+          </p:cNvSpPr>
+          <p:nvPr>
+            <p:ph type="title"/>
+          </p:nvPr>
+        </p:nvSpPr>
+        <p:spPr/>
+        <p:txBody>
+          <a:bodyPr/>
+          <a:lstStyle/>
+          <a:p>
+            <a:r>
+              <a:rPr lang="en-US" dirty="0" err="1"/>
+              <a:t>Tekton</a:t>
+            </a:r>
+            <a:r>
+              <a:rPr lang="en-US" dirty="0"/>
+              <a:t> Catalog/Hub </a:t>
+            </a:r>
+          </a:p>
+        </p:txBody>
+      </p:sp>
+      <p:sp>
+        <p:nvSpPr>
+          <p:cNvPr id="3" name="Text Placeholder 2">
+            <a:extLst>
+              <a:ext uri="{FF2B5EF4-FFF2-40B4-BE49-F238E27FC236}">
+                <a16:creationId xmlns:a16="http://schemas.microsoft.com/office/drawing/2014/main" id="{0601C5F7-7F4A-4A4E-ACDE-D8BDCE1BC2B8}"/>
+              </a:ext>
+            </a:extLst>
+          </p:cNvPr>
+          <p:cNvSpPr>
+            <a:spLocks noGrp="1"/>
+          </p:cNvSpPr>
+          <p:nvPr>
+            <p:ph type="body" idx="1"/>
+          </p:nvPr>
+        </p:nvSpPr>
+        <p:spPr>
+          <a:xfrm>
+            <a:off x="-8546" y="1320299"/>
+            <a:ext cx="6724828" cy="4848117"/>
+          </a:xfrm>
+        </p:spPr>
+        <p:txBody>
+          <a:bodyPr/>
+          <a:lstStyle/>
+          <a:p>
+            <a:r>
+              <a:rPr lang="en-US" dirty="0" err="1"/>
+              <a:t>Tekton</a:t>
+            </a:r>
+            <a:r>
+              <a:rPr lang="en-US" dirty="0"/>
+              <a:t> Catalog/Hub allows users to discover, search and share Tasks and pipelines that have been created.</a:t>
+            </a:r>
+          </a:p>
+          <a:p>
+            <a:r>
+              <a:rPr lang="en-US" dirty="0"/>
+              <a:t>Great starting place for new users to start using tasks, modifying existing to fit their needs or creating their own from examples.</a:t>
+            </a:r>
+          </a:p>
+          <a:p>
+            <a:r>
+              <a:rPr lang="en-US" dirty="0"/>
+              <a:t>We will use the </a:t>
+            </a:r>
+            <a:r>
+              <a:rPr lang="en-US" dirty="0" err="1"/>
+              <a:t>buildpacks</a:t>
+            </a:r>
+            <a:r>
+              <a:rPr lang="en-US" dirty="0"/>
+              <a:t> pipeline from the catalog for the demo.</a:t>
+            </a:r>
+          </a:p>
+          <a:p>
+            <a:pPr marL="114300" indent="0">
+              <a:buNone/>
+            </a:pPr>
+            <a:br>
+              <a:rPr lang="en-US" dirty="0"/>
+            </a:br>
+            <a:endParaRPr lang="en-US" dirty="0"/>
+          </a:p>
+        </p:txBody>
+      </p:sp>
+      <p:pic>
+        <p:nvPicPr>
+          <p:cNvPr id="4" name="Picture 3">
+            <a:extLst>
+              <a:ext uri="{FF2B5EF4-FFF2-40B4-BE49-F238E27FC236}">
+                <a16:creationId xmlns:a16="http://schemas.microsoft.com/office/drawing/2014/main" id="{CC65E632-9291-8C41-8A81-9B4BEA8FB522}"/>
+              </a:ext>
+            </a:extLst>
+          </p:cNvPr>
+          <p:cNvPicPr>
+            <a:picLocks noChangeAspect="1"/>
+          </p:cNvPicPr>
+          <p:nvPr/>
+        </p:nvPicPr>
+        <p:blipFill>
+          <a:blip r:embed="rId3"/>
+          <a:stretch>
+            <a:fillRect/>
+          </a:stretch>
+        </p:blipFill>
+        <p:spPr>
+          <a:xfrm>
+            <a:off x="6956682" y="1328846"/>
+            <a:ext cx="5117457" cy="4848117"/>
+          </a:xfrm>
+          <a:prstGeom prst="rect">
+            <a:avLst/>
+          </a:prstGeom>
+        </p:spPr>
+      </p:pic>
+    </p:spTree>
+    <p:extLst>
+      <p:ext uri="{BB962C8B-B14F-4D97-AF65-F5344CB8AC3E}">
+        <p14:creationId xmlns:p14="http://schemas.microsoft.com/office/powerpoint/2010/main" val="1928146205"/>
+      </p:ext>
+    </p:extLst>
+  </p:cSld>
+  <p:clrMapOvr>
+    <a:masterClrMapping/>
+  </p:clrMapOvr>
+</p:sld>
+</file>
+
+<file path=ppt/slides/slide7.xml><?xml version="1.0" encoding="utf-8"?>
+<p:sld xmlns:a="http://schemas.openxmlformats.org/drawingml/2006/main" xmlns:r="http://schemas.openxmlformats.org/officeDocument/2006/relationships" xmlns:p="http://schemas.openxmlformats.org/presentationml/2006/main">
+  <p:cSld>
+    <p:spTree>
+      <p:nvGrpSpPr>
+        <p:cNvPr id="1" name=""/>
+        <p:cNvGrpSpPr/>
+        <p:nvPr/>
+      </p:nvGrpSpPr>
+      <p:grpSpPr>
+        <a:xfrm>
+          <a:off x="0" y="0"/>
+          <a:ext cx="0" cy="0"/>
+          <a:chOff x="0" y="0"/>
+          <a:chExt cx="0" cy="0"/>
+        </a:xfrm>
+      </p:grpSpPr>
+      <p:sp>
+        <p:nvSpPr>
+          <p:cNvPr id="2" name="Title 1">
+            <a:extLst>
+              <a:ext uri="{FF2B5EF4-FFF2-40B4-BE49-F238E27FC236}">
+                <a16:creationId xmlns:a16="http://schemas.microsoft.com/office/drawing/2014/main" id="{F4D605B8-B9FD-D04F-83D0-23EE0D71DE10}"/>
+              </a:ext>
+            </a:extLst>
+          </p:cNvPr>
+          <p:cNvSpPr>
+            <a:spLocks noGrp="1"/>
+          </p:cNvSpPr>
+          <p:nvPr>
+            <p:ph type="title"/>
+          </p:nvPr>
+        </p:nvSpPr>
+        <p:spPr/>
+        <p:txBody>
+          <a:bodyPr/>
+          <a:lstStyle/>
+          <a:p>
+            <a:r>
+              <a:rPr lang="en-US" dirty="0" err="1"/>
+              <a:t>Tekton</a:t>
+            </a:r>
+            <a:r>
+              <a:rPr lang="en-US" dirty="0"/>
+              <a:t> Dashboard</a:t>
+            </a:r>
+          </a:p>
+        </p:txBody>
+      </p:sp>
+      <p:sp>
+        <p:nvSpPr>
+          <p:cNvPr id="3" name="Text Placeholder 2">
+            <a:extLst>
+              <a:ext uri="{FF2B5EF4-FFF2-40B4-BE49-F238E27FC236}">
+                <a16:creationId xmlns:a16="http://schemas.microsoft.com/office/drawing/2014/main" id="{0601C5F7-7F4A-4A4E-ACDE-D8BDCE1BC2B8}"/>
+              </a:ext>
+            </a:extLst>
+          </p:cNvPr>
+          <p:cNvSpPr>
+            <a:spLocks noGrp="1"/>
+          </p:cNvSpPr>
+          <p:nvPr>
+            <p:ph type="body" idx="1"/>
+          </p:nvPr>
+        </p:nvSpPr>
+        <p:spPr>
+          <a:xfrm>
+            <a:off x="0" y="1286116"/>
+            <a:ext cx="6724828" cy="4848117"/>
+          </a:xfrm>
+        </p:spPr>
+        <p:txBody>
+          <a:bodyPr/>
+          <a:lstStyle/>
+          <a:p>
+            <a:r>
+              <a:rPr lang="en-US" dirty="0" err="1"/>
+              <a:t>Tekton</a:t>
+            </a:r>
+            <a:r>
+              <a:rPr lang="en-US" dirty="0"/>
+              <a:t> Dashboard, as a general-purpose, web-based UI for </a:t>
+            </a:r>
+            <a:r>
+              <a:rPr lang="en-US" dirty="0" err="1"/>
+              <a:t>Tekton</a:t>
+            </a:r>
+            <a:r>
+              <a:rPr lang="en-US" dirty="0"/>
+              <a:t> Pipelines, which allows developers to: </a:t>
+            </a:r>
+          </a:p>
+          <a:p>
+            <a:pPr lvl="1"/>
+            <a:r>
+              <a:rPr lang="en-US" dirty="0"/>
+              <a:t>View and manage </a:t>
+            </a:r>
+            <a:r>
+              <a:rPr lang="en-US" dirty="0" err="1"/>
+              <a:t>taskRuns</a:t>
+            </a:r>
+            <a:r>
+              <a:rPr lang="en-US" dirty="0"/>
+              <a:t> and </a:t>
+            </a:r>
+            <a:r>
+              <a:rPr lang="en-US" dirty="0" err="1"/>
+              <a:t>pipelineRuns</a:t>
+            </a:r>
+            <a:endParaRPr lang="en-US" dirty="0"/>
+          </a:p>
+          <a:p>
+            <a:pPr lvl="1"/>
+            <a:r>
+              <a:rPr lang="en-US" dirty="0"/>
+              <a:t>View and manage resources associated with </a:t>
+            </a:r>
+            <a:r>
+              <a:rPr lang="en-US" dirty="0" err="1"/>
+              <a:t>taskRuns</a:t>
+            </a:r>
+            <a:r>
+              <a:rPr lang="en-US" dirty="0"/>
+              <a:t> and </a:t>
+            </a:r>
+            <a:r>
+              <a:rPr lang="en-US" dirty="0" err="1"/>
+              <a:t>pipelineRuns</a:t>
+            </a:r>
+            <a:r>
+              <a:rPr lang="en-US" dirty="0"/>
+              <a:t> in their creation, execution, and completion</a:t>
+            </a:r>
+            <a:br>
+              <a:rPr lang="en-US" dirty="0"/>
+            </a:br>
+            <a:br>
+              <a:rPr lang="en-US" dirty="0"/>
+            </a:br>
+            <a:endParaRPr lang="en-US" dirty="0"/>
+          </a:p>
+        </p:txBody>
+      </p:sp>
+      <p:pic>
+        <p:nvPicPr>
+          <p:cNvPr id="5" name="Picture 4">
+            <a:extLst>
+              <a:ext uri="{FF2B5EF4-FFF2-40B4-BE49-F238E27FC236}">
+                <a16:creationId xmlns:a16="http://schemas.microsoft.com/office/drawing/2014/main" id="{E0CC49EC-7444-4842-9EB8-FB78B393F4CD}"/>
+              </a:ext>
+            </a:extLst>
+          </p:cNvPr>
+          <p:cNvPicPr>
+            <a:picLocks noChangeAspect="1"/>
+          </p:cNvPicPr>
+          <p:nvPr/>
+        </p:nvPicPr>
+        <p:blipFill>
+          <a:blip r:embed="rId3"/>
+          <a:stretch>
+            <a:fillRect/>
+          </a:stretch>
+        </p:blipFill>
+        <p:spPr>
+          <a:xfrm>
+            <a:off x="6621182" y="1469877"/>
+            <a:ext cx="5454595" cy="3730239"/>
+          </a:xfrm>
+          <a:prstGeom prst="rect">
+            <a:avLst/>
+          </a:prstGeom>
+        </p:spPr>
+      </p:pic>
+    </p:spTree>
+    <p:extLst>
+      <p:ext uri="{BB962C8B-B14F-4D97-AF65-F5344CB8AC3E}">
+        <p14:creationId xmlns:p14="http://schemas.microsoft.com/office/powerpoint/2010/main" val="902330513"/>
+      </p:ext>
+    </p:extLst>
+  </p:cSld>
+  <p:clrMapOvr>
+    <a:masterClrMapping/>
+  </p:clrMapOvr>
+</p:sld>
+</file>
+
+<file path=ppt/slides/slide8.xml><?xml version="1.0" encoding="utf-8"?>
+<p:sld xmlns:a="http://schemas.openxmlformats.org/drawingml/2006/main" xmlns:r="http://schemas.openxmlformats.org/officeDocument/2006/relationships" xmlns:p="http://schemas.openxmlformats.org/presentationml/2006/main">
+  <p:cSld>
+    <p:spTree>
+      <p:nvGrpSpPr>
+        <p:cNvPr id="1" name=""/>
+        <p:cNvGrpSpPr/>
+        <p:nvPr/>
+      </p:nvGrpSpPr>
+      <p:grpSpPr>
+        <a:xfrm>
+          <a:off x="0" y="0"/>
+          <a:ext cx="0" cy="0"/>
+          <a:chOff x="0" y="0"/>
+          <a:chExt cx="0" cy="0"/>
+        </a:xfrm>
+      </p:grpSpPr>
+      <p:sp>
+        <p:nvSpPr>
+          <p:cNvPr id="2" name="Title 1">
+            <a:extLst>
+              <a:ext uri="{FF2B5EF4-FFF2-40B4-BE49-F238E27FC236}">
+                <a16:creationId xmlns:a16="http://schemas.microsoft.com/office/drawing/2014/main" id="{F4D605B8-B9FD-D04F-83D0-23EE0D71DE10}"/>
+              </a:ext>
+            </a:extLst>
+          </p:cNvPr>
+          <p:cNvSpPr>
+            <a:spLocks noGrp="1"/>
+          </p:cNvSpPr>
+          <p:nvPr>
+            <p:ph type="title"/>
+          </p:nvPr>
+        </p:nvSpPr>
+        <p:spPr/>
+        <p:txBody>
+          <a:bodyPr/>
+          <a:lstStyle/>
+          <a:p>
+            <a:r>
+              <a:rPr lang="en-US" dirty="0" err="1"/>
+              <a:t>Tekton</a:t>
+            </a:r>
+            <a:r>
+              <a:rPr lang="en-US" dirty="0"/>
+              <a:t> Chains</a:t>
+            </a:r>
+          </a:p>
+        </p:txBody>
+      </p:sp>
+      <p:sp>
+        <p:nvSpPr>
+          <p:cNvPr id="3" name="Text Placeholder 2">
+            <a:extLst>
+              <a:ext uri="{FF2B5EF4-FFF2-40B4-BE49-F238E27FC236}">
+                <a16:creationId xmlns:a16="http://schemas.microsoft.com/office/drawing/2014/main" id="{0601C5F7-7F4A-4A4E-ACDE-D8BDCE1BC2B8}"/>
+              </a:ext>
+            </a:extLst>
+          </p:cNvPr>
+          <p:cNvSpPr>
+            <a:spLocks noGrp="1"/>
+          </p:cNvSpPr>
+          <p:nvPr>
+            <p:ph type="body" idx="1"/>
+          </p:nvPr>
+        </p:nvSpPr>
+        <p:spPr>
+          <a:xfrm>
+            <a:off x="838200" y="1328846"/>
+            <a:ext cx="6724828" cy="4848117"/>
+          </a:xfrm>
+        </p:spPr>
+        <p:txBody>
+          <a:bodyPr/>
+          <a:lstStyle/>
+          <a:p>
+            <a:r>
+              <a:rPr lang="en-US" dirty="0"/>
+              <a:t>Observing all </a:t>
+            </a:r>
+            <a:r>
+              <a:rPr lang="en-US" dirty="0" err="1"/>
+              <a:t>TaskRuns</a:t>
+            </a:r>
+            <a:r>
+              <a:rPr lang="en-US" dirty="0"/>
+              <a:t> executions in your cluster. </a:t>
+            </a:r>
+          </a:p>
+          <a:p>
+            <a:r>
+              <a:rPr lang="en-US" dirty="0"/>
+              <a:t>Current features include:</a:t>
+            </a:r>
+          </a:p>
+          <a:p>
+            <a:pPr lvl="1"/>
+            <a:r>
+              <a:rPr lang="en-US" dirty="0"/>
+              <a:t>Signing </a:t>
+            </a:r>
+            <a:r>
+              <a:rPr lang="en-US" dirty="0" err="1"/>
+              <a:t>TaskRun</a:t>
+            </a:r>
+            <a:r>
+              <a:rPr lang="en-US" dirty="0"/>
+              <a:t> results with user provided cryptographic keys, including </a:t>
+            </a:r>
+            <a:r>
+              <a:rPr lang="en-US" dirty="0" err="1"/>
+              <a:t>TaskRuns</a:t>
+            </a:r>
+            <a:r>
+              <a:rPr lang="en-US" dirty="0"/>
+              <a:t> themselves and OCI Images</a:t>
+            </a:r>
+          </a:p>
+          <a:p>
+            <a:pPr lvl="1"/>
+            <a:r>
+              <a:rPr lang="en-US" dirty="0"/>
+              <a:t>Attestation formats like SLSA</a:t>
+            </a:r>
+          </a:p>
+          <a:p>
+            <a:pPr lvl="1"/>
+            <a:r>
+              <a:rPr lang="en-US" dirty="0"/>
+              <a:t>Signing with a variety of </a:t>
+            </a:r>
+            <a:r>
+              <a:rPr lang="en-US" dirty="0" err="1"/>
+              <a:t>cryptograhic</a:t>
+            </a:r>
+            <a:r>
+              <a:rPr lang="en-US" dirty="0"/>
+              <a:t> key types and services (x509, KMS)</a:t>
+            </a:r>
+          </a:p>
+          <a:p>
+            <a:pPr lvl="1"/>
+            <a:r>
+              <a:rPr lang="en-US" dirty="0"/>
+              <a:t>Support for multiple storage backends for signatures</a:t>
+            </a:r>
+          </a:p>
+          <a:p>
+            <a:r>
+              <a:rPr lang="en-US" dirty="0"/>
+              <a:t>Future Releases:</a:t>
+            </a:r>
+          </a:p>
+          <a:p>
+            <a:pPr lvl="1"/>
+            <a:r>
+              <a:rPr lang="en-US" dirty="0"/>
+              <a:t>Integration with SPIFFE SPIRE for non-falsifiable provenance</a:t>
+            </a:r>
+          </a:p>
+          <a:p>
+            <a:pPr marL="114300" indent="0">
+              <a:buNone/>
+            </a:pPr>
+            <a:endParaRPr lang="en-US" dirty="0"/>
+          </a:p>
+          <a:p>
+            <a:pPr marL="114300" indent="0">
+              <a:buNone/>
+            </a:pPr>
+            <a:br>
+              <a:rPr lang="en-US" dirty="0"/>
+            </a:br>
+            <a:endParaRPr lang="en-US" dirty="0"/>
+          </a:p>
+        </p:txBody>
+      </p:sp>
+      <p:pic>
+        <p:nvPicPr>
+          <p:cNvPr id="6146" name="Picture 2">
+            <a:extLst>
+              <a:ext uri="{FF2B5EF4-FFF2-40B4-BE49-F238E27FC236}">
+                <a16:creationId xmlns:a16="http://schemas.microsoft.com/office/drawing/2014/main" id="{973D916D-5645-944B-807B-3C27E0BCDE2D}"/>
+              </a:ext>
+            </a:extLst>
+          </p:cNvPr>
+          <p:cNvPicPr>
+            <a:picLocks noChangeAspect="1" noChangeArrowheads="1"/>
+          </p:cNvPicPr>
+          <p:nvPr/>
+        </p:nvPicPr>
+        <p:blipFill>
+          <a:blip r:embed="rId2">
+            <a:extLst>
+              <a:ext uri="{28A0092B-C50C-407E-A947-70E740481C1C}">
+                <a14:useLocalDpi xmlns:a14="http://schemas.microsoft.com/office/drawing/2010/main" val="0"/>
+              </a:ext>
+            </a:extLst>
+          </a:blip>
+          <a:srcRect/>
+          <a:stretch>
+            <a:fillRect/>
+          </a:stretch>
+        </p:blipFill>
+        <p:spPr bwMode="auto">
+          <a:xfrm>
+            <a:off x="8219966" y="1948136"/>
+            <a:ext cx="2184400" cy="2730500"/>
+          </a:xfrm>
+          <a:prstGeom prst="rect">
+            <a:avLst/>
+          </a:prstGeom>
+          <a:noFill/>
+          <a:extLst>
+            <a:ext uri="{909E8E84-426E-40DD-AFC4-6F175D3DCCD1}">
+              <a14:hiddenFill xmlns:a14="http://schemas.microsoft.com/office/drawing/2010/main">
+                <a:solidFill>
+                  <a:srgbClr val="FFFFFF"/>
+                </a:solidFill>
+              </a14:hiddenFill>
+            </a:ext>
+          </a:extLst>
+        </p:spPr>
+      </p:pic>
+    </p:spTree>
+    <p:extLst>
+      <p:ext uri="{BB962C8B-B14F-4D97-AF65-F5344CB8AC3E}">
+        <p14:creationId xmlns:p14="http://schemas.microsoft.com/office/powerpoint/2010/main" val="3257645524"/>
+      </p:ext>
+    </p:extLst>
+  </p:cSld>
+  <p:clrMapOvr>
+    <a:masterClrMapping/>
+  </p:clrMapOvr>
+</p:sld>
+</file>
+
+<file path=ppt/slides/slide9.xml><?xml version="1.0" encoding="utf-8"?>
 <p:sld xmlns:a="http://schemas.openxmlformats.org/drawingml/2006/main" xmlns:r="http://schemas.openxmlformats.org/officeDocument/2006/relationships" xmlns:p="http://schemas.openxmlformats.org/presentationml/2006/main">
   <p:cSld>
     <p:spTree>
@@ -16159,3250 +18953,6 @@
 </p:sld>
 </file>
 
-<file path=ppt/slides/slide11.xml><?xml version="1.0" encoding="utf-8"?>
-<p:sld xmlns:a="http://schemas.openxmlformats.org/drawingml/2006/main" xmlns:r="http://schemas.openxmlformats.org/officeDocument/2006/relationships" xmlns:p="http://schemas.openxmlformats.org/presentationml/2006/main">
-  <p:cSld>
-    <p:spTree>
-      <p:nvGrpSpPr>
-        <p:cNvPr id="1" name=""/>
-        <p:cNvGrpSpPr/>
-        <p:nvPr/>
-      </p:nvGrpSpPr>
-      <p:grpSpPr>
-        <a:xfrm>
-          <a:off x="0" y="0"/>
-          <a:ext cx="0" cy="0"/>
-          <a:chOff x="0" y="0"/>
-          <a:chExt cx="0" cy="0"/>
-        </a:xfrm>
-      </p:grpSpPr>
-      <p:sp>
-        <p:nvSpPr>
-          <p:cNvPr id="2" name="Title 1">
-            <a:extLst>
-              <a:ext uri="{FF2B5EF4-FFF2-40B4-BE49-F238E27FC236}">
-                <a16:creationId xmlns:a16="http://schemas.microsoft.com/office/drawing/2014/main" id="{9F525ED9-DBBB-1B44-9DA1-6F33B70B5622}"/>
-              </a:ext>
-            </a:extLst>
-          </p:cNvPr>
-          <p:cNvSpPr>
-            <a:spLocks noGrp="1"/>
-          </p:cNvSpPr>
-          <p:nvPr>
-            <p:ph type="title"/>
-          </p:nvPr>
-        </p:nvSpPr>
-        <p:spPr/>
-        <p:txBody>
-          <a:bodyPr/>
-          <a:lstStyle/>
-          <a:p>
-            <a:r>
-              <a:rPr lang="en-US" dirty="0"/>
-              <a:t>SLSA Provenance	</a:t>
-            </a:r>
-          </a:p>
-        </p:txBody>
-      </p:sp>
-      <p:sp>
-        <p:nvSpPr>
-          <p:cNvPr id="8" name="Rectangle 2">
-            <a:extLst>
-              <a:ext uri="{FF2B5EF4-FFF2-40B4-BE49-F238E27FC236}">
-                <a16:creationId xmlns:a16="http://schemas.microsoft.com/office/drawing/2014/main" id="{2FEC06A2-8D22-1B41-B655-C09C6558E098}"/>
-              </a:ext>
-            </a:extLst>
-          </p:cNvPr>
-          <p:cNvSpPr>
-            <a:spLocks noChangeArrowheads="1"/>
-          </p:cNvSpPr>
-          <p:nvPr/>
-        </p:nvSpPr>
-        <p:spPr bwMode="auto">
-          <a:xfrm>
-            <a:off x="838200" y="2400300"/>
-            <a:ext cx="12192000" cy="0"/>
-          </a:xfrm>
-          <a:prstGeom prst="rect">
-            <a:avLst/>
-          </a:prstGeom>
-          <a:noFill/>
-          <a:ln>
-            <a:noFill/>
-          </a:ln>
-          <a:effectLst/>
-          <a:extLst>
-            <a:ext uri="{909E8E84-426E-40DD-AFC4-6F175D3DCCD1}">
-              <a14:hiddenFill xmlns:a14="http://schemas.microsoft.com/office/drawing/2010/main">
-                <a:solidFill>
-                  <a:schemeClr val="accent1"/>
-                </a:solidFill>
-              </a14:hiddenFill>
-            </a:ext>
-            <a:ext uri="{91240B29-F687-4F45-9708-019B960494DF}">
-              <a14:hiddenLine xmlns:a14="http://schemas.microsoft.com/office/drawing/2010/main" w="9525">
-                <a:solidFill>
-                  <a:schemeClr val="tx1"/>
-                </a:solidFill>
-                <a:miter lim="800000"/>
-                <a:headEnd/>
-                <a:tailEnd/>
-              </a14:hiddenLine>
-            </a:ext>
-            <a:ext uri="{AF507438-7753-43E0-B8FC-AC1667EBCBE1}">
-              <a14:hiddenEffects xmlns:a14="http://schemas.microsoft.com/office/drawing/2010/main">
-                <a:effectLst>
-                  <a:outerShdw dist="35921" dir="2700000" algn="ctr" rotWithShape="0">
-                    <a:schemeClr val="bg2"/>
-                  </a:outerShdw>
-                </a:effectLst>
-              </a14:hiddenEffects>
-            </a:ext>
-          </a:extLst>
-        </p:spPr>
-        <p:txBody>
-          <a:bodyPr vert="horz" wrap="none" lIns="91440" tIns="45720" rIns="91440" bIns="45720" numCol="1" anchor="ctr" anchorCtr="0" compatLnSpc="1">
-            <a:prstTxWarp prst="textNoShape">
-              <a:avLst/>
-            </a:prstTxWarp>
-            <a:spAutoFit/>
-          </a:bodyPr>
-          <a:lstStyle/>
-          <a:p>
-            <a:pPr marL="0" marR="0" lvl="0" indent="0" algn="l" defTabSz="914400" rtl="0" eaLnBrk="0" fontAlgn="base" latinLnBrk="0" hangingPunct="0">
-              <a:lnSpc>
-                <a:spcPct val="100000"/>
-              </a:lnSpc>
-              <a:spcBef>
-                <a:spcPct val="0"/>
-              </a:spcBef>
-              <a:spcAft>
-                <a:spcPct val="0"/>
-              </a:spcAft>
-              <a:buClrTx/>
-              <a:buSzTx/>
-              <a:buFontTx/>
-              <a:buNone/>
-              <a:tabLst/>
-            </a:pPr>
-            <a:br>
-              <a:rPr kumimoji="0" lang="en-US" altLang="en-US" sz="1800" b="0" i="0" u="none" strike="noStrike" cap="none" normalizeH="0" baseline="0">
-                <a:ln>
-                  <a:noFill/>
-                </a:ln>
-                <a:solidFill>
-                  <a:schemeClr val="tx1"/>
-                </a:solidFill>
-                <a:effectLst/>
-                <a:latin typeface="Arial" panose="020B0604020202020204" pitchFamily="34" charset="0"/>
-              </a:rPr>
-            </a:br>
-            <a:endParaRPr kumimoji="0" lang="en-US" altLang="en-US" sz="1800" b="0" i="0" u="none" strike="noStrike" cap="none" normalizeH="0" baseline="0">
-              <a:ln>
-                <a:noFill/>
-              </a:ln>
-              <a:solidFill>
-                <a:schemeClr val="tx1"/>
-              </a:solidFill>
-              <a:effectLst/>
-              <a:latin typeface="Arial" panose="020B0604020202020204" pitchFamily="34" charset="0"/>
-            </a:endParaRPr>
-          </a:p>
-        </p:txBody>
-      </p:sp>
-      <p:pic>
-        <p:nvPicPr>
-          <p:cNvPr id="4" name="Picture 3">
-            <a:extLst>
-              <a:ext uri="{FF2B5EF4-FFF2-40B4-BE49-F238E27FC236}">
-                <a16:creationId xmlns:a16="http://schemas.microsoft.com/office/drawing/2014/main" id="{969E9B18-338F-734C-8E4A-5FBC2406730D}"/>
-              </a:ext>
-            </a:extLst>
-          </p:cNvPr>
-          <p:cNvPicPr>
-            <a:picLocks noChangeAspect="1"/>
-          </p:cNvPicPr>
-          <p:nvPr/>
-        </p:nvPicPr>
-        <p:blipFill>
-          <a:blip r:embed="rId3"/>
-          <a:stretch>
-            <a:fillRect/>
-          </a:stretch>
-        </p:blipFill>
-        <p:spPr>
-          <a:xfrm>
-            <a:off x="5422931" y="1251303"/>
-            <a:ext cx="5930869" cy="4820483"/>
-          </a:xfrm>
-          <a:prstGeom prst="rect">
-            <a:avLst/>
-          </a:prstGeom>
-        </p:spPr>
-      </p:pic>
-      <p:sp>
-        <p:nvSpPr>
-          <p:cNvPr id="14" name="Google Shape;227;p33">
-            <a:extLst>
-              <a:ext uri="{FF2B5EF4-FFF2-40B4-BE49-F238E27FC236}">
-                <a16:creationId xmlns:a16="http://schemas.microsoft.com/office/drawing/2014/main" id="{A42EDCA2-5FF1-8642-AB77-AB4122BD1DB1}"/>
-              </a:ext>
-            </a:extLst>
-          </p:cNvPr>
-          <p:cNvSpPr txBox="1"/>
-          <p:nvPr/>
-        </p:nvSpPr>
-        <p:spPr>
-          <a:xfrm>
-            <a:off x="568631" y="1251303"/>
-            <a:ext cx="4854300" cy="3570178"/>
-          </a:xfrm>
-          <a:prstGeom prst="rect">
-            <a:avLst/>
-          </a:prstGeom>
-          <a:noFill/>
-          <a:ln>
-            <a:noFill/>
-          </a:ln>
-        </p:spPr>
-        <p:txBody>
-          <a:bodyPr spcFirstLastPara="1" wrap="square" lIns="91425" tIns="91425" rIns="91425" bIns="91425" anchor="t" anchorCtr="0">
-            <a:spAutoFit/>
-          </a:bodyPr>
-          <a:lstStyle/>
-          <a:p>
-            <a:pPr marL="88900" lvl="0">
-              <a:buSzPts val="2200"/>
-            </a:pPr>
-            <a:r>
-              <a:rPr lang="en-US" sz="2200" dirty="0">
-                <a:latin typeface="Open Sans"/>
-                <a:ea typeface="Open Sans"/>
-                <a:cs typeface="Open Sans"/>
-                <a:sym typeface="Open Sans"/>
-              </a:rPr>
-              <a:t>Provenance is an attestation that some entity (builder) produced one or more software artifacts (the subject of an in-toto attestation Statement) by executing some invocation, using some other artifacts as input (materials). The invocation in turn runs the </a:t>
-            </a:r>
-            <a:r>
-              <a:rPr lang="en-US" sz="2200" dirty="0" err="1">
-                <a:latin typeface="Open Sans"/>
-                <a:ea typeface="Open Sans"/>
-                <a:cs typeface="Open Sans"/>
-                <a:sym typeface="Open Sans"/>
-              </a:rPr>
-              <a:t>buildConfig</a:t>
-            </a:r>
-            <a:r>
-              <a:rPr lang="en-US" sz="2200" dirty="0">
-                <a:latin typeface="Open Sans"/>
-                <a:ea typeface="Open Sans"/>
-                <a:cs typeface="Open Sans"/>
-                <a:sym typeface="Open Sans"/>
-              </a:rPr>
-              <a:t>, which is a record of what was executed.</a:t>
-            </a:r>
-            <a:endParaRPr sz="2200" dirty="0">
-              <a:latin typeface="Open Sans"/>
-              <a:ea typeface="Open Sans"/>
-              <a:cs typeface="Open Sans"/>
-              <a:sym typeface="Open Sans"/>
-            </a:endParaRPr>
-          </a:p>
-        </p:txBody>
-      </p:sp>
-    </p:spTree>
-    <p:extLst>
-      <p:ext uri="{BB962C8B-B14F-4D97-AF65-F5344CB8AC3E}">
-        <p14:creationId xmlns:p14="http://schemas.microsoft.com/office/powerpoint/2010/main" val="3649359775"/>
-      </p:ext>
-    </p:extLst>
-  </p:cSld>
-  <p:clrMapOvr>
-    <a:masterClrMapping/>
-  </p:clrMapOvr>
-</p:sld>
-</file>
-
-<file path=ppt/slides/slide12.xml><?xml version="1.0" encoding="utf-8"?>
-<p:sld xmlns:a="http://schemas.openxmlformats.org/drawingml/2006/main" xmlns:r="http://schemas.openxmlformats.org/officeDocument/2006/relationships" xmlns:p="http://schemas.openxmlformats.org/presentationml/2006/main">
-  <p:cSld>
-    <p:spTree>
-      <p:nvGrpSpPr>
-        <p:cNvPr id="1" name=""/>
-        <p:cNvGrpSpPr/>
-        <p:nvPr/>
-      </p:nvGrpSpPr>
-      <p:grpSpPr>
-        <a:xfrm>
-          <a:off x="0" y="0"/>
-          <a:ext cx="0" cy="0"/>
-          <a:chOff x="0" y="0"/>
-          <a:chExt cx="0" cy="0"/>
-        </a:xfrm>
-      </p:grpSpPr>
-      <p:sp>
-        <p:nvSpPr>
-          <p:cNvPr id="2" name="Title 1">
-            <a:extLst>
-              <a:ext uri="{FF2B5EF4-FFF2-40B4-BE49-F238E27FC236}">
-                <a16:creationId xmlns:a16="http://schemas.microsoft.com/office/drawing/2014/main" id="{F4D605B8-B9FD-D04F-83D0-23EE0D71DE10}"/>
-              </a:ext>
-            </a:extLst>
-          </p:cNvPr>
-          <p:cNvSpPr>
-            <a:spLocks noGrp="1"/>
-          </p:cNvSpPr>
-          <p:nvPr>
-            <p:ph type="title"/>
-          </p:nvPr>
-        </p:nvSpPr>
-        <p:spPr/>
-        <p:txBody>
-          <a:bodyPr/>
-          <a:lstStyle/>
-          <a:p>
-            <a:r>
-              <a:rPr lang="en-US" dirty="0" err="1"/>
-              <a:t>Tekton</a:t>
-            </a:r>
-            <a:r>
-              <a:rPr lang="en-US" dirty="0"/>
-              <a:t> Chains – Configuration</a:t>
-            </a:r>
-          </a:p>
-        </p:txBody>
-      </p:sp>
-      <p:sp>
-        <p:nvSpPr>
-          <p:cNvPr id="5" name="TextBox 4">
-            <a:extLst>
-              <a:ext uri="{FF2B5EF4-FFF2-40B4-BE49-F238E27FC236}">
-                <a16:creationId xmlns:a16="http://schemas.microsoft.com/office/drawing/2014/main" id="{5659F201-8B82-AC41-9F75-AA360AE28B3C}"/>
-              </a:ext>
-            </a:extLst>
-          </p:cNvPr>
-          <p:cNvSpPr txBox="1"/>
-          <p:nvPr/>
-        </p:nvSpPr>
-        <p:spPr>
-          <a:xfrm>
-            <a:off x="1264777" y="4983857"/>
-            <a:ext cx="8675773" cy="738664"/>
-          </a:xfrm>
-          <a:prstGeom prst="rect">
-            <a:avLst/>
-          </a:prstGeom>
-          <a:noFill/>
-        </p:spPr>
-        <p:txBody>
-          <a:bodyPr wrap="none" rtlCol="0">
-            <a:spAutoFit/>
-          </a:bodyPr>
-          <a:lstStyle/>
-          <a:p>
-            <a:r>
-              <a:rPr lang="en-US" dirty="0">
-                <a:latin typeface="Open Sans" panose="020B0606030504020204" pitchFamily="34" charset="0"/>
-                <a:ea typeface="Open Sans" panose="020B0606030504020204" pitchFamily="34" charset="0"/>
-                <a:cs typeface="Open Sans" panose="020B0606030504020204" pitchFamily="34" charset="0"/>
-              </a:rPr>
-              <a:t>Example:</a:t>
-            </a:r>
-          </a:p>
-          <a:p>
-            <a:r>
-              <a:rPr lang="en-US" dirty="0" err="1"/>
-              <a:t>kubectl</a:t>
-            </a:r>
-            <a:r>
-              <a:rPr lang="en-US" dirty="0"/>
-              <a:t> patch </a:t>
-            </a:r>
-            <a:r>
-              <a:rPr lang="en-US" dirty="0" err="1"/>
-              <a:t>configmap</a:t>
-            </a:r>
-            <a:r>
-              <a:rPr lang="en-US" dirty="0"/>
-              <a:t> chains-config -n </a:t>
-            </a:r>
-            <a:r>
-              <a:rPr lang="en-US" dirty="0" err="1"/>
-              <a:t>tekton</a:t>
-            </a:r>
-            <a:r>
-              <a:rPr lang="en-US" dirty="0"/>
-              <a:t>-chains -p='{"data":{"</a:t>
-            </a:r>
-            <a:r>
-              <a:rPr lang="en-US" dirty="0" err="1"/>
-              <a:t>artifacts.taskrun.format</a:t>
-            </a:r>
-            <a:r>
-              <a:rPr lang="en-US" dirty="0"/>
-              <a:t>": "in-toto"}}'</a:t>
-            </a:r>
-          </a:p>
-          <a:p>
-            <a:r>
-              <a:rPr lang="en-US" dirty="0" err="1"/>
-              <a:t>kubectl</a:t>
-            </a:r>
-            <a:r>
-              <a:rPr lang="en-US" dirty="0"/>
-              <a:t> patch </a:t>
-            </a:r>
-            <a:r>
-              <a:rPr lang="en-US" dirty="0" err="1"/>
-              <a:t>configmap</a:t>
-            </a:r>
-            <a:r>
-              <a:rPr lang="en-US" dirty="0"/>
-              <a:t> chains-config -n </a:t>
-            </a:r>
-            <a:r>
-              <a:rPr lang="en-US" dirty="0" err="1"/>
-              <a:t>tekton</a:t>
-            </a:r>
-            <a:r>
-              <a:rPr lang="en-US" dirty="0"/>
-              <a:t>-chains -p='{"data":{"</a:t>
-            </a:r>
-            <a:r>
-              <a:rPr lang="en-US" dirty="0" err="1"/>
-              <a:t>artifacts.taskrun.storage</a:t>
-            </a:r>
-            <a:r>
-              <a:rPr lang="en-US" dirty="0"/>
-              <a:t>": "</a:t>
-            </a:r>
-            <a:r>
-              <a:rPr lang="en-US" err="1"/>
-              <a:t>oci</a:t>
-            </a:r>
-            <a:r>
-              <a:rPr lang="en-US"/>
-              <a:t>,tekton"}}'</a:t>
-            </a:r>
-            <a:endParaRPr lang="en-US" dirty="0"/>
-          </a:p>
-        </p:txBody>
-      </p:sp>
-      <p:pic>
-        <p:nvPicPr>
-          <p:cNvPr id="7" name="Picture 6">
-            <a:extLst>
-              <a:ext uri="{FF2B5EF4-FFF2-40B4-BE49-F238E27FC236}">
-                <a16:creationId xmlns:a16="http://schemas.microsoft.com/office/drawing/2014/main" id="{1D7F0E4F-E800-1A4A-9B0B-66410C47061F}"/>
-              </a:ext>
-            </a:extLst>
-          </p:cNvPr>
-          <p:cNvPicPr>
-            <a:picLocks noChangeAspect="1"/>
-          </p:cNvPicPr>
-          <p:nvPr/>
-        </p:nvPicPr>
-        <p:blipFill>
-          <a:blip r:embed="rId3"/>
-          <a:stretch>
-            <a:fillRect/>
-          </a:stretch>
-        </p:blipFill>
-        <p:spPr>
-          <a:xfrm>
-            <a:off x="183678" y="1573354"/>
-            <a:ext cx="11824643" cy="2947525"/>
-          </a:xfrm>
-          <a:prstGeom prst="rect">
-            <a:avLst/>
-          </a:prstGeom>
-        </p:spPr>
-      </p:pic>
-    </p:spTree>
-    <p:extLst>
-      <p:ext uri="{BB962C8B-B14F-4D97-AF65-F5344CB8AC3E}">
-        <p14:creationId xmlns:p14="http://schemas.microsoft.com/office/powerpoint/2010/main" val="3500129087"/>
-      </p:ext>
-    </p:extLst>
-  </p:cSld>
-  <p:clrMapOvr>
-    <a:masterClrMapping/>
-  </p:clrMapOvr>
-</p:sld>
-</file>
-
-<file path=ppt/slides/slide13.xml><?xml version="1.0" encoding="utf-8"?>
-<p:sld xmlns:a="http://schemas.openxmlformats.org/drawingml/2006/main" xmlns:r="http://schemas.openxmlformats.org/officeDocument/2006/relationships" xmlns:p="http://schemas.openxmlformats.org/presentationml/2006/main">
-  <p:cSld>
-    <p:spTree>
-      <p:nvGrpSpPr>
-        <p:cNvPr id="1" name=""/>
-        <p:cNvGrpSpPr/>
-        <p:nvPr/>
-      </p:nvGrpSpPr>
-      <p:grpSpPr>
-        <a:xfrm>
-          <a:off x="0" y="0"/>
-          <a:ext cx="0" cy="0"/>
-          <a:chOff x="0" y="0"/>
-          <a:chExt cx="0" cy="0"/>
-        </a:xfrm>
-      </p:grpSpPr>
-      <p:sp>
-        <p:nvSpPr>
-          <p:cNvPr id="2" name="Title 1">
-            <a:extLst>
-              <a:ext uri="{FF2B5EF4-FFF2-40B4-BE49-F238E27FC236}">
-                <a16:creationId xmlns:a16="http://schemas.microsoft.com/office/drawing/2014/main" id="{F4D605B8-B9FD-D04F-83D0-23EE0D71DE10}"/>
-              </a:ext>
-            </a:extLst>
-          </p:cNvPr>
-          <p:cNvSpPr>
-            <a:spLocks noGrp="1"/>
-          </p:cNvSpPr>
-          <p:nvPr>
-            <p:ph type="title"/>
-          </p:nvPr>
-        </p:nvSpPr>
-        <p:spPr/>
-        <p:txBody>
-          <a:bodyPr/>
-          <a:lstStyle/>
-          <a:p>
-            <a:r>
-              <a:rPr lang="en-US" dirty="0" err="1"/>
-              <a:t>Tekton</a:t>
-            </a:r>
-            <a:r>
-              <a:rPr lang="en-US" dirty="0"/>
-              <a:t> Chains – Capture Artifacts </a:t>
-            </a:r>
-          </a:p>
-        </p:txBody>
-      </p:sp>
-      <p:sp>
-        <p:nvSpPr>
-          <p:cNvPr id="3" name="Text Placeholder 2">
-            <a:extLst>
-              <a:ext uri="{FF2B5EF4-FFF2-40B4-BE49-F238E27FC236}">
-                <a16:creationId xmlns:a16="http://schemas.microsoft.com/office/drawing/2014/main" id="{0601C5F7-7F4A-4A4E-ACDE-D8BDCE1BC2B8}"/>
-              </a:ext>
-            </a:extLst>
-          </p:cNvPr>
-          <p:cNvSpPr>
-            <a:spLocks noGrp="1"/>
-          </p:cNvSpPr>
-          <p:nvPr>
-            <p:ph type="body" idx="1"/>
-          </p:nvPr>
-        </p:nvSpPr>
-        <p:spPr>
-          <a:xfrm>
-            <a:off x="220134" y="1134113"/>
-            <a:ext cx="6724828" cy="4848117"/>
-          </a:xfrm>
-        </p:spPr>
-        <p:txBody>
-          <a:bodyPr/>
-          <a:lstStyle/>
-          <a:p>
-            <a:r>
-              <a:rPr lang="en-US" b="1" dirty="0"/>
-              <a:t>Type Hinting</a:t>
-            </a:r>
-          </a:p>
-          <a:p>
-            <a:pPr lvl="1"/>
-            <a:r>
-              <a:rPr lang="en-US" dirty="0"/>
-              <a:t>When outputting an OCI, Chains will look for the following Results:</a:t>
-            </a:r>
-          </a:p>
-          <a:p>
-            <a:pPr lvl="2"/>
-            <a:r>
-              <a:rPr lang="en-US" dirty="0"/>
-              <a:t>*IMAGE_URL - The URL to the built OCI image</a:t>
-            </a:r>
-          </a:p>
-          <a:p>
-            <a:pPr lvl="2"/>
-            <a:r>
-              <a:rPr lang="en-US" dirty="0"/>
-              <a:t>*IMAGE_DIGEST - The Digest of the built OCI image</a:t>
-            </a:r>
-          </a:p>
-          <a:p>
-            <a:pPr lvl="1"/>
-            <a:r>
-              <a:rPr lang="en-US" dirty="0"/>
-              <a:t>where * indicates any expression. For example, if </a:t>
-            </a:r>
-            <a:r>
-              <a:rPr lang="en-US" b="1" dirty="0"/>
-              <a:t>both</a:t>
-            </a:r>
-            <a:r>
-              <a:rPr lang="en-US" dirty="0"/>
-              <a:t> MYIMAGE_IMAGE_URL AND MYIMAGE_IMAGE_DIGEST are correctly formatted to point to an OCI image, then chains will pick up on it and try to sign the image.</a:t>
-            </a:r>
-            <a:br>
-              <a:rPr lang="en-US" dirty="0"/>
-            </a:br>
-            <a:br>
-              <a:rPr lang="en-US" dirty="0"/>
-            </a:br>
-            <a:endParaRPr lang="en-US" dirty="0"/>
-          </a:p>
-        </p:txBody>
-      </p:sp>
-      <p:pic>
-        <p:nvPicPr>
-          <p:cNvPr id="4" name="Picture 3">
-            <a:extLst>
-              <a:ext uri="{FF2B5EF4-FFF2-40B4-BE49-F238E27FC236}">
-                <a16:creationId xmlns:a16="http://schemas.microsoft.com/office/drawing/2014/main" id="{2DDB470E-3549-3A46-80C3-0FC272E4B0DD}"/>
-              </a:ext>
-            </a:extLst>
-          </p:cNvPr>
-          <p:cNvPicPr>
-            <a:picLocks noChangeAspect="1"/>
-          </p:cNvPicPr>
-          <p:nvPr/>
-        </p:nvPicPr>
-        <p:blipFill>
-          <a:blip r:embed="rId3"/>
-          <a:stretch>
-            <a:fillRect/>
-          </a:stretch>
-        </p:blipFill>
-        <p:spPr>
-          <a:xfrm>
-            <a:off x="6944962" y="2508312"/>
-            <a:ext cx="5201133" cy="2099717"/>
-          </a:xfrm>
-          <a:prstGeom prst="rect">
-            <a:avLst/>
-          </a:prstGeom>
-        </p:spPr>
-      </p:pic>
-    </p:spTree>
-    <p:extLst>
-      <p:ext uri="{BB962C8B-B14F-4D97-AF65-F5344CB8AC3E}">
-        <p14:creationId xmlns:p14="http://schemas.microsoft.com/office/powerpoint/2010/main" val="2368188475"/>
-      </p:ext>
-    </p:extLst>
-  </p:cSld>
-  <p:clrMapOvr>
-    <a:masterClrMapping/>
-  </p:clrMapOvr>
-</p:sld>
-</file>
-
-<file path=ppt/slides/slide14.xml><?xml version="1.0" encoding="utf-8"?>
-<p:sld xmlns:a="http://schemas.openxmlformats.org/drawingml/2006/main" xmlns:r="http://schemas.openxmlformats.org/officeDocument/2006/relationships" xmlns:p="http://schemas.openxmlformats.org/presentationml/2006/main">
-  <p:cSld>
-    <p:spTree>
-      <p:nvGrpSpPr>
-        <p:cNvPr id="1" name=""/>
-        <p:cNvGrpSpPr/>
-        <p:nvPr/>
-      </p:nvGrpSpPr>
-      <p:grpSpPr>
-        <a:xfrm>
-          <a:off x="0" y="0"/>
-          <a:ext cx="0" cy="0"/>
-          <a:chOff x="0" y="0"/>
-          <a:chExt cx="0" cy="0"/>
-        </a:xfrm>
-      </p:grpSpPr>
-      <p:sp>
-        <p:nvSpPr>
-          <p:cNvPr id="2" name="Title 1">
-            <a:extLst>
-              <a:ext uri="{FF2B5EF4-FFF2-40B4-BE49-F238E27FC236}">
-                <a16:creationId xmlns:a16="http://schemas.microsoft.com/office/drawing/2014/main" id="{F4D605B8-B9FD-D04F-83D0-23EE0D71DE10}"/>
-              </a:ext>
-            </a:extLst>
-          </p:cNvPr>
-          <p:cNvSpPr>
-            <a:spLocks noGrp="1"/>
-          </p:cNvSpPr>
-          <p:nvPr>
-            <p:ph type="title"/>
-          </p:nvPr>
-        </p:nvSpPr>
-        <p:spPr/>
-        <p:txBody>
-          <a:bodyPr/>
-          <a:lstStyle/>
-          <a:p>
-            <a:r>
-              <a:rPr lang="en-US" dirty="0" err="1"/>
-              <a:t>Tekton</a:t>
-            </a:r>
-            <a:r>
-              <a:rPr lang="en-US" dirty="0"/>
-              <a:t> Chains – Cosign </a:t>
-            </a:r>
-          </a:p>
-        </p:txBody>
-      </p:sp>
-      <p:sp>
-        <p:nvSpPr>
-          <p:cNvPr id="3" name="Text Placeholder 2">
-            <a:extLst>
-              <a:ext uri="{FF2B5EF4-FFF2-40B4-BE49-F238E27FC236}">
-                <a16:creationId xmlns:a16="http://schemas.microsoft.com/office/drawing/2014/main" id="{0601C5F7-7F4A-4A4E-ACDE-D8BDCE1BC2B8}"/>
-              </a:ext>
-            </a:extLst>
-          </p:cNvPr>
-          <p:cNvSpPr>
-            <a:spLocks noGrp="1"/>
-          </p:cNvSpPr>
-          <p:nvPr>
-            <p:ph type="body" idx="1"/>
-          </p:nvPr>
-        </p:nvSpPr>
-        <p:spPr>
-          <a:xfrm>
-            <a:off x="220134" y="1134113"/>
-            <a:ext cx="6724828" cy="4848117"/>
-          </a:xfrm>
-        </p:spPr>
-        <p:txBody>
-          <a:bodyPr/>
-          <a:lstStyle/>
-          <a:p>
-            <a:r>
-              <a:rPr lang="en-US" dirty="0"/>
-              <a:t>Cosign is used for Container Signing, Verification and Storage in an OCI registry.</a:t>
-            </a:r>
-          </a:p>
-          <a:p>
-            <a:r>
-              <a:rPr lang="en-US" dirty="0"/>
-              <a:t>For cosign, Chains expects the encrypted private key to be stored in a secret called signing-secrets with the following structure:</a:t>
-            </a:r>
-          </a:p>
-          <a:p>
-            <a:pPr lvl="1"/>
-            <a:r>
-              <a:rPr lang="en-US" dirty="0" err="1"/>
-              <a:t>cosign.key</a:t>
-            </a:r>
-            <a:r>
-              <a:rPr lang="en-US" dirty="0"/>
-              <a:t> (the cosign-generated private key)</a:t>
-            </a:r>
-          </a:p>
-          <a:p>
-            <a:pPr lvl="1"/>
-            <a:r>
-              <a:rPr lang="en-US" dirty="0" err="1"/>
-              <a:t>cosign.password</a:t>
-            </a:r>
-            <a:r>
-              <a:rPr lang="en-US" dirty="0"/>
-              <a:t> (the password to decrypt the private key)</a:t>
-            </a:r>
-          </a:p>
-          <a:p>
-            <a:r>
-              <a:rPr lang="en-US" dirty="0"/>
-              <a:t>To create a cosign keypair, </a:t>
-            </a:r>
-            <a:r>
-              <a:rPr lang="en-US" dirty="0" err="1"/>
-              <a:t>cosign.key</a:t>
-            </a:r>
-            <a:r>
-              <a:rPr lang="en-US" dirty="0"/>
-              <a:t> and </a:t>
-            </a:r>
-            <a:r>
-              <a:rPr lang="en-US" dirty="0" err="1"/>
-              <a:t>cosign.pub</a:t>
-            </a:r>
-            <a:r>
-              <a:rPr lang="en-US" dirty="0"/>
-              <a:t>, install cosign and run the following:</a:t>
-            </a:r>
-          </a:p>
-          <a:p>
-            <a:pPr lvl="1"/>
-            <a:r>
-              <a:rPr lang="en-US" dirty="0"/>
-              <a:t>cosign generate-key-pair k8s://</a:t>
-            </a:r>
-            <a:r>
-              <a:rPr lang="en-US" dirty="0" err="1"/>
-              <a:t>tekton</a:t>
-            </a:r>
-            <a:r>
-              <a:rPr lang="en-US" dirty="0"/>
-              <a:t>-chains/signing-secrets</a:t>
-            </a:r>
-          </a:p>
-          <a:p>
-            <a:pPr lvl="1"/>
-            <a:endParaRPr lang="en-US" dirty="0"/>
-          </a:p>
-          <a:p>
-            <a:pPr marL="114300" indent="0">
-              <a:buNone/>
-            </a:pPr>
-            <a:br>
-              <a:rPr lang="en-US" dirty="0"/>
-            </a:br>
-            <a:endParaRPr lang="en-US" dirty="0"/>
-          </a:p>
-        </p:txBody>
-      </p:sp>
-      <p:pic>
-        <p:nvPicPr>
-          <p:cNvPr id="4098" name="Picture 2" descr="Sigstore Code Signing for Software Supply Chain Security – The New Stack">
-            <a:extLst>
-              <a:ext uri="{FF2B5EF4-FFF2-40B4-BE49-F238E27FC236}">
-                <a16:creationId xmlns:a16="http://schemas.microsoft.com/office/drawing/2014/main" id="{C2081BA1-B91F-CB4D-96C0-9B19BFC7C128}"/>
-              </a:ext>
-            </a:extLst>
-          </p:cNvPr>
-          <p:cNvPicPr>
-            <a:picLocks noChangeAspect="1" noChangeArrowheads="1"/>
-          </p:cNvPicPr>
-          <p:nvPr/>
-        </p:nvPicPr>
-        <p:blipFill>
-          <a:blip r:embed="rId3">
-            <a:extLst>
-              <a:ext uri="{28A0092B-C50C-407E-A947-70E740481C1C}">
-                <a14:useLocalDpi xmlns:a14="http://schemas.microsoft.com/office/drawing/2010/main" val="0"/>
-              </a:ext>
-            </a:extLst>
-          </a:blip>
-          <a:srcRect/>
-          <a:stretch>
-            <a:fillRect/>
-          </a:stretch>
-        </p:blipFill>
-        <p:spPr bwMode="auto">
-          <a:xfrm>
-            <a:off x="7783770" y="2367096"/>
-            <a:ext cx="3866877" cy="2123808"/>
-          </a:xfrm>
-          <a:prstGeom prst="rect">
-            <a:avLst/>
-          </a:prstGeom>
-          <a:noFill/>
-          <a:extLst>
-            <a:ext uri="{909E8E84-426E-40DD-AFC4-6F175D3DCCD1}">
-              <a14:hiddenFill xmlns:a14="http://schemas.microsoft.com/office/drawing/2010/main">
-                <a:solidFill>
-                  <a:srgbClr val="FFFFFF"/>
-                </a:solidFill>
-              </a14:hiddenFill>
-            </a:ext>
-          </a:extLst>
-        </p:spPr>
-      </p:pic>
-    </p:spTree>
-    <p:extLst>
-      <p:ext uri="{BB962C8B-B14F-4D97-AF65-F5344CB8AC3E}">
-        <p14:creationId xmlns:p14="http://schemas.microsoft.com/office/powerpoint/2010/main" val="1600782254"/>
-      </p:ext>
-    </p:extLst>
-  </p:cSld>
-  <p:clrMapOvr>
-    <a:masterClrMapping/>
-  </p:clrMapOvr>
-</p:sld>
-</file>
-
-<file path=ppt/slides/slide15.xml><?xml version="1.0" encoding="utf-8"?>
-<p:sld xmlns:a="http://schemas.openxmlformats.org/drawingml/2006/main" xmlns:r="http://schemas.openxmlformats.org/officeDocument/2006/relationships" xmlns:p="http://schemas.openxmlformats.org/presentationml/2006/main">
-  <p:cSld>
-    <p:spTree>
-      <p:nvGrpSpPr>
-        <p:cNvPr id="1" name=""/>
-        <p:cNvGrpSpPr/>
-        <p:nvPr/>
-      </p:nvGrpSpPr>
-      <p:grpSpPr>
-        <a:xfrm>
-          <a:off x="0" y="0"/>
-          <a:ext cx="0" cy="0"/>
-          <a:chOff x="0" y="0"/>
-          <a:chExt cx="0" cy="0"/>
-        </a:xfrm>
-      </p:grpSpPr>
-      <p:sp>
-        <p:nvSpPr>
-          <p:cNvPr id="2" name="Title 1">
-            <a:extLst>
-              <a:ext uri="{FF2B5EF4-FFF2-40B4-BE49-F238E27FC236}">
-                <a16:creationId xmlns:a16="http://schemas.microsoft.com/office/drawing/2014/main" id="{F4D605B8-B9FD-D04F-83D0-23EE0D71DE10}"/>
-              </a:ext>
-            </a:extLst>
-          </p:cNvPr>
-          <p:cNvSpPr>
-            <a:spLocks noGrp="1"/>
-          </p:cNvSpPr>
-          <p:nvPr>
-            <p:ph type="title"/>
-          </p:nvPr>
-        </p:nvSpPr>
-        <p:spPr/>
-        <p:txBody>
-          <a:bodyPr/>
-          <a:lstStyle/>
-          <a:p>
-            <a:r>
-              <a:rPr lang="en-US" dirty="0" err="1"/>
-              <a:t>Tekton</a:t>
-            </a:r>
-            <a:r>
-              <a:rPr lang="en-US" dirty="0"/>
-              <a:t> Installation	</a:t>
-            </a:r>
-          </a:p>
-        </p:txBody>
-      </p:sp>
-      <p:sp>
-        <p:nvSpPr>
-          <p:cNvPr id="3" name="Text Placeholder 2">
-            <a:extLst>
-              <a:ext uri="{FF2B5EF4-FFF2-40B4-BE49-F238E27FC236}">
-                <a16:creationId xmlns:a16="http://schemas.microsoft.com/office/drawing/2014/main" id="{0601C5F7-7F4A-4A4E-ACDE-D8BDCE1BC2B8}"/>
-              </a:ext>
-            </a:extLst>
-          </p:cNvPr>
-          <p:cNvSpPr>
-            <a:spLocks noGrp="1"/>
-          </p:cNvSpPr>
-          <p:nvPr>
-            <p:ph type="body" idx="1"/>
-          </p:nvPr>
-        </p:nvSpPr>
-        <p:spPr>
-          <a:xfrm>
-            <a:off x="838200" y="1328846"/>
-            <a:ext cx="6724828" cy="4848117"/>
-          </a:xfrm>
-        </p:spPr>
-        <p:txBody>
-          <a:bodyPr/>
-          <a:lstStyle/>
-          <a:p>
-            <a:r>
-              <a:rPr lang="en-US" dirty="0"/>
-              <a:t>To install </a:t>
-            </a:r>
-            <a:r>
-              <a:rPr lang="en-US" dirty="0" err="1"/>
-              <a:t>Tekton</a:t>
-            </a:r>
-            <a:r>
-              <a:rPr lang="en-US" dirty="0"/>
-              <a:t> and </a:t>
-            </a:r>
-            <a:r>
-              <a:rPr lang="en-US" dirty="0" err="1"/>
-              <a:t>Tekton</a:t>
-            </a:r>
-            <a:r>
-              <a:rPr lang="en-US" dirty="0"/>
-              <a:t> Pipelines run the following command:</a:t>
-            </a:r>
-          </a:p>
-          <a:p>
-            <a:pPr lvl="1"/>
-            <a:r>
-              <a:rPr lang="en-US" dirty="0" err="1"/>
-              <a:t>kubectl</a:t>
-            </a:r>
-            <a:r>
-              <a:rPr lang="en-US" dirty="0"/>
-              <a:t> apply --filename https://</a:t>
-            </a:r>
-            <a:r>
-              <a:rPr lang="en-US" dirty="0" err="1"/>
-              <a:t>storage.googleapis.com</a:t>
-            </a:r>
-            <a:r>
-              <a:rPr lang="en-US" dirty="0"/>
-              <a:t>/</a:t>
-            </a:r>
-            <a:r>
-              <a:rPr lang="en-US" dirty="0" err="1"/>
-              <a:t>tekton</a:t>
-            </a:r>
-            <a:r>
-              <a:rPr lang="en-US" dirty="0"/>
-              <a:t>-r</a:t>
-            </a:r>
-          </a:p>
-          <a:p>
-            <a:r>
-              <a:rPr lang="en-US" dirty="0"/>
-              <a:t>To install the latest version of Chains to your Kubernetes cluster, run:</a:t>
-            </a:r>
-          </a:p>
-          <a:p>
-            <a:pPr lvl="1"/>
-            <a:r>
-              <a:rPr lang="en-US" dirty="0" err="1"/>
-              <a:t>kubectl</a:t>
-            </a:r>
-            <a:r>
-              <a:rPr lang="en-US" dirty="0"/>
-              <a:t> apply --filename </a:t>
-            </a:r>
-            <a:r>
-              <a:rPr lang="en-US" dirty="0">
-                <a:hlinkClick r:id="rId3"/>
-              </a:rPr>
-              <a:t>https://storage.googleapis.com/tekton-releases/chains/latest/release.yaml</a:t>
-            </a:r>
-            <a:endParaRPr lang="en-US" dirty="0"/>
-          </a:p>
-          <a:p>
-            <a:r>
-              <a:rPr lang="en-US" dirty="0"/>
-              <a:t>Install Cosign</a:t>
-            </a:r>
-          </a:p>
-          <a:p>
-            <a:pPr lvl="1"/>
-            <a:r>
-              <a:rPr lang="en-US" dirty="0"/>
-              <a:t>$ go install </a:t>
-            </a:r>
-            <a:r>
-              <a:rPr lang="en-US" dirty="0">
-                <a:hlinkClick r:id="rId4"/>
-              </a:rPr>
-              <a:t>github.com/sigstore/cosign/cmd/cosign@latest</a:t>
-            </a:r>
-            <a:endParaRPr lang="en-US" dirty="0"/>
-          </a:p>
-          <a:p>
-            <a:pPr lvl="1"/>
-            <a:r>
-              <a:rPr lang="en-US" dirty="0"/>
-              <a:t>$ brew install cosign</a:t>
-            </a:r>
-          </a:p>
-          <a:p>
-            <a:pPr lvl="1"/>
-            <a:r>
-              <a:rPr lang="en-US" dirty="0"/>
-              <a:t>Installing the binary based on your system.</a:t>
-            </a:r>
-          </a:p>
-          <a:p>
-            <a:pPr marL="114300" indent="0">
-              <a:buNone/>
-            </a:pPr>
-            <a:br>
-              <a:rPr lang="en-US" dirty="0"/>
-            </a:br>
-            <a:endParaRPr lang="en-US" dirty="0"/>
-          </a:p>
-        </p:txBody>
-      </p:sp>
-      <p:pic>
-        <p:nvPicPr>
-          <p:cNvPr id="6146" name="Picture 2">
-            <a:extLst>
-              <a:ext uri="{FF2B5EF4-FFF2-40B4-BE49-F238E27FC236}">
-                <a16:creationId xmlns:a16="http://schemas.microsoft.com/office/drawing/2014/main" id="{973D916D-5645-944B-807B-3C27E0BCDE2D}"/>
-              </a:ext>
-            </a:extLst>
-          </p:cNvPr>
-          <p:cNvPicPr>
-            <a:picLocks noChangeAspect="1" noChangeArrowheads="1"/>
-          </p:cNvPicPr>
-          <p:nvPr/>
-        </p:nvPicPr>
-        <p:blipFill>
-          <a:blip r:embed="rId5">
-            <a:extLst>
-              <a:ext uri="{28A0092B-C50C-407E-A947-70E740481C1C}">
-                <a14:useLocalDpi xmlns:a14="http://schemas.microsoft.com/office/drawing/2010/main" val="0"/>
-              </a:ext>
-            </a:extLst>
-          </a:blip>
-          <a:srcRect/>
-          <a:stretch>
-            <a:fillRect/>
-          </a:stretch>
-        </p:blipFill>
-        <p:spPr bwMode="auto">
-          <a:xfrm>
-            <a:off x="8658875" y="1195646"/>
-            <a:ext cx="2184400" cy="2730500"/>
-          </a:xfrm>
-          <a:prstGeom prst="rect">
-            <a:avLst/>
-          </a:prstGeom>
-          <a:noFill/>
-          <a:extLst>
-            <a:ext uri="{909E8E84-426E-40DD-AFC4-6F175D3DCCD1}">
-              <a14:hiddenFill xmlns:a14="http://schemas.microsoft.com/office/drawing/2010/main">
-                <a:solidFill>
-                  <a:srgbClr val="FFFFFF"/>
-                </a:solidFill>
-              </a14:hiddenFill>
-            </a:ext>
-          </a:extLst>
-        </p:spPr>
-      </p:pic>
-      <p:pic>
-        <p:nvPicPr>
-          <p:cNvPr id="5" name="Picture 2" descr="Sigstore Code Signing for Software Supply Chain Security – The New Stack">
-            <a:extLst>
-              <a:ext uri="{FF2B5EF4-FFF2-40B4-BE49-F238E27FC236}">
-                <a16:creationId xmlns:a16="http://schemas.microsoft.com/office/drawing/2014/main" id="{D6928453-3826-5C43-B8B2-1328B529FEB5}"/>
-              </a:ext>
-            </a:extLst>
-          </p:cNvPr>
-          <p:cNvPicPr>
-            <a:picLocks noChangeAspect="1" noChangeArrowheads="1"/>
-          </p:cNvPicPr>
-          <p:nvPr/>
-        </p:nvPicPr>
-        <p:blipFill>
-          <a:blip r:embed="rId6">
-            <a:extLst>
-              <a:ext uri="{28A0092B-C50C-407E-A947-70E740481C1C}">
-                <a14:useLocalDpi xmlns:a14="http://schemas.microsoft.com/office/drawing/2010/main" val="0"/>
-              </a:ext>
-            </a:extLst>
-          </a:blip>
-          <a:srcRect/>
-          <a:stretch>
-            <a:fillRect/>
-          </a:stretch>
-        </p:blipFill>
-        <p:spPr bwMode="auto">
-          <a:xfrm>
-            <a:off x="7817637" y="4059346"/>
-            <a:ext cx="3866877" cy="2123808"/>
-          </a:xfrm>
-          <a:prstGeom prst="rect">
-            <a:avLst/>
-          </a:prstGeom>
-          <a:noFill/>
-          <a:extLst>
-            <a:ext uri="{909E8E84-426E-40DD-AFC4-6F175D3DCCD1}">
-              <a14:hiddenFill xmlns:a14="http://schemas.microsoft.com/office/drawing/2010/main">
-                <a:solidFill>
-                  <a:srgbClr val="FFFFFF"/>
-                </a:solidFill>
-              </a14:hiddenFill>
-            </a:ext>
-          </a:extLst>
-        </p:spPr>
-      </p:pic>
-    </p:spTree>
-    <p:extLst>
-      <p:ext uri="{BB962C8B-B14F-4D97-AF65-F5344CB8AC3E}">
-        <p14:creationId xmlns:p14="http://schemas.microsoft.com/office/powerpoint/2010/main" val="1325112767"/>
-      </p:ext>
-    </p:extLst>
-  </p:cSld>
-  <p:clrMapOvr>
-    <a:masterClrMapping/>
-  </p:clrMapOvr>
-</p:sld>
-</file>
-
-<file path=ppt/slides/slide16.xml><?xml version="1.0" encoding="utf-8"?>
-<p:sld xmlns:a="http://schemas.openxmlformats.org/drawingml/2006/main" xmlns:r="http://schemas.openxmlformats.org/officeDocument/2006/relationships" xmlns:p="http://schemas.openxmlformats.org/presentationml/2006/main">
-  <p:cSld>
-    <p:spTree>
-      <p:nvGrpSpPr>
-        <p:cNvPr id="1" name=""/>
-        <p:cNvGrpSpPr/>
-        <p:nvPr/>
-      </p:nvGrpSpPr>
-      <p:grpSpPr>
-        <a:xfrm>
-          <a:off x="0" y="0"/>
-          <a:ext cx="0" cy="0"/>
-          <a:chOff x="0" y="0"/>
-          <a:chExt cx="0" cy="0"/>
-        </a:xfrm>
-      </p:grpSpPr>
-      <p:sp>
-        <p:nvSpPr>
-          <p:cNvPr id="2" name="Title 1">
-            <a:extLst>
-              <a:ext uri="{FF2B5EF4-FFF2-40B4-BE49-F238E27FC236}">
-                <a16:creationId xmlns:a16="http://schemas.microsoft.com/office/drawing/2014/main" id="{F4D605B8-B9FD-D04F-83D0-23EE0D71DE10}"/>
-              </a:ext>
-            </a:extLst>
-          </p:cNvPr>
-          <p:cNvSpPr>
-            <a:spLocks noGrp="1"/>
-          </p:cNvSpPr>
-          <p:nvPr>
-            <p:ph type="title"/>
-          </p:nvPr>
-        </p:nvSpPr>
-        <p:spPr/>
-        <p:txBody>
-          <a:bodyPr/>
-          <a:lstStyle/>
-          <a:p>
-            <a:r>
-              <a:rPr lang="en-US" dirty="0"/>
-              <a:t>Demo!</a:t>
-            </a:r>
-          </a:p>
-        </p:txBody>
-      </p:sp>
-      <p:sp>
-        <p:nvSpPr>
-          <p:cNvPr id="3" name="Text Placeholder 2">
-            <a:extLst>
-              <a:ext uri="{FF2B5EF4-FFF2-40B4-BE49-F238E27FC236}">
-                <a16:creationId xmlns:a16="http://schemas.microsoft.com/office/drawing/2014/main" id="{0601C5F7-7F4A-4A4E-ACDE-D8BDCE1BC2B8}"/>
-              </a:ext>
-            </a:extLst>
-          </p:cNvPr>
-          <p:cNvSpPr>
-            <a:spLocks noGrp="1"/>
-          </p:cNvSpPr>
-          <p:nvPr>
-            <p:ph type="body" idx="1"/>
-          </p:nvPr>
-        </p:nvSpPr>
-        <p:spPr>
-          <a:xfrm>
-            <a:off x="838200" y="1328846"/>
-            <a:ext cx="6724828" cy="4848117"/>
-          </a:xfrm>
-        </p:spPr>
-        <p:txBody>
-          <a:bodyPr/>
-          <a:lstStyle/>
-          <a:p>
-            <a:r>
-              <a:rPr lang="en-US" dirty="0"/>
-              <a:t>Let’s go through an example with the </a:t>
-            </a:r>
-            <a:r>
-              <a:rPr lang="en-US" dirty="0" err="1"/>
-              <a:t>buildpacks</a:t>
-            </a:r>
-            <a:r>
-              <a:rPr lang="en-US" dirty="0"/>
-              <a:t> pipeline and show how to:</a:t>
-            </a:r>
-          </a:p>
-          <a:p>
-            <a:pPr lvl="1"/>
-            <a:r>
-              <a:rPr lang="en-US" dirty="0"/>
-              <a:t>Create the signing secret with cosign</a:t>
-            </a:r>
-          </a:p>
-          <a:p>
-            <a:pPr lvl="1"/>
-            <a:r>
-              <a:rPr lang="en-US" dirty="0"/>
-              <a:t>Explain what the </a:t>
-            </a:r>
-            <a:r>
-              <a:rPr lang="en-US" dirty="0" err="1"/>
-              <a:t>buildpacks</a:t>
-            </a:r>
-            <a:r>
-              <a:rPr lang="en-US" dirty="0"/>
-              <a:t> example is doing</a:t>
-            </a:r>
-          </a:p>
-          <a:p>
-            <a:pPr lvl="1"/>
-            <a:r>
-              <a:rPr lang="en-US" dirty="0"/>
-              <a:t>Review attestation (SLSA vO.2) from </a:t>
-            </a:r>
-            <a:r>
-              <a:rPr lang="en-US" dirty="0" err="1"/>
-              <a:t>taskrun</a:t>
-            </a:r>
-            <a:endParaRPr lang="en-US" dirty="0"/>
-          </a:p>
-          <a:p>
-            <a:pPr lvl="1"/>
-            <a:r>
-              <a:rPr lang="en-US" dirty="0"/>
-              <a:t>Verify signature of image and attestation using cosign</a:t>
-            </a:r>
-          </a:p>
-          <a:p>
-            <a:pPr lvl="1"/>
-            <a:endParaRPr lang="en-US" dirty="0"/>
-          </a:p>
-          <a:p>
-            <a:pPr marL="114300" indent="0">
-              <a:buNone/>
-            </a:pPr>
-            <a:br>
-              <a:rPr lang="en-US" dirty="0"/>
-            </a:br>
-            <a:endParaRPr lang="en-US" dirty="0"/>
-          </a:p>
-        </p:txBody>
-      </p:sp>
-      <p:pic>
-        <p:nvPicPr>
-          <p:cNvPr id="6146" name="Picture 2">
-            <a:extLst>
-              <a:ext uri="{FF2B5EF4-FFF2-40B4-BE49-F238E27FC236}">
-                <a16:creationId xmlns:a16="http://schemas.microsoft.com/office/drawing/2014/main" id="{973D916D-5645-944B-807B-3C27E0BCDE2D}"/>
-              </a:ext>
-            </a:extLst>
-          </p:cNvPr>
-          <p:cNvPicPr>
-            <a:picLocks noChangeAspect="1" noChangeArrowheads="1"/>
-          </p:cNvPicPr>
-          <p:nvPr/>
-        </p:nvPicPr>
-        <p:blipFill>
-          <a:blip r:embed="rId3">
-            <a:extLst>
-              <a:ext uri="{28A0092B-C50C-407E-A947-70E740481C1C}">
-                <a14:useLocalDpi xmlns:a14="http://schemas.microsoft.com/office/drawing/2010/main" val="0"/>
-              </a:ext>
-            </a:extLst>
-          </a:blip>
-          <a:srcRect/>
-          <a:stretch>
-            <a:fillRect/>
-          </a:stretch>
-        </p:blipFill>
-        <p:spPr bwMode="auto">
-          <a:xfrm>
-            <a:off x="8219966" y="1948136"/>
-            <a:ext cx="2184400" cy="2730500"/>
-          </a:xfrm>
-          <a:prstGeom prst="rect">
-            <a:avLst/>
-          </a:prstGeom>
-          <a:noFill/>
-          <a:extLst>
-            <a:ext uri="{909E8E84-426E-40DD-AFC4-6F175D3DCCD1}">
-              <a14:hiddenFill xmlns:a14="http://schemas.microsoft.com/office/drawing/2010/main">
-                <a:solidFill>
-                  <a:srgbClr val="FFFFFF"/>
-                </a:solidFill>
-              </a14:hiddenFill>
-            </a:ext>
-          </a:extLst>
-        </p:spPr>
-      </p:pic>
-    </p:spTree>
-    <p:extLst>
-      <p:ext uri="{BB962C8B-B14F-4D97-AF65-F5344CB8AC3E}">
-        <p14:creationId xmlns:p14="http://schemas.microsoft.com/office/powerpoint/2010/main" val="2686131557"/>
-      </p:ext>
-    </p:extLst>
-  </p:cSld>
-  <p:clrMapOvr>
-    <a:masterClrMapping/>
-  </p:clrMapOvr>
-</p:sld>
-</file>
-
-<file path=ppt/slides/slide17.xml><?xml version="1.0" encoding="utf-8"?>
-<p:sld xmlns:a="http://schemas.openxmlformats.org/drawingml/2006/main" xmlns:r="http://schemas.openxmlformats.org/officeDocument/2006/relationships" xmlns:p="http://schemas.openxmlformats.org/presentationml/2006/main">
-  <p:cSld>
-    <p:spTree>
-      <p:nvGrpSpPr>
-        <p:cNvPr id="1" name=""/>
-        <p:cNvGrpSpPr/>
-        <p:nvPr/>
-      </p:nvGrpSpPr>
-      <p:grpSpPr>
-        <a:xfrm>
-          <a:off x="0" y="0"/>
-          <a:ext cx="0" cy="0"/>
-          <a:chOff x="0" y="0"/>
-          <a:chExt cx="0" cy="0"/>
-        </a:xfrm>
-      </p:grpSpPr>
-      <p:sp>
-        <p:nvSpPr>
-          <p:cNvPr id="2" name="Title 1">
-            <a:extLst>
-              <a:ext uri="{FF2B5EF4-FFF2-40B4-BE49-F238E27FC236}">
-                <a16:creationId xmlns:a16="http://schemas.microsoft.com/office/drawing/2014/main" id="{F4D605B8-B9FD-D04F-83D0-23EE0D71DE10}"/>
-              </a:ext>
-            </a:extLst>
-          </p:cNvPr>
-          <p:cNvSpPr>
-            <a:spLocks noGrp="1"/>
-          </p:cNvSpPr>
-          <p:nvPr>
-            <p:ph type="title"/>
-          </p:nvPr>
-        </p:nvSpPr>
-        <p:spPr/>
-        <p:txBody>
-          <a:bodyPr/>
-          <a:lstStyle/>
-          <a:p>
-            <a:r>
-              <a:rPr lang="en-US" dirty="0" err="1"/>
-              <a:t>BuildPacks</a:t>
-            </a:r>
-            <a:r>
-              <a:rPr lang="en-US" dirty="0"/>
-              <a:t> </a:t>
-            </a:r>
-          </a:p>
-        </p:txBody>
-      </p:sp>
-      <p:sp>
-        <p:nvSpPr>
-          <p:cNvPr id="3" name="Text Placeholder 2">
-            <a:extLst>
-              <a:ext uri="{FF2B5EF4-FFF2-40B4-BE49-F238E27FC236}">
-                <a16:creationId xmlns:a16="http://schemas.microsoft.com/office/drawing/2014/main" id="{0601C5F7-7F4A-4A4E-ACDE-D8BDCE1BC2B8}"/>
-              </a:ext>
-            </a:extLst>
-          </p:cNvPr>
-          <p:cNvSpPr>
-            <a:spLocks noGrp="1"/>
-          </p:cNvSpPr>
-          <p:nvPr>
-            <p:ph type="body" idx="1"/>
-          </p:nvPr>
-        </p:nvSpPr>
-        <p:spPr>
-          <a:xfrm>
-            <a:off x="838200" y="1328846"/>
-            <a:ext cx="6724828" cy="4848117"/>
-          </a:xfrm>
-        </p:spPr>
-        <p:txBody>
-          <a:bodyPr/>
-          <a:lstStyle/>
-          <a:p>
-            <a:r>
-              <a:rPr lang="en-US" dirty="0"/>
-              <a:t>We will be using the </a:t>
-            </a:r>
-            <a:r>
-              <a:rPr lang="en-US" dirty="0" err="1"/>
-              <a:t>buildpacks</a:t>
-            </a:r>
-            <a:r>
-              <a:rPr lang="en-US" dirty="0"/>
-              <a:t> example from </a:t>
-            </a:r>
-            <a:r>
-              <a:rPr lang="en-US" dirty="0" err="1"/>
-              <a:t>tekton</a:t>
-            </a:r>
-            <a:r>
-              <a:rPr lang="en-US" dirty="0"/>
-              <a:t> catalog with slight modification:</a:t>
-            </a:r>
-          </a:p>
-          <a:p>
-            <a:pPr lvl="1"/>
-            <a:r>
-              <a:rPr lang="en-US" dirty="0"/>
-              <a:t>The </a:t>
-            </a:r>
-            <a:r>
-              <a:rPr lang="en-US" dirty="0" err="1"/>
-              <a:t>buildpacks</a:t>
-            </a:r>
-            <a:r>
-              <a:rPr lang="en-US" dirty="0"/>
-              <a:t> task will be replaced with the below:</a:t>
-            </a:r>
-          </a:p>
-          <a:p>
-            <a:pPr lvl="1"/>
-            <a:r>
-              <a:rPr lang="en-US" dirty="0">
-                <a:hlinkClick r:id="rId3"/>
-              </a:rPr>
-              <a:t>https://github.com/buildpacks/tekton-integration/tree/main/task/buildpacks/0.4</a:t>
-            </a:r>
-            <a:endParaRPr lang="en-US" dirty="0"/>
-          </a:p>
-          <a:p>
-            <a:pPr lvl="1"/>
-            <a:r>
-              <a:rPr lang="en-US" dirty="0"/>
-              <a:t>This has the necessary results fields needed by chains to capture the IMAGE_URL and IMAGE_DIGEST</a:t>
-            </a:r>
-          </a:p>
-          <a:p>
-            <a:pPr lvl="1"/>
-            <a:endParaRPr lang="en-US" dirty="0"/>
-          </a:p>
-          <a:p>
-            <a:pPr marL="114300" indent="0">
-              <a:buNone/>
-            </a:pPr>
-            <a:br>
-              <a:rPr lang="en-US" dirty="0"/>
-            </a:br>
-            <a:endParaRPr lang="en-US" dirty="0"/>
-          </a:p>
-        </p:txBody>
-      </p:sp>
-      <p:pic>
-        <p:nvPicPr>
-          <p:cNvPr id="6146" name="Picture 2">
-            <a:extLst>
-              <a:ext uri="{FF2B5EF4-FFF2-40B4-BE49-F238E27FC236}">
-                <a16:creationId xmlns:a16="http://schemas.microsoft.com/office/drawing/2014/main" id="{973D916D-5645-944B-807B-3C27E0BCDE2D}"/>
-              </a:ext>
-            </a:extLst>
-          </p:cNvPr>
-          <p:cNvPicPr>
-            <a:picLocks noChangeAspect="1" noChangeArrowheads="1"/>
-          </p:cNvPicPr>
-          <p:nvPr/>
-        </p:nvPicPr>
-        <p:blipFill>
-          <a:blip r:embed="rId4">
-            <a:extLst>
-              <a:ext uri="{28A0092B-C50C-407E-A947-70E740481C1C}">
-                <a14:useLocalDpi xmlns:a14="http://schemas.microsoft.com/office/drawing/2010/main" val="0"/>
-              </a:ext>
-            </a:extLst>
-          </a:blip>
-          <a:srcRect/>
-          <a:stretch>
-            <a:fillRect/>
-          </a:stretch>
-        </p:blipFill>
-        <p:spPr bwMode="auto">
-          <a:xfrm>
-            <a:off x="8219966" y="1948136"/>
-            <a:ext cx="2184400" cy="2730500"/>
-          </a:xfrm>
-          <a:prstGeom prst="rect">
-            <a:avLst/>
-          </a:prstGeom>
-          <a:noFill/>
-          <a:extLst>
-            <a:ext uri="{909E8E84-426E-40DD-AFC4-6F175D3DCCD1}">
-              <a14:hiddenFill xmlns:a14="http://schemas.microsoft.com/office/drawing/2010/main">
-                <a:solidFill>
-                  <a:srgbClr val="FFFFFF"/>
-                </a:solidFill>
-              </a14:hiddenFill>
-            </a:ext>
-          </a:extLst>
-        </p:spPr>
-      </p:pic>
-    </p:spTree>
-    <p:extLst>
-      <p:ext uri="{BB962C8B-B14F-4D97-AF65-F5344CB8AC3E}">
-        <p14:creationId xmlns:p14="http://schemas.microsoft.com/office/powerpoint/2010/main" val="1640485735"/>
-      </p:ext>
-    </p:extLst>
-  </p:cSld>
-  <p:clrMapOvr>
-    <a:masterClrMapping/>
-  </p:clrMapOvr>
-</p:sld>
-</file>
-
-<file path=ppt/slides/slide2.xml><?xml version="1.0" encoding="utf-8"?>
-<p:sld xmlns:a="http://schemas.openxmlformats.org/drawingml/2006/main" xmlns:r="http://schemas.openxmlformats.org/officeDocument/2006/relationships" xmlns:p="http://schemas.openxmlformats.org/presentationml/2006/main">
-  <p:cSld>
-    <p:spTree>
-      <p:nvGrpSpPr>
-        <p:cNvPr id="1" name="Shape 223"/>
-        <p:cNvGrpSpPr/>
-        <p:nvPr/>
-      </p:nvGrpSpPr>
-      <p:grpSpPr>
-        <a:xfrm>
-          <a:off x="0" y="0"/>
-          <a:ext cx="0" cy="0"/>
-          <a:chOff x="0" y="0"/>
-          <a:chExt cx="0" cy="0"/>
-        </a:xfrm>
-      </p:grpSpPr>
-      <p:sp>
-        <p:nvSpPr>
-          <p:cNvPr id="224" name="Google Shape;224;p33"/>
-          <p:cNvSpPr txBox="1">
-            <a:spLocks noGrp="1"/>
-          </p:cNvSpPr>
-          <p:nvPr>
-            <p:ph type="title"/>
-          </p:nvPr>
-        </p:nvSpPr>
-        <p:spPr>
-          <a:xfrm>
-            <a:off x="838200" y="0"/>
-            <a:ext cx="10515600" cy="1062300"/>
-          </a:xfrm>
-          <a:prstGeom prst="rect">
-            <a:avLst/>
-          </a:prstGeom>
-        </p:spPr>
-        <p:txBody>
-          <a:bodyPr spcFirstLastPara="1" wrap="square" lIns="91425" tIns="45700" rIns="91425" bIns="45700" anchor="ctr" anchorCtr="0">
-            <a:noAutofit/>
-          </a:bodyPr>
-          <a:lstStyle/>
-          <a:p>
-            <a:pPr marL="0" lvl="0" indent="0" algn="l" rtl="0">
-              <a:spcBef>
-                <a:spcPts val="0"/>
-              </a:spcBef>
-              <a:spcAft>
-                <a:spcPts val="0"/>
-              </a:spcAft>
-              <a:buNone/>
-            </a:pPr>
-            <a:r>
-              <a:rPr lang="en-US" dirty="0"/>
-              <a:t>Introduction</a:t>
-            </a:r>
-            <a:endParaRPr dirty="0"/>
-          </a:p>
-        </p:txBody>
-      </p:sp>
-      <p:sp>
-        <p:nvSpPr>
-          <p:cNvPr id="227" name="Google Shape;227;p33"/>
-          <p:cNvSpPr txBox="1"/>
-          <p:nvPr/>
-        </p:nvSpPr>
-        <p:spPr>
-          <a:xfrm>
-            <a:off x="440444" y="1468625"/>
-            <a:ext cx="6630312" cy="4585840"/>
-          </a:xfrm>
-          <a:prstGeom prst="rect">
-            <a:avLst/>
-          </a:prstGeom>
-          <a:noFill/>
-          <a:ln>
-            <a:noFill/>
-          </a:ln>
-        </p:spPr>
-        <p:txBody>
-          <a:bodyPr spcFirstLastPara="1" wrap="square" lIns="91425" tIns="91425" rIns="91425" bIns="91425" anchor="t" anchorCtr="0">
-            <a:spAutoFit/>
-          </a:bodyPr>
-          <a:lstStyle/>
-          <a:p>
-            <a:pPr marL="88900" lvl="0">
-              <a:buSzPts val="2200"/>
-            </a:pPr>
-            <a:r>
-              <a:rPr lang="en-US" sz="2200" dirty="0">
-                <a:latin typeface="Open Sans"/>
-                <a:ea typeface="Open Sans"/>
-                <a:cs typeface="Open Sans"/>
-                <a:sym typeface="Open Sans"/>
-              </a:rPr>
-              <a:t>Name: </a:t>
-            </a:r>
-            <a:r>
-              <a:rPr lang="en-US" sz="2200" dirty="0" err="1">
-                <a:latin typeface="Open Sans"/>
-                <a:ea typeface="Open Sans"/>
-                <a:cs typeface="Open Sans"/>
-                <a:sym typeface="Open Sans"/>
-              </a:rPr>
-              <a:t>Parth</a:t>
-            </a:r>
-            <a:r>
-              <a:rPr lang="en-US" sz="2200" dirty="0">
-                <a:latin typeface="Open Sans"/>
-                <a:ea typeface="Open Sans"/>
-                <a:cs typeface="Open Sans"/>
-                <a:sym typeface="Open Sans"/>
-              </a:rPr>
-              <a:t> Patel</a:t>
-            </a:r>
-          </a:p>
-          <a:p>
-            <a:pPr marL="88900" lvl="0">
-              <a:buSzPts val="2200"/>
-            </a:pPr>
-            <a:r>
-              <a:rPr lang="en-US" sz="2200" dirty="0">
-                <a:latin typeface="Open Sans"/>
-                <a:ea typeface="Open Sans"/>
-                <a:cs typeface="Open Sans"/>
-                <a:sym typeface="Open Sans"/>
-              </a:rPr>
-              <a:t>Title: </a:t>
-            </a:r>
-            <a:r>
-              <a:rPr lang="en-US" sz="2200" dirty="0" err="1">
-                <a:latin typeface="Open Sans"/>
-                <a:ea typeface="Open Sans"/>
-                <a:cs typeface="Open Sans"/>
-                <a:sym typeface="Open Sans"/>
-              </a:rPr>
-              <a:t>Devops</a:t>
-            </a:r>
-            <a:r>
-              <a:rPr lang="en-US" sz="2200" dirty="0">
-                <a:latin typeface="Open Sans"/>
-                <a:ea typeface="Open Sans"/>
-                <a:cs typeface="Open Sans"/>
-                <a:sym typeface="Open Sans"/>
-              </a:rPr>
-              <a:t> Engineer</a:t>
-            </a:r>
-          </a:p>
-          <a:p>
-            <a:pPr marL="88900" lvl="0">
-              <a:buSzPts val="2200"/>
-            </a:pPr>
-            <a:r>
-              <a:rPr lang="en-US" sz="2200" dirty="0">
-                <a:latin typeface="Open Sans"/>
-                <a:ea typeface="Open Sans"/>
-                <a:cs typeface="Open Sans"/>
-                <a:sym typeface="Open Sans"/>
-              </a:rPr>
-              <a:t>Company: </a:t>
-            </a:r>
-            <a:r>
-              <a:rPr lang="en-US" sz="2200" dirty="0" err="1">
-                <a:latin typeface="Open Sans"/>
-                <a:ea typeface="Open Sans"/>
-                <a:cs typeface="Open Sans"/>
-                <a:sym typeface="Open Sans"/>
-              </a:rPr>
-              <a:t>BoxBoat</a:t>
-            </a:r>
-            <a:endParaRPr lang="en-US" sz="2200" dirty="0">
-              <a:latin typeface="Open Sans"/>
-              <a:ea typeface="Open Sans"/>
-              <a:cs typeface="Open Sans"/>
-              <a:sym typeface="Open Sans"/>
-            </a:endParaRPr>
-          </a:p>
-          <a:p>
-            <a:pPr marL="431800" lvl="0" indent="-342900">
-              <a:buSzPts val="2200"/>
-              <a:buFont typeface="Arial" panose="020B0604020202020204" pitchFamily="34" charset="0"/>
-              <a:buChar char="•"/>
-            </a:pPr>
-            <a:r>
-              <a:rPr lang="en-US" sz="2200" dirty="0">
-                <a:latin typeface="Open Sans"/>
-                <a:ea typeface="Open Sans"/>
-                <a:cs typeface="Open Sans"/>
-                <a:sym typeface="Open Sans"/>
-              </a:rPr>
-              <a:t>Recently got acquired by IBM</a:t>
-            </a:r>
-          </a:p>
-          <a:p>
-            <a:pPr marL="431800" indent="-342900">
-              <a:buSzPts val="2200"/>
-              <a:buFont typeface="Arial" panose="020B0604020202020204" pitchFamily="34" charset="0"/>
-              <a:buChar char="•"/>
-            </a:pPr>
-            <a:r>
-              <a:rPr lang="en-US" sz="2200" dirty="0">
-                <a:latin typeface="Open Sans"/>
-                <a:ea typeface="Open Sans"/>
-                <a:cs typeface="Open Sans"/>
-                <a:sym typeface="Open Sans"/>
-              </a:rPr>
-              <a:t>Containerization, managing cloud infrastructure, utilizing various Kubernetes platforms and tools</a:t>
-            </a:r>
-          </a:p>
-          <a:p>
-            <a:pPr marL="431800" indent="-342900">
-              <a:buSzPts val="2200"/>
-              <a:buFont typeface="Arial" panose="020B0604020202020204" pitchFamily="34" charset="0"/>
-              <a:buChar char="•"/>
-            </a:pPr>
-            <a:r>
-              <a:rPr lang="en-US" sz="2200" dirty="0">
-                <a:latin typeface="Open Sans"/>
-                <a:ea typeface="Open Sans"/>
-                <a:cs typeface="Open Sans"/>
-                <a:sym typeface="Open Sans"/>
-              </a:rPr>
-              <a:t>We are always focusing on security – recently with secure supply chain for software</a:t>
-            </a:r>
-          </a:p>
-          <a:p>
-            <a:pPr marL="431800" lvl="0" indent="-342900">
-              <a:buSzPts val="2200"/>
-              <a:buFont typeface="Arial" panose="020B0604020202020204" pitchFamily="34" charset="0"/>
-              <a:buChar char="•"/>
-            </a:pPr>
-            <a:endParaRPr lang="en-US" sz="2200" dirty="0">
-              <a:latin typeface="Open Sans"/>
-              <a:ea typeface="Open Sans"/>
-              <a:cs typeface="Open Sans"/>
-              <a:sym typeface="Open Sans"/>
-            </a:endParaRPr>
-          </a:p>
-          <a:p>
-            <a:pPr marL="431800" lvl="1" indent="-342900">
-              <a:buSzPts val="2200"/>
-              <a:buFont typeface="Arial" panose="020B0604020202020204" pitchFamily="34" charset="0"/>
-              <a:buChar char="•"/>
-            </a:pPr>
-            <a:endParaRPr lang="en-US" sz="2200" dirty="0">
-              <a:latin typeface="Open Sans"/>
-              <a:ea typeface="Open Sans"/>
-              <a:cs typeface="Open Sans"/>
-              <a:sym typeface="Open Sans"/>
-            </a:endParaRPr>
-          </a:p>
-          <a:p>
-            <a:pPr marL="88900" lvl="0">
-              <a:buSzPts val="2200"/>
-            </a:pPr>
-            <a:r>
-              <a:rPr lang="en-US" sz="2200" dirty="0">
-                <a:latin typeface="Open Sans"/>
-                <a:ea typeface="Open Sans"/>
-                <a:cs typeface="Open Sans"/>
-                <a:sym typeface="Open Sans"/>
-              </a:rPr>
-              <a:t>		</a:t>
-            </a:r>
-          </a:p>
-          <a:p>
-            <a:pPr marL="0" lvl="0" indent="0" algn="l" rtl="0">
-              <a:spcBef>
-                <a:spcPts val="0"/>
-              </a:spcBef>
-              <a:spcAft>
-                <a:spcPts val="0"/>
-              </a:spcAft>
-              <a:buNone/>
-            </a:pPr>
-            <a:endParaRPr sz="2200" dirty="0">
-              <a:latin typeface="Open Sans"/>
-              <a:ea typeface="Open Sans"/>
-              <a:cs typeface="Open Sans"/>
-              <a:sym typeface="Open Sans"/>
-            </a:endParaRPr>
-          </a:p>
-        </p:txBody>
-      </p:sp>
-      <p:pic>
-        <p:nvPicPr>
-          <p:cNvPr id="2" name="Picture 1">
-            <a:extLst>
-              <a:ext uri="{FF2B5EF4-FFF2-40B4-BE49-F238E27FC236}">
-                <a16:creationId xmlns:a16="http://schemas.microsoft.com/office/drawing/2014/main" id="{289B29C7-4A40-4C4D-BB51-C0FA5477792A}"/>
-              </a:ext>
-            </a:extLst>
-          </p:cNvPr>
-          <p:cNvPicPr>
-            <a:picLocks noChangeAspect="1"/>
-          </p:cNvPicPr>
-          <p:nvPr/>
-        </p:nvPicPr>
-        <p:blipFill>
-          <a:blip r:embed="rId3"/>
-          <a:stretch>
-            <a:fillRect/>
-          </a:stretch>
-        </p:blipFill>
-        <p:spPr>
-          <a:xfrm>
-            <a:off x="7070756" y="2607272"/>
-            <a:ext cx="4445000" cy="1498600"/>
-          </a:xfrm>
-          <a:prstGeom prst="rect">
-            <a:avLst/>
-          </a:prstGeom>
-        </p:spPr>
-      </p:pic>
-    </p:spTree>
-    <p:extLst>
-      <p:ext uri="{BB962C8B-B14F-4D97-AF65-F5344CB8AC3E}">
-        <p14:creationId xmlns:p14="http://schemas.microsoft.com/office/powerpoint/2010/main" val="2837337260"/>
-      </p:ext>
-    </p:extLst>
-  </p:cSld>
-  <p:clrMapOvr>
-    <a:masterClrMapping/>
-  </p:clrMapOvr>
-</p:sld>
-</file>
-
-<file path=ppt/slides/slide3.xml><?xml version="1.0" encoding="utf-8"?>
-<p:sld xmlns:a="http://schemas.openxmlformats.org/drawingml/2006/main" xmlns:r="http://schemas.openxmlformats.org/officeDocument/2006/relationships" xmlns:p="http://schemas.openxmlformats.org/presentationml/2006/main">
-  <p:cSld>
-    <p:spTree>
-      <p:nvGrpSpPr>
-        <p:cNvPr id="1" name="Shape 223"/>
-        <p:cNvGrpSpPr/>
-        <p:nvPr/>
-      </p:nvGrpSpPr>
-      <p:grpSpPr>
-        <a:xfrm>
-          <a:off x="0" y="0"/>
-          <a:ext cx="0" cy="0"/>
-          <a:chOff x="0" y="0"/>
-          <a:chExt cx="0" cy="0"/>
-        </a:xfrm>
-      </p:grpSpPr>
-      <p:sp>
-        <p:nvSpPr>
-          <p:cNvPr id="224" name="Google Shape;224;p33"/>
-          <p:cNvSpPr txBox="1">
-            <a:spLocks noGrp="1"/>
-          </p:cNvSpPr>
-          <p:nvPr>
-            <p:ph type="title"/>
-          </p:nvPr>
-        </p:nvSpPr>
-        <p:spPr>
-          <a:xfrm>
-            <a:off x="838200" y="0"/>
-            <a:ext cx="10515600" cy="1062300"/>
-          </a:xfrm>
-          <a:prstGeom prst="rect">
-            <a:avLst/>
-          </a:prstGeom>
-        </p:spPr>
-        <p:txBody>
-          <a:bodyPr spcFirstLastPara="1" wrap="square" lIns="91425" tIns="45700" rIns="91425" bIns="45700" anchor="ctr" anchorCtr="0">
-            <a:noAutofit/>
-          </a:bodyPr>
-          <a:lstStyle/>
-          <a:p>
-            <a:pPr marL="0" lvl="0" indent="0" algn="l" rtl="0">
-              <a:spcBef>
-                <a:spcPts val="0"/>
-              </a:spcBef>
-              <a:spcAft>
-                <a:spcPts val="0"/>
-              </a:spcAft>
-              <a:buNone/>
-            </a:pPr>
-            <a:r>
-              <a:rPr lang="en-US" dirty="0" err="1"/>
-              <a:t>Tekton</a:t>
-            </a:r>
-            <a:endParaRPr dirty="0"/>
-          </a:p>
-        </p:txBody>
-      </p:sp>
-      <p:sp>
-        <p:nvSpPr>
-          <p:cNvPr id="227" name="Google Shape;227;p33"/>
-          <p:cNvSpPr txBox="1"/>
-          <p:nvPr/>
-        </p:nvSpPr>
-        <p:spPr>
-          <a:xfrm>
-            <a:off x="440444" y="1468625"/>
-            <a:ext cx="3835800" cy="3231624"/>
-          </a:xfrm>
-          <a:prstGeom prst="rect">
-            <a:avLst/>
-          </a:prstGeom>
-          <a:noFill/>
-          <a:ln>
-            <a:noFill/>
-          </a:ln>
-        </p:spPr>
-        <p:txBody>
-          <a:bodyPr spcFirstLastPara="1" wrap="square" lIns="91425" tIns="91425" rIns="91425" bIns="91425" anchor="t" anchorCtr="0">
-            <a:spAutoFit/>
-          </a:bodyPr>
-          <a:lstStyle/>
-          <a:p>
-            <a:pPr marL="88900" lvl="0">
-              <a:buSzPts val="2200"/>
-            </a:pPr>
-            <a:r>
-              <a:rPr lang="en-US" sz="2200" dirty="0" err="1">
-                <a:latin typeface="Open Sans"/>
-                <a:ea typeface="Open Sans"/>
-                <a:cs typeface="Open Sans"/>
-                <a:sym typeface="Open Sans"/>
-              </a:rPr>
-              <a:t>Tekton</a:t>
-            </a:r>
-            <a:r>
-              <a:rPr lang="en-US" sz="2200" dirty="0">
-                <a:latin typeface="Open Sans"/>
-                <a:ea typeface="Open Sans"/>
-                <a:cs typeface="Open Sans"/>
-                <a:sym typeface="Open Sans"/>
-              </a:rPr>
-              <a:t> is a</a:t>
-            </a:r>
-          </a:p>
-          <a:p>
-            <a:pPr marL="88900" lvl="0">
-              <a:buSzPts val="2200"/>
-            </a:pPr>
-            <a:r>
-              <a:rPr lang="en-US" sz="2200" dirty="0">
-                <a:latin typeface="Open Sans"/>
-                <a:ea typeface="Open Sans"/>
-                <a:cs typeface="Open Sans"/>
-                <a:sym typeface="Open Sans"/>
-              </a:rPr>
-              <a:t>open-source framework for creating Cloud Native CI/CD systems, allowing developers to  build, test, and deploy across cloud providers and on-premise systems.</a:t>
-            </a:r>
-          </a:p>
-          <a:p>
-            <a:pPr marL="0" lvl="0" indent="0" algn="l" rtl="0">
-              <a:spcBef>
-                <a:spcPts val="0"/>
-              </a:spcBef>
-              <a:spcAft>
-                <a:spcPts val="0"/>
-              </a:spcAft>
-              <a:buNone/>
-            </a:pPr>
-            <a:endParaRPr sz="2200" dirty="0">
-              <a:latin typeface="Open Sans"/>
-              <a:ea typeface="Open Sans"/>
-              <a:cs typeface="Open Sans"/>
-              <a:sym typeface="Open Sans"/>
-            </a:endParaRPr>
-          </a:p>
-        </p:txBody>
-      </p:sp>
-      <p:pic>
-        <p:nvPicPr>
-          <p:cNvPr id="1026" name="Picture 2">
-            <a:extLst>
-              <a:ext uri="{FF2B5EF4-FFF2-40B4-BE49-F238E27FC236}">
-                <a16:creationId xmlns:a16="http://schemas.microsoft.com/office/drawing/2014/main" id="{607939E6-9B3D-4747-A74B-4F9E8CAF4C1C}"/>
-              </a:ext>
-            </a:extLst>
-          </p:cNvPr>
-          <p:cNvPicPr>
-            <a:picLocks noChangeAspect="1" noChangeArrowheads="1"/>
-          </p:cNvPicPr>
-          <p:nvPr/>
-        </p:nvPicPr>
-        <p:blipFill>
-          <a:blip r:embed="rId3">
-            <a:extLst>
-              <a:ext uri="{28A0092B-C50C-407E-A947-70E740481C1C}">
-                <a14:useLocalDpi xmlns:a14="http://schemas.microsoft.com/office/drawing/2010/main" val="0"/>
-              </a:ext>
-            </a:extLst>
-          </a:blip>
-          <a:srcRect/>
-          <a:stretch>
-            <a:fillRect/>
-          </a:stretch>
-        </p:blipFill>
-        <p:spPr bwMode="auto">
-          <a:xfrm>
-            <a:off x="4495519" y="2048355"/>
-            <a:ext cx="6858281" cy="2198579"/>
-          </a:xfrm>
-          <a:prstGeom prst="rect">
-            <a:avLst/>
-          </a:prstGeom>
-          <a:noFill/>
-          <a:extLst>
-            <a:ext uri="{909E8E84-426E-40DD-AFC4-6F175D3DCCD1}">
-              <a14:hiddenFill xmlns:a14="http://schemas.microsoft.com/office/drawing/2010/main">
-                <a:solidFill>
-                  <a:srgbClr val="FFFFFF"/>
-                </a:solidFill>
-              </a14:hiddenFill>
-            </a:ext>
-          </a:extLst>
-        </p:spPr>
-      </p:pic>
-    </p:spTree>
-  </p:cSld>
-  <p:clrMapOvr>
-    <a:masterClrMapping/>
-  </p:clrMapOvr>
-</p:sld>
-</file>
-
-<file path=ppt/slides/slide4.xml><?xml version="1.0" encoding="utf-8"?>
-<p:sld xmlns:a="http://schemas.openxmlformats.org/drawingml/2006/main" xmlns:r="http://schemas.openxmlformats.org/officeDocument/2006/relationships" xmlns:p="http://schemas.openxmlformats.org/presentationml/2006/main">
-  <p:cSld>
-    <p:spTree>
-      <p:nvGrpSpPr>
-        <p:cNvPr id="1" name="Shape 223"/>
-        <p:cNvGrpSpPr/>
-        <p:nvPr/>
-      </p:nvGrpSpPr>
-      <p:grpSpPr>
-        <a:xfrm>
-          <a:off x="0" y="0"/>
-          <a:ext cx="0" cy="0"/>
-          <a:chOff x="0" y="0"/>
-          <a:chExt cx="0" cy="0"/>
-        </a:xfrm>
-      </p:grpSpPr>
-      <p:sp>
-        <p:nvSpPr>
-          <p:cNvPr id="224" name="Google Shape;224;p33"/>
-          <p:cNvSpPr txBox="1">
-            <a:spLocks noGrp="1"/>
-          </p:cNvSpPr>
-          <p:nvPr>
-            <p:ph type="title"/>
-          </p:nvPr>
-        </p:nvSpPr>
-        <p:spPr>
-          <a:xfrm>
-            <a:off x="838200" y="0"/>
-            <a:ext cx="10515600" cy="1062300"/>
-          </a:xfrm>
-          <a:prstGeom prst="rect">
-            <a:avLst/>
-          </a:prstGeom>
-        </p:spPr>
-        <p:txBody>
-          <a:bodyPr spcFirstLastPara="1" wrap="square" lIns="91425" tIns="45700" rIns="91425" bIns="45700" anchor="ctr" anchorCtr="0">
-            <a:noAutofit/>
-          </a:bodyPr>
-          <a:lstStyle/>
-          <a:p>
-            <a:pPr marL="0" lvl="0" indent="0" algn="l" rtl="0">
-              <a:spcBef>
-                <a:spcPts val="0"/>
-              </a:spcBef>
-              <a:spcAft>
-                <a:spcPts val="0"/>
-              </a:spcAft>
-              <a:buNone/>
-            </a:pPr>
-            <a:r>
-              <a:rPr lang="en-US" dirty="0"/>
-              <a:t>Multi-part</a:t>
-            </a:r>
-            <a:endParaRPr dirty="0"/>
-          </a:p>
-        </p:txBody>
-      </p:sp>
-      <p:sp>
-        <p:nvSpPr>
-          <p:cNvPr id="227" name="Google Shape;227;p33"/>
-          <p:cNvSpPr txBox="1"/>
-          <p:nvPr/>
-        </p:nvSpPr>
-        <p:spPr>
-          <a:xfrm>
-            <a:off x="440444" y="1468625"/>
-            <a:ext cx="3835800" cy="3231624"/>
-          </a:xfrm>
-          <a:prstGeom prst="rect">
-            <a:avLst/>
-          </a:prstGeom>
-          <a:noFill/>
-          <a:ln>
-            <a:noFill/>
-          </a:ln>
-        </p:spPr>
-        <p:txBody>
-          <a:bodyPr spcFirstLastPara="1" wrap="square" lIns="91425" tIns="91425" rIns="91425" bIns="91425" anchor="t" anchorCtr="0">
-            <a:spAutoFit/>
-          </a:bodyPr>
-          <a:lstStyle/>
-          <a:p>
-            <a:pPr marL="88900" lvl="0">
-              <a:buSzPts val="2200"/>
-            </a:pPr>
-            <a:r>
-              <a:rPr lang="en-US" sz="2200" dirty="0" err="1">
-                <a:latin typeface="Open Sans"/>
-                <a:ea typeface="Open Sans"/>
-                <a:cs typeface="Open Sans"/>
-                <a:sym typeface="Open Sans"/>
-              </a:rPr>
-              <a:t>Tekton</a:t>
-            </a:r>
-            <a:r>
-              <a:rPr lang="en-US" sz="2200" dirty="0">
-                <a:latin typeface="Open Sans"/>
-                <a:ea typeface="Open Sans"/>
-                <a:cs typeface="Open Sans"/>
-                <a:sym typeface="Open Sans"/>
-              </a:rPr>
-              <a:t> consists of multiple projects that build on each other.</a:t>
-            </a:r>
-          </a:p>
-          <a:p>
-            <a:pPr marL="431800" lvl="0" indent="-342900">
-              <a:buSzPts val="2200"/>
-              <a:buFont typeface="Arial" panose="020B0604020202020204" pitchFamily="34" charset="0"/>
-              <a:buChar char="•"/>
-            </a:pPr>
-            <a:r>
-              <a:rPr lang="en-US" sz="2200" dirty="0" err="1">
-                <a:latin typeface="Open Sans"/>
-                <a:ea typeface="Open Sans"/>
-                <a:cs typeface="Open Sans"/>
-                <a:sym typeface="Open Sans"/>
-              </a:rPr>
-              <a:t>Tekton</a:t>
-            </a:r>
-            <a:r>
-              <a:rPr lang="en-US" sz="2200" dirty="0">
-                <a:latin typeface="Open Sans"/>
-                <a:ea typeface="Open Sans"/>
-                <a:cs typeface="Open Sans"/>
-                <a:sym typeface="Open Sans"/>
-              </a:rPr>
-              <a:t> Pipelines</a:t>
-            </a:r>
-          </a:p>
-          <a:p>
-            <a:pPr marL="431800" lvl="0" indent="-342900">
-              <a:buSzPts val="2200"/>
-              <a:buFont typeface="Arial" panose="020B0604020202020204" pitchFamily="34" charset="0"/>
-              <a:buChar char="•"/>
-            </a:pPr>
-            <a:r>
-              <a:rPr lang="en-US" sz="2200" dirty="0" err="1">
-                <a:latin typeface="Open Sans"/>
-                <a:ea typeface="Open Sans"/>
-                <a:cs typeface="Open Sans"/>
-                <a:sym typeface="Open Sans"/>
-              </a:rPr>
-              <a:t>Tekton</a:t>
-            </a:r>
-            <a:r>
-              <a:rPr lang="en-US" sz="2200" dirty="0">
-                <a:latin typeface="Open Sans"/>
-                <a:ea typeface="Open Sans"/>
-                <a:cs typeface="Open Sans"/>
-                <a:sym typeface="Open Sans"/>
-              </a:rPr>
-              <a:t> CLI</a:t>
-            </a:r>
-          </a:p>
-          <a:p>
-            <a:pPr marL="431800" indent="-342900">
-              <a:buSzPts val="2200"/>
-              <a:buFont typeface="Arial" panose="020B0604020202020204" pitchFamily="34" charset="0"/>
-              <a:buChar char="•"/>
-            </a:pPr>
-            <a:r>
-              <a:rPr lang="en-US" sz="2200" dirty="0" err="1">
-                <a:latin typeface="Open Sans"/>
-                <a:ea typeface="Open Sans"/>
-                <a:cs typeface="Open Sans"/>
-                <a:sym typeface="Open Sans"/>
-              </a:rPr>
-              <a:t>Tekton</a:t>
-            </a:r>
-            <a:r>
-              <a:rPr lang="en-US" sz="2200" dirty="0">
-                <a:latin typeface="Open Sans"/>
-                <a:ea typeface="Open Sans"/>
-                <a:cs typeface="Open Sans"/>
-                <a:sym typeface="Open Sans"/>
-              </a:rPr>
-              <a:t> Dashboard</a:t>
-            </a:r>
-          </a:p>
-          <a:p>
-            <a:pPr marL="431800" lvl="0" indent="-342900">
-              <a:buSzPts val="2200"/>
-              <a:buFont typeface="Arial" panose="020B0604020202020204" pitchFamily="34" charset="0"/>
-              <a:buChar char="•"/>
-            </a:pPr>
-            <a:r>
-              <a:rPr lang="en-US" sz="2200" dirty="0" err="1">
-                <a:latin typeface="Open Sans"/>
-                <a:ea typeface="Open Sans"/>
-                <a:cs typeface="Open Sans"/>
-                <a:sym typeface="Open Sans"/>
-              </a:rPr>
-              <a:t>Tekton</a:t>
-            </a:r>
-            <a:r>
-              <a:rPr lang="en-US" sz="2200" dirty="0">
-                <a:latin typeface="Open Sans"/>
-                <a:ea typeface="Open Sans"/>
-                <a:cs typeface="Open Sans"/>
-                <a:sym typeface="Open Sans"/>
-              </a:rPr>
-              <a:t> Catalog/Hub</a:t>
-            </a:r>
-          </a:p>
-          <a:p>
-            <a:pPr marL="431800" lvl="0" indent="-342900">
-              <a:buSzPts val="2200"/>
-              <a:buFont typeface="Arial" panose="020B0604020202020204" pitchFamily="34" charset="0"/>
-              <a:buChar char="•"/>
-            </a:pPr>
-            <a:r>
-              <a:rPr lang="en-US" sz="2200" dirty="0" err="1">
-                <a:latin typeface="Open Sans"/>
-                <a:ea typeface="Open Sans"/>
-                <a:cs typeface="Open Sans"/>
-                <a:sym typeface="Open Sans"/>
-              </a:rPr>
-              <a:t>Tekton</a:t>
-            </a:r>
-            <a:r>
-              <a:rPr lang="en-US" sz="2200" dirty="0">
-                <a:latin typeface="Open Sans"/>
-                <a:ea typeface="Open Sans"/>
-                <a:cs typeface="Open Sans"/>
-                <a:sym typeface="Open Sans"/>
-              </a:rPr>
-              <a:t> Chains</a:t>
-            </a:r>
-          </a:p>
-          <a:p>
-            <a:pPr marL="0" lvl="0" indent="0" algn="l" rtl="0">
-              <a:spcBef>
-                <a:spcPts val="0"/>
-              </a:spcBef>
-              <a:spcAft>
-                <a:spcPts val="0"/>
-              </a:spcAft>
-              <a:buNone/>
-            </a:pPr>
-            <a:endParaRPr sz="2200" dirty="0">
-              <a:latin typeface="Open Sans"/>
-              <a:ea typeface="Open Sans"/>
-              <a:cs typeface="Open Sans"/>
-              <a:sym typeface="Open Sans"/>
-            </a:endParaRPr>
-          </a:p>
-        </p:txBody>
-      </p:sp>
-      <p:pic>
-        <p:nvPicPr>
-          <p:cNvPr id="1026" name="Picture 2">
-            <a:extLst>
-              <a:ext uri="{FF2B5EF4-FFF2-40B4-BE49-F238E27FC236}">
-                <a16:creationId xmlns:a16="http://schemas.microsoft.com/office/drawing/2014/main" id="{607939E6-9B3D-4747-A74B-4F9E8CAF4C1C}"/>
-              </a:ext>
-            </a:extLst>
-          </p:cNvPr>
-          <p:cNvPicPr>
-            <a:picLocks noChangeAspect="1" noChangeArrowheads="1"/>
-          </p:cNvPicPr>
-          <p:nvPr/>
-        </p:nvPicPr>
-        <p:blipFill>
-          <a:blip r:embed="rId3">
-            <a:extLst>
-              <a:ext uri="{28A0092B-C50C-407E-A947-70E740481C1C}">
-                <a14:useLocalDpi xmlns:a14="http://schemas.microsoft.com/office/drawing/2010/main" val="0"/>
-              </a:ext>
-            </a:extLst>
-          </a:blip>
-          <a:srcRect/>
-          <a:stretch>
-            <a:fillRect/>
-          </a:stretch>
-        </p:blipFill>
-        <p:spPr bwMode="auto">
-          <a:xfrm>
-            <a:off x="4495519" y="2048355"/>
-            <a:ext cx="6858281" cy="2198579"/>
-          </a:xfrm>
-          <a:prstGeom prst="rect">
-            <a:avLst/>
-          </a:prstGeom>
-          <a:noFill/>
-          <a:extLst>
-            <a:ext uri="{909E8E84-426E-40DD-AFC4-6F175D3DCCD1}">
-              <a14:hiddenFill xmlns:a14="http://schemas.microsoft.com/office/drawing/2010/main">
-                <a:solidFill>
-                  <a:srgbClr val="FFFFFF"/>
-                </a:solidFill>
-              </a14:hiddenFill>
-            </a:ext>
-          </a:extLst>
-        </p:spPr>
-      </p:pic>
-    </p:spTree>
-    <p:extLst>
-      <p:ext uri="{BB962C8B-B14F-4D97-AF65-F5344CB8AC3E}">
-        <p14:creationId xmlns:p14="http://schemas.microsoft.com/office/powerpoint/2010/main" val="1358305879"/>
-      </p:ext>
-    </p:extLst>
-  </p:cSld>
-  <p:clrMapOvr>
-    <a:masterClrMapping/>
-  </p:clrMapOvr>
-</p:sld>
-</file>
-
-<file path=ppt/slides/slide5.xml><?xml version="1.0" encoding="utf-8"?>
-<p:sld xmlns:a="http://schemas.openxmlformats.org/drawingml/2006/main" xmlns:r="http://schemas.openxmlformats.org/officeDocument/2006/relationships" xmlns:p="http://schemas.openxmlformats.org/presentationml/2006/main">
-  <p:cSld>
-    <p:spTree>
-      <p:nvGrpSpPr>
-        <p:cNvPr id="1" name="Shape 223"/>
-        <p:cNvGrpSpPr/>
-        <p:nvPr/>
-      </p:nvGrpSpPr>
-      <p:grpSpPr>
-        <a:xfrm>
-          <a:off x="0" y="0"/>
-          <a:ext cx="0" cy="0"/>
-          <a:chOff x="0" y="0"/>
-          <a:chExt cx="0" cy="0"/>
-        </a:xfrm>
-      </p:grpSpPr>
-      <p:sp>
-        <p:nvSpPr>
-          <p:cNvPr id="224" name="Google Shape;224;p33"/>
-          <p:cNvSpPr txBox="1">
-            <a:spLocks noGrp="1"/>
-          </p:cNvSpPr>
-          <p:nvPr>
-            <p:ph type="title"/>
-          </p:nvPr>
-        </p:nvSpPr>
-        <p:spPr>
-          <a:xfrm>
-            <a:off x="838200" y="0"/>
-            <a:ext cx="10515600" cy="1062300"/>
-          </a:xfrm>
-          <a:prstGeom prst="rect">
-            <a:avLst/>
-          </a:prstGeom>
-        </p:spPr>
-        <p:txBody>
-          <a:bodyPr spcFirstLastPara="1" wrap="square" lIns="91425" tIns="45700" rIns="91425" bIns="45700" anchor="ctr" anchorCtr="0">
-            <a:noAutofit/>
-          </a:bodyPr>
-          <a:lstStyle/>
-          <a:p>
-            <a:pPr marL="0" lvl="0" indent="0" algn="l" rtl="0">
-              <a:spcBef>
-                <a:spcPts val="0"/>
-              </a:spcBef>
-              <a:spcAft>
-                <a:spcPts val="0"/>
-              </a:spcAft>
-              <a:buNone/>
-            </a:pPr>
-            <a:r>
-              <a:rPr lang="en-US" dirty="0"/>
-              <a:t>Task and </a:t>
-            </a:r>
-            <a:r>
-              <a:rPr lang="en-US" dirty="0" err="1"/>
-              <a:t>Taskrun</a:t>
-            </a:r>
-            <a:endParaRPr dirty="0"/>
-          </a:p>
-        </p:txBody>
-      </p:sp>
-      <p:pic>
-        <p:nvPicPr>
-          <p:cNvPr id="3" name="Picture 2">
-            <a:extLst>
-              <a:ext uri="{FF2B5EF4-FFF2-40B4-BE49-F238E27FC236}">
-                <a16:creationId xmlns:a16="http://schemas.microsoft.com/office/drawing/2014/main" id="{71025EB9-1C27-0949-8B52-BAB614F7532A}"/>
-              </a:ext>
-            </a:extLst>
-          </p:cNvPr>
-          <p:cNvPicPr>
-            <a:picLocks noChangeAspect="1"/>
-          </p:cNvPicPr>
-          <p:nvPr/>
-        </p:nvPicPr>
-        <p:blipFill>
-          <a:blip r:embed="rId3"/>
-          <a:stretch>
-            <a:fillRect/>
-          </a:stretch>
-        </p:blipFill>
-        <p:spPr>
-          <a:xfrm>
-            <a:off x="214366" y="1308536"/>
-            <a:ext cx="6001707" cy="4734911"/>
-          </a:xfrm>
-          <a:prstGeom prst="rect">
-            <a:avLst/>
-          </a:prstGeom>
-        </p:spPr>
-      </p:pic>
-      <p:pic>
-        <p:nvPicPr>
-          <p:cNvPr id="4" name="Picture 3">
-            <a:extLst>
-              <a:ext uri="{FF2B5EF4-FFF2-40B4-BE49-F238E27FC236}">
-                <a16:creationId xmlns:a16="http://schemas.microsoft.com/office/drawing/2014/main" id="{D35F829B-FEDE-9D41-BDC8-CA90F31A383E}"/>
-              </a:ext>
-            </a:extLst>
-          </p:cNvPr>
-          <p:cNvPicPr>
-            <a:picLocks noChangeAspect="1"/>
-          </p:cNvPicPr>
-          <p:nvPr/>
-        </p:nvPicPr>
-        <p:blipFill>
-          <a:blip r:embed="rId4"/>
-          <a:stretch>
-            <a:fillRect/>
-          </a:stretch>
-        </p:blipFill>
-        <p:spPr>
-          <a:xfrm>
-            <a:off x="6216072" y="1308535"/>
-            <a:ext cx="4157637" cy="4634309"/>
-          </a:xfrm>
-          <a:prstGeom prst="rect">
-            <a:avLst/>
-          </a:prstGeom>
-        </p:spPr>
-      </p:pic>
-    </p:spTree>
-    <p:extLst>
-      <p:ext uri="{BB962C8B-B14F-4D97-AF65-F5344CB8AC3E}">
-        <p14:creationId xmlns:p14="http://schemas.microsoft.com/office/powerpoint/2010/main" val="4136780560"/>
-      </p:ext>
-    </p:extLst>
-  </p:cSld>
-  <p:clrMapOvr>
-    <a:masterClrMapping/>
-  </p:clrMapOvr>
-</p:sld>
-</file>
-
-<file path=ppt/slides/slide6.xml><?xml version="1.0" encoding="utf-8"?>
-<p:sld xmlns:a="http://schemas.openxmlformats.org/drawingml/2006/main" xmlns:r="http://schemas.openxmlformats.org/officeDocument/2006/relationships" xmlns:p="http://schemas.openxmlformats.org/presentationml/2006/main">
-  <p:cSld>
-    <p:spTree>
-      <p:nvGrpSpPr>
-        <p:cNvPr id="1" name="Shape 223"/>
-        <p:cNvGrpSpPr/>
-        <p:nvPr/>
-      </p:nvGrpSpPr>
-      <p:grpSpPr>
-        <a:xfrm>
-          <a:off x="0" y="0"/>
-          <a:ext cx="0" cy="0"/>
-          <a:chOff x="0" y="0"/>
-          <a:chExt cx="0" cy="0"/>
-        </a:xfrm>
-      </p:grpSpPr>
-      <p:sp>
-        <p:nvSpPr>
-          <p:cNvPr id="224" name="Google Shape;224;p33"/>
-          <p:cNvSpPr txBox="1">
-            <a:spLocks noGrp="1"/>
-          </p:cNvSpPr>
-          <p:nvPr>
-            <p:ph type="title"/>
-          </p:nvPr>
-        </p:nvSpPr>
-        <p:spPr>
-          <a:xfrm>
-            <a:off x="838200" y="0"/>
-            <a:ext cx="10515600" cy="1062300"/>
-          </a:xfrm>
-          <a:prstGeom prst="rect">
-            <a:avLst/>
-          </a:prstGeom>
-        </p:spPr>
-        <p:txBody>
-          <a:bodyPr spcFirstLastPara="1" wrap="square" lIns="91425" tIns="45700" rIns="91425" bIns="45700" anchor="ctr" anchorCtr="0">
-            <a:noAutofit/>
-          </a:bodyPr>
-          <a:lstStyle/>
-          <a:p>
-            <a:pPr marL="0" lvl="0" indent="0" algn="l" rtl="0">
-              <a:spcBef>
-                <a:spcPts val="0"/>
-              </a:spcBef>
-              <a:spcAft>
-                <a:spcPts val="0"/>
-              </a:spcAft>
-              <a:buNone/>
-            </a:pPr>
-            <a:r>
-              <a:rPr lang="en-US" dirty="0"/>
-              <a:t>Pipeline and </a:t>
-            </a:r>
-            <a:r>
-              <a:rPr lang="en-US" dirty="0" err="1"/>
-              <a:t>PipelineRun</a:t>
-            </a:r>
-            <a:endParaRPr dirty="0"/>
-          </a:p>
-        </p:txBody>
-      </p:sp>
-      <p:pic>
-        <p:nvPicPr>
-          <p:cNvPr id="3" name="Picture 2">
-            <a:extLst>
-              <a:ext uri="{FF2B5EF4-FFF2-40B4-BE49-F238E27FC236}">
-                <a16:creationId xmlns:a16="http://schemas.microsoft.com/office/drawing/2014/main" id="{71025EB9-1C27-0949-8B52-BAB614F7532A}"/>
-              </a:ext>
-            </a:extLst>
-          </p:cNvPr>
-          <p:cNvPicPr>
-            <a:picLocks noChangeAspect="1"/>
-          </p:cNvPicPr>
-          <p:nvPr/>
-        </p:nvPicPr>
-        <p:blipFill>
-          <a:blip r:embed="rId3"/>
-          <a:srcRect/>
-          <a:stretch/>
-        </p:blipFill>
-        <p:spPr>
-          <a:xfrm>
-            <a:off x="1124355" y="1258233"/>
-            <a:ext cx="3319880" cy="4734911"/>
-          </a:xfrm>
-          <a:prstGeom prst="rect">
-            <a:avLst/>
-          </a:prstGeom>
-        </p:spPr>
-      </p:pic>
-      <p:pic>
-        <p:nvPicPr>
-          <p:cNvPr id="2" name="Picture 1">
-            <a:extLst>
-              <a:ext uri="{FF2B5EF4-FFF2-40B4-BE49-F238E27FC236}">
-                <a16:creationId xmlns:a16="http://schemas.microsoft.com/office/drawing/2014/main" id="{EEA96C0A-DEA4-474C-9FCF-6022A4043288}"/>
-              </a:ext>
-            </a:extLst>
-          </p:cNvPr>
-          <p:cNvPicPr>
-            <a:picLocks noChangeAspect="1"/>
-          </p:cNvPicPr>
-          <p:nvPr/>
-        </p:nvPicPr>
-        <p:blipFill>
-          <a:blip r:embed="rId4"/>
-          <a:stretch>
-            <a:fillRect/>
-          </a:stretch>
-        </p:blipFill>
-        <p:spPr>
-          <a:xfrm>
-            <a:off x="5314697" y="1805152"/>
-            <a:ext cx="5752948" cy="3492062"/>
-          </a:xfrm>
-          <a:prstGeom prst="rect">
-            <a:avLst/>
-          </a:prstGeom>
-        </p:spPr>
-      </p:pic>
-    </p:spTree>
-    <p:extLst>
-      <p:ext uri="{BB962C8B-B14F-4D97-AF65-F5344CB8AC3E}">
-        <p14:creationId xmlns:p14="http://schemas.microsoft.com/office/powerpoint/2010/main" val="1405448463"/>
-      </p:ext>
-    </p:extLst>
-  </p:cSld>
-  <p:clrMapOvr>
-    <a:masterClrMapping/>
-  </p:clrMapOvr>
-</p:sld>
-</file>
-
-<file path=ppt/slides/slide7.xml><?xml version="1.0" encoding="utf-8"?>
-<p:sld xmlns:a="http://schemas.openxmlformats.org/drawingml/2006/main" xmlns:r="http://schemas.openxmlformats.org/officeDocument/2006/relationships" xmlns:p="http://schemas.openxmlformats.org/presentationml/2006/main">
-  <p:cSld>
-    <p:spTree>
-      <p:nvGrpSpPr>
-        <p:cNvPr id="1" name=""/>
-        <p:cNvGrpSpPr/>
-        <p:nvPr/>
-      </p:nvGrpSpPr>
-      <p:grpSpPr>
-        <a:xfrm>
-          <a:off x="0" y="0"/>
-          <a:ext cx="0" cy="0"/>
-          <a:chOff x="0" y="0"/>
-          <a:chExt cx="0" cy="0"/>
-        </a:xfrm>
-      </p:grpSpPr>
-      <p:sp>
-        <p:nvSpPr>
-          <p:cNvPr id="2" name="Title 1">
-            <a:extLst>
-              <a:ext uri="{FF2B5EF4-FFF2-40B4-BE49-F238E27FC236}">
-                <a16:creationId xmlns:a16="http://schemas.microsoft.com/office/drawing/2014/main" id="{F4D605B8-B9FD-D04F-83D0-23EE0D71DE10}"/>
-              </a:ext>
-            </a:extLst>
-          </p:cNvPr>
-          <p:cNvSpPr>
-            <a:spLocks noGrp="1"/>
-          </p:cNvSpPr>
-          <p:nvPr>
-            <p:ph type="title"/>
-          </p:nvPr>
-        </p:nvSpPr>
-        <p:spPr/>
-        <p:txBody>
-          <a:bodyPr/>
-          <a:lstStyle/>
-          <a:p>
-            <a:r>
-              <a:rPr lang="en-US" dirty="0" err="1"/>
-              <a:t>Tekton</a:t>
-            </a:r>
-            <a:r>
-              <a:rPr lang="en-US" dirty="0"/>
-              <a:t> Catalog/Hub </a:t>
-            </a:r>
-          </a:p>
-        </p:txBody>
-      </p:sp>
-      <p:sp>
-        <p:nvSpPr>
-          <p:cNvPr id="3" name="Text Placeholder 2">
-            <a:extLst>
-              <a:ext uri="{FF2B5EF4-FFF2-40B4-BE49-F238E27FC236}">
-                <a16:creationId xmlns:a16="http://schemas.microsoft.com/office/drawing/2014/main" id="{0601C5F7-7F4A-4A4E-ACDE-D8BDCE1BC2B8}"/>
-              </a:ext>
-            </a:extLst>
-          </p:cNvPr>
-          <p:cNvSpPr>
-            <a:spLocks noGrp="1"/>
-          </p:cNvSpPr>
-          <p:nvPr>
-            <p:ph type="body" idx="1"/>
-          </p:nvPr>
-        </p:nvSpPr>
-        <p:spPr>
-          <a:xfrm>
-            <a:off x="-8546" y="1320299"/>
-            <a:ext cx="6724828" cy="4848117"/>
-          </a:xfrm>
-        </p:spPr>
-        <p:txBody>
-          <a:bodyPr/>
-          <a:lstStyle/>
-          <a:p>
-            <a:r>
-              <a:rPr lang="en-US" dirty="0" err="1"/>
-              <a:t>Tekton</a:t>
-            </a:r>
-            <a:r>
-              <a:rPr lang="en-US" dirty="0"/>
-              <a:t> Catalog/Hub allows users to discover, search and share Tasks and pipelines that have been created.</a:t>
-            </a:r>
-          </a:p>
-          <a:p>
-            <a:r>
-              <a:rPr lang="en-US" dirty="0"/>
-              <a:t>Great starting place for new users to start using tasks, modifying existing to fit their needs or creating their own from examples.</a:t>
-            </a:r>
-          </a:p>
-          <a:p>
-            <a:r>
-              <a:rPr lang="en-US" dirty="0"/>
-              <a:t>We will use the </a:t>
-            </a:r>
-            <a:r>
-              <a:rPr lang="en-US" dirty="0" err="1"/>
-              <a:t>buildpacks</a:t>
-            </a:r>
-            <a:r>
-              <a:rPr lang="en-US" dirty="0"/>
-              <a:t> pipeline from the catalog for the demo.</a:t>
-            </a:r>
-          </a:p>
-          <a:p>
-            <a:pPr marL="114300" indent="0">
-              <a:buNone/>
-            </a:pPr>
-            <a:br>
-              <a:rPr lang="en-US" dirty="0"/>
-            </a:br>
-            <a:endParaRPr lang="en-US" dirty="0"/>
-          </a:p>
-        </p:txBody>
-      </p:sp>
-      <p:pic>
-        <p:nvPicPr>
-          <p:cNvPr id="4" name="Picture 3">
-            <a:extLst>
-              <a:ext uri="{FF2B5EF4-FFF2-40B4-BE49-F238E27FC236}">
-                <a16:creationId xmlns:a16="http://schemas.microsoft.com/office/drawing/2014/main" id="{CC65E632-9291-8C41-8A81-9B4BEA8FB522}"/>
-              </a:ext>
-            </a:extLst>
-          </p:cNvPr>
-          <p:cNvPicPr>
-            <a:picLocks noChangeAspect="1"/>
-          </p:cNvPicPr>
-          <p:nvPr/>
-        </p:nvPicPr>
-        <p:blipFill>
-          <a:blip r:embed="rId3"/>
-          <a:stretch>
-            <a:fillRect/>
-          </a:stretch>
-        </p:blipFill>
-        <p:spPr>
-          <a:xfrm>
-            <a:off x="6956682" y="1328846"/>
-            <a:ext cx="5117457" cy="4848117"/>
-          </a:xfrm>
-          <a:prstGeom prst="rect">
-            <a:avLst/>
-          </a:prstGeom>
-        </p:spPr>
-      </p:pic>
-    </p:spTree>
-    <p:extLst>
-      <p:ext uri="{BB962C8B-B14F-4D97-AF65-F5344CB8AC3E}">
-        <p14:creationId xmlns:p14="http://schemas.microsoft.com/office/powerpoint/2010/main" val="1928146205"/>
-      </p:ext>
-    </p:extLst>
-  </p:cSld>
-  <p:clrMapOvr>
-    <a:masterClrMapping/>
-  </p:clrMapOvr>
-</p:sld>
-</file>
-
-<file path=ppt/slides/slide8.xml><?xml version="1.0" encoding="utf-8"?>
-<p:sld xmlns:a="http://schemas.openxmlformats.org/drawingml/2006/main" xmlns:r="http://schemas.openxmlformats.org/officeDocument/2006/relationships" xmlns:p="http://schemas.openxmlformats.org/presentationml/2006/main">
-  <p:cSld>
-    <p:spTree>
-      <p:nvGrpSpPr>
-        <p:cNvPr id="1" name=""/>
-        <p:cNvGrpSpPr/>
-        <p:nvPr/>
-      </p:nvGrpSpPr>
-      <p:grpSpPr>
-        <a:xfrm>
-          <a:off x="0" y="0"/>
-          <a:ext cx="0" cy="0"/>
-          <a:chOff x="0" y="0"/>
-          <a:chExt cx="0" cy="0"/>
-        </a:xfrm>
-      </p:grpSpPr>
-      <p:sp>
-        <p:nvSpPr>
-          <p:cNvPr id="2" name="Title 1">
-            <a:extLst>
-              <a:ext uri="{FF2B5EF4-FFF2-40B4-BE49-F238E27FC236}">
-                <a16:creationId xmlns:a16="http://schemas.microsoft.com/office/drawing/2014/main" id="{F4D605B8-B9FD-D04F-83D0-23EE0D71DE10}"/>
-              </a:ext>
-            </a:extLst>
-          </p:cNvPr>
-          <p:cNvSpPr>
-            <a:spLocks noGrp="1"/>
-          </p:cNvSpPr>
-          <p:nvPr>
-            <p:ph type="title"/>
-          </p:nvPr>
-        </p:nvSpPr>
-        <p:spPr/>
-        <p:txBody>
-          <a:bodyPr/>
-          <a:lstStyle/>
-          <a:p>
-            <a:r>
-              <a:rPr lang="en-US" dirty="0" err="1"/>
-              <a:t>Tekton</a:t>
-            </a:r>
-            <a:r>
-              <a:rPr lang="en-US" dirty="0"/>
-              <a:t> Dashboard</a:t>
-            </a:r>
-          </a:p>
-        </p:txBody>
-      </p:sp>
-      <p:sp>
-        <p:nvSpPr>
-          <p:cNvPr id="3" name="Text Placeholder 2">
-            <a:extLst>
-              <a:ext uri="{FF2B5EF4-FFF2-40B4-BE49-F238E27FC236}">
-                <a16:creationId xmlns:a16="http://schemas.microsoft.com/office/drawing/2014/main" id="{0601C5F7-7F4A-4A4E-ACDE-D8BDCE1BC2B8}"/>
-              </a:ext>
-            </a:extLst>
-          </p:cNvPr>
-          <p:cNvSpPr>
-            <a:spLocks noGrp="1"/>
-          </p:cNvSpPr>
-          <p:nvPr>
-            <p:ph type="body" idx="1"/>
-          </p:nvPr>
-        </p:nvSpPr>
-        <p:spPr>
-          <a:xfrm>
-            <a:off x="0" y="1286116"/>
-            <a:ext cx="6724828" cy="4848117"/>
-          </a:xfrm>
-        </p:spPr>
-        <p:txBody>
-          <a:bodyPr/>
-          <a:lstStyle/>
-          <a:p>
-            <a:r>
-              <a:rPr lang="en-US" dirty="0" err="1"/>
-              <a:t>Tekton</a:t>
-            </a:r>
-            <a:r>
-              <a:rPr lang="en-US" dirty="0"/>
-              <a:t> Dashboard, as a general-purpose, web-based UI for </a:t>
-            </a:r>
-            <a:r>
-              <a:rPr lang="en-US" dirty="0" err="1"/>
-              <a:t>Tekton</a:t>
-            </a:r>
-            <a:r>
-              <a:rPr lang="en-US" dirty="0"/>
-              <a:t> Pipelines, which allows developers to: </a:t>
-            </a:r>
-          </a:p>
-          <a:p>
-            <a:pPr lvl="1"/>
-            <a:r>
-              <a:rPr lang="en-US" dirty="0"/>
-              <a:t>View and manage </a:t>
-            </a:r>
-            <a:r>
-              <a:rPr lang="en-US" dirty="0" err="1"/>
-              <a:t>taskRuns</a:t>
-            </a:r>
-            <a:r>
-              <a:rPr lang="en-US" dirty="0"/>
-              <a:t> and </a:t>
-            </a:r>
-            <a:r>
-              <a:rPr lang="en-US" dirty="0" err="1"/>
-              <a:t>pipelineRuns</a:t>
-            </a:r>
-            <a:endParaRPr lang="en-US" dirty="0"/>
-          </a:p>
-          <a:p>
-            <a:pPr lvl="1"/>
-            <a:r>
-              <a:rPr lang="en-US" dirty="0"/>
-              <a:t>View and manage resources associated with </a:t>
-            </a:r>
-            <a:r>
-              <a:rPr lang="en-US" dirty="0" err="1"/>
-              <a:t>taskRuns</a:t>
-            </a:r>
-            <a:r>
-              <a:rPr lang="en-US" dirty="0"/>
-              <a:t> and </a:t>
-            </a:r>
-            <a:r>
-              <a:rPr lang="en-US" dirty="0" err="1"/>
-              <a:t>pipelineRuns</a:t>
-            </a:r>
-            <a:r>
-              <a:rPr lang="en-US" dirty="0"/>
-              <a:t> in their creation, execution, and completion</a:t>
-            </a:r>
-            <a:br>
-              <a:rPr lang="en-US" dirty="0"/>
-            </a:br>
-            <a:br>
-              <a:rPr lang="en-US" dirty="0"/>
-            </a:br>
-            <a:endParaRPr lang="en-US" dirty="0"/>
-          </a:p>
-        </p:txBody>
-      </p:sp>
-      <p:pic>
-        <p:nvPicPr>
-          <p:cNvPr id="5" name="Picture 4">
-            <a:extLst>
-              <a:ext uri="{FF2B5EF4-FFF2-40B4-BE49-F238E27FC236}">
-                <a16:creationId xmlns:a16="http://schemas.microsoft.com/office/drawing/2014/main" id="{E0CC49EC-7444-4842-9EB8-FB78B393F4CD}"/>
-              </a:ext>
-            </a:extLst>
-          </p:cNvPr>
-          <p:cNvPicPr>
-            <a:picLocks noChangeAspect="1"/>
-          </p:cNvPicPr>
-          <p:nvPr/>
-        </p:nvPicPr>
-        <p:blipFill>
-          <a:blip r:embed="rId3"/>
-          <a:stretch>
-            <a:fillRect/>
-          </a:stretch>
-        </p:blipFill>
-        <p:spPr>
-          <a:xfrm>
-            <a:off x="6621182" y="1469877"/>
-            <a:ext cx="5454595" cy="3730239"/>
-          </a:xfrm>
-          <a:prstGeom prst="rect">
-            <a:avLst/>
-          </a:prstGeom>
-        </p:spPr>
-      </p:pic>
-    </p:spTree>
-    <p:extLst>
-      <p:ext uri="{BB962C8B-B14F-4D97-AF65-F5344CB8AC3E}">
-        <p14:creationId xmlns:p14="http://schemas.microsoft.com/office/powerpoint/2010/main" val="902330513"/>
-      </p:ext>
-    </p:extLst>
-  </p:cSld>
-  <p:clrMapOvr>
-    <a:masterClrMapping/>
-  </p:clrMapOvr>
-</p:sld>
-</file>
-
-<file path=ppt/slides/slide9.xml><?xml version="1.0" encoding="utf-8"?>
-<p:sld xmlns:a="http://schemas.openxmlformats.org/drawingml/2006/main" xmlns:r="http://schemas.openxmlformats.org/officeDocument/2006/relationships" xmlns:p="http://schemas.openxmlformats.org/presentationml/2006/main">
-  <p:cSld>
-    <p:spTree>
-      <p:nvGrpSpPr>
-        <p:cNvPr id="1" name=""/>
-        <p:cNvGrpSpPr/>
-        <p:nvPr/>
-      </p:nvGrpSpPr>
-      <p:grpSpPr>
-        <a:xfrm>
-          <a:off x="0" y="0"/>
-          <a:ext cx="0" cy="0"/>
-          <a:chOff x="0" y="0"/>
-          <a:chExt cx="0" cy="0"/>
-        </a:xfrm>
-      </p:grpSpPr>
-      <p:sp>
-        <p:nvSpPr>
-          <p:cNvPr id="2" name="Title 1">
-            <a:extLst>
-              <a:ext uri="{FF2B5EF4-FFF2-40B4-BE49-F238E27FC236}">
-                <a16:creationId xmlns:a16="http://schemas.microsoft.com/office/drawing/2014/main" id="{F4D605B8-B9FD-D04F-83D0-23EE0D71DE10}"/>
-              </a:ext>
-            </a:extLst>
-          </p:cNvPr>
-          <p:cNvSpPr>
-            <a:spLocks noGrp="1"/>
-          </p:cNvSpPr>
-          <p:nvPr>
-            <p:ph type="title"/>
-          </p:nvPr>
-        </p:nvSpPr>
-        <p:spPr/>
-        <p:txBody>
-          <a:bodyPr/>
-          <a:lstStyle/>
-          <a:p>
-            <a:r>
-              <a:rPr lang="en-US" dirty="0" err="1"/>
-              <a:t>Tekton</a:t>
-            </a:r>
-            <a:r>
-              <a:rPr lang="en-US" dirty="0"/>
-              <a:t> Chains</a:t>
-            </a:r>
-          </a:p>
-        </p:txBody>
-      </p:sp>
-      <p:sp>
-        <p:nvSpPr>
-          <p:cNvPr id="3" name="Text Placeholder 2">
-            <a:extLst>
-              <a:ext uri="{FF2B5EF4-FFF2-40B4-BE49-F238E27FC236}">
-                <a16:creationId xmlns:a16="http://schemas.microsoft.com/office/drawing/2014/main" id="{0601C5F7-7F4A-4A4E-ACDE-D8BDCE1BC2B8}"/>
-              </a:ext>
-            </a:extLst>
-          </p:cNvPr>
-          <p:cNvSpPr>
-            <a:spLocks noGrp="1"/>
-          </p:cNvSpPr>
-          <p:nvPr>
-            <p:ph type="body" idx="1"/>
-          </p:nvPr>
-        </p:nvSpPr>
-        <p:spPr>
-          <a:xfrm>
-            <a:off x="838200" y="1328846"/>
-            <a:ext cx="6724828" cy="4848117"/>
-          </a:xfrm>
-        </p:spPr>
-        <p:txBody>
-          <a:bodyPr/>
-          <a:lstStyle/>
-          <a:p>
-            <a:r>
-              <a:rPr lang="en-US" dirty="0"/>
-              <a:t>Observing all </a:t>
-            </a:r>
-            <a:r>
-              <a:rPr lang="en-US" dirty="0" err="1"/>
-              <a:t>TaskRuns</a:t>
-            </a:r>
-            <a:r>
-              <a:rPr lang="en-US" dirty="0"/>
-              <a:t> executions in your cluster. </a:t>
-            </a:r>
-          </a:p>
-          <a:p>
-            <a:r>
-              <a:rPr lang="en-US" dirty="0"/>
-              <a:t>Current features include:</a:t>
-            </a:r>
-          </a:p>
-          <a:p>
-            <a:pPr lvl="1"/>
-            <a:r>
-              <a:rPr lang="en-US" dirty="0"/>
-              <a:t>Signing </a:t>
-            </a:r>
-            <a:r>
-              <a:rPr lang="en-US" dirty="0" err="1"/>
-              <a:t>TaskRun</a:t>
-            </a:r>
-            <a:r>
-              <a:rPr lang="en-US" dirty="0"/>
-              <a:t> results with user provided cryptographic keys, including </a:t>
-            </a:r>
-            <a:r>
-              <a:rPr lang="en-US" dirty="0" err="1"/>
-              <a:t>TaskRuns</a:t>
-            </a:r>
-            <a:r>
-              <a:rPr lang="en-US" dirty="0"/>
-              <a:t> themselves and OCI Images</a:t>
-            </a:r>
-          </a:p>
-          <a:p>
-            <a:pPr lvl="1"/>
-            <a:r>
-              <a:rPr lang="en-US" dirty="0"/>
-              <a:t>Attestation formats like SLSA</a:t>
-            </a:r>
-          </a:p>
-          <a:p>
-            <a:pPr lvl="1"/>
-            <a:r>
-              <a:rPr lang="en-US" dirty="0"/>
-              <a:t>Signing with a variety of </a:t>
-            </a:r>
-            <a:r>
-              <a:rPr lang="en-US" dirty="0" err="1"/>
-              <a:t>cryptograhic</a:t>
-            </a:r>
-            <a:r>
-              <a:rPr lang="en-US" dirty="0"/>
-              <a:t> key types and services (x509, KMS)</a:t>
-            </a:r>
-          </a:p>
-          <a:p>
-            <a:pPr lvl="1"/>
-            <a:r>
-              <a:rPr lang="en-US" dirty="0"/>
-              <a:t>Support for multiple storage backends for signatures</a:t>
-            </a:r>
-          </a:p>
-          <a:p>
-            <a:r>
-              <a:rPr lang="en-US" dirty="0"/>
-              <a:t>Future Releases:</a:t>
-            </a:r>
-          </a:p>
-          <a:p>
-            <a:pPr lvl="1"/>
-            <a:r>
-              <a:rPr lang="en-US" dirty="0"/>
-              <a:t>Integration with SPIFFE SPIRE for non-falsifiable provenance</a:t>
-            </a:r>
-          </a:p>
-          <a:p>
-            <a:pPr marL="114300" indent="0">
-              <a:buNone/>
-            </a:pPr>
-            <a:endParaRPr lang="en-US" dirty="0"/>
-          </a:p>
-          <a:p>
-            <a:pPr marL="114300" indent="0">
-              <a:buNone/>
-            </a:pPr>
-            <a:br>
-              <a:rPr lang="en-US" dirty="0"/>
-            </a:br>
-            <a:endParaRPr lang="en-US" dirty="0"/>
-          </a:p>
-        </p:txBody>
-      </p:sp>
-      <p:pic>
-        <p:nvPicPr>
-          <p:cNvPr id="6146" name="Picture 2">
-            <a:extLst>
-              <a:ext uri="{FF2B5EF4-FFF2-40B4-BE49-F238E27FC236}">
-                <a16:creationId xmlns:a16="http://schemas.microsoft.com/office/drawing/2014/main" id="{973D916D-5645-944B-807B-3C27E0BCDE2D}"/>
-              </a:ext>
-            </a:extLst>
-          </p:cNvPr>
-          <p:cNvPicPr>
-            <a:picLocks noChangeAspect="1" noChangeArrowheads="1"/>
-          </p:cNvPicPr>
-          <p:nvPr/>
-        </p:nvPicPr>
-        <p:blipFill>
-          <a:blip r:embed="rId2">
-            <a:extLst>
-              <a:ext uri="{28A0092B-C50C-407E-A947-70E740481C1C}">
-                <a14:useLocalDpi xmlns:a14="http://schemas.microsoft.com/office/drawing/2010/main" val="0"/>
-              </a:ext>
-            </a:extLst>
-          </a:blip>
-          <a:srcRect/>
-          <a:stretch>
-            <a:fillRect/>
-          </a:stretch>
-        </p:blipFill>
-        <p:spPr bwMode="auto">
-          <a:xfrm>
-            <a:off x="8219966" y="1948136"/>
-            <a:ext cx="2184400" cy="2730500"/>
-          </a:xfrm>
-          <a:prstGeom prst="rect">
-            <a:avLst/>
-          </a:prstGeom>
-          <a:noFill/>
-          <a:extLst>
-            <a:ext uri="{909E8E84-426E-40DD-AFC4-6F175D3DCCD1}">
-              <a14:hiddenFill xmlns:a14="http://schemas.microsoft.com/office/drawing/2010/main">
-                <a:solidFill>
-                  <a:srgbClr val="FFFFFF"/>
-                </a:solidFill>
-              </a14:hiddenFill>
-            </a:ext>
-          </a:extLst>
-        </p:spPr>
-      </p:pic>
-    </p:spTree>
-    <p:extLst>
-      <p:ext uri="{BB962C8B-B14F-4D97-AF65-F5344CB8AC3E}">
-        <p14:creationId xmlns:p14="http://schemas.microsoft.com/office/powerpoint/2010/main" val="3257645524"/>
-      </p:ext>
-    </p:extLst>
-  </p:cSld>
-  <p:clrMapOvr>
-    <a:masterClrMapping/>
-  </p:clrMapOvr>
-</p:sld>
-</file>
-
 <file path=ppt/theme/theme1.xml><?xml version="1.0" encoding="utf-8"?>
 <a:theme xmlns:a="http://schemas.openxmlformats.org/drawingml/2006/main" name="BOXBOAT DARK">
   <a:themeElements>
